--- a/MIT PhD/ZGS/ZGS -Aug-26-2022/BUI-ZGS-Aug-26-2022.pptx
+++ b/MIT PhD/ZGS/ZGS -Aug-26-2022/BUI-ZGS-Aug-26-2022.pptx
@@ -12,9 +12,11 @@
     <p:sldId id="263" r:id="rId6"/>
     <p:sldId id="265" r:id="rId7"/>
     <p:sldId id="266" r:id="rId8"/>
-    <p:sldId id="267" r:id="rId9"/>
-    <p:sldId id="260" r:id="rId10"/>
-    <p:sldId id="261" r:id="rId11"/>
+    <p:sldId id="268" r:id="rId9"/>
+    <p:sldId id="269" r:id="rId10"/>
+    <p:sldId id="260" r:id="rId11"/>
+    <p:sldId id="261" r:id="rId12"/>
+    <p:sldId id="270" r:id="rId13"/>
   </p:sldIdLst>
   <p:sldSz cx="12192000" cy="6858000"/>
   <p:notesSz cx="6858000" cy="9144000"/>
@@ -260,7 +262,7 @@
           <a:p>
             <a:fld id="{846CE7D5-CF57-46EF-B807-FDD0502418D4}" type="datetimeFigureOut">
               <a:rPr lang="en-US" smtClean="0"/>
-              <a:t>8/14/22</a:t>
+              <a:t>8/19/22</a:t>
             </a:fld>
             <a:endParaRPr lang="en-US"/>
           </a:p>
@@ -430,7 +432,7 @@
           <a:p>
             <a:fld id="{846CE7D5-CF57-46EF-B807-FDD0502418D4}" type="datetimeFigureOut">
               <a:rPr lang="en-US" smtClean="0"/>
-              <a:t>8/14/22</a:t>
+              <a:t>8/19/22</a:t>
             </a:fld>
             <a:endParaRPr lang="en-US"/>
           </a:p>
@@ -610,7 +612,7 @@
           <a:p>
             <a:fld id="{846CE7D5-CF57-46EF-B807-FDD0502418D4}" type="datetimeFigureOut">
               <a:rPr lang="en-US" smtClean="0"/>
-              <a:t>8/14/22</a:t>
+              <a:t>8/19/22</a:t>
             </a:fld>
             <a:endParaRPr lang="en-US"/>
           </a:p>
@@ -780,7 +782,7 @@
           <a:p>
             <a:fld id="{846CE7D5-CF57-46EF-B807-FDD0502418D4}" type="datetimeFigureOut">
               <a:rPr lang="en-US" smtClean="0"/>
-              <a:t>8/14/22</a:t>
+              <a:t>8/19/22</a:t>
             </a:fld>
             <a:endParaRPr lang="en-US"/>
           </a:p>
@@ -1026,7 +1028,7 @@
           <a:p>
             <a:fld id="{846CE7D5-CF57-46EF-B807-FDD0502418D4}" type="datetimeFigureOut">
               <a:rPr lang="en-US" smtClean="0"/>
-              <a:t>8/14/22</a:t>
+              <a:t>8/19/22</a:t>
             </a:fld>
             <a:endParaRPr lang="en-US"/>
           </a:p>
@@ -1258,7 +1260,7 @@
           <a:p>
             <a:fld id="{846CE7D5-CF57-46EF-B807-FDD0502418D4}" type="datetimeFigureOut">
               <a:rPr lang="en-US" smtClean="0"/>
-              <a:t>8/14/22</a:t>
+              <a:t>8/19/22</a:t>
             </a:fld>
             <a:endParaRPr lang="en-US"/>
           </a:p>
@@ -1625,7 +1627,7 @@
           <a:p>
             <a:fld id="{846CE7D5-CF57-46EF-B807-FDD0502418D4}" type="datetimeFigureOut">
               <a:rPr lang="en-US" smtClean="0"/>
-              <a:t>8/14/22</a:t>
+              <a:t>8/19/22</a:t>
             </a:fld>
             <a:endParaRPr lang="en-US"/>
           </a:p>
@@ -1743,7 +1745,7 @@
           <a:p>
             <a:fld id="{846CE7D5-CF57-46EF-B807-FDD0502418D4}" type="datetimeFigureOut">
               <a:rPr lang="en-US" smtClean="0"/>
-              <a:t>8/14/22</a:t>
+              <a:t>8/19/22</a:t>
             </a:fld>
             <a:endParaRPr lang="en-US"/>
           </a:p>
@@ -1838,7 +1840,7 @@
           <a:p>
             <a:fld id="{846CE7D5-CF57-46EF-B807-FDD0502418D4}" type="datetimeFigureOut">
               <a:rPr lang="en-US" smtClean="0"/>
-              <a:t>8/14/22</a:t>
+              <a:t>8/19/22</a:t>
             </a:fld>
             <a:endParaRPr lang="en-US"/>
           </a:p>
@@ -2115,7 +2117,7 @@
           <a:p>
             <a:fld id="{846CE7D5-CF57-46EF-B807-FDD0502418D4}" type="datetimeFigureOut">
               <a:rPr lang="en-US" smtClean="0"/>
-              <a:t>8/14/22</a:t>
+              <a:t>8/19/22</a:t>
             </a:fld>
             <a:endParaRPr lang="en-US"/>
           </a:p>
@@ -2372,7 +2374,7 @@
           <a:p>
             <a:fld id="{846CE7D5-CF57-46EF-B807-FDD0502418D4}" type="datetimeFigureOut">
               <a:rPr lang="en-US" smtClean="0"/>
-              <a:t>8/14/22</a:t>
+              <a:t>8/19/22</a:t>
             </a:fld>
             <a:endParaRPr lang="en-US"/>
           </a:p>
@@ -2585,7 +2587,7 @@
           <a:p>
             <a:fld id="{846CE7D5-CF57-46EF-B807-FDD0502418D4}" type="datetimeFigureOut">
               <a:rPr lang="en-US" smtClean="0"/>
-              <a:t>8/14/22</a:t>
+              <a:t>8/19/22</a:t>
             </a:fld>
             <a:endParaRPr lang="en-US"/>
           </a:p>
@@ -3058,7 +3060,7 @@
                 <a:ea typeface="Calibri"/>
                 <a:cs typeface="Calibri"/>
               </a:rPr>
-              <a:t>Huan Q. Bui</a:t>
+              <a:t>Huan Bui</a:t>
             </a:r>
           </a:p>
           <a:p>
@@ -3131,7 +3133,7 @@
         <p:spPr>
           <a:xfrm>
             <a:off x="685558" y="623602"/>
-            <a:ext cx="2381486" cy="461665"/>
+            <a:ext cx="2824299" cy="461665"/>
           </a:xfrm>
           <a:prstGeom prst="rect">
             <a:avLst/>
@@ -3146,7 +3148,389 @@
           <a:p>
             <a:r>
               <a:rPr lang="en-US" sz="2400" dirty="0"/>
+              <a:t>Temperature limit as </a:t>
+            </a:r>
+          </a:p>
+        </p:txBody>
+      </p:sp>
+      <p:pic>
+        <p:nvPicPr>
+          <p:cNvPr id="4" name="Picture 3" descr="\documentclass{article}&#10;\usepackage{amsmath}&#10;\pagestyle{empty}&#10;\begin{document}&#10;&#10;$\gamma \to 0$&#10;&#10;&#10;\end{document}" title="IguanaTex Bitmap Display">
+            <a:extLst>
+              <a:ext uri="{FF2B5EF4-FFF2-40B4-BE49-F238E27FC236}">
+                <a16:creationId xmlns:a16="http://schemas.microsoft.com/office/drawing/2014/main" id="{8B67732A-0ABC-6807-A225-E0537FE8C8A3}"/>
+              </a:ext>
+            </a:extLst>
+          </p:cNvPr>
+          <p:cNvPicPr>
+            <a:picLocks noChangeAspect="1"/>
+          </p:cNvPicPr>
+          <p:nvPr>
+            <p:custDataLst>
+              <p:tags r:id="rId1"/>
+            </p:custDataLst>
+          </p:nvPr>
+        </p:nvPicPr>
+        <p:blipFill>
+          <a:blip r:embed="rId3" cstate="print">
+            <a:extLst>
+              <a:ext uri="{28A0092B-C50C-407E-A947-70E740481C1C}">
+                <a14:useLocalDpi xmlns:a14="http://schemas.microsoft.com/office/drawing/2010/main" val="0"/>
+              </a:ext>
+            </a:extLst>
+          </a:blip>
+          <a:stretch>
+            <a:fillRect/>
+          </a:stretch>
+        </p:blipFill>
+        <p:spPr>
+          <a:xfrm>
+            <a:off x="3414296" y="720948"/>
+            <a:ext cx="784457" cy="266971"/>
+          </a:xfrm>
+          <a:prstGeom prst="rect">
+            <a:avLst/>
+          </a:prstGeom>
+        </p:spPr>
+      </p:pic>
+      <p:pic>
+        <p:nvPicPr>
+          <p:cNvPr id="3" name="Picture 2" descr="Chart&#10;&#10;Description automatically generated">
+            <a:extLst>
+              <a:ext uri="{FF2B5EF4-FFF2-40B4-BE49-F238E27FC236}">
+                <a16:creationId xmlns:a16="http://schemas.microsoft.com/office/drawing/2014/main" id="{4B60FC13-57E6-93C1-2D87-44B6BC935E4E}"/>
+              </a:ext>
+            </a:extLst>
+          </p:cNvPr>
+          <p:cNvPicPr>
+            <a:picLocks noChangeAspect="1"/>
+          </p:cNvPicPr>
+          <p:nvPr/>
+        </p:nvPicPr>
+        <p:blipFill>
+          <a:blip r:embed="rId4">
+            <a:extLst>
+              <a:ext uri="{28A0092B-C50C-407E-A947-70E740481C1C}">
+                <a14:useLocalDpi xmlns:a14="http://schemas.microsoft.com/office/drawing/2010/main" val="0"/>
+              </a:ext>
+            </a:extLst>
+          </a:blip>
+          <a:stretch>
+            <a:fillRect/>
+          </a:stretch>
+        </p:blipFill>
+        <p:spPr>
+          <a:xfrm>
+            <a:off x="5309937" y="1653561"/>
+            <a:ext cx="5545693" cy="3929092"/>
+          </a:xfrm>
+          <a:prstGeom prst="rect">
+            <a:avLst/>
+          </a:prstGeom>
+        </p:spPr>
+      </p:pic>
+      <p:sp>
+        <p:nvSpPr>
+          <p:cNvPr id="5" name="TextBox 4">
+            <a:extLst>
+              <a:ext uri="{FF2B5EF4-FFF2-40B4-BE49-F238E27FC236}">
+                <a16:creationId xmlns:a16="http://schemas.microsoft.com/office/drawing/2014/main" id="{223718AD-1688-5DD0-465B-CE1D366E5711}"/>
+              </a:ext>
+            </a:extLst>
+          </p:cNvPr>
+          <p:cNvSpPr txBox="1"/>
+          <p:nvPr/>
+        </p:nvSpPr>
+        <p:spPr>
+          <a:xfrm>
+            <a:off x="3806524" y="5646820"/>
+            <a:ext cx="3744936" cy="400110"/>
+          </a:xfrm>
+          <a:prstGeom prst="rect">
+            <a:avLst/>
+          </a:prstGeom>
+          <a:noFill/>
+        </p:spPr>
+        <p:txBody>
+          <a:bodyPr wrap="none" rtlCol="0">
+            <a:spAutoFit/>
+          </a:bodyPr>
+          <a:lstStyle/>
+          <a:p>
+            <a:r>
+              <a:rPr lang="en-US" sz="1000" dirty="0"/>
+              <a:t>Reduced conservative force </a:t>
+            </a:r>
+          </a:p>
+          <a:p>
+            <a:r>
+              <a:rPr lang="en-US" sz="1000" dirty="0"/>
+              <a:t>+ high excited state fraction </a:t>
+            </a:r>
+            <a:r>
+              <a:rPr lang="en-US" sz="1000" dirty="0">
+                <a:sym typeface="Wingdings" panose="05000000000000000000" pitchFamily="2" charset="2"/>
+              </a:rPr>
+              <a:t> more diffusion due to </a:t>
+            </a:r>
+            <a:r>
+              <a:rPr lang="en-US" sz="1000" dirty="0" err="1">
+                <a:sym typeface="Wingdings" panose="05000000000000000000" pitchFamily="2" charset="2"/>
+              </a:rPr>
+              <a:t>spon</a:t>
+            </a:r>
+            <a:r>
+              <a:rPr lang="en-US" sz="1000" dirty="0">
+                <a:sym typeface="Wingdings" panose="05000000000000000000" pitchFamily="2" charset="2"/>
+              </a:rPr>
+              <a:t>. emission</a:t>
+            </a:r>
+            <a:endParaRPr lang="en-US" sz="1000" dirty="0"/>
+          </a:p>
+        </p:txBody>
+      </p:sp>
+      <p:sp>
+        <p:nvSpPr>
+          <p:cNvPr id="6" name="TextBox 5">
+            <a:extLst>
+              <a:ext uri="{FF2B5EF4-FFF2-40B4-BE49-F238E27FC236}">
+                <a16:creationId xmlns:a16="http://schemas.microsoft.com/office/drawing/2014/main" id="{86CC8FB5-B19C-0A42-3102-71D698478AD9}"/>
+              </a:ext>
+            </a:extLst>
+          </p:cNvPr>
+          <p:cNvSpPr txBox="1"/>
+          <p:nvPr/>
+        </p:nvSpPr>
+        <p:spPr>
+          <a:xfrm>
+            <a:off x="8082783" y="5646820"/>
+            <a:ext cx="3733714" cy="400110"/>
+          </a:xfrm>
+          <a:prstGeom prst="rect">
+            <a:avLst/>
+          </a:prstGeom>
+          <a:noFill/>
+        </p:spPr>
+        <p:txBody>
+          <a:bodyPr wrap="none" rtlCol="0">
+            <a:spAutoFit/>
+          </a:bodyPr>
+          <a:lstStyle/>
+          <a:p>
+            <a:r>
+              <a:rPr lang="en-US" sz="1000" dirty="0"/>
+              <a:t>Decreased time ordering between</a:t>
+            </a:r>
+          </a:p>
+          <a:p>
+            <a:r>
+              <a:rPr lang="en-US" sz="1000" dirty="0"/>
+              <a:t>Adiabatic transfers </a:t>
+            </a:r>
+            <a:r>
+              <a:rPr lang="en-US" sz="1000" dirty="0">
+                <a:sym typeface="Wingdings" panose="05000000000000000000" pitchFamily="2" charset="2"/>
+              </a:rPr>
+              <a:t> particles spend more time in the excited state</a:t>
+            </a:r>
+            <a:endParaRPr lang="en-US" sz="1000" dirty="0"/>
+          </a:p>
+        </p:txBody>
+      </p:sp>
+    </p:spTree>
+    <p:extLst>
+      <p:ext uri="{BB962C8B-B14F-4D97-AF65-F5344CB8AC3E}">
+        <p14:creationId xmlns:p14="http://schemas.microsoft.com/office/powerpoint/2010/main" val="235539993"/>
+      </p:ext>
+    </p:extLst>
+  </p:cSld>
+  <p:clrMapOvr>
+    <a:masterClrMapping/>
+  </p:clrMapOvr>
+</p:sld>
+</file>
+
+<file path=ppt/slides/slide11.xml><?xml version="1.0" encoding="utf-8"?>
+<p:sld xmlns:a="http://schemas.openxmlformats.org/drawingml/2006/main" xmlns:r="http://schemas.openxmlformats.org/officeDocument/2006/relationships" xmlns:p="http://schemas.openxmlformats.org/presentationml/2006/main">
+  <p:cSld>
+    <p:spTree>
+      <p:nvGrpSpPr>
+        <p:cNvPr id="1" name=""/>
+        <p:cNvGrpSpPr/>
+        <p:nvPr/>
+      </p:nvGrpSpPr>
+      <p:grpSpPr>
+        <a:xfrm>
+          <a:off x="0" y="0"/>
+          <a:ext cx="0" cy="0"/>
+          <a:chOff x="0" y="0"/>
+          <a:chExt cx="0" cy="0"/>
+        </a:xfrm>
+      </p:grpSpPr>
+      <p:sp>
+        <p:nvSpPr>
+          <p:cNvPr id="20" name="TextBox 19">
+            <a:extLst>
+              <a:ext uri="{FF2B5EF4-FFF2-40B4-BE49-F238E27FC236}">
+                <a16:creationId xmlns:a16="http://schemas.microsoft.com/office/drawing/2014/main" id="{86F6163E-3579-7211-59A6-656D4BBC4241}"/>
+              </a:ext>
+            </a:extLst>
+          </p:cNvPr>
+          <p:cNvSpPr txBox="1"/>
+          <p:nvPr/>
+        </p:nvSpPr>
+        <p:spPr>
+          <a:xfrm>
+            <a:off x="685558" y="623602"/>
+            <a:ext cx="2381486" cy="461665"/>
+          </a:xfrm>
+          <a:prstGeom prst="rect">
+            <a:avLst/>
+          </a:prstGeom>
+          <a:noFill/>
+        </p:spPr>
+        <p:txBody>
+          <a:bodyPr wrap="none" rtlCol="0">
+            <a:spAutoFit/>
+          </a:bodyPr>
+          <a:lstStyle/>
+          <a:p>
+            <a:r>
+              <a:rPr lang="en-US" sz="2400" dirty="0"/>
               <a:t>Cooling efficiency</a:t>
+            </a:r>
+          </a:p>
+        </p:txBody>
+      </p:sp>
+      <p:pic>
+        <p:nvPicPr>
+          <p:cNvPr id="5" name="Picture 4" descr="Chart, line chart&#10;&#10;Description automatically generated">
+            <a:extLst>
+              <a:ext uri="{FF2B5EF4-FFF2-40B4-BE49-F238E27FC236}">
+                <a16:creationId xmlns:a16="http://schemas.microsoft.com/office/drawing/2014/main" id="{CBFC484D-CFC2-FCFB-7117-7B84254C33C6}"/>
+              </a:ext>
+            </a:extLst>
+          </p:cNvPr>
+          <p:cNvPicPr>
+            <a:picLocks noChangeAspect="1"/>
+          </p:cNvPicPr>
+          <p:nvPr/>
+        </p:nvPicPr>
+        <p:blipFill>
+          <a:blip r:embed="rId2">
+            <a:extLst>
+              <a:ext uri="{28A0092B-C50C-407E-A947-70E740481C1C}">
+                <a14:useLocalDpi xmlns:a14="http://schemas.microsoft.com/office/drawing/2010/main" val="0"/>
+              </a:ext>
+            </a:extLst>
+          </a:blip>
+          <a:stretch>
+            <a:fillRect/>
+          </a:stretch>
+        </p:blipFill>
+        <p:spPr>
+          <a:xfrm>
+            <a:off x="6613648" y="1153847"/>
+            <a:ext cx="4816353" cy="3450237"/>
+          </a:xfrm>
+          <a:prstGeom prst="rect">
+            <a:avLst/>
+          </a:prstGeom>
+        </p:spPr>
+      </p:pic>
+      <p:sp>
+        <p:nvSpPr>
+          <p:cNvPr id="6" name="TextBox 5">
+            <a:extLst>
+              <a:ext uri="{FF2B5EF4-FFF2-40B4-BE49-F238E27FC236}">
+                <a16:creationId xmlns:a16="http://schemas.microsoft.com/office/drawing/2014/main" id="{E0AB2A8E-1856-A04F-CDAE-FD122D7A0D24}"/>
+              </a:ext>
+            </a:extLst>
+          </p:cNvPr>
+          <p:cNvSpPr txBox="1"/>
+          <p:nvPr/>
+        </p:nvSpPr>
+        <p:spPr>
+          <a:xfrm>
+            <a:off x="952500" y="1524000"/>
+            <a:ext cx="4934877" cy="369332"/>
+          </a:xfrm>
+          <a:prstGeom prst="rect">
+            <a:avLst/>
+          </a:prstGeom>
+          <a:noFill/>
+        </p:spPr>
+        <p:txBody>
+          <a:bodyPr wrap="none" rtlCol="0">
+            <a:spAutoFit/>
+          </a:bodyPr>
+          <a:lstStyle/>
+          <a:p>
+            <a:r>
+              <a:rPr lang="en-US" dirty="0"/>
+              <a:t>Cooling efficiency ≡ energy removed per scattering</a:t>
+            </a:r>
+          </a:p>
+        </p:txBody>
+      </p:sp>
+      <p:sp>
+        <p:nvSpPr>
+          <p:cNvPr id="7" name="TextBox 6">
+            <a:extLst>
+              <a:ext uri="{FF2B5EF4-FFF2-40B4-BE49-F238E27FC236}">
+                <a16:creationId xmlns:a16="http://schemas.microsoft.com/office/drawing/2014/main" id="{1171B047-1ACD-625C-41AC-A03BF7A4893B}"/>
+              </a:ext>
+            </a:extLst>
+          </p:cNvPr>
+          <p:cNvSpPr txBox="1"/>
+          <p:nvPr/>
+        </p:nvSpPr>
+        <p:spPr>
+          <a:xfrm>
+            <a:off x="952500" y="2782669"/>
+            <a:ext cx="5018105" cy="1200329"/>
+          </a:xfrm>
+          <a:prstGeom prst="rect">
+            <a:avLst/>
+          </a:prstGeom>
+          <a:noFill/>
+        </p:spPr>
+        <p:txBody>
+          <a:bodyPr wrap="none" rtlCol="0">
+            <a:spAutoFit/>
+          </a:bodyPr>
+          <a:lstStyle/>
+          <a:p>
+            <a:r>
+              <a:rPr lang="en-US" dirty="0">
+                <a:sym typeface="Wingdings" panose="05000000000000000000" pitchFamily="2" charset="2"/>
+              </a:rPr>
+              <a:t>Many fewer scatterings required than Doppler</a:t>
+            </a:r>
+          </a:p>
+          <a:p>
+            <a:endParaRPr lang="en-US" dirty="0">
+              <a:sym typeface="Wingdings" panose="05000000000000000000" pitchFamily="2" charset="2"/>
+            </a:endParaRPr>
+          </a:p>
+          <a:p>
+            <a:pPr marL="285750" indent="-285750">
+              <a:buFont typeface="Wingdings" panose="05000000000000000000" pitchFamily="2" charset="2"/>
+              <a:buChar char="à"/>
+            </a:pPr>
+            <a:r>
+              <a:rPr lang="en-US" dirty="0">
+                <a:sym typeface="Wingdings" panose="05000000000000000000" pitchFamily="2" charset="2"/>
+              </a:rPr>
+              <a:t>SWAP is well-suited to cooling e.g. particles that </a:t>
+            </a:r>
+          </a:p>
+          <a:p>
+            <a:r>
+              <a:rPr lang="en-US" dirty="0">
+                <a:sym typeface="Wingdings" panose="05000000000000000000" pitchFamily="2" charset="2"/>
+              </a:rPr>
+              <a:t>     lack closed cycling transitions</a:t>
             </a:r>
           </a:p>
         </p:txBody>
@@ -3155,6 +3539,71 @@
     <p:extLst>
       <p:ext uri="{BB962C8B-B14F-4D97-AF65-F5344CB8AC3E}">
         <p14:creationId xmlns:p14="http://schemas.microsoft.com/office/powerpoint/2010/main" val="1184355976"/>
+      </p:ext>
+    </p:extLst>
+  </p:cSld>
+  <p:clrMapOvr>
+    <a:masterClrMapping/>
+  </p:clrMapOvr>
+</p:sld>
+</file>
+
+<file path=ppt/slides/slide12.xml><?xml version="1.0" encoding="utf-8"?>
+<p:sld xmlns:a="http://schemas.openxmlformats.org/drawingml/2006/main" xmlns:r="http://schemas.openxmlformats.org/officeDocument/2006/relationships" xmlns:p="http://schemas.openxmlformats.org/presentationml/2006/main">
+  <p:cSld>
+    <p:spTree>
+      <p:nvGrpSpPr>
+        <p:cNvPr id="1" name=""/>
+        <p:cNvGrpSpPr/>
+        <p:nvPr/>
+      </p:nvGrpSpPr>
+      <p:grpSpPr>
+        <a:xfrm>
+          <a:off x="0" y="0"/>
+          <a:ext cx="0" cy="0"/>
+          <a:chOff x="0" y="0"/>
+          <a:chExt cx="0" cy="0"/>
+        </a:xfrm>
+      </p:grpSpPr>
+      <p:sp>
+        <p:nvSpPr>
+          <p:cNvPr id="20" name="TextBox 19">
+            <a:extLst>
+              <a:ext uri="{FF2B5EF4-FFF2-40B4-BE49-F238E27FC236}">
+                <a16:creationId xmlns:a16="http://schemas.microsoft.com/office/drawing/2014/main" id="{86F6163E-3579-7211-59A6-656D4BBC4241}"/>
+              </a:ext>
+            </a:extLst>
+          </p:cNvPr>
+          <p:cNvSpPr txBox="1"/>
+          <p:nvPr/>
+        </p:nvSpPr>
+        <p:spPr>
+          <a:xfrm>
+            <a:off x="685558" y="623602"/>
+            <a:ext cx="1716496" cy="461665"/>
+          </a:xfrm>
+          <a:prstGeom prst="rect">
+            <a:avLst/>
+          </a:prstGeom>
+          <a:noFill/>
+        </p:spPr>
+        <p:txBody>
+          <a:bodyPr wrap="none" rtlCol="0">
+            <a:spAutoFit/>
+          </a:bodyPr>
+          <a:lstStyle/>
+          <a:p>
+            <a:r>
+              <a:rPr lang="en-US" sz="2400" dirty="0"/>
+              <a:t>Applications</a:t>
+            </a:r>
+          </a:p>
+        </p:txBody>
+      </p:sp>
+    </p:spTree>
+    <p:extLst>
+      <p:ext uri="{BB962C8B-B14F-4D97-AF65-F5344CB8AC3E}">
+        <p14:creationId xmlns:p14="http://schemas.microsoft.com/office/powerpoint/2010/main" val="3013588437"/>
       </p:ext>
     </p:extLst>
   </p:cSld>
@@ -4496,7 +4945,7 @@
         </p:blipFill>
         <p:spPr>
           <a:xfrm>
-            <a:off x="9219957" y="1393078"/>
+            <a:off x="9123705" y="1393078"/>
             <a:ext cx="194230" cy="164348"/>
           </a:xfrm>
           <a:prstGeom prst="rect">
@@ -4518,7 +4967,7 @@
         </p:nvSpPr>
         <p:spPr>
           <a:xfrm>
-            <a:off x="6701188" y="1258907"/>
+            <a:off x="6604936" y="1258907"/>
             <a:ext cx="2557303" cy="369332"/>
           </a:xfrm>
           <a:prstGeom prst="rect">
@@ -5157,8 +5606,8 @@
         </p:blipFill>
         <p:spPr>
           <a:xfrm>
-            <a:off x="6170387" y="1392324"/>
-            <a:ext cx="5364795" cy="3925634"/>
+            <a:off x="6609348" y="1726415"/>
+            <a:ext cx="5080307" cy="3717462"/>
           </a:xfrm>
           <a:prstGeom prst="rect">
             <a:avLst/>
@@ -5307,7 +5756,7 @@
         </p:blipFill>
         <p:spPr>
           <a:xfrm>
-            <a:off x="8100784" y="1240705"/>
+            <a:off x="8521493" y="1607843"/>
             <a:ext cx="1504000" cy="303238"/>
           </a:xfrm>
           <a:prstGeom prst="rect">
@@ -5418,7 +5867,7 @@
         <p:spPr>
           <a:xfrm>
             <a:off x="1304789" y="2893476"/>
-            <a:ext cx="4591321" cy="923330"/>
+            <a:ext cx="5640775" cy="646331"/>
           </a:xfrm>
           <a:prstGeom prst="rect">
             <a:avLst/>
@@ -5441,15 +5890,7 @@
               <a:rPr lang="en-US" dirty="0">
                 <a:sym typeface="Wingdings" panose="05000000000000000000" pitchFamily="2" charset="2"/>
               </a:rPr>
-              <a:t>      unlike “slowing force” that does not lead </a:t>
-            </a:r>
-          </a:p>
-          <a:p>
-            <a:r>
-              <a:rPr lang="en-US" dirty="0">
-                <a:sym typeface="Wingdings" panose="05000000000000000000" pitchFamily="2" charset="2"/>
-              </a:rPr>
-              <a:t>           to steady-state cooling</a:t>
+              <a:t>   unlike “slowing force” in e.g. chirped-frequency light</a:t>
             </a:r>
             <a:endParaRPr lang="en-US" dirty="0"/>
           </a:p>
@@ -5540,7 +5981,7 @@
         <p:spPr>
           <a:xfrm>
             <a:off x="685558" y="623602"/>
-            <a:ext cx="4945328" cy="461665"/>
+            <a:ext cx="3331489" cy="461665"/>
           </a:xfrm>
           <a:prstGeom prst="rect">
             <a:avLst/>
@@ -5555,7 +5996,671 @@
           <a:p>
             <a:r>
               <a:rPr lang="en-US" sz="2400" dirty="0"/>
-              <a:t>Dynamics: with spontaneous emission</a:t>
+              <a:t>Forces and capture range</a:t>
+            </a:r>
+          </a:p>
+        </p:txBody>
+      </p:sp>
+      <p:sp>
+        <p:nvSpPr>
+          <p:cNvPr id="2" name="TextBox 1">
+            <a:extLst>
+              <a:ext uri="{FF2B5EF4-FFF2-40B4-BE49-F238E27FC236}">
+                <a16:creationId xmlns:a16="http://schemas.microsoft.com/office/drawing/2014/main" id="{886B8B7B-B84B-BAFC-65DF-9EE12AE4C277}"/>
+              </a:ext>
+            </a:extLst>
+          </p:cNvPr>
+          <p:cNvSpPr txBox="1"/>
+          <p:nvPr/>
+        </p:nvSpPr>
+        <p:spPr>
+          <a:xfrm>
+            <a:off x="1243263" y="1339517"/>
+            <a:ext cx="2078326" cy="369332"/>
+          </a:xfrm>
+          <a:prstGeom prst="rect">
+            <a:avLst/>
+          </a:prstGeom>
+          <a:noFill/>
+        </p:spPr>
+        <p:txBody>
+          <a:bodyPr wrap="none" rtlCol="0">
+            <a:spAutoFit/>
+          </a:bodyPr>
+          <a:lstStyle/>
+          <a:p>
+            <a:r>
+              <a:rPr lang="en-US" dirty="0"/>
+              <a:t>Conservative forces:</a:t>
+            </a:r>
+          </a:p>
+        </p:txBody>
+      </p:sp>
+      <p:pic>
+        <p:nvPicPr>
+          <p:cNvPr id="5" name="Graphic 4">
+            <a:extLst>
+              <a:ext uri="{FF2B5EF4-FFF2-40B4-BE49-F238E27FC236}">
+                <a16:creationId xmlns:a16="http://schemas.microsoft.com/office/drawing/2014/main" id="{6544FF13-11A1-1A88-B532-BEB60DE576ED}"/>
+              </a:ext>
+            </a:extLst>
+          </p:cNvPr>
+          <p:cNvPicPr>
+            <a:picLocks noChangeAspect="1"/>
+          </p:cNvPicPr>
+          <p:nvPr/>
+        </p:nvPicPr>
+        <p:blipFill>
+          <a:blip r:embed="rId2">
+            <a:extLst>
+              <a:ext uri="{28A0092B-C50C-407E-A947-70E740481C1C}">
+                <a14:useLocalDpi xmlns:a14="http://schemas.microsoft.com/office/drawing/2010/main" val="0"/>
+              </a:ext>
+              <a:ext uri="{96DAC541-7B7A-43D3-8B79-37D633B846F1}">
+                <asvg:svgBlip xmlns:asvg="http://schemas.microsoft.com/office/drawing/2016/SVG/main" r:embed="rId3"/>
+              </a:ext>
+            </a:extLst>
+          </a:blip>
+          <a:stretch>
+            <a:fillRect/>
+          </a:stretch>
+        </p:blipFill>
+        <p:spPr>
+          <a:xfrm>
+            <a:off x="3532020" y="1339517"/>
+            <a:ext cx="3220113" cy="369332"/>
+          </a:xfrm>
+          <a:prstGeom prst="rect">
+            <a:avLst/>
+          </a:prstGeom>
+        </p:spPr>
+      </p:pic>
+      <p:pic>
+        <p:nvPicPr>
+          <p:cNvPr id="11" name="Picture 10" descr="Chart, diagram, histogram&#10;&#10;Description automatically generated">
+            <a:extLst>
+              <a:ext uri="{FF2B5EF4-FFF2-40B4-BE49-F238E27FC236}">
+                <a16:creationId xmlns:a16="http://schemas.microsoft.com/office/drawing/2014/main" id="{C83A3F41-EB86-A21D-234E-43356310D0D5}"/>
+              </a:ext>
+            </a:extLst>
+          </p:cNvPr>
+          <p:cNvPicPr>
+            <a:picLocks noChangeAspect="1"/>
+          </p:cNvPicPr>
+          <p:nvPr/>
+        </p:nvPicPr>
+        <p:blipFill>
+          <a:blip r:embed="rId4" cstate="print">
+            <a:extLst>
+              <a:ext uri="{28A0092B-C50C-407E-A947-70E740481C1C}">
+                <a14:useLocalDpi xmlns:a14="http://schemas.microsoft.com/office/drawing/2010/main" val="0"/>
+              </a:ext>
+            </a:extLst>
+          </a:blip>
+          <a:stretch>
+            <a:fillRect/>
+          </a:stretch>
+        </p:blipFill>
+        <p:spPr>
+          <a:xfrm>
+            <a:off x="1043940" y="3091093"/>
+            <a:ext cx="4542788" cy="2907053"/>
+          </a:xfrm>
+          <a:prstGeom prst="rect">
+            <a:avLst/>
+          </a:prstGeom>
+        </p:spPr>
+      </p:pic>
+      <p:pic>
+        <p:nvPicPr>
+          <p:cNvPr id="13" name="Picture 12" descr="Chart, histogram&#10;&#10;Description automatically generated">
+            <a:extLst>
+              <a:ext uri="{FF2B5EF4-FFF2-40B4-BE49-F238E27FC236}">
+                <a16:creationId xmlns:a16="http://schemas.microsoft.com/office/drawing/2014/main" id="{682B5EB2-E6D6-E72A-CCB8-E8C872B73156}"/>
+              </a:ext>
+            </a:extLst>
+          </p:cNvPr>
+          <p:cNvPicPr>
+            <a:picLocks noChangeAspect="1"/>
+          </p:cNvPicPr>
+          <p:nvPr/>
+        </p:nvPicPr>
+        <p:blipFill>
+          <a:blip r:embed="rId5">
+            <a:extLst>
+              <a:ext uri="{28A0092B-C50C-407E-A947-70E740481C1C}">
+                <a14:useLocalDpi xmlns:a14="http://schemas.microsoft.com/office/drawing/2010/main" val="0"/>
+              </a:ext>
+            </a:extLst>
+          </a:blip>
+          <a:stretch>
+            <a:fillRect/>
+          </a:stretch>
+        </p:blipFill>
+        <p:spPr>
+          <a:xfrm>
+            <a:off x="6016493" y="3114755"/>
+            <a:ext cx="4586308" cy="2907053"/>
+          </a:xfrm>
+          <a:prstGeom prst="rect">
+            <a:avLst/>
+          </a:prstGeom>
+        </p:spPr>
+      </p:pic>
+      <p:sp>
+        <p:nvSpPr>
+          <p:cNvPr id="14" name="TextBox 13">
+            <a:extLst>
+              <a:ext uri="{FF2B5EF4-FFF2-40B4-BE49-F238E27FC236}">
+                <a16:creationId xmlns:a16="http://schemas.microsoft.com/office/drawing/2014/main" id="{4E7C2EFF-6A20-C5CB-8E6D-2FA3DD2127CF}"/>
+              </a:ext>
+            </a:extLst>
+          </p:cNvPr>
+          <p:cNvSpPr txBox="1"/>
+          <p:nvPr/>
+        </p:nvSpPr>
+        <p:spPr>
+          <a:xfrm>
+            <a:off x="1243263" y="1973643"/>
+            <a:ext cx="1937903" cy="369332"/>
+          </a:xfrm>
+          <a:prstGeom prst="rect">
+            <a:avLst/>
+          </a:prstGeom>
+          <a:noFill/>
+        </p:spPr>
+        <p:txBody>
+          <a:bodyPr wrap="none" rtlCol="0">
+            <a:spAutoFit/>
+          </a:bodyPr>
+          <a:lstStyle/>
+          <a:p>
+            <a:r>
+              <a:rPr lang="en-US" dirty="0"/>
+              <a:t>3 velocity regimes:</a:t>
+            </a:r>
+          </a:p>
+        </p:txBody>
+      </p:sp>
+      <p:pic>
+        <p:nvPicPr>
+          <p:cNvPr id="16" name="Graphic 15">
+            <a:extLst>
+              <a:ext uri="{FF2B5EF4-FFF2-40B4-BE49-F238E27FC236}">
+                <a16:creationId xmlns:a16="http://schemas.microsoft.com/office/drawing/2014/main" id="{89E5D29C-ACC9-009B-37BD-CC8585338DB1}"/>
+              </a:ext>
+            </a:extLst>
+          </p:cNvPr>
+          <p:cNvPicPr>
+            <a:picLocks noChangeAspect="1"/>
+          </p:cNvPicPr>
+          <p:nvPr/>
+        </p:nvPicPr>
+        <p:blipFill>
+          <a:blip r:embed="rId6">
+            <a:extLst>
+              <a:ext uri="{28A0092B-C50C-407E-A947-70E740481C1C}">
+                <a14:useLocalDpi xmlns:a14="http://schemas.microsoft.com/office/drawing/2010/main" val="0"/>
+              </a:ext>
+              <a:ext uri="{96DAC541-7B7A-43D3-8B79-37D633B846F1}">
+                <asvg:svgBlip xmlns:asvg="http://schemas.microsoft.com/office/drawing/2016/SVG/main" r:embed="rId7"/>
+              </a:ext>
+            </a:extLst>
+          </a:blip>
+          <a:stretch>
+            <a:fillRect/>
+          </a:stretch>
+        </p:blipFill>
+        <p:spPr>
+          <a:xfrm>
+            <a:off x="3982919" y="1987162"/>
+            <a:ext cx="923626" cy="427177"/>
+          </a:xfrm>
+          <a:prstGeom prst="rect">
+            <a:avLst/>
+          </a:prstGeom>
+        </p:spPr>
+      </p:pic>
+      <p:pic>
+        <p:nvPicPr>
+          <p:cNvPr id="18" name="Graphic 17">
+            <a:extLst>
+              <a:ext uri="{FF2B5EF4-FFF2-40B4-BE49-F238E27FC236}">
+                <a16:creationId xmlns:a16="http://schemas.microsoft.com/office/drawing/2014/main" id="{CA1D3582-F6B5-D88D-CA36-76BE7EAA751D}"/>
+              </a:ext>
+            </a:extLst>
+          </p:cNvPr>
+          <p:cNvPicPr>
+            <a:picLocks noChangeAspect="1"/>
+          </p:cNvPicPr>
+          <p:nvPr/>
+        </p:nvPicPr>
+        <p:blipFill>
+          <a:blip r:embed="rId8">
+            <a:extLst>
+              <a:ext uri="{28A0092B-C50C-407E-A947-70E740481C1C}">
+                <a14:useLocalDpi xmlns:a14="http://schemas.microsoft.com/office/drawing/2010/main" val="0"/>
+              </a:ext>
+              <a:ext uri="{96DAC541-7B7A-43D3-8B79-37D633B846F1}">
+                <asvg:svgBlip xmlns:asvg="http://schemas.microsoft.com/office/drawing/2016/SVG/main" r:embed="rId9"/>
+              </a:ext>
+            </a:extLst>
+          </a:blip>
+          <a:stretch>
+            <a:fillRect/>
+          </a:stretch>
+        </p:blipFill>
+        <p:spPr>
+          <a:xfrm>
+            <a:off x="5835807" y="1987162"/>
+            <a:ext cx="1547073" cy="427177"/>
+          </a:xfrm>
+          <a:prstGeom prst="rect">
+            <a:avLst/>
+          </a:prstGeom>
+        </p:spPr>
+      </p:pic>
+      <p:pic>
+        <p:nvPicPr>
+          <p:cNvPr id="21" name="Graphic 20">
+            <a:extLst>
+              <a:ext uri="{FF2B5EF4-FFF2-40B4-BE49-F238E27FC236}">
+                <a16:creationId xmlns:a16="http://schemas.microsoft.com/office/drawing/2014/main" id="{8387799A-33BE-D15A-45CF-1686276FD06B}"/>
+              </a:ext>
+            </a:extLst>
+          </p:cNvPr>
+          <p:cNvPicPr>
+            <a:picLocks noChangeAspect="1"/>
+          </p:cNvPicPr>
+          <p:nvPr/>
+        </p:nvPicPr>
+        <p:blipFill>
+          <a:blip r:embed="rId10">
+            <a:extLst>
+              <a:ext uri="{28A0092B-C50C-407E-A947-70E740481C1C}">
+                <a14:useLocalDpi xmlns:a14="http://schemas.microsoft.com/office/drawing/2010/main" val="0"/>
+              </a:ext>
+              <a:ext uri="{96DAC541-7B7A-43D3-8B79-37D633B846F1}">
+                <asvg:svgBlip xmlns:asvg="http://schemas.microsoft.com/office/drawing/2016/SVG/main" r:embed="rId11"/>
+              </a:ext>
+            </a:extLst>
+          </a:blip>
+          <a:stretch>
+            <a:fillRect/>
+          </a:stretch>
+        </p:blipFill>
+        <p:spPr>
+          <a:xfrm>
+            <a:off x="8309647" y="2112884"/>
+            <a:ext cx="981353" cy="207816"/>
+          </a:xfrm>
+          <a:prstGeom prst="rect">
+            <a:avLst/>
+          </a:prstGeom>
+        </p:spPr>
+      </p:pic>
+      <p:sp>
+        <p:nvSpPr>
+          <p:cNvPr id="22" name="TextBox 21">
+            <a:extLst>
+              <a:ext uri="{FF2B5EF4-FFF2-40B4-BE49-F238E27FC236}">
+                <a16:creationId xmlns:a16="http://schemas.microsoft.com/office/drawing/2014/main" id="{E12E585C-7D57-3693-4E9D-4B88417060EB}"/>
+              </a:ext>
+            </a:extLst>
+          </p:cNvPr>
+          <p:cNvSpPr txBox="1"/>
+          <p:nvPr/>
+        </p:nvSpPr>
+        <p:spPr>
+          <a:xfrm>
+            <a:off x="3494672" y="2016454"/>
+            <a:ext cx="442750" cy="369332"/>
+          </a:xfrm>
+          <a:prstGeom prst="rect">
+            <a:avLst/>
+          </a:prstGeom>
+          <a:noFill/>
+        </p:spPr>
+        <p:txBody>
+          <a:bodyPr wrap="none" rtlCol="0">
+            <a:spAutoFit/>
+          </a:bodyPr>
+          <a:lstStyle/>
+          <a:p>
+            <a:r>
+              <a:rPr lang="en-US" dirty="0"/>
+              <a:t>(0)</a:t>
+            </a:r>
+          </a:p>
+        </p:txBody>
+      </p:sp>
+      <p:sp>
+        <p:nvSpPr>
+          <p:cNvPr id="23" name="TextBox 22">
+            <a:extLst>
+              <a:ext uri="{FF2B5EF4-FFF2-40B4-BE49-F238E27FC236}">
+                <a16:creationId xmlns:a16="http://schemas.microsoft.com/office/drawing/2014/main" id="{DF6C95E4-20BE-2896-AA07-71DD1B460A23}"/>
+              </a:ext>
+            </a:extLst>
+          </p:cNvPr>
+          <p:cNvSpPr txBox="1"/>
+          <p:nvPr/>
+        </p:nvSpPr>
+        <p:spPr>
+          <a:xfrm>
+            <a:off x="5352952" y="2016454"/>
+            <a:ext cx="442750" cy="369332"/>
+          </a:xfrm>
+          <a:prstGeom prst="rect">
+            <a:avLst/>
+          </a:prstGeom>
+          <a:noFill/>
+        </p:spPr>
+        <p:txBody>
+          <a:bodyPr wrap="none" rtlCol="0">
+            <a:spAutoFit/>
+          </a:bodyPr>
+          <a:lstStyle/>
+          <a:p>
+            <a:r>
+              <a:rPr lang="en-US" dirty="0"/>
+              <a:t>(1)</a:t>
+            </a:r>
+          </a:p>
+        </p:txBody>
+      </p:sp>
+      <p:sp>
+        <p:nvSpPr>
+          <p:cNvPr id="24" name="TextBox 23">
+            <a:extLst>
+              <a:ext uri="{FF2B5EF4-FFF2-40B4-BE49-F238E27FC236}">
+                <a16:creationId xmlns:a16="http://schemas.microsoft.com/office/drawing/2014/main" id="{3E857F6F-C013-4886-0F5A-27FE77A896B4}"/>
+              </a:ext>
+            </a:extLst>
+          </p:cNvPr>
+          <p:cNvSpPr txBox="1"/>
+          <p:nvPr/>
+        </p:nvSpPr>
+        <p:spPr>
+          <a:xfrm>
+            <a:off x="7866897" y="2016084"/>
+            <a:ext cx="442750" cy="369332"/>
+          </a:xfrm>
+          <a:prstGeom prst="rect">
+            <a:avLst/>
+          </a:prstGeom>
+          <a:noFill/>
+        </p:spPr>
+        <p:txBody>
+          <a:bodyPr wrap="none" rtlCol="0">
+            <a:spAutoFit/>
+          </a:bodyPr>
+          <a:lstStyle/>
+          <a:p>
+            <a:r>
+              <a:rPr lang="en-US" dirty="0"/>
+              <a:t>(2)</a:t>
+            </a:r>
+          </a:p>
+        </p:txBody>
+      </p:sp>
+      <p:sp>
+        <p:nvSpPr>
+          <p:cNvPr id="25" name="TextBox 24">
+            <a:extLst>
+              <a:ext uri="{FF2B5EF4-FFF2-40B4-BE49-F238E27FC236}">
+                <a16:creationId xmlns:a16="http://schemas.microsoft.com/office/drawing/2014/main" id="{911F9684-67F1-DF08-98E5-5731392D3758}"/>
+              </a:ext>
+            </a:extLst>
+          </p:cNvPr>
+          <p:cNvSpPr txBox="1"/>
+          <p:nvPr/>
+        </p:nvSpPr>
+        <p:spPr>
+          <a:xfrm>
+            <a:off x="3451933" y="2497072"/>
+            <a:ext cx="1690143" cy="369332"/>
+          </a:xfrm>
+          <a:prstGeom prst="rect">
+            <a:avLst/>
+          </a:prstGeom>
+          <a:noFill/>
+        </p:spPr>
+        <p:txBody>
+          <a:bodyPr wrap="none" rtlCol="0">
+            <a:spAutoFit/>
+          </a:bodyPr>
+          <a:lstStyle/>
+          <a:p>
+            <a:r>
+              <a:rPr lang="en-US" dirty="0"/>
+              <a:t>“no interaction”</a:t>
+            </a:r>
+          </a:p>
+        </p:txBody>
+      </p:sp>
+      <p:sp>
+        <p:nvSpPr>
+          <p:cNvPr id="27" name="TextBox 26">
+            <a:extLst>
+              <a:ext uri="{FF2B5EF4-FFF2-40B4-BE49-F238E27FC236}">
+                <a16:creationId xmlns:a16="http://schemas.microsoft.com/office/drawing/2014/main" id="{10AEE126-2077-15B4-3C2A-9C5BC34BC314}"/>
+              </a:ext>
+            </a:extLst>
+          </p:cNvPr>
+          <p:cNvSpPr txBox="1"/>
+          <p:nvPr/>
+        </p:nvSpPr>
+        <p:spPr>
+          <a:xfrm>
+            <a:off x="5673568" y="2497072"/>
+            <a:ext cx="1717330" cy="369332"/>
+          </a:xfrm>
+          <a:prstGeom prst="rect">
+            <a:avLst/>
+          </a:prstGeom>
+          <a:noFill/>
+        </p:spPr>
+        <p:txBody>
+          <a:bodyPr wrap="none" rtlCol="0">
+            <a:spAutoFit/>
+          </a:bodyPr>
+          <a:lstStyle/>
+          <a:p>
+            <a:r>
+              <a:rPr lang="en-US" dirty="0"/>
+              <a:t>“high-v regime”</a:t>
+            </a:r>
+          </a:p>
+        </p:txBody>
+      </p:sp>
+      <p:sp>
+        <p:nvSpPr>
+          <p:cNvPr id="28" name="TextBox 27">
+            <a:extLst>
+              <a:ext uri="{FF2B5EF4-FFF2-40B4-BE49-F238E27FC236}">
+                <a16:creationId xmlns:a16="http://schemas.microsoft.com/office/drawing/2014/main" id="{B93D402E-8F08-DCC6-0D8A-41B54DC074C7}"/>
+              </a:ext>
+            </a:extLst>
+          </p:cNvPr>
+          <p:cNvSpPr txBox="1"/>
+          <p:nvPr/>
+        </p:nvSpPr>
+        <p:spPr>
+          <a:xfrm>
+            <a:off x="7773042" y="2492729"/>
+            <a:ext cx="2055114" cy="369332"/>
+          </a:xfrm>
+          <a:prstGeom prst="rect">
+            <a:avLst/>
+          </a:prstGeom>
+          <a:noFill/>
+        </p:spPr>
+        <p:txBody>
+          <a:bodyPr wrap="none" rtlCol="0">
+            <a:spAutoFit/>
+          </a:bodyPr>
+          <a:lstStyle/>
+          <a:p>
+            <a:r>
+              <a:rPr lang="en-US" dirty="0"/>
+              <a:t>more complicated…</a:t>
+            </a:r>
+          </a:p>
+        </p:txBody>
+      </p:sp>
+      <p:sp>
+        <p:nvSpPr>
+          <p:cNvPr id="29" name="TextBox 28">
+            <a:extLst>
+              <a:ext uri="{FF2B5EF4-FFF2-40B4-BE49-F238E27FC236}">
+                <a16:creationId xmlns:a16="http://schemas.microsoft.com/office/drawing/2014/main" id="{F8E1E796-490C-D7CA-6B5E-910B11563478}"/>
+              </a:ext>
+            </a:extLst>
+          </p:cNvPr>
+          <p:cNvSpPr txBox="1"/>
+          <p:nvPr/>
+        </p:nvSpPr>
+        <p:spPr>
+          <a:xfrm>
+            <a:off x="2058219" y="6033690"/>
+            <a:ext cx="927946" cy="369332"/>
+          </a:xfrm>
+          <a:prstGeom prst="rect">
+            <a:avLst/>
+          </a:prstGeom>
+          <a:noFill/>
+        </p:spPr>
+        <p:txBody>
+          <a:bodyPr wrap="none" rtlCol="0">
+            <a:spAutoFit/>
+          </a:bodyPr>
+          <a:lstStyle/>
+          <a:p>
+            <a:r>
+              <a:rPr lang="en-US" dirty="0">
+                <a:solidFill>
+                  <a:srgbClr val="CC66FF"/>
+                </a:solidFill>
+              </a:rPr>
+              <a:t>diabatic</a:t>
+            </a:r>
+          </a:p>
+        </p:txBody>
+      </p:sp>
+      <p:sp>
+        <p:nvSpPr>
+          <p:cNvPr id="30" name="TextBox 29">
+            <a:extLst>
+              <a:ext uri="{FF2B5EF4-FFF2-40B4-BE49-F238E27FC236}">
+                <a16:creationId xmlns:a16="http://schemas.microsoft.com/office/drawing/2014/main" id="{35C87D7E-78BB-852C-D5AB-3806B4D6EB2B}"/>
+              </a:ext>
+            </a:extLst>
+          </p:cNvPr>
+          <p:cNvSpPr txBox="1"/>
+          <p:nvPr/>
+        </p:nvSpPr>
+        <p:spPr>
+          <a:xfrm>
+            <a:off x="4085200" y="6033690"/>
+            <a:ext cx="1038554" cy="369332"/>
+          </a:xfrm>
+          <a:prstGeom prst="rect">
+            <a:avLst/>
+          </a:prstGeom>
+          <a:noFill/>
+        </p:spPr>
+        <p:txBody>
+          <a:bodyPr wrap="none" rtlCol="0">
+            <a:spAutoFit/>
+          </a:bodyPr>
+          <a:lstStyle/>
+          <a:p>
+            <a:r>
+              <a:rPr lang="en-US" dirty="0">
+                <a:solidFill>
+                  <a:srgbClr val="00CC99"/>
+                </a:solidFill>
+              </a:rPr>
+              <a:t>adiabatic</a:t>
+            </a:r>
+          </a:p>
+        </p:txBody>
+      </p:sp>
+      <p:sp>
+        <p:nvSpPr>
+          <p:cNvPr id="31" name="TextBox 30">
+            <a:extLst>
+              <a:ext uri="{FF2B5EF4-FFF2-40B4-BE49-F238E27FC236}">
+                <a16:creationId xmlns:a16="http://schemas.microsoft.com/office/drawing/2014/main" id="{F9FF63F4-D508-CBA0-2E69-8681EAD038D3}"/>
+              </a:ext>
+            </a:extLst>
+          </p:cNvPr>
+          <p:cNvSpPr txBox="1"/>
+          <p:nvPr/>
+        </p:nvSpPr>
+        <p:spPr>
+          <a:xfrm>
+            <a:off x="7068248" y="6033690"/>
+            <a:ext cx="927946" cy="369332"/>
+          </a:xfrm>
+          <a:prstGeom prst="rect">
+            <a:avLst/>
+          </a:prstGeom>
+          <a:noFill/>
+        </p:spPr>
+        <p:txBody>
+          <a:bodyPr wrap="none" rtlCol="0">
+            <a:spAutoFit/>
+          </a:bodyPr>
+          <a:lstStyle/>
+          <a:p>
+            <a:r>
+              <a:rPr lang="en-US" dirty="0">
+                <a:solidFill>
+                  <a:srgbClr val="CC66FF"/>
+                </a:solidFill>
+              </a:rPr>
+              <a:t>diabatic</a:t>
+            </a:r>
+          </a:p>
+        </p:txBody>
+      </p:sp>
+      <p:sp>
+        <p:nvSpPr>
+          <p:cNvPr id="32" name="TextBox 31">
+            <a:extLst>
+              <a:ext uri="{FF2B5EF4-FFF2-40B4-BE49-F238E27FC236}">
+                <a16:creationId xmlns:a16="http://schemas.microsoft.com/office/drawing/2014/main" id="{1B0D96B5-39E0-6EC6-4706-0CAEC821DC10}"/>
+              </a:ext>
+            </a:extLst>
+          </p:cNvPr>
+          <p:cNvSpPr txBox="1"/>
+          <p:nvPr/>
+        </p:nvSpPr>
+        <p:spPr>
+          <a:xfrm>
+            <a:off x="9095229" y="6033690"/>
+            <a:ext cx="1038554" cy="369332"/>
+          </a:xfrm>
+          <a:prstGeom prst="rect">
+            <a:avLst/>
+          </a:prstGeom>
+          <a:noFill/>
+        </p:spPr>
+        <p:txBody>
+          <a:bodyPr wrap="none" rtlCol="0">
+            <a:spAutoFit/>
+          </a:bodyPr>
+          <a:lstStyle/>
+          <a:p>
+            <a:r>
+              <a:rPr lang="en-US" dirty="0">
+                <a:solidFill>
+                  <a:srgbClr val="00CC99"/>
+                </a:solidFill>
+              </a:rPr>
+              <a:t>adiabatic</a:t>
             </a:r>
           </a:p>
         </p:txBody>
@@ -5563,7 +6668,7 @@
     </p:spTree>
     <p:extLst>
       <p:ext uri="{BB962C8B-B14F-4D97-AF65-F5344CB8AC3E}">
-        <p14:creationId xmlns:p14="http://schemas.microsoft.com/office/powerpoint/2010/main" val="2786181272"/>
+        <p14:creationId xmlns:p14="http://schemas.microsoft.com/office/powerpoint/2010/main" val="290914872"/>
       </p:ext>
     </p:extLst>
   </p:cSld>
@@ -5605,7 +6710,7 @@
         <p:spPr>
           <a:xfrm>
             <a:off x="685558" y="623602"/>
-            <a:ext cx="2824299" cy="461665"/>
+            <a:ext cx="3331489" cy="461665"/>
           </a:xfrm>
           <a:prstGeom prst="rect">
             <a:avLst/>
@@ -5620,55 +6725,50 @@
           <a:p>
             <a:r>
               <a:rPr lang="en-US" sz="2400" dirty="0"/>
-              <a:t>Temperature limit as </a:t>
-            </a:r>
-          </a:p>
-        </p:txBody>
-      </p:sp>
-      <p:pic>
-        <p:nvPicPr>
-          <p:cNvPr id="4" name="Picture 3" descr="\documentclass{article}&#10;\usepackage{amsmath}&#10;\pagestyle{empty}&#10;\begin{document}&#10;&#10;$\gamma \to 0$&#10;&#10;&#10;\end{document}" title="IguanaTex Bitmap Display">
-            <a:extLst>
-              <a:ext uri="{FF2B5EF4-FFF2-40B4-BE49-F238E27FC236}">
-                <a16:creationId xmlns:a16="http://schemas.microsoft.com/office/drawing/2014/main" id="{8B67732A-0ABC-6807-A225-E0537FE8C8A3}"/>
-              </a:ext>
-            </a:extLst>
-          </p:cNvPr>
-          <p:cNvPicPr>
-            <a:picLocks noChangeAspect="1"/>
-          </p:cNvPicPr>
-          <p:nvPr>
-            <p:custDataLst>
-              <p:tags r:id="rId1"/>
-            </p:custDataLst>
-          </p:nvPr>
-        </p:nvPicPr>
-        <p:blipFill>
-          <a:blip r:embed="rId3" cstate="print">
-            <a:extLst>
-              <a:ext uri="{28A0092B-C50C-407E-A947-70E740481C1C}">
-                <a14:useLocalDpi xmlns:a14="http://schemas.microsoft.com/office/drawing/2010/main" val="0"/>
-              </a:ext>
-            </a:extLst>
-          </a:blip>
-          <a:stretch>
-            <a:fillRect/>
-          </a:stretch>
-        </p:blipFill>
-        <p:spPr>
-          <a:xfrm>
-            <a:off x="3414296" y="720948"/>
-            <a:ext cx="784457" cy="266971"/>
-          </a:xfrm>
-          <a:prstGeom prst="rect">
-            <a:avLst/>
-          </a:prstGeom>
-        </p:spPr>
-      </p:pic>
+              <a:t>Forces and capture range</a:t>
+            </a:r>
+          </a:p>
+        </p:txBody>
+      </p:sp>
+      <p:sp>
+        <p:nvSpPr>
+          <p:cNvPr id="2" name="TextBox 1">
+            <a:extLst>
+              <a:ext uri="{FF2B5EF4-FFF2-40B4-BE49-F238E27FC236}">
+                <a16:creationId xmlns:a16="http://schemas.microsoft.com/office/drawing/2014/main" id="{886B8B7B-B84B-BAFC-65DF-9EE12AE4C277}"/>
+              </a:ext>
+            </a:extLst>
+          </p:cNvPr>
+          <p:cNvSpPr txBox="1"/>
+          <p:nvPr/>
+        </p:nvSpPr>
+        <p:spPr>
+          <a:xfrm>
+            <a:off x="1243263" y="1483895"/>
+            <a:ext cx="2384948" cy="369332"/>
+          </a:xfrm>
+          <a:prstGeom prst="rect">
+            <a:avLst/>
+          </a:prstGeom>
+          <a:noFill/>
+        </p:spPr>
+        <p:txBody>
+          <a:bodyPr wrap="none" rtlCol="0">
+            <a:spAutoFit/>
+          </a:bodyPr>
+          <a:lstStyle/>
+          <a:p>
+            <a:r>
+              <a:rPr lang="en-US" dirty="0"/>
+              <a:t>Forces with dissipation:</a:t>
+            </a:r>
+          </a:p>
+        </p:txBody>
+      </p:sp>
     </p:spTree>
     <p:extLst>
       <p:ext uri="{BB962C8B-B14F-4D97-AF65-F5344CB8AC3E}">
-        <p14:creationId xmlns:p14="http://schemas.microsoft.com/office/powerpoint/2010/main" val="235539993"/>
+        <p14:creationId xmlns:p14="http://schemas.microsoft.com/office/powerpoint/2010/main" val="889270693"/>
       </p:ext>
     </p:extLst>
   </p:cSld>

--- a/MIT PhD/ZGS/ZGS -Aug-26-2022/BUI-ZGS-Aug-26-2022.pptx
+++ b/MIT PhD/ZGS/ZGS -Aug-26-2022/BUI-ZGS-Aug-26-2022.pptx
@@ -10,13 +10,14 @@
     <p:sldId id="258" r:id="rId4"/>
     <p:sldId id="259" r:id="rId5"/>
     <p:sldId id="263" r:id="rId6"/>
-    <p:sldId id="265" r:id="rId7"/>
-    <p:sldId id="266" r:id="rId8"/>
-    <p:sldId id="268" r:id="rId9"/>
-    <p:sldId id="269" r:id="rId10"/>
-    <p:sldId id="260" r:id="rId11"/>
-    <p:sldId id="261" r:id="rId12"/>
-    <p:sldId id="270" r:id="rId13"/>
+    <p:sldId id="268" r:id="rId7"/>
+    <p:sldId id="269" r:id="rId8"/>
+    <p:sldId id="260" r:id="rId9"/>
+    <p:sldId id="261" r:id="rId10"/>
+    <p:sldId id="270" r:id="rId11"/>
+    <p:sldId id="271" r:id="rId12"/>
+    <p:sldId id="265" r:id="rId13"/>
+    <p:sldId id="266" r:id="rId14"/>
   </p:sldIdLst>
   <p:sldSz cx="12192000" cy="6858000"/>
   <p:notesSz cx="6858000" cy="9144000"/>
@@ -262,7 +263,7 @@
           <a:p>
             <a:fld id="{846CE7D5-CF57-46EF-B807-FDD0502418D4}" type="datetimeFigureOut">
               <a:rPr lang="en-US" smtClean="0"/>
-              <a:t>8/19/22</a:t>
+              <a:t>8/21/22</a:t>
             </a:fld>
             <a:endParaRPr lang="en-US"/>
           </a:p>
@@ -432,7 +433,7 @@
           <a:p>
             <a:fld id="{846CE7D5-CF57-46EF-B807-FDD0502418D4}" type="datetimeFigureOut">
               <a:rPr lang="en-US" smtClean="0"/>
-              <a:t>8/19/22</a:t>
+              <a:t>8/21/22</a:t>
             </a:fld>
             <a:endParaRPr lang="en-US"/>
           </a:p>
@@ -612,7 +613,7 @@
           <a:p>
             <a:fld id="{846CE7D5-CF57-46EF-B807-FDD0502418D4}" type="datetimeFigureOut">
               <a:rPr lang="en-US" smtClean="0"/>
-              <a:t>8/19/22</a:t>
+              <a:t>8/21/22</a:t>
             </a:fld>
             <a:endParaRPr lang="en-US"/>
           </a:p>
@@ -782,7 +783,7 @@
           <a:p>
             <a:fld id="{846CE7D5-CF57-46EF-B807-FDD0502418D4}" type="datetimeFigureOut">
               <a:rPr lang="en-US" smtClean="0"/>
-              <a:t>8/19/22</a:t>
+              <a:t>8/21/22</a:t>
             </a:fld>
             <a:endParaRPr lang="en-US"/>
           </a:p>
@@ -1028,7 +1029,7 @@
           <a:p>
             <a:fld id="{846CE7D5-CF57-46EF-B807-FDD0502418D4}" type="datetimeFigureOut">
               <a:rPr lang="en-US" smtClean="0"/>
-              <a:t>8/19/22</a:t>
+              <a:t>8/21/22</a:t>
             </a:fld>
             <a:endParaRPr lang="en-US"/>
           </a:p>
@@ -1260,7 +1261,7 @@
           <a:p>
             <a:fld id="{846CE7D5-CF57-46EF-B807-FDD0502418D4}" type="datetimeFigureOut">
               <a:rPr lang="en-US" smtClean="0"/>
-              <a:t>8/19/22</a:t>
+              <a:t>8/21/22</a:t>
             </a:fld>
             <a:endParaRPr lang="en-US"/>
           </a:p>
@@ -1627,7 +1628,7 @@
           <a:p>
             <a:fld id="{846CE7D5-CF57-46EF-B807-FDD0502418D4}" type="datetimeFigureOut">
               <a:rPr lang="en-US" smtClean="0"/>
-              <a:t>8/19/22</a:t>
+              <a:t>8/21/22</a:t>
             </a:fld>
             <a:endParaRPr lang="en-US"/>
           </a:p>
@@ -1745,7 +1746,7 @@
           <a:p>
             <a:fld id="{846CE7D5-CF57-46EF-B807-FDD0502418D4}" type="datetimeFigureOut">
               <a:rPr lang="en-US" smtClean="0"/>
-              <a:t>8/19/22</a:t>
+              <a:t>8/21/22</a:t>
             </a:fld>
             <a:endParaRPr lang="en-US"/>
           </a:p>
@@ -1840,7 +1841,7 @@
           <a:p>
             <a:fld id="{846CE7D5-CF57-46EF-B807-FDD0502418D4}" type="datetimeFigureOut">
               <a:rPr lang="en-US" smtClean="0"/>
-              <a:t>8/19/22</a:t>
+              <a:t>8/21/22</a:t>
             </a:fld>
             <a:endParaRPr lang="en-US"/>
           </a:p>
@@ -2117,7 +2118,7 @@
           <a:p>
             <a:fld id="{846CE7D5-CF57-46EF-B807-FDD0502418D4}" type="datetimeFigureOut">
               <a:rPr lang="en-US" smtClean="0"/>
-              <a:t>8/19/22</a:t>
+              <a:t>8/21/22</a:t>
             </a:fld>
             <a:endParaRPr lang="en-US"/>
           </a:p>
@@ -2374,7 +2375,7 @@
           <a:p>
             <a:fld id="{846CE7D5-CF57-46EF-B807-FDD0502418D4}" type="datetimeFigureOut">
               <a:rPr lang="en-US" smtClean="0"/>
-              <a:t>8/19/22</a:t>
+              <a:t>8/21/22</a:t>
             </a:fld>
             <a:endParaRPr lang="en-US"/>
           </a:p>
@@ -2587,7 +2588,7 @@
           <a:p>
             <a:fld id="{846CE7D5-CF57-46EF-B807-FDD0502418D4}" type="datetimeFigureOut">
               <a:rPr lang="en-US" smtClean="0"/>
-              <a:t>8/19/22</a:t>
+              <a:t>8/21/22</a:t>
             </a:fld>
             <a:endParaRPr lang="en-US"/>
           </a:p>
@@ -3133,7 +3134,7 @@
         <p:spPr>
           <a:xfrm>
             <a:off x="685558" y="623602"/>
-            <a:ext cx="2824299" cy="461665"/>
+            <a:ext cx="1716496" cy="461665"/>
           </a:xfrm>
           <a:prstGeom prst="rect">
             <a:avLst/>
@@ -3148,199 +3149,15 @@
           <a:p>
             <a:r>
               <a:rPr lang="en-US" sz="2400" dirty="0"/>
-              <a:t>Temperature limit as </a:t>
-            </a:r>
-          </a:p>
-        </p:txBody>
-      </p:sp>
-      <p:pic>
-        <p:nvPicPr>
-          <p:cNvPr id="4" name="Picture 3" descr="\documentclass{article}&#10;\usepackage{amsmath}&#10;\pagestyle{empty}&#10;\begin{document}&#10;&#10;$\gamma \to 0$&#10;&#10;&#10;\end{document}" title="IguanaTex Bitmap Display">
-            <a:extLst>
-              <a:ext uri="{FF2B5EF4-FFF2-40B4-BE49-F238E27FC236}">
-                <a16:creationId xmlns:a16="http://schemas.microsoft.com/office/drawing/2014/main" id="{8B67732A-0ABC-6807-A225-E0537FE8C8A3}"/>
-              </a:ext>
-            </a:extLst>
-          </p:cNvPr>
-          <p:cNvPicPr>
-            <a:picLocks noChangeAspect="1"/>
-          </p:cNvPicPr>
-          <p:nvPr>
-            <p:custDataLst>
-              <p:tags r:id="rId1"/>
-            </p:custDataLst>
-          </p:nvPr>
-        </p:nvPicPr>
-        <p:blipFill>
-          <a:blip r:embed="rId3" cstate="print">
-            <a:extLst>
-              <a:ext uri="{28A0092B-C50C-407E-A947-70E740481C1C}">
-                <a14:useLocalDpi xmlns:a14="http://schemas.microsoft.com/office/drawing/2010/main" val="0"/>
-              </a:ext>
-            </a:extLst>
-          </a:blip>
-          <a:stretch>
-            <a:fillRect/>
-          </a:stretch>
-        </p:blipFill>
-        <p:spPr>
-          <a:xfrm>
-            <a:off x="3414296" y="720948"/>
-            <a:ext cx="784457" cy="266971"/>
-          </a:xfrm>
-          <a:prstGeom prst="rect">
-            <a:avLst/>
-          </a:prstGeom>
-        </p:spPr>
-      </p:pic>
-      <p:pic>
-        <p:nvPicPr>
-          <p:cNvPr id="3" name="Picture 2" descr="Chart&#10;&#10;Description automatically generated">
-            <a:extLst>
-              <a:ext uri="{FF2B5EF4-FFF2-40B4-BE49-F238E27FC236}">
-                <a16:creationId xmlns:a16="http://schemas.microsoft.com/office/drawing/2014/main" id="{4B60FC13-57E6-93C1-2D87-44B6BC935E4E}"/>
-              </a:ext>
-            </a:extLst>
-          </p:cNvPr>
-          <p:cNvPicPr>
-            <a:picLocks noChangeAspect="1"/>
-          </p:cNvPicPr>
-          <p:nvPr/>
-        </p:nvPicPr>
-        <p:blipFill>
-          <a:blip r:embed="rId4">
-            <a:extLst>
-              <a:ext uri="{28A0092B-C50C-407E-A947-70E740481C1C}">
-                <a14:useLocalDpi xmlns:a14="http://schemas.microsoft.com/office/drawing/2010/main" val="0"/>
-              </a:ext>
-            </a:extLst>
-          </a:blip>
-          <a:stretch>
-            <a:fillRect/>
-          </a:stretch>
-        </p:blipFill>
-        <p:spPr>
-          <a:xfrm>
-            <a:off x="5309937" y="1653561"/>
-            <a:ext cx="5545693" cy="3929092"/>
-          </a:xfrm>
-          <a:prstGeom prst="rect">
-            <a:avLst/>
-          </a:prstGeom>
-        </p:spPr>
-      </p:pic>
-      <p:sp>
-        <p:nvSpPr>
-          <p:cNvPr id="5" name="TextBox 4">
-            <a:extLst>
-              <a:ext uri="{FF2B5EF4-FFF2-40B4-BE49-F238E27FC236}">
-                <a16:creationId xmlns:a16="http://schemas.microsoft.com/office/drawing/2014/main" id="{223718AD-1688-5DD0-465B-CE1D366E5711}"/>
-              </a:ext>
-            </a:extLst>
-          </p:cNvPr>
-          <p:cNvSpPr txBox="1"/>
-          <p:nvPr/>
-        </p:nvSpPr>
-        <p:spPr>
-          <a:xfrm>
-            <a:off x="3806524" y="5646820"/>
-            <a:ext cx="3744936" cy="400110"/>
-          </a:xfrm>
-          <a:prstGeom prst="rect">
-            <a:avLst/>
-          </a:prstGeom>
-          <a:noFill/>
-        </p:spPr>
-        <p:txBody>
-          <a:bodyPr wrap="none" rtlCol="0">
-            <a:spAutoFit/>
-          </a:bodyPr>
-          <a:lstStyle/>
-          <a:p>
-            <a:r>
-              <a:rPr lang="en-US" sz="1000" dirty="0"/>
-              <a:t>Reduced conservative force </a:t>
-            </a:r>
-          </a:p>
-          <a:p>
-            <a:r>
-              <a:rPr lang="en-US" sz="1000" dirty="0"/>
-              <a:t>+ high excited state fraction </a:t>
-            </a:r>
-            <a:r>
-              <a:rPr lang="en-US" sz="1000" dirty="0">
-                <a:sym typeface="Wingdings" panose="05000000000000000000" pitchFamily="2" charset="2"/>
-              </a:rPr>
-              <a:t> more diffusion due to </a:t>
-            </a:r>
-            <a:r>
-              <a:rPr lang="en-US" sz="1000" dirty="0" err="1">
-                <a:sym typeface="Wingdings" panose="05000000000000000000" pitchFamily="2" charset="2"/>
-              </a:rPr>
-              <a:t>spon</a:t>
-            </a:r>
-            <a:r>
-              <a:rPr lang="en-US" sz="1000" dirty="0">
-                <a:sym typeface="Wingdings" panose="05000000000000000000" pitchFamily="2" charset="2"/>
-              </a:rPr>
-              <a:t>. emission</a:t>
-            </a:r>
-            <a:endParaRPr lang="en-US" sz="1000" dirty="0"/>
-          </a:p>
-        </p:txBody>
-      </p:sp>
-      <p:sp>
-        <p:nvSpPr>
-          <p:cNvPr id="6" name="TextBox 5">
-            <a:extLst>
-              <a:ext uri="{FF2B5EF4-FFF2-40B4-BE49-F238E27FC236}">
-                <a16:creationId xmlns:a16="http://schemas.microsoft.com/office/drawing/2014/main" id="{86CC8FB5-B19C-0A42-3102-71D698478AD9}"/>
-              </a:ext>
-            </a:extLst>
-          </p:cNvPr>
-          <p:cNvSpPr txBox="1"/>
-          <p:nvPr/>
-        </p:nvSpPr>
-        <p:spPr>
-          <a:xfrm>
-            <a:off x="8082783" y="5646820"/>
-            <a:ext cx="3733714" cy="400110"/>
-          </a:xfrm>
-          <a:prstGeom prst="rect">
-            <a:avLst/>
-          </a:prstGeom>
-          <a:noFill/>
-        </p:spPr>
-        <p:txBody>
-          <a:bodyPr wrap="none" rtlCol="0">
-            <a:spAutoFit/>
-          </a:bodyPr>
-          <a:lstStyle/>
-          <a:p>
-            <a:r>
-              <a:rPr lang="en-US" sz="1000" dirty="0"/>
-              <a:t>Decreased time ordering between</a:t>
-            </a:r>
-          </a:p>
-          <a:p>
-            <a:r>
-              <a:rPr lang="en-US" sz="1000" dirty="0"/>
-              <a:t>Adiabatic transfers </a:t>
-            </a:r>
-            <a:r>
-              <a:rPr lang="en-US" sz="1000" dirty="0">
-                <a:sym typeface="Wingdings" panose="05000000000000000000" pitchFamily="2" charset="2"/>
-              </a:rPr>
-              <a:t> particles spend more time in the excited state</a:t>
-            </a:r>
-            <a:endParaRPr lang="en-US" sz="1000" dirty="0"/>
+              <a:t>Applications</a:t>
+            </a:r>
           </a:p>
         </p:txBody>
       </p:sp>
     </p:spTree>
     <p:extLst>
       <p:ext uri="{BB962C8B-B14F-4D97-AF65-F5344CB8AC3E}">
-        <p14:creationId xmlns:p14="http://schemas.microsoft.com/office/powerpoint/2010/main" val="235539993"/>
+        <p14:creationId xmlns:p14="http://schemas.microsoft.com/office/powerpoint/2010/main" val="3013588437"/>
       </p:ext>
     </p:extLst>
   </p:cSld>
@@ -3382,7 +3199,7 @@
         <p:spPr>
           <a:xfrm>
             <a:off x="685558" y="623602"/>
-            <a:ext cx="2381486" cy="461665"/>
+            <a:ext cx="1928348" cy="461665"/>
           </a:xfrm>
           <a:prstGeom prst="rect">
             <a:avLst/>
@@ -3397,140 +3214,7 @@
           <a:p>
             <a:r>
               <a:rPr lang="en-US" sz="2400" dirty="0"/>
-              <a:t>Cooling efficiency</a:t>
-            </a:r>
-          </a:p>
-        </p:txBody>
-      </p:sp>
-      <p:pic>
-        <p:nvPicPr>
-          <p:cNvPr id="5" name="Picture 4" descr="Chart, line chart&#10;&#10;Description automatically generated">
-            <a:extLst>
-              <a:ext uri="{FF2B5EF4-FFF2-40B4-BE49-F238E27FC236}">
-                <a16:creationId xmlns:a16="http://schemas.microsoft.com/office/drawing/2014/main" id="{CBFC484D-CFC2-FCFB-7117-7B84254C33C6}"/>
-              </a:ext>
-            </a:extLst>
-          </p:cNvPr>
-          <p:cNvPicPr>
-            <a:picLocks noChangeAspect="1"/>
-          </p:cNvPicPr>
-          <p:nvPr/>
-        </p:nvPicPr>
-        <p:blipFill>
-          <a:blip r:embed="rId2">
-            <a:extLst>
-              <a:ext uri="{28A0092B-C50C-407E-A947-70E740481C1C}">
-                <a14:useLocalDpi xmlns:a14="http://schemas.microsoft.com/office/drawing/2010/main" val="0"/>
-              </a:ext>
-            </a:extLst>
-          </a:blip>
-          <a:stretch>
-            <a:fillRect/>
-          </a:stretch>
-        </p:blipFill>
-        <p:spPr>
-          <a:xfrm>
-            <a:off x="6613648" y="1153847"/>
-            <a:ext cx="4816353" cy="3450237"/>
-          </a:xfrm>
-          <a:prstGeom prst="rect">
-            <a:avLst/>
-          </a:prstGeom>
-        </p:spPr>
-      </p:pic>
-      <p:sp>
-        <p:nvSpPr>
-          <p:cNvPr id="6" name="TextBox 5">
-            <a:extLst>
-              <a:ext uri="{FF2B5EF4-FFF2-40B4-BE49-F238E27FC236}">
-                <a16:creationId xmlns:a16="http://schemas.microsoft.com/office/drawing/2014/main" id="{E0AB2A8E-1856-A04F-CDAE-FD122D7A0D24}"/>
-              </a:ext>
-            </a:extLst>
-          </p:cNvPr>
-          <p:cNvSpPr txBox="1"/>
-          <p:nvPr/>
-        </p:nvSpPr>
-        <p:spPr>
-          <a:xfrm>
-            <a:off x="952500" y="1524000"/>
-            <a:ext cx="4934877" cy="369332"/>
-          </a:xfrm>
-          <a:prstGeom prst="rect">
-            <a:avLst/>
-          </a:prstGeom>
-          <a:noFill/>
-        </p:spPr>
-        <p:txBody>
-          <a:bodyPr wrap="none" rtlCol="0">
-            <a:spAutoFit/>
-          </a:bodyPr>
-          <a:lstStyle/>
-          <a:p>
-            <a:r>
-              <a:rPr lang="en-US" dirty="0"/>
-              <a:t>Cooling efficiency ≡ energy removed per scattering</a:t>
-            </a:r>
-          </a:p>
-        </p:txBody>
-      </p:sp>
-      <p:sp>
-        <p:nvSpPr>
-          <p:cNvPr id="7" name="TextBox 6">
-            <a:extLst>
-              <a:ext uri="{FF2B5EF4-FFF2-40B4-BE49-F238E27FC236}">
-                <a16:creationId xmlns:a16="http://schemas.microsoft.com/office/drawing/2014/main" id="{1171B047-1ACD-625C-41AC-A03BF7A4893B}"/>
-              </a:ext>
-            </a:extLst>
-          </p:cNvPr>
-          <p:cNvSpPr txBox="1"/>
-          <p:nvPr/>
-        </p:nvSpPr>
-        <p:spPr>
-          <a:xfrm>
-            <a:off x="952500" y="2782669"/>
-            <a:ext cx="5018105" cy="1200329"/>
-          </a:xfrm>
-          <a:prstGeom prst="rect">
-            <a:avLst/>
-          </a:prstGeom>
-          <a:noFill/>
-        </p:spPr>
-        <p:txBody>
-          <a:bodyPr wrap="none" rtlCol="0">
-            <a:spAutoFit/>
-          </a:bodyPr>
-          <a:lstStyle/>
-          <a:p>
-            <a:r>
-              <a:rPr lang="en-US" dirty="0">
-                <a:sym typeface="Wingdings" panose="05000000000000000000" pitchFamily="2" charset="2"/>
-              </a:rPr>
-              <a:t>Many fewer scatterings required than Doppler</a:t>
-            </a:r>
-          </a:p>
-          <a:p>
-            <a:endParaRPr lang="en-US" dirty="0">
-              <a:sym typeface="Wingdings" panose="05000000000000000000" pitchFamily="2" charset="2"/>
-            </a:endParaRPr>
-          </a:p>
-          <a:p>
-            <a:pPr marL="285750" indent="-285750">
-              <a:buFont typeface="Wingdings" panose="05000000000000000000" pitchFamily="2" charset="2"/>
-              <a:buChar char="à"/>
-            </a:pPr>
-            <a:r>
-              <a:rPr lang="en-US" dirty="0">
-                <a:sym typeface="Wingdings" panose="05000000000000000000" pitchFamily="2" charset="2"/>
-              </a:rPr>
-              <a:t>SWAP is well-suited to cooling e.g. particles that </a:t>
-            </a:r>
-          </a:p>
-          <a:p>
-            <a:r>
-              <a:rPr lang="en-US" dirty="0">
-                <a:sym typeface="Wingdings" panose="05000000000000000000" pitchFamily="2" charset="2"/>
-              </a:rPr>
-              <a:t>     lack closed cycling transitions</a:t>
+              <a:t>Extra material</a:t>
             </a:r>
           </a:p>
         </p:txBody>
@@ -3538,7 +3222,7 @@
     </p:spTree>
     <p:extLst>
       <p:ext uri="{BB962C8B-B14F-4D97-AF65-F5344CB8AC3E}">
-        <p14:creationId xmlns:p14="http://schemas.microsoft.com/office/powerpoint/2010/main" val="1184355976"/>
+        <p14:creationId xmlns:p14="http://schemas.microsoft.com/office/powerpoint/2010/main" val="3297757872"/>
       </p:ext>
     </p:extLst>
   </p:cSld>
@@ -3580,7 +3264,7 @@
         <p:spPr>
           <a:xfrm>
             <a:off x="685558" y="623602"/>
-            <a:ext cx="1716496" cy="461665"/>
+            <a:ext cx="1388522" cy="461665"/>
           </a:xfrm>
           <a:prstGeom prst="rect">
             <a:avLst/>
@@ -3595,7 +3279,198 @@
           <a:p>
             <a:r>
               <a:rPr lang="en-US" sz="2400" dirty="0"/>
-              <a:t>Applications</a:t>
+              <a:t>Dynamics</a:t>
+            </a:r>
+          </a:p>
+        </p:txBody>
+      </p:sp>
+      <p:pic>
+        <p:nvPicPr>
+          <p:cNvPr id="3" name="Picture 2" descr="Chart&#10;&#10;Description automatically generated">
+            <a:extLst>
+              <a:ext uri="{FF2B5EF4-FFF2-40B4-BE49-F238E27FC236}">
+                <a16:creationId xmlns:a16="http://schemas.microsoft.com/office/drawing/2014/main" id="{55FB6B9F-1993-544F-1B2E-E65718DA28F1}"/>
+              </a:ext>
+            </a:extLst>
+          </p:cNvPr>
+          <p:cNvPicPr>
+            <a:picLocks noChangeAspect="1"/>
+          </p:cNvPicPr>
+          <p:nvPr/>
+        </p:nvPicPr>
+        <p:blipFill>
+          <a:blip r:embed="rId5">
+            <a:extLst>
+              <a:ext uri="{28A0092B-C50C-407E-A947-70E740481C1C}">
+                <a14:useLocalDpi xmlns:a14="http://schemas.microsoft.com/office/drawing/2010/main" val="0"/>
+              </a:ext>
+            </a:extLst>
+          </a:blip>
+          <a:stretch>
+            <a:fillRect/>
+          </a:stretch>
+        </p:blipFill>
+        <p:spPr>
+          <a:xfrm>
+            <a:off x="5983704" y="1251481"/>
+            <a:ext cx="5478380" cy="4002523"/>
+          </a:xfrm>
+          <a:prstGeom prst="rect">
+            <a:avLst/>
+          </a:prstGeom>
+        </p:spPr>
+      </p:pic>
+      <p:pic>
+        <p:nvPicPr>
+          <p:cNvPr id="6" name="Picture 5" descr="\documentclass{article}&#10;\usepackage{amsmath}&#10;\pagestyle{empty}&#10;\begin{document}&#10;&#10;\begin{equation*}&#10;\hat{H}(t) = \frac{\hat{p}^2}{2m} - \frac{\hbar}{2}\delta(t) \hat{\sigma}^z + \frac{\hbar}{2}\Omega_s \cos(k\hat{z}) \hat{\sigma}^x&#10;\end{equation*}&#10;&#10;\end{document}" title="IguanaTex Bitmap Display">
+            <a:extLst>
+              <a:ext uri="{FF2B5EF4-FFF2-40B4-BE49-F238E27FC236}">
+                <a16:creationId xmlns:a16="http://schemas.microsoft.com/office/drawing/2014/main" id="{65468DC4-2004-4910-0B83-7AA2143789E2}"/>
+              </a:ext>
+            </a:extLst>
+          </p:cNvPr>
+          <p:cNvPicPr>
+            <a:picLocks noChangeAspect="1"/>
+          </p:cNvPicPr>
+          <p:nvPr>
+            <p:custDataLst>
+              <p:tags r:id="rId1"/>
+            </p:custDataLst>
+          </p:nvPr>
+        </p:nvPicPr>
+        <p:blipFill>
+          <a:blip r:embed="rId6" cstate="print">
+            <a:extLst>
+              <a:ext uri="{28A0092B-C50C-407E-A947-70E740481C1C}">
+                <a14:useLocalDpi xmlns:a14="http://schemas.microsoft.com/office/drawing/2010/main" val="0"/>
+              </a:ext>
+            </a:extLst>
+          </a:blip>
+          <a:stretch>
+            <a:fillRect/>
+          </a:stretch>
+        </p:blipFill>
+        <p:spPr>
+          <a:xfrm>
+            <a:off x="1090729" y="2394438"/>
+            <a:ext cx="4361143" cy="557714"/>
+          </a:xfrm>
+          <a:prstGeom prst="rect">
+            <a:avLst/>
+          </a:prstGeom>
+        </p:spPr>
+      </p:pic>
+      <p:pic>
+        <p:nvPicPr>
+          <p:cNvPr id="8" name="Picture 7" descr="\documentclass{article}&#10;\usepackage{amsmath}&#10;\usepackage{physics}&#10;\pagestyle{empty}&#10;\begin{document}&#10;&#10;$\{ \ket{g,p}, \ket{e,p-\hbar k}, \ket{g,p-2\hbar k}, \ket{e,p-3\hbar k} \}$&#10;&#10;&#10;\end{document}" title="IguanaTex Bitmap Display">
+            <a:extLst>
+              <a:ext uri="{FF2B5EF4-FFF2-40B4-BE49-F238E27FC236}">
+                <a16:creationId xmlns:a16="http://schemas.microsoft.com/office/drawing/2014/main" id="{68C1C349-00D2-4B2F-A454-505E9D58D5FD}"/>
+              </a:ext>
+            </a:extLst>
+          </p:cNvPr>
+          <p:cNvPicPr>
+            <a:picLocks noChangeAspect="1"/>
+          </p:cNvPicPr>
+          <p:nvPr>
+            <p:custDataLst>
+              <p:tags r:id="rId2"/>
+            </p:custDataLst>
+          </p:nvPr>
+        </p:nvPicPr>
+        <p:blipFill>
+          <a:blip r:embed="rId7" cstate="print">
+            <a:extLst>
+              <a:ext uri="{28A0092B-C50C-407E-A947-70E740481C1C}">
+                <a14:useLocalDpi xmlns:a14="http://schemas.microsoft.com/office/drawing/2010/main" val="0"/>
+              </a:ext>
+            </a:extLst>
+          </a:blip>
+          <a:stretch>
+            <a:fillRect/>
+          </a:stretch>
+        </p:blipFill>
+        <p:spPr>
+          <a:xfrm>
+            <a:off x="1588788" y="4508029"/>
+            <a:ext cx="3663065" cy="192308"/>
+          </a:xfrm>
+          <a:prstGeom prst="rect">
+            <a:avLst/>
+          </a:prstGeom>
+        </p:spPr>
+      </p:pic>
+      <p:pic>
+        <p:nvPicPr>
+          <p:cNvPr id="12" name="Picture 11" descr="\documentclass{article}&#10;\usepackage{amsmath}&#10;\usepackage{physics}&#10;&#10;\pagestyle{empty}&#10;\begin{document}&#10;&#10;$\abs{\delta(t)} \gg \abs{kv}$&#10;&#10;&#10;\end{document}" title="IguanaTex Bitmap Display">
+            <a:extLst>
+              <a:ext uri="{FF2B5EF4-FFF2-40B4-BE49-F238E27FC236}">
+                <a16:creationId xmlns:a16="http://schemas.microsoft.com/office/drawing/2014/main" id="{78E898EA-D8D2-5069-4BBF-34D81788494C}"/>
+              </a:ext>
+            </a:extLst>
+          </p:cNvPr>
+          <p:cNvPicPr>
+            <a:picLocks noChangeAspect="1"/>
+          </p:cNvPicPr>
+          <p:nvPr>
+            <p:custDataLst>
+              <p:tags r:id="rId3"/>
+            </p:custDataLst>
+          </p:nvPr>
+        </p:nvPicPr>
+        <p:blipFill>
+          <a:blip r:embed="rId8" cstate="print">
+            <a:extLst>
+              <a:ext uri="{28A0092B-C50C-407E-A947-70E740481C1C}">
+                <a14:useLocalDpi xmlns:a14="http://schemas.microsoft.com/office/drawing/2010/main" val="0"/>
+              </a:ext>
+            </a:extLst>
+          </a:blip>
+          <a:stretch>
+            <a:fillRect/>
+          </a:stretch>
+        </p:blipFill>
+        <p:spPr>
+          <a:xfrm>
+            <a:off x="3282944" y="3981638"/>
+            <a:ext cx="1298286" cy="254476"/>
+          </a:xfrm>
+          <a:prstGeom prst="rect">
+            <a:avLst/>
+          </a:prstGeom>
+        </p:spPr>
+      </p:pic>
+      <p:sp>
+        <p:nvSpPr>
+          <p:cNvPr id="13" name="TextBox 12">
+            <a:extLst>
+              <a:ext uri="{FF2B5EF4-FFF2-40B4-BE49-F238E27FC236}">
+                <a16:creationId xmlns:a16="http://schemas.microsoft.com/office/drawing/2014/main" id="{FB4322B8-A921-7A6F-37BD-7E0A9083F16E}"/>
+              </a:ext>
+            </a:extLst>
+          </p:cNvPr>
+          <p:cNvSpPr txBox="1"/>
+          <p:nvPr/>
+        </p:nvSpPr>
+        <p:spPr>
+          <a:xfrm>
+            <a:off x="1013469" y="3905849"/>
+            <a:ext cx="2121222" cy="369332"/>
+          </a:xfrm>
+          <a:prstGeom prst="rect">
+            <a:avLst/>
+          </a:prstGeom>
+          <a:noFill/>
+        </p:spPr>
+        <p:txBody>
+          <a:bodyPr wrap="none" rtlCol="0">
+            <a:spAutoFit/>
+          </a:bodyPr>
+          <a:lstStyle/>
+          <a:p>
+            <a:r>
+              <a:rPr lang="en-US" dirty="0"/>
+              <a:t>Large detuning limit:</a:t>
             </a:r>
           </a:p>
         </p:txBody>
@@ -3603,7 +3478,430 @@
     </p:spTree>
     <p:extLst>
       <p:ext uri="{BB962C8B-B14F-4D97-AF65-F5344CB8AC3E}">
-        <p14:creationId xmlns:p14="http://schemas.microsoft.com/office/powerpoint/2010/main" val="3013588437"/>
+        <p14:creationId xmlns:p14="http://schemas.microsoft.com/office/powerpoint/2010/main" val="1389257612"/>
+      </p:ext>
+    </p:extLst>
+  </p:cSld>
+  <p:clrMapOvr>
+    <a:masterClrMapping/>
+  </p:clrMapOvr>
+</p:sld>
+</file>
+
+<file path=ppt/slides/slide13.xml><?xml version="1.0" encoding="utf-8"?>
+<p:sld xmlns:a="http://schemas.openxmlformats.org/drawingml/2006/main" xmlns:r="http://schemas.openxmlformats.org/officeDocument/2006/relationships" xmlns:p="http://schemas.openxmlformats.org/presentationml/2006/main">
+  <p:cSld>
+    <p:spTree>
+      <p:nvGrpSpPr>
+        <p:cNvPr id="1" name=""/>
+        <p:cNvGrpSpPr/>
+        <p:nvPr/>
+      </p:nvGrpSpPr>
+      <p:grpSpPr>
+        <a:xfrm>
+          <a:off x="0" y="0"/>
+          <a:ext cx="0" cy="0"/>
+          <a:chOff x="0" y="0"/>
+          <a:chExt cx="0" cy="0"/>
+        </a:xfrm>
+      </p:grpSpPr>
+      <p:sp>
+        <p:nvSpPr>
+          <p:cNvPr id="20" name="TextBox 19">
+            <a:extLst>
+              <a:ext uri="{FF2B5EF4-FFF2-40B4-BE49-F238E27FC236}">
+                <a16:creationId xmlns:a16="http://schemas.microsoft.com/office/drawing/2014/main" id="{86F6163E-3579-7211-59A6-656D4BBC4241}"/>
+              </a:ext>
+            </a:extLst>
+          </p:cNvPr>
+          <p:cNvSpPr txBox="1"/>
+          <p:nvPr/>
+        </p:nvSpPr>
+        <p:spPr>
+          <a:xfrm>
+            <a:off x="677537" y="615581"/>
+            <a:ext cx="1388522" cy="461665"/>
+          </a:xfrm>
+          <a:prstGeom prst="rect">
+            <a:avLst/>
+          </a:prstGeom>
+          <a:noFill/>
+        </p:spPr>
+        <p:txBody>
+          <a:bodyPr wrap="none" rtlCol="0">
+            <a:spAutoFit/>
+          </a:bodyPr>
+          <a:lstStyle/>
+          <a:p>
+            <a:r>
+              <a:rPr lang="en-US" sz="2400" dirty="0"/>
+              <a:t>Dynamics</a:t>
+            </a:r>
+          </a:p>
+        </p:txBody>
+      </p:sp>
+      <p:pic>
+        <p:nvPicPr>
+          <p:cNvPr id="4" name="Picture 3" descr="Chart&#10;&#10;Description automatically generated">
+            <a:extLst>
+              <a:ext uri="{FF2B5EF4-FFF2-40B4-BE49-F238E27FC236}">
+                <a16:creationId xmlns:a16="http://schemas.microsoft.com/office/drawing/2014/main" id="{06A9EEF4-813A-E070-A68E-27DCAB11CDB2}"/>
+              </a:ext>
+            </a:extLst>
+          </p:cNvPr>
+          <p:cNvPicPr>
+            <a:picLocks noChangeAspect="1"/>
+          </p:cNvPicPr>
+          <p:nvPr/>
+        </p:nvPicPr>
+        <p:blipFill>
+          <a:blip r:embed="rId6">
+            <a:extLst>
+              <a:ext uri="{28A0092B-C50C-407E-A947-70E740481C1C}">
+                <a14:useLocalDpi xmlns:a14="http://schemas.microsoft.com/office/drawing/2010/main" val="0"/>
+              </a:ext>
+            </a:extLst>
+          </a:blip>
+          <a:stretch>
+            <a:fillRect/>
+          </a:stretch>
+        </p:blipFill>
+        <p:spPr>
+          <a:xfrm>
+            <a:off x="6609348" y="1726415"/>
+            <a:ext cx="5080307" cy="3717462"/>
+          </a:xfrm>
+          <a:prstGeom prst="rect">
+            <a:avLst/>
+          </a:prstGeom>
+        </p:spPr>
+      </p:pic>
+      <p:sp>
+        <p:nvSpPr>
+          <p:cNvPr id="5" name="TextBox 4">
+            <a:extLst>
+              <a:ext uri="{FF2B5EF4-FFF2-40B4-BE49-F238E27FC236}">
+                <a16:creationId xmlns:a16="http://schemas.microsoft.com/office/drawing/2014/main" id="{0353B0D4-3375-FE1F-3C6C-2F4E0F92FC5C}"/>
+              </a:ext>
+            </a:extLst>
+          </p:cNvPr>
+          <p:cNvSpPr txBox="1"/>
+          <p:nvPr/>
+        </p:nvSpPr>
+        <p:spPr>
+          <a:xfrm>
+            <a:off x="850232" y="1541749"/>
+            <a:ext cx="2058192" cy="369332"/>
+          </a:xfrm>
+          <a:prstGeom prst="rect">
+            <a:avLst/>
+          </a:prstGeom>
+          <a:noFill/>
+        </p:spPr>
+        <p:txBody>
+          <a:bodyPr wrap="none" rtlCol="0">
+            <a:spAutoFit/>
+          </a:bodyPr>
+          <a:lstStyle/>
+          <a:p>
+            <a:r>
+              <a:rPr lang="en-US" dirty="0"/>
+              <a:t>Coherent evolution:</a:t>
+            </a:r>
+          </a:p>
+        </p:txBody>
+      </p:sp>
+      <p:sp>
+        <p:nvSpPr>
+          <p:cNvPr id="6" name="TextBox 5">
+            <a:extLst>
+              <a:ext uri="{FF2B5EF4-FFF2-40B4-BE49-F238E27FC236}">
+                <a16:creationId xmlns:a16="http://schemas.microsoft.com/office/drawing/2014/main" id="{A4B5BD1E-8E70-8531-F721-8BEF62CD35BC}"/>
+              </a:ext>
+            </a:extLst>
+          </p:cNvPr>
+          <p:cNvSpPr txBox="1"/>
+          <p:nvPr/>
+        </p:nvSpPr>
+        <p:spPr>
+          <a:xfrm>
+            <a:off x="850232" y="5246807"/>
+            <a:ext cx="3005823" cy="369332"/>
+          </a:xfrm>
+          <a:prstGeom prst="rect">
+            <a:avLst/>
+          </a:prstGeom>
+          <a:noFill/>
+        </p:spPr>
+        <p:txBody>
+          <a:bodyPr wrap="none" rtlCol="0">
+            <a:spAutoFit/>
+          </a:bodyPr>
+          <a:lstStyle/>
+          <a:p>
+            <a:r>
+              <a:rPr lang="en-US" dirty="0"/>
+              <a:t>With spontaneous emission:   </a:t>
+            </a:r>
+          </a:p>
+        </p:txBody>
+      </p:sp>
+      <p:pic>
+        <p:nvPicPr>
+          <p:cNvPr id="12" name="Picture 11" descr="\documentclass{article}&#10;\usepackage{amsmath, amssymb}&#10;\usepackage{physics}&#10;\usepackage{mathtools}&#10;\pagestyle{empty}&#10;\begin{document}&#10;&#10;\begin{equation*}&#10;\abs{\frac{p}{\hbar k}} \gtrapprox 1 + \frac{2\kappa \gamma}{\omega_r}&#10;\end{equation*}&#10;&#10;&#10;\end{document}" title="IguanaTex Bitmap Display">
+            <a:extLst>
+              <a:ext uri="{FF2B5EF4-FFF2-40B4-BE49-F238E27FC236}">
+                <a16:creationId xmlns:a16="http://schemas.microsoft.com/office/drawing/2014/main" id="{4744B2AC-9801-A001-B020-BDBCD4832694}"/>
+              </a:ext>
+            </a:extLst>
+          </p:cNvPr>
+          <p:cNvPicPr>
+            <a:picLocks noChangeAspect="1"/>
+          </p:cNvPicPr>
+          <p:nvPr>
+            <p:custDataLst>
+              <p:tags r:id="rId1"/>
+            </p:custDataLst>
+          </p:nvPr>
+        </p:nvPicPr>
+        <p:blipFill>
+          <a:blip r:embed="rId7" cstate="print">
+            <a:extLst>
+              <a:ext uri="{28A0092B-C50C-407E-A947-70E740481C1C}">
+                <a14:useLocalDpi xmlns:a14="http://schemas.microsoft.com/office/drawing/2010/main" val="0"/>
+              </a:ext>
+            </a:extLst>
+          </a:blip>
+          <a:stretch>
+            <a:fillRect/>
+          </a:stretch>
+        </p:blipFill>
+        <p:spPr>
+          <a:xfrm>
+            <a:off x="3719020" y="5218854"/>
+            <a:ext cx="1689905" cy="551619"/>
+          </a:xfrm>
+          <a:prstGeom prst="rect">
+            <a:avLst/>
+          </a:prstGeom>
+        </p:spPr>
+      </p:pic>
+      <p:pic>
+        <p:nvPicPr>
+          <p:cNvPr id="15" name="Picture 14" descr="\documentclass{article}&#10;\usepackage{amsmath}&#10;\pagestyle{empty}&#10;\begin{document}&#10;&#10;$p_\text{rms} = \sqrt{\langle \hat{p}^2 \rangle}$&#10;&#10;&#10;\end{document}" title="IguanaTex Bitmap Display">
+            <a:extLst>
+              <a:ext uri="{FF2B5EF4-FFF2-40B4-BE49-F238E27FC236}">
+                <a16:creationId xmlns:a16="http://schemas.microsoft.com/office/drawing/2014/main" id="{6A93F286-5134-B9AA-182E-46090797477A}"/>
+              </a:ext>
+            </a:extLst>
+          </p:cNvPr>
+          <p:cNvPicPr>
+            <a:picLocks noChangeAspect="1"/>
+          </p:cNvPicPr>
+          <p:nvPr>
+            <p:custDataLst>
+              <p:tags r:id="rId2"/>
+            </p:custDataLst>
+          </p:nvPr>
+        </p:nvPicPr>
+        <p:blipFill>
+          <a:blip r:embed="rId8" cstate="print">
+            <a:extLst>
+              <a:ext uri="{28A0092B-C50C-407E-A947-70E740481C1C}">
+                <a14:useLocalDpi xmlns:a14="http://schemas.microsoft.com/office/drawing/2010/main" val="0"/>
+              </a:ext>
+            </a:extLst>
+          </a:blip>
+          <a:stretch>
+            <a:fillRect/>
+          </a:stretch>
+        </p:blipFill>
+        <p:spPr>
+          <a:xfrm>
+            <a:off x="8521493" y="1607843"/>
+            <a:ext cx="1504000" cy="303238"/>
+          </a:xfrm>
+          <a:prstGeom prst="rect">
+            <a:avLst/>
+          </a:prstGeom>
+        </p:spPr>
+      </p:pic>
+      <p:pic>
+        <p:nvPicPr>
+          <p:cNvPr id="26" name="Picture 25" descr="\documentclass{article}&#10;\usepackage{amsmath}&#10;\pagestyle{empty}&#10;\begin{document}&#10;&#10;$p_i \downarrow$&#10;&#10;&#10;\end{document}" title="IguanaTex Bitmap Display">
+            <a:extLst>
+              <a:ext uri="{FF2B5EF4-FFF2-40B4-BE49-F238E27FC236}">
+                <a16:creationId xmlns:a16="http://schemas.microsoft.com/office/drawing/2014/main" id="{44D1E699-82C6-DC7C-0AFD-C83EE2141320}"/>
+              </a:ext>
+            </a:extLst>
+          </p:cNvPr>
+          <p:cNvPicPr>
+            <a:picLocks noChangeAspect="1"/>
+          </p:cNvPicPr>
+          <p:nvPr>
+            <p:custDataLst>
+              <p:tags r:id="rId3"/>
+            </p:custDataLst>
+          </p:nvPr>
+        </p:nvPicPr>
+        <p:blipFill>
+          <a:blip r:embed="rId9" cstate="print">
+            <a:extLst>
+              <a:ext uri="{28A0092B-C50C-407E-A947-70E740481C1C}">
+                <a14:useLocalDpi xmlns:a14="http://schemas.microsoft.com/office/drawing/2010/main" val="0"/>
+              </a:ext>
+            </a:extLst>
+          </a:blip>
+          <a:stretch>
+            <a:fillRect/>
+          </a:stretch>
+        </p:blipFill>
+        <p:spPr>
+          <a:xfrm>
+            <a:off x="1304789" y="2180683"/>
+            <a:ext cx="414476" cy="224000"/>
+          </a:xfrm>
+          <a:prstGeom prst="rect">
+            <a:avLst/>
+          </a:prstGeom>
+        </p:spPr>
+      </p:pic>
+      <p:sp>
+        <p:nvSpPr>
+          <p:cNvPr id="22" name="TextBox 21">
+            <a:extLst>
+              <a:ext uri="{FF2B5EF4-FFF2-40B4-BE49-F238E27FC236}">
+                <a16:creationId xmlns:a16="http://schemas.microsoft.com/office/drawing/2014/main" id="{4F252580-F8B6-1598-ED3D-FCAA502CFA6F}"/>
+              </a:ext>
+            </a:extLst>
+          </p:cNvPr>
+          <p:cNvSpPr txBox="1"/>
+          <p:nvPr/>
+        </p:nvSpPr>
+        <p:spPr>
+          <a:xfrm>
+            <a:off x="1719265" y="2124059"/>
+            <a:ext cx="4320350" cy="369332"/>
+          </a:xfrm>
+          <a:prstGeom prst="rect">
+            <a:avLst/>
+          </a:prstGeom>
+          <a:noFill/>
+        </p:spPr>
+        <p:txBody>
+          <a:bodyPr wrap="none" rtlCol="0">
+            <a:spAutoFit/>
+          </a:bodyPr>
+          <a:lstStyle/>
+          <a:p>
+            <a:r>
+              <a:rPr lang="en-US" dirty="0">
+                <a:sym typeface="Wingdings" panose="05000000000000000000" pitchFamily="2" charset="2"/>
+              </a:rPr>
+              <a:t> </a:t>
+            </a:r>
+            <a:r>
+              <a:rPr lang="en-US" dirty="0"/>
+              <a:t>Doppler shift decreases </a:t>
+            </a:r>
+            <a:r>
+              <a:rPr lang="en-US" dirty="0">
+                <a:sym typeface="Wingdings" panose="05000000000000000000" pitchFamily="2" charset="2"/>
+              </a:rPr>
+              <a:t> pulse narrows</a:t>
+            </a:r>
+            <a:endParaRPr lang="en-US" dirty="0"/>
+          </a:p>
+        </p:txBody>
+      </p:sp>
+      <p:sp>
+        <p:nvSpPr>
+          <p:cNvPr id="27" name="TextBox 26">
+            <a:extLst>
+              <a:ext uri="{FF2B5EF4-FFF2-40B4-BE49-F238E27FC236}">
+                <a16:creationId xmlns:a16="http://schemas.microsoft.com/office/drawing/2014/main" id="{A2A2C66A-ACB2-3D10-8461-6D50DA97A945}"/>
+              </a:ext>
+            </a:extLst>
+          </p:cNvPr>
+          <p:cNvSpPr txBox="1"/>
+          <p:nvPr/>
+        </p:nvSpPr>
+        <p:spPr>
+          <a:xfrm>
+            <a:off x="1304789" y="2893476"/>
+            <a:ext cx="5640775" cy="646331"/>
+          </a:xfrm>
+          <a:prstGeom prst="rect">
+            <a:avLst/>
+          </a:prstGeom>
+          <a:noFill/>
+        </p:spPr>
+        <p:txBody>
+          <a:bodyPr wrap="none" rtlCol="0">
+            <a:spAutoFit/>
+          </a:bodyPr>
+          <a:lstStyle/>
+          <a:p>
+            <a:r>
+              <a:rPr lang="en-US" dirty="0"/>
+              <a:t>Effective force drives particle to zero velocity</a:t>
+            </a:r>
+          </a:p>
+          <a:p>
+            <a:r>
+              <a:rPr lang="en-US" dirty="0">
+                <a:sym typeface="Wingdings" panose="05000000000000000000" pitchFamily="2" charset="2"/>
+              </a:rPr>
+              <a:t>   unlike “slowing force” in e.g. chirped-frequency light</a:t>
+            </a:r>
+            <a:endParaRPr lang="en-US" dirty="0"/>
+          </a:p>
+        </p:txBody>
+      </p:sp>
+      <p:pic>
+        <p:nvPicPr>
+          <p:cNvPr id="29" name="Picture 28" descr="\documentclass{article}&#10;\usepackage{amsmath}&#10;\pagestyle{empty}&#10;\begin{document}&#10;&#10;$p_\text{rms, final} = \hbar k /\sqrt{2}$&#10;&#10;&#10;\end{document}" title="IguanaTex Bitmap Display">
+            <a:extLst>
+              <a:ext uri="{FF2B5EF4-FFF2-40B4-BE49-F238E27FC236}">
+                <a16:creationId xmlns:a16="http://schemas.microsoft.com/office/drawing/2014/main" id="{B13FBD5E-E50E-55D0-C2FD-8E2AB39C57EA}"/>
+              </a:ext>
+            </a:extLst>
+          </p:cNvPr>
+          <p:cNvPicPr>
+            <a:picLocks noChangeAspect="1"/>
+          </p:cNvPicPr>
+          <p:nvPr>
+            <p:custDataLst>
+              <p:tags r:id="rId4"/>
+            </p:custDataLst>
+          </p:nvPr>
+        </p:nvPicPr>
+        <p:blipFill>
+          <a:blip r:embed="rId10" cstate="print">
+            <a:extLst>
+              <a:ext uri="{28A0092B-C50C-407E-A947-70E740481C1C}">
+                <a14:useLocalDpi xmlns:a14="http://schemas.microsoft.com/office/drawing/2010/main" val="0"/>
+              </a:ext>
+            </a:extLst>
+          </a:blip>
+          <a:stretch>
+            <a:fillRect/>
+          </a:stretch>
+        </p:blipFill>
+        <p:spPr>
+          <a:xfrm>
+            <a:off x="1304789" y="4120714"/>
+            <a:ext cx="2070857" cy="294095"/>
+          </a:xfrm>
+          <a:prstGeom prst="rect">
+            <a:avLst/>
+          </a:prstGeom>
+        </p:spPr>
+      </p:pic>
+    </p:spTree>
+    <p:extLst>
+      <p:ext uri="{BB962C8B-B14F-4D97-AF65-F5344CB8AC3E}">
+        <p14:creationId xmlns:p14="http://schemas.microsoft.com/office/powerpoint/2010/main" val="1933406857"/>
       </p:ext>
     </p:extLst>
   </p:cSld>
@@ -4309,7 +4607,7 @@
         </p:blipFill>
         <p:spPr>
           <a:xfrm>
-            <a:off x="6822535" y="4152587"/>
+            <a:off x="1147274" y="5538436"/>
             <a:ext cx="1168762" cy="254476"/>
           </a:xfrm>
           <a:prstGeom prst="rect">
@@ -4425,7 +4723,7 @@
         </p:blipFill>
         <p:spPr>
           <a:xfrm>
-            <a:off x="9146421" y="2532766"/>
+            <a:off x="9146421" y="2949858"/>
             <a:ext cx="193524" cy="149333"/>
           </a:xfrm>
           <a:prstGeom prst="rect">
@@ -4465,7 +4763,7 @@
         </p:blipFill>
         <p:spPr>
           <a:xfrm>
-            <a:off x="9175098" y="1800009"/>
+            <a:off x="9175098" y="1848192"/>
             <a:ext cx="1039543" cy="229029"/>
           </a:xfrm>
           <a:prstGeom prst="rect">
@@ -4505,7 +4803,7 @@
         </p:blipFill>
         <p:spPr>
           <a:xfrm>
-            <a:off x="9890788" y="2300553"/>
+            <a:off x="9890788" y="2717645"/>
             <a:ext cx="783238" cy="568381"/>
           </a:xfrm>
           <a:prstGeom prst="rect">
@@ -4545,7 +4843,7 @@
         </p:blipFill>
         <p:spPr>
           <a:xfrm>
-            <a:off x="10148772" y="2962438"/>
+            <a:off x="10148772" y="3760536"/>
             <a:ext cx="1269333" cy="557714"/>
           </a:xfrm>
           <a:prstGeom prst="rect">
@@ -4585,7 +4883,7 @@
         </p:blipFill>
         <p:spPr>
           <a:xfrm>
-            <a:off x="8793762" y="3961529"/>
+            <a:off x="3118501" y="5347378"/>
             <a:ext cx="2448762" cy="620190"/>
           </a:xfrm>
           <a:prstGeom prst="rect">
@@ -4607,7 +4905,7 @@
         </p:nvSpPr>
         <p:spPr>
           <a:xfrm>
-            <a:off x="6325407" y="1708569"/>
+            <a:off x="6325407" y="1756752"/>
             <a:ext cx="2506455" cy="369332"/>
           </a:xfrm>
           <a:prstGeom prst="rect">
@@ -4660,7 +4958,7 @@
         </p:blipFill>
         <p:spPr>
           <a:xfrm>
-            <a:off x="8403453" y="1778719"/>
+            <a:off x="8403453" y="1826902"/>
             <a:ext cx="218057" cy="229029"/>
           </a:xfrm>
           <a:prstGeom prst="rect">
@@ -4682,7 +4980,7 @@
         </p:nvSpPr>
         <p:spPr>
           <a:xfrm>
-            <a:off x="6325407" y="2388173"/>
+            <a:off x="6325407" y="2805265"/>
             <a:ext cx="3272434" cy="369332"/>
           </a:xfrm>
           <a:prstGeom prst="rect">
@@ -4717,7 +5015,7 @@
         </p:nvSpPr>
         <p:spPr>
           <a:xfrm>
-            <a:off x="6325407" y="3079489"/>
+            <a:off x="6325407" y="3877587"/>
             <a:ext cx="3682803" cy="369332"/>
           </a:xfrm>
           <a:prstGeom prst="rect">
@@ -4770,7 +5068,7 @@
         </p:blipFill>
         <p:spPr>
           <a:xfrm>
-            <a:off x="7534348" y="5231568"/>
+            <a:off x="7534348" y="5084881"/>
             <a:ext cx="124952" cy="115810"/>
           </a:xfrm>
           <a:prstGeom prst="rect">
@@ -4792,7 +5090,7 @@
         </p:nvSpPr>
         <p:spPr>
           <a:xfrm>
-            <a:off x="7580301" y="5094427"/>
+            <a:off x="7580301" y="4947740"/>
             <a:ext cx="2427909" cy="369332"/>
           </a:xfrm>
           <a:prstGeom prst="rect">
@@ -4892,7 +5190,7 @@
         </p:nvSpPr>
         <p:spPr>
           <a:xfrm>
-            <a:off x="685558" y="1258907"/>
+            <a:off x="685558" y="1170676"/>
             <a:ext cx="6299097" cy="369332"/>
           </a:xfrm>
           <a:prstGeom prst="rect">
@@ -4908,7 +5206,7 @@
           <a:p>
             <a:r>
               <a:rPr lang="en-US" dirty="0"/>
-              <a:t>Particle interact sequentially with one wave and then the other</a:t>
+              <a:t>Particle interacts sequentially with one wave and then the other</a:t>
             </a:r>
           </a:p>
         </p:txBody>
@@ -4945,7 +5243,7 @@
         </p:blipFill>
         <p:spPr>
           <a:xfrm>
-            <a:off x="9123705" y="1393078"/>
+            <a:off x="9227978" y="1312868"/>
             <a:ext cx="194230" cy="164348"/>
           </a:xfrm>
           <a:prstGeom prst="rect">
@@ -4967,7 +5265,7 @@
         </p:nvSpPr>
         <p:spPr>
           <a:xfrm>
-            <a:off x="6604936" y="1258907"/>
+            <a:off x="6725251" y="1170676"/>
             <a:ext cx="2557303" cy="369332"/>
           </a:xfrm>
           <a:prstGeom prst="rect">
@@ -5019,8 +5317,8 @@
         </p:blipFill>
         <p:spPr>
           <a:xfrm>
-            <a:off x="685558" y="1863657"/>
-            <a:ext cx="5811495" cy="4013822"/>
+            <a:off x="1023628" y="1622784"/>
+            <a:ext cx="4963605" cy="3428211"/>
           </a:xfrm>
           <a:prstGeom prst="rect">
             <a:avLst/>
@@ -5041,7 +5339,7 @@
         </p:nvSpPr>
         <p:spPr>
           <a:xfrm>
-            <a:off x="7153566" y="2181346"/>
+            <a:off x="1920806" y="5178782"/>
             <a:ext cx="1718227" cy="369332"/>
           </a:xfrm>
           <a:prstGeom prst="rect">
@@ -5094,7 +5392,7 @@
         </p:blipFill>
         <p:spPr>
           <a:xfrm>
-            <a:off x="7704808" y="2636637"/>
+            <a:off x="2472048" y="5634073"/>
             <a:ext cx="2358857" cy="254476"/>
           </a:xfrm>
           <a:prstGeom prst="rect">
@@ -5134,7 +5432,7 @@
         </p:blipFill>
         <p:spPr>
           <a:xfrm>
-            <a:off x="7704808" y="3145719"/>
+            <a:off x="2472048" y="6143155"/>
             <a:ext cx="1609143" cy="265143"/>
           </a:xfrm>
           <a:prstGeom prst="rect">
@@ -5156,7 +5454,7 @@
         </p:nvSpPr>
         <p:spPr>
           <a:xfrm>
-            <a:off x="7153566" y="3870568"/>
+            <a:off x="5264830" y="5178782"/>
             <a:ext cx="741998" cy="369332"/>
           </a:xfrm>
           <a:prstGeom prst="rect">
@@ -5209,7 +5507,7 @@
         </p:blipFill>
         <p:spPr>
           <a:xfrm>
-            <a:off x="7866527" y="3981413"/>
+            <a:off x="5977791" y="5289627"/>
             <a:ext cx="1260190" cy="211810"/>
           </a:xfrm>
           <a:prstGeom prst="rect">
@@ -5249,8 +5547,116 @@
         </p:blipFill>
         <p:spPr>
           <a:xfrm>
-            <a:off x="7704808" y="4450528"/>
+            <a:off x="5816072" y="5758742"/>
             <a:ext cx="1907809" cy="254476"/>
+          </a:xfrm>
+          <a:prstGeom prst="rect">
+            <a:avLst/>
+          </a:prstGeom>
+        </p:spPr>
+      </p:pic>
+      <p:pic>
+        <p:nvPicPr>
+          <p:cNvPr id="3" name="Picture 2" descr="Chart&#10;&#10;Description automatically generated">
+            <a:extLst>
+              <a:ext uri="{FF2B5EF4-FFF2-40B4-BE49-F238E27FC236}">
+                <a16:creationId xmlns:a16="http://schemas.microsoft.com/office/drawing/2014/main" id="{59E4070B-09A7-A7F2-9D02-83DF8A462E24}"/>
+              </a:ext>
+            </a:extLst>
+          </p:cNvPr>
+          <p:cNvPicPr>
+            <a:picLocks noChangeAspect="1"/>
+          </p:cNvPicPr>
+          <p:nvPr/>
+        </p:nvPicPr>
+        <p:blipFill>
+          <a:blip r:embed="rId13">
+            <a:extLst>
+              <a:ext uri="{28A0092B-C50C-407E-A947-70E740481C1C}">
+                <a14:useLocalDpi xmlns:a14="http://schemas.microsoft.com/office/drawing/2010/main" val="0"/>
+              </a:ext>
+            </a:extLst>
+          </a:blip>
+          <a:stretch>
+            <a:fillRect/>
+          </a:stretch>
+        </p:blipFill>
+        <p:spPr>
+          <a:xfrm>
+            <a:off x="6204769" y="1578943"/>
+            <a:ext cx="4804840" cy="3515892"/>
+          </a:xfrm>
+          <a:prstGeom prst="rect">
+            <a:avLst/>
+          </a:prstGeom>
+        </p:spPr>
+      </p:pic>
+      <p:pic>
+        <p:nvPicPr>
+          <p:cNvPr id="10" name="Picture 9">
+            <a:extLst>
+              <a:ext uri="{FF2B5EF4-FFF2-40B4-BE49-F238E27FC236}">
+                <a16:creationId xmlns:a16="http://schemas.microsoft.com/office/drawing/2014/main" id="{3B116010-6B1A-FE8B-CE8D-1A223FF21CE4}"/>
+              </a:ext>
+            </a:extLst>
+          </p:cNvPr>
+          <p:cNvPicPr>
+            <a:picLocks noChangeAspect="1"/>
+          </p:cNvPicPr>
+          <p:nvPr/>
+        </p:nvPicPr>
+        <p:blipFill>
+          <a:blip r:embed="rId14">
+            <a:extLst>
+              <a:ext uri="{28A0092B-C50C-407E-A947-70E740481C1C}">
+                <a14:useLocalDpi xmlns:a14="http://schemas.microsoft.com/office/drawing/2010/main" val="0"/>
+              </a:ext>
+            </a:extLst>
+          </a:blip>
+          <a:stretch>
+            <a:fillRect/>
+          </a:stretch>
+        </p:blipFill>
+        <p:spPr>
+          <a:xfrm>
+            <a:off x="8761746" y="2040858"/>
+            <a:ext cx="219075" cy="209550"/>
+          </a:xfrm>
+          <a:prstGeom prst="rect">
+            <a:avLst/>
+          </a:prstGeom>
+        </p:spPr>
+      </p:pic>
+      <p:pic>
+        <p:nvPicPr>
+          <p:cNvPr id="17" name="Picture 16">
+            <a:extLst>
+              <a:ext uri="{FF2B5EF4-FFF2-40B4-BE49-F238E27FC236}">
+                <a16:creationId xmlns:a16="http://schemas.microsoft.com/office/drawing/2014/main" id="{2104275A-BC53-9192-F706-2144CE38F5CF}"/>
+              </a:ext>
+            </a:extLst>
+          </p:cNvPr>
+          <p:cNvPicPr>
+            <a:picLocks noChangeAspect="1"/>
+          </p:cNvPicPr>
+          <p:nvPr/>
+        </p:nvPicPr>
+        <p:blipFill>
+          <a:blip r:embed="rId15">
+            <a:extLst>
+              <a:ext uri="{28A0092B-C50C-407E-A947-70E740481C1C}">
+                <a14:useLocalDpi xmlns:a14="http://schemas.microsoft.com/office/drawing/2010/main" val="0"/>
+              </a:ext>
+            </a:extLst>
+          </a:blip>
+          <a:stretch>
+            <a:fillRect/>
+          </a:stretch>
+        </p:blipFill>
+        <p:spPr>
+          <a:xfrm>
+            <a:off x="8866028" y="3300794"/>
+            <a:ext cx="361950" cy="209550"/>
           </a:xfrm>
           <a:prstGeom prst="rect">
             <a:avLst/>
@@ -5302,7 +5708,7 @@
         <p:spPr>
           <a:xfrm>
             <a:off x="685558" y="623602"/>
-            <a:ext cx="1388522" cy="461665"/>
+            <a:ext cx="3331489" cy="461665"/>
           </a:xfrm>
           <a:prstGeom prst="rect">
             <a:avLst/>
@@ -5317,17 +5723,127 @@
           <a:p>
             <a:r>
               <a:rPr lang="en-US" sz="2400" dirty="0"/>
-              <a:t>Dynamics</a:t>
+              <a:t>Forces and capture range</a:t>
+            </a:r>
+          </a:p>
+        </p:txBody>
+      </p:sp>
+      <p:sp>
+        <p:nvSpPr>
+          <p:cNvPr id="2" name="TextBox 1">
+            <a:extLst>
+              <a:ext uri="{FF2B5EF4-FFF2-40B4-BE49-F238E27FC236}">
+                <a16:creationId xmlns:a16="http://schemas.microsoft.com/office/drawing/2014/main" id="{886B8B7B-B84B-BAFC-65DF-9EE12AE4C277}"/>
+              </a:ext>
+            </a:extLst>
+          </p:cNvPr>
+          <p:cNvSpPr txBox="1"/>
+          <p:nvPr/>
+        </p:nvSpPr>
+        <p:spPr>
+          <a:xfrm>
+            <a:off x="1243263" y="1339517"/>
+            <a:ext cx="2078326" cy="369332"/>
+          </a:xfrm>
+          <a:prstGeom prst="rect">
+            <a:avLst/>
+          </a:prstGeom>
+          <a:noFill/>
+        </p:spPr>
+        <p:txBody>
+          <a:bodyPr wrap="none" rtlCol="0">
+            <a:spAutoFit/>
+          </a:bodyPr>
+          <a:lstStyle/>
+          <a:p>
+            <a:r>
+              <a:rPr lang="en-US" dirty="0"/>
+              <a:t>Conservative forces:</a:t>
             </a:r>
           </a:p>
         </p:txBody>
       </p:sp>
       <p:pic>
         <p:nvPicPr>
-          <p:cNvPr id="3" name="Picture 2" descr="Chart&#10;&#10;Description automatically generated">
-            <a:extLst>
-              <a:ext uri="{FF2B5EF4-FFF2-40B4-BE49-F238E27FC236}">
-                <a16:creationId xmlns:a16="http://schemas.microsoft.com/office/drawing/2014/main" id="{55FB6B9F-1993-544F-1B2E-E65718DA28F1}"/>
+          <p:cNvPr id="5" name="Graphic 4">
+            <a:extLst>
+              <a:ext uri="{FF2B5EF4-FFF2-40B4-BE49-F238E27FC236}">
+                <a16:creationId xmlns:a16="http://schemas.microsoft.com/office/drawing/2014/main" id="{6544FF13-11A1-1A88-B532-BEB60DE576ED}"/>
+              </a:ext>
+            </a:extLst>
+          </p:cNvPr>
+          <p:cNvPicPr>
+            <a:picLocks noChangeAspect="1"/>
+          </p:cNvPicPr>
+          <p:nvPr/>
+        </p:nvPicPr>
+        <p:blipFill>
+          <a:blip r:embed="rId2">
+            <a:extLst>
+              <a:ext uri="{28A0092B-C50C-407E-A947-70E740481C1C}">
+                <a14:useLocalDpi xmlns:a14="http://schemas.microsoft.com/office/drawing/2010/main" val="0"/>
+              </a:ext>
+              <a:ext uri="{96DAC541-7B7A-43D3-8B79-37D633B846F1}">
+                <asvg:svgBlip xmlns:asvg="http://schemas.microsoft.com/office/drawing/2016/SVG/main" r:embed="rId3"/>
+              </a:ext>
+            </a:extLst>
+          </a:blip>
+          <a:stretch>
+            <a:fillRect/>
+          </a:stretch>
+        </p:blipFill>
+        <p:spPr>
+          <a:xfrm>
+            <a:off x="3532020" y="1339517"/>
+            <a:ext cx="3220113" cy="369332"/>
+          </a:xfrm>
+          <a:prstGeom prst="rect">
+            <a:avLst/>
+          </a:prstGeom>
+        </p:spPr>
+      </p:pic>
+      <p:pic>
+        <p:nvPicPr>
+          <p:cNvPr id="11" name="Picture 10" descr="Chart, diagram, histogram&#10;&#10;Description automatically generated">
+            <a:extLst>
+              <a:ext uri="{FF2B5EF4-FFF2-40B4-BE49-F238E27FC236}">
+                <a16:creationId xmlns:a16="http://schemas.microsoft.com/office/drawing/2014/main" id="{C83A3F41-EB86-A21D-234E-43356310D0D5}"/>
+              </a:ext>
+            </a:extLst>
+          </p:cNvPr>
+          <p:cNvPicPr>
+            <a:picLocks noChangeAspect="1"/>
+          </p:cNvPicPr>
+          <p:nvPr/>
+        </p:nvPicPr>
+        <p:blipFill>
+          <a:blip r:embed="rId4" cstate="print">
+            <a:extLst>
+              <a:ext uri="{28A0092B-C50C-407E-A947-70E740481C1C}">
+                <a14:useLocalDpi xmlns:a14="http://schemas.microsoft.com/office/drawing/2010/main" val="0"/>
+              </a:ext>
+            </a:extLst>
+          </a:blip>
+          <a:stretch>
+            <a:fillRect/>
+          </a:stretch>
+        </p:blipFill>
+        <p:spPr>
+          <a:xfrm>
+            <a:off x="1420927" y="3083072"/>
+            <a:ext cx="4542788" cy="2907053"/>
+          </a:xfrm>
+          <a:prstGeom prst="rect">
+            <a:avLst/>
+          </a:prstGeom>
+        </p:spPr>
+      </p:pic>
+      <p:pic>
+        <p:nvPicPr>
+          <p:cNvPr id="13" name="Picture 12" descr="Chart, histogram&#10;&#10;Description automatically generated">
+            <a:extLst>
+              <a:ext uri="{FF2B5EF4-FFF2-40B4-BE49-F238E27FC236}">
+                <a16:creationId xmlns:a16="http://schemas.microsoft.com/office/drawing/2014/main" id="{682B5EB2-E6D6-E72A-CCB8-E8C872B73156}"/>
               </a:ext>
             </a:extLst>
           </p:cNvPr>
@@ -5350,37 +5866,71 @@
         </p:blipFill>
         <p:spPr>
           <a:xfrm>
-            <a:off x="5983704" y="1251481"/>
-            <a:ext cx="5478380" cy="4002523"/>
+            <a:off x="6016493" y="3114755"/>
+            <a:ext cx="4586308" cy="2907053"/>
           </a:xfrm>
           <a:prstGeom prst="rect">
             <a:avLst/>
           </a:prstGeom>
         </p:spPr>
       </p:pic>
+      <p:sp>
+        <p:nvSpPr>
+          <p:cNvPr id="14" name="TextBox 13">
+            <a:extLst>
+              <a:ext uri="{FF2B5EF4-FFF2-40B4-BE49-F238E27FC236}">
+                <a16:creationId xmlns:a16="http://schemas.microsoft.com/office/drawing/2014/main" id="{4E7C2EFF-6A20-C5CB-8E6D-2FA3DD2127CF}"/>
+              </a:ext>
+            </a:extLst>
+          </p:cNvPr>
+          <p:cNvSpPr txBox="1"/>
+          <p:nvPr/>
+        </p:nvSpPr>
+        <p:spPr>
+          <a:xfrm>
+            <a:off x="1243263" y="1973643"/>
+            <a:ext cx="1937903" cy="369332"/>
+          </a:xfrm>
+          <a:prstGeom prst="rect">
+            <a:avLst/>
+          </a:prstGeom>
+          <a:noFill/>
+        </p:spPr>
+        <p:txBody>
+          <a:bodyPr wrap="none" rtlCol="0">
+            <a:spAutoFit/>
+          </a:bodyPr>
+          <a:lstStyle/>
+          <a:p>
+            <a:r>
+              <a:rPr lang="en-US" dirty="0"/>
+              <a:t>3 velocity regimes:</a:t>
+            </a:r>
+          </a:p>
+        </p:txBody>
+      </p:sp>
       <p:pic>
         <p:nvPicPr>
-          <p:cNvPr id="6" name="Picture 5" descr="\documentclass{article}&#10;\usepackage{amsmath}&#10;\pagestyle{empty}&#10;\begin{document}&#10;&#10;\begin{equation*}&#10;\hat{H}(t) = \frac{\hat{p}^2}{2m} - \frac{\hbar}{2}\delta(t) \hat{\sigma}^z + \frac{\hbar}{2}\Omega_s \cos(k\hat{z}) \hat{\sigma}^x&#10;\end{equation*}&#10;&#10;\end{document}" title="IguanaTex Bitmap Display">
-            <a:extLst>
-              <a:ext uri="{FF2B5EF4-FFF2-40B4-BE49-F238E27FC236}">
-                <a16:creationId xmlns:a16="http://schemas.microsoft.com/office/drawing/2014/main" id="{65468DC4-2004-4910-0B83-7AA2143789E2}"/>
+          <p:cNvPr id="16" name="Graphic 15">
+            <a:extLst>
+              <a:ext uri="{FF2B5EF4-FFF2-40B4-BE49-F238E27FC236}">
+                <a16:creationId xmlns:a16="http://schemas.microsoft.com/office/drawing/2014/main" id="{89E5D29C-ACC9-009B-37BD-CC8585338DB1}"/>
               </a:ext>
             </a:extLst>
           </p:cNvPr>
           <p:cNvPicPr>
             <a:picLocks noChangeAspect="1"/>
           </p:cNvPicPr>
-          <p:nvPr>
-            <p:custDataLst>
-              <p:tags r:id="rId1"/>
-            </p:custDataLst>
-          </p:nvPr>
+          <p:nvPr/>
         </p:nvPicPr>
         <p:blipFill>
-          <a:blip r:embed="rId6" cstate="print">
+          <a:blip r:embed="rId6">
             <a:extLst>
               <a:ext uri="{28A0092B-C50C-407E-A947-70E740481C1C}">
                 <a14:useLocalDpi xmlns:a14="http://schemas.microsoft.com/office/drawing/2010/main" val="0"/>
+              </a:ext>
+              <a:ext uri="{96DAC541-7B7A-43D3-8B79-37D633B846F1}">
+                <asvg:svgBlip xmlns:asvg="http://schemas.microsoft.com/office/drawing/2016/SVG/main" r:embed="rId7"/>
               </a:ext>
             </a:extLst>
           </a:blip>
@@ -5390,8 +5940,8 @@
         </p:blipFill>
         <p:spPr>
           <a:xfrm>
-            <a:off x="1090729" y="2394438"/>
-            <a:ext cx="4361143" cy="557714"/>
+            <a:off x="3982919" y="1987162"/>
+            <a:ext cx="923626" cy="427177"/>
           </a:xfrm>
           <a:prstGeom prst="rect">
             <a:avLst/>
@@ -5400,27 +5950,26 @@
       </p:pic>
       <p:pic>
         <p:nvPicPr>
-          <p:cNvPr id="8" name="Picture 7" descr="\documentclass{article}&#10;\usepackage{amsmath}&#10;\usepackage{physics}&#10;\pagestyle{empty}&#10;\begin{document}&#10;&#10;$\{ \ket{g,p}, \ket{e,p-\hbar k}, \ket{g,p-2\hbar k}, \ket{e,p-3\hbar k} \}$&#10;&#10;&#10;\end{document}" title="IguanaTex Bitmap Display">
-            <a:extLst>
-              <a:ext uri="{FF2B5EF4-FFF2-40B4-BE49-F238E27FC236}">
-                <a16:creationId xmlns:a16="http://schemas.microsoft.com/office/drawing/2014/main" id="{68C1C349-00D2-4B2F-A454-505E9D58D5FD}"/>
+          <p:cNvPr id="18" name="Graphic 17">
+            <a:extLst>
+              <a:ext uri="{FF2B5EF4-FFF2-40B4-BE49-F238E27FC236}">
+                <a16:creationId xmlns:a16="http://schemas.microsoft.com/office/drawing/2014/main" id="{CA1D3582-F6B5-D88D-CA36-76BE7EAA751D}"/>
               </a:ext>
             </a:extLst>
           </p:cNvPr>
           <p:cNvPicPr>
             <a:picLocks noChangeAspect="1"/>
           </p:cNvPicPr>
-          <p:nvPr>
-            <p:custDataLst>
-              <p:tags r:id="rId2"/>
-            </p:custDataLst>
-          </p:nvPr>
+          <p:nvPr/>
         </p:nvPicPr>
         <p:blipFill>
-          <a:blip r:embed="rId7" cstate="print">
+          <a:blip r:embed="rId8">
             <a:extLst>
               <a:ext uri="{28A0092B-C50C-407E-A947-70E740481C1C}">
                 <a14:useLocalDpi xmlns:a14="http://schemas.microsoft.com/office/drawing/2010/main" val="0"/>
+              </a:ext>
+              <a:ext uri="{96DAC541-7B7A-43D3-8B79-37D633B846F1}">
+                <asvg:svgBlip xmlns:asvg="http://schemas.microsoft.com/office/drawing/2016/SVG/main" r:embed="rId9"/>
               </a:ext>
             </a:extLst>
           </a:blip>
@@ -5430,8 +5979,8 @@
         </p:blipFill>
         <p:spPr>
           <a:xfrm>
-            <a:off x="1588788" y="4508029"/>
-            <a:ext cx="3663065" cy="192308"/>
+            <a:off x="5835807" y="1987162"/>
+            <a:ext cx="1547073" cy="427177"/>
           </a:xfrm>
           <a:prstGeom prst="rect">
             <a:avLst/>
@@ -5440,27 +5989,26 @@
       </p:pic>
       <p:pic>
         <p:nvPicPr>
-          <p:cNvPr id="12" name="Picture 11" descr="\documentclass{article}&#10;\usepackage{amsmath}&#10;\usepackage{physics}&#10;&#10;\pagestyle{empty}&#10;\begin{document}&#10;&#10;$\abs{\delta(t)} \gg \abs{kv}$&#10;&#10;&#10;\end{document}" title="IguanaTex Bitmap Display">
-            <a:extLst>
-              <a:ext uri="{FF2B5EF4-FFF2-40B4-BE49-F238E27FC236}">
-                <a16:creationId xmlns:a16="http://schemas.microsoft.com/office/drawing/2014/main" id="{78E898EA-D8D2-5069-4BBF-34D81788494C}"/>
+          <p:cNvPr id="21" name="Graphic 20">
+            <a:extLst>
+              <a:ext uri="{FF2B5EF4-FFF2-40B4-BE49-F238E27FC236}">
+                <a16:creationId xmlns:a16="http://schemas.microsoft.com/office/drawing/2014/main" id="{8387799A-33BE-D15A-45CF-1686276FD06B}"/>
               </a:ext>
             </a:extLst>
           </p:cNvPr>
           <p:cNvPicPr>
             <a:picLocks noChangeAspect="1"/>
           </p:cNvPicPr>
-          <p:nvPr>
-            <p:custDataLst>
-              <p:tags r:id="rId3"/>
-            </p:custDataLst>
-          </p:nvPr>
+          <p:nvPr/>
         </p:nvPicPr>
         <p:blipFill>
-          <a:blip r:embed="rId8" cstate="print">
+          <a:blip r:embed="rId10">
             <a:extLst>
               <a:ext uri="{28A0092B-C50C-407E-A947-70E740481C1C}">
                 <a14:useLocalDpi xmlns:a14="http://schemas.microsoft.com/office/drawing/2010/main" val="0"/>
+              </a:ext>
+              <a:ext uri="{96DAC541-7B7A-43D3-8B79-37D633B846F1}">
+                <asvg:svgBlip xmlns:asvg="http://schemas.microsoft.com/office/drawing/2016/SVG/main" r:embed="rId11"/>
               </a:ext>
             </a:extLst>
           </a:blip>
@@ -5470,8 +6018,8 @@
         </p:blipFill>
         <p:spPr>
           <a:xfrm>
-            <a:off x="3282944" y="3981638"/>
-            <a:ext cx="1298286" cy="254476"/>
+            <a:off x="8309647" y="2112884"/>
+            <a:ext cx="981353" cy="207816"/>
           </a:xfrm>
           <a:prstGeom prst="rect">
             <a:avLst/>
@@ -5480,10 +6028,10 @@
       </p:pic>
       <p:sp>
         <p:nvSpPr>
-          <p:cNvPr id="13" name="TextBox 12">
-            <a:extLst>
-              <a:ext uri="{FF2B5EF4-FFF2-40B4-BE49-F238E27FC236}">
-                <a16:creationId xmlns:a16="http://schemas.microsoft.com/office/drawing/2014/main" id="{FB4322B8-A921-7A6F-37BD-7E0A9083F16E}"/>
+          <p:cNvPr id="22" name="TextBox 21">
+            <a:extLst>
+              <a:ext uri="{FF2B5EF4-FFF2-40B4-BE49-F238E27FC236}">
+                <a16:creationId xmlns:a16="http://schemas.microsoft.com/office/drawing/2014/main" id="{E12E585C-7D57-3693-4E9D-4B88417060EB}"/>
               </a:ext>
             </a:extLst>
           </p:cNvPr>
@@ -5492,8 +6040,8 @@
         </p:nvSpPr>
         <p:spPr>
           <a:xfrm>
-            <a:off x="1013469" y="3905849"/>
-            <a:ext cx="2121222" cy="369332"/>
+            <a:off x="3494672" y="2016454"/>
+            <a:ext cx="442750" cy="369332"/>
           </a:xfrm>
           <a:prstGeom prst="rect">
             <a:avLst/>
@@ -5508,7 +6056,252 @@
           <a:p>
             <a:r>
               <a:rPr lang="en-US" dirty="0"/>
-              <a:t>Large detuning limit:</a:t>
+              <a:t>(0)</a:t>
+            </a:r>
+          </a:p>
+        </p:txBody>
+      </p:sp>
+      <p:sp>
+        <p:nvSpPr>
+          <p:cNvPr id="23" name="TextBox 22">
+            <a:extLst>
+              <a:ext uri="{FF2B5EF4-FFF2-40B4-BE49-F238E27FC236}">
+                <a16:creationId xmlns:a16="http://schemas.microsoft.com/office/drawing/2014/main" id="{DF6C95E4-20BE-2896-AA07-71DD1B460A23}"/>
+              </a:ext>
+            </a:extLst>
+          </p:cNvPr>
+          <p:cNvSpPr txBox="1"/>
+          <p:nvPr/>
+        </p:nvSpPr>
+        <p:spPr>
+          <a:xfrm>
+            <a:off x="5352952" y="2016454"/>
+            <a:ext cx="442750" cy="369332"/>
+          </a:xfrm>
+          <a:prstGeom prst="rect">
+            <a:avLst/>
+          </a:prstGeom>
+          <a:noFill/>
+        </p:spPr>
+        <p:txBody>
+          <a:bodyPr wrap="none" rtlCol="0">
+            <a:spAutoFit/>
+          </a:bodyPr>
+          <a:lstStyle/>
+          <a:p>
+            <a:r>
+              <a:rPr lang="en-US" dirty="0"/>
+              <a:t>(1)</a:t>
+            </a:r>
+          </a:p>
+        </p:txBody>
+      </p:sp>
+      <p:sp>
+        <p:nvSpPr>
+          <p:cNvPr id="24" name="TextBox 23">
+            <a:extLst>
+              <a:ext uri="{FF2B5EF4-FFF2-40B4-BE49-F238E27FC236}">
+                <a16:creationId xmlns:a16="http://schemas.microsoft.com/office/drawing/2014/main" id="{3E857F6F-C013-4886-0F5A-27FE77A896B4}"/>
+              </a:ext>
+            </a:extLst>
+          </p:cNvPr>
+          <p:cNvSpPr txBox="1"/>
+          <p:nvPr/>
+        </p:nvSpPr>
+        <p:spPr>
+          <a:xfrm>
+            <a:off x="7866897" y="2016084"/>
+            <a:ext cx="442750" cy="369332"/>
+          </a:xfrm>
+          <a:prstGeom prst="rect">
+            <a:avLst/>
+          </a:prstGeom>
+          <a:noFill/>
+        </p:spPr>
+        <p:txBody>
+          <a:bodyPr wrap="none" rtlCol="0">
+            <a:spAutoFit/>
+          </a:bodyPr>
+          <a:lstStyle/>
+          <a:p>
+            <a:r>
+              <a:rPr lang="en-US" dirty="0"/>
+              <a:t>(2)</a:t>
+            </a:r>
+          </a:p>
+        </p:txBody>
+      </p:sp>
+      <p:sp>
+        <p:nvSpPr>
+          <p:cNvPr id="25" name="TextBox 24">
+            <a:extLst>
+              <a:ext uri="{FF2B5EF4-FFF2-40B4-BE49-F238E27FC236}">
+                <a16:creationId xmlns:a16="http://schemas.microsoft.com/office/drawing/2014/main" id="{911F9684-67F1-DF08-98E5-5731392D3758}"/>
+              </a:ext>
+            </a:extLst>
+          </p:cNvPr>
+          <p:cNvSpPr txBox="1"/>
+          <p:nvPr/>
+        </p:nvSpPr>
+        <p:spPr>
+          <a:xfrm>
+            <a:off x="3451933" y="2497072"/>
+            <a:ext cx="1606787" cy="369332"/>
+          </a:xfrm>
+          <a:prstGeom prst="rect">
+            <a:avLst/>
+          </a:prstGeom>
+          <a:noFill/>
+        </p:spPr>
+        <p:txBody>
+          <a:bodyPr wrap="none" rtlCol="0">
+            <a:spAutoFit/>
+          </a:bodyPr>
+          <a:lstStyle/>
+          <a:p>
+            <a:r>
+              <a:rPr lang="en-US" dirty="0"/>
+              <a:t>  no interaction</a:t>
+            </a:r>
+          </a:p>
+        </p:txBody>
+      </p:sp>
+      <p:sp>
+        <p:nvSpPr>
+          <p:cNvPr id="27" name="TextBox 26">
+            <a:extLst>
+              <a:ext uri="{FF2B5EF4-FFF2-40B4-BE49-F238E27FC236}">
+                <a16:creationId xmlns:a16="http://schemas.microsoft.com/office/drawing/2014/main" id="{10AEE126-2077-15B4-3C2A-9C5BC34BC314}"/>
+              </a:ext>
+            </a:extLst>
+          </p:cNvPr>
+          <p:cNvSpPr txBox="1"/>
+          <p:nvPr/>
+        </p:nvSpPr>
+        <p:spPr>
+          <a:xfrm>
+            <a:off x="5673568" y="2497072"/>
+            <a:ext cx="1577868" cy="369332"/>
+          </a:xfrm>
+          <a:prstGeom prst="rect">
+            <a:avLst/>
+          </a:prstGeom>
+          <a:noFill/>
+        </p:spPr>
+        <p:txBody>
+          <a:bodyPr wrap="none" rtlCol="0">
+            <a:spAutoFit/>
+          </a:bodyPr>
+          <a:lstStyle/>
+          <a:p>
+            <a:r>
+              <a:rPr lang="en-US" dirty="0"/>
+              <a:t>  high-v regime</a:t>
+            </a:r>
+          </a:p>
+        </p:txBody>
+      </p:sp>
+      <p:sp>
+        <p:nvSpPr>
+          <p:cNvPr id="28" name="TextBox 27">
+            <a:extLst>
+              <a:ext uri="{FF2B5EF4-FFF2-40B4-BE49-F238E27FC236}">
+                <a16:creationId xmlns:a16="http://schemas.microsoft.com/office/drawing/2014/main" id="{B93D402E-8F08-DCC6-0D8A-41B54DC074C7}"/>
+              </a:ext>
+            </a:extLst>
+          </p:cNvPr>
+          <p:cNvSpPr txBox="1"/>
+          <p:nvPr/>
+        </p:nvSpPr>
+        <p:spPr>
+          <a:xfrm>
+            <a:off x="7773042" y="2492729"/>
+            <a:ext cx="2055114" cy="369332"/>
+          </a:xfrm>
+          <a:prstGeom prst="rect">
+            <a:avLst/>
+          </a:prstGeom>
+          <a:noFill/>
+        </p:spPr>
+        <p:txBody>
+          <a:bodyPr wrap="none" rtlCol="0">
+            <a:spAutoFit/>
+          </a:bodyPr>
+          <a:lstStyle/>
+          <a:p>
+            <a:r>
+              <a:rPr lang="en-US" dirty="0"/>
+              <a:t>more complicated…</a:t>
+            </a:r>
+          </a:p>
+        </p:txBody>
+      </p:sp>
+      <p:sp>
+        <p:nvSpPr>
+          <p:cNvPr id="31" name="TextBox 30">
+            <a:extLst>
+              <a:ext uri="{FF2B5EF4-FFF2-40B4-BE49-F238E27FC236}">
+                <a16:creationId xmlns:a16="http://schemas.microsoft.com/office/drawing/2014/main" id="{F9FF63F4-D508-CBA0-2E69-8681EAD038D3}"/>
+              </a:ext>
+            </a:extLst>
+          </p:cNvPr>
+          <p:cNvSpPr txBox="1"/>
+          <p:nvPr/>
+        </p:nvSpPr>
+        <p:spPr>
+          <a:xfrm>
+            <a:off x="379485" y="4830532"/>
+            <a:ext cx="1038554" cy="369332"/>
+          </a:xfrm>
+          <a:prstGeom prst="rect">
+            <a:avLst/>
+          </a:prstGeom>
+          <a:noFill/>
+        </p:spPr>
+        <p:txBody>
+          <a:bodyPr wrap="none" rtlCol="0">
+            <a:spAutoFit/>
+          </a:bodyPr>
+          <a:lstStyle/>
+          <a:p>
+            <a:r>
+              <a:rPr lang="en-US" dirty="0"/>
+              <a:t>adiabatic</a:t>
+            </a:r>
+          </a:p>
+        </p:txBody>
+      </p:sp>
+      <p:sp>
+        <p:nvSpPr>
+          <p:cNvPr id="32" name="TextBox 31">
+            <a:extLst>
+              <a:ext uri="{FF2B5EF4-FFF2-40B4-BE49-F238E27FC236}">
+                <a16:creationId xmlns:a16="http://schemas.microsoft.com/office/drawing/2014/main" id="{1B0D96B5-39E0-6EC6-4706-0CAEC821DC10}"/>
+              </a:ext>
+            </a:extLst>
+          </p:cNvPr>
+          <p:cNvSpPr txBox="1"/>
+          <p:nvPr/>
+        </p:nvSpPr>
+        <p:spPr>
+          <a:xfrm>
+            <a:off x="453360" y="3530009"/>
+            <a:ext cx="927946" cy="369332"/>
+          </a:xfrm>
+          <a:prstGeom prst="rect">
+            <a:avLst/>
+          </a:prstGeom>
+          <a:noFill/>
+        </p:spPr>
+        <p:txBody>
+          <a:bodyPr wrap="none" rtlCol="0">
+            <a:spAutoFit/>
+          </a:bodyPr>
+          <a:lstStyle/>
+          <a:p>
+            <a:r>
+              <a:rPr lang="en-US" dirty="0"/>
+              <a:t>diabatic</a:t>
             </a:r>
           </a:p>
         </p:txBody>
@@ -5516,7 +6309,7 @@
     </p:spTree>
     <p:extLst>
       <p:ext uri="{BB962C8B-B14F-4D97-AF65-F5344CB8AC3E}">
-        <p14:creationId xmlns:p14="http://schemas.microsoft.com/office/powerpoint/2010/main" val="1389257612"/>
+        <p14:creationId xmlns:p14="http://schemas.microsoft.com/office/powerpoint/2010/main" val="290914872"/>
       </p:ext>
     </p:extLst>
   </p:cSld>
@@ -5558,7 +6351,7 @@
         <p:spPr>
           <a:xfrm>
             <a:off x="685558" y="623602"/>
-            <a:ext cx="1470274" cy="461665"/>
+            <a:ext cx="3331489" cy="461665"/>
           </a:xfrm>
           <a:prstGeom prst="rect">
             <a:avLst/>
@@ -5573,53 +6366,17 @@
           <a:p>
             <a:r>
               <a:rPr lang="en-US" sz="2400" dirty="0"/>
-              <a:t>Dynamics:</a:t>
-            </a:r>
-          </a:p>
-        </p:txBody>
-      </p:sp>
-      <p:pic>
-        <p:nvPicPr>
-          <p:cNvPr id="4" name="Picture 3" descr="Chart&#10;&#10;Description automatically generated">
-            <a:extLst>
-              <a:ext uri="{FF2B5EF4-FFF2-40B4-BE49-F238E27FC236}">
-                <a16:creationId xmlns:a16="http://schemas.microsoft.com/office/drawing/2014/main" id="{06A9EEF4-813A-E070-A68E-27DCAB11CDB2}"/>
-              </a:ext>
-            </a:extLst>
-          </p:cNvPr>
-          <p:cNvPicPr>
-            <a:picLocks noChangeAspect="1"/>
-          </p:cNvPicPr>
-          <p:nvPr/>
-        </p:nvPicPr>
-        <p:blipFill>
-          <a:blip r:embed="rId6">
-            <a:extLst>
-              <a:ext uri="{28A0092B-C50C-407E-A947-70E740481C1C}">
-                <a14:useLocalDpi xmlns:a14="http://schemas.microsoft.com/office/drawing/2010/main" val="0"/>
-              </a:ext>
-            </a:extLst>
-          </a:blip>
-          <a:stretch>
-            <a:fillRect/>
-          </a:stretch>
-        </p:blipFill>
-        <p:spPr>
-          <a:xfrm>
-            <a:off x="6609348" y="1726415"/>
-            <a:ext cx="5080307" cy="3717462"/>
-          </a:xfrm>
-          <a:prstGeom prst="rect">
-            <a:avLst/>
-          </a:prstGeom>
-        </p:spPr>
-      </p:pic>
-      <p:sp>
-        <p:nvSpPr>
-          <p:cNvPr id="5" name="TextBox 4">
-            <a:extLst>
-              <a:ext uri="{FF2B5EF4-FFF2-40B4-BE49-F238E27FC236}">
-                <a16:creationId xmlns:a16="http://schemas.microsoft.com/office/drawing/2014/main" id="{0353B0D4-3375-FE1F-3C6C-2F4E0F92FC5C}"/>
+              <a:t>Forces and capture range</a:t>
+            </a:r>
+          </a:p>
+        </p:txBody>
+      </p:sp>
+      <p:sp>
+        <p:nvSpPr>
+          <p:cNvPr id="2" name="TextBox 1">
+            <a:extLst>
+              <a:ext uri="{FF2B5EF4-FFF2-40B4-BE49-F238E27FC236}">
+                <a16:creationId xmlns:a16="http://schemas.microsoft.com/office/drawing/2014/main" id="{886B8B7B-B84B-BAFC-65DF-9EE12AE4C277}"/>
               </a:ext>
             </a:extLst>
           </p:cNvPr>
@@ -5628,8 +6385,8 @@
         </p:nvSpPr>
         <p:spPr>
           <a:xfrm>
-            <a:off x="850232" y="1541749"/>
-            <a:ext cx="2058192" cy="369332"/>
+            <a:off x="1243263" y="1483895"/>
+            <a:ext cx="2384948" cy="369332"/>
           </a:xfrm>
           <a:prstGeom prst="rect">
             <a:avLst/>
@@ -5644,302 +6401,15 @@
           <a:p>
             <a:r>
               <a:rPr lang="en-US" dirty="0"/>
-              <a:t>Coherent evolution:</a:t>
-            </a:r>
-          </a:p>
-        </p:txBody>
-      </p:sp>
-      <p:sp>
-        <p:nvSpPr>
-          <p:cNvPr id="6" name="TextBox 5">
-            <a:extLst>
-              <a:ext uri="{FF2B5EF4-FFF2-40B4-BE49-F238E27FC236}">
-                <a16:creationId xmlns:a16="http://schemas.microsoft.com/office/drawing/2014/main" id="{A4B5BD1E-8E70-8531-F721-8BEF62CD35BC}"/>
-              </a:ext>
-            </a:extLst>
-          </p:cNvPr>
-          <p:cNvSpPr txBox="1"/>
-          <p:nvPr/>
-        </p:nvSpPr>
-        <p:spPr>
-          <a:xfrm>
-            <a:off x="850232" y="5246807"/>
-            <a:ext cx="3005823" cy="369332"/>
-          </a:xfrm>
-          <a:prstGeom prst="rect">
-            <a:avLst/>
-          </a:prstGeom>
-          <a:noFill/>
-        </p:spPr>
-        <p:txBody>
-          <a:bodyPr wrap="none" rtlCol="0">
-            <a:spAutoFit/>
-          </a:bodyPr>
-          <a:lstStyle/>
-          <a:p>
-            <a:r>
-              <a:rPr lang="en-US" dirty="0"/>
-              <a:t>With spontaneous emission:   </a:t>
-            </a:r>
-          </a:p>
-        </p:txBody>
-      </p:sp>
-      <p:pic>
-        <p:nvPicPr>
-          <p:cNvPr id="12" name="Picture 11" descr="\documentclass{article}&#10;\usepackage{amsmath, amssymb}&#10;\usepackage{physics}&#10;\usepackage{mathtools}&#10;\pagestyle{empty}&#10;\begin{document}&#10;&#10;\begin{equation*}&#10;\abs{\frac{p}{\hbar k}} \gtrapprox 1 + \frac{2\kappa \gamma}{\omega_r}&#10;\end{equation*}&#10;&#10;&#10;\end{document}" title="IguanaTex Bitmap Display">
-            <a:extLst>
-              <a:ext uri="{FF2B5EF4-FFF2-40B4-BE49-F238E27FC236}">
-                <a16:creationId xmlns:a16="http://schemas.microsoft.com/office/drawing/2014/main" id="{4744B2AC-9801-A001-B020-BDBCD4832694}"/>
-              </a:ext>
-            </a:extLst>
-          </p:cNvPr>
-          <p:cNvPicPr>
-            <a:picLocks noChangeAspect="1"/>
-          </p:cNvPicPr>
-          <p:nvPr>
-            <p:custDataLst>
-              <p:tags r:id="rId1"/>
-            </p:custDataLst>
-          </p:nvPr>
-        </p:nvPicPr>
-        <p:blipFill>
-          <a:blip r:embed="rId7" cstate="print">
-            <a:extLst>
-              <a:ext uri="{28A0092B-C50C-407E-A947-70E740481C1C}">
-                <a14:useLocalDpi xmlns:a14="http://schemas.microsoft.com/office/drawing/2010/main" val="0"/>
-              </a:ext>
-            </a:extLst>
-          </a:blip>
-          <a:stretch>
-            <a:fillRect/>
-          </a:stretch>
-        </p:blipFill>
-        <p:spPr>
-          <a:xfrm>
-            <a:off x="3719020" y="5218854"/>
-            <a:ext cx="1689905" cy="551619"/>
-          </a:xfrm>
-          <a:prstGeom prst="rect">
-            <a:avLst/>
-          </a:prstGeom>
-        </p:spPr>
-      </p:pic>
-      <p:pic>
-        <p:nvPicPr>
-          <p:cNvPr id="15" name="Picture 14" descr="\documentclass{article}&#10;\usepackage{amsmath}&#10;\pagestyle{empty}&#10;\begin{document}&#10;&#10;$p_\text{rms} = \sqrt{\langle \hat{p}^2 \rangle}$&#10;&#10;&#10;\end{document}" title="IguanaTex Bitmap Display">
-            <a:extLst>
-              <a:ext uri="{FF2B5EF4-FFF2-40B4-BE49-F238E27FC236}">
-                <a16:creationId xmlns:a16="http://schemas.microsoft.com/office/drawing/2014/main" id="{6A93F286-5134-B9AA-182E-46090797477A}"/>
-              </a:ext>
-            </a:extLst>
-          </p:cNvPr>
-          <p:cNvPicPr>
-            <a:picLocks noChangeAspect="1"/>
-          </p:cNvPicPr>
-          <p:nvPr>
-            <p:custDataLst>
-              <p:tags r:id="rId2"/>
-            </p:custDataLst>
-          </p:nvPr>
-        </p:nvPicPr>
-        <p:blipFill>
-          <a:blip r:embed="rId8" cstate="print">
-            <a:extLst>
-              <a:ext uri="{28A0092B-C50C-407E-A947-70E740481C1C}">
-                <a14:useLocalDpi xmlns:a14="http://schemas.microsoft.com/office/drawing/2010/main" val="0"/>
-              </a:ext>
-            </a:extLst>
-          </a:blip>
-          <a:stretch>
-            <a:fillRect/>
-          </a:stretch>
-        </p:blipFill>
-        <p:spPr>
-          <a:xfrm>
-            <a:off x="8521493" y="1607843"/>
-            <a:ext cx="1504000" cy="303238"/>
-          </a:xfrm>
-          <a:prstGeom prst="rect">
-            <a:avLst/>
-          </a:prstGeom>
-        </p:spPr>
-      </p:pic>
-      <p:pic>
-        <p:nvPicPr>
-          <p:cNvPr id="26" name="Picture 25" descr="\documentclass{article}&#10;\usepackage{amsmath}&#10;\pagestyle{empty}&#10;\begin{document}&#10;&#10;$p_i \downarrow$&#10;&#10;&#10;\end{document}" title="IguanaTex Bitmap Display">
-            <a:extLst>
-              <a:ext uri="{FF2B5EF4-FFF2-40B4-BE49-F238E27FC236}">
-                <a16:creationId xmlns:a16="http://schemas.microsoft.com/office/drawing/2014/main" id="{44D1E699-82C6-DC7C-0AFD-C83EE2141320}"/>
-              </a:ext>
-            </a:extLst>
-          </p:cNvPr>
-          <p:cNvPicPr>
-            <a:picLocks noChangeAspect="1"/>
-          </p:cNvPicPr>
-          <p:nvPr>
-            <p:custDataLst>
-              <p:tags r:id="rId3"/>
-            </p:custDataLst>
-          </p:nvPr>
-        </p:nvPicPr>
-        <p:blipFill>
-          <a:blip r:embed="rId9" cstate="print">
-            <a:extLst>
-              <a:ext uri="{28A0092B-C50C-407E-A947-70E740481C1C}">
-                <a14:useLocalDpi xmlns:a14="http://schemas.microsoft.com/office/drawing/2010/main" val="0"/>
-              </a:ext>
-            </a:extLst>
-          </a:blip>
-          <a:stretch>
-            <a:fillRect/>
-          </a:stretch>
-        </p:blipFill>
-        <p:spPr>
-          <a:xfrm>
-            <a:off x="1304789" y="2180683"/>
-            <a:ext cx="414476" cy="224000"/>
-          </a:xfrm>
-          <a:prstGeom prst="rect">
-            <a:avLst/>
-          </a:prstGeom>
-        </p:spPr>
-      </p:pic>
-      <p:sp>
-        <p:nvSpPr>
-          <p:cNvPr id="22" name="TextBox 21">
-            <a:extLst>
-              <a:ext uri="{FF2B5EF4-FFF2-40B4-BE49-F238E27FC236}">
-                <a16:creationId xmlns:a16="http://schemas.microsoft.com/office/drawing/2014/main" id="{4F252580-F8B6-1598-ED3D-FCAA502CFA6F}"/>
-              </a:ext>
-            </a:extLst>
-          </p:cNvPr>
-          <p:cNvSpPr txBox="1"/>
-          <p:nvPr/>
-        </p:nvSpPr>
-        <p:spPr>
-          <a:xfrm>
-            <a:off x="1719265" y="2124059"/>
-            <a:ext cx="4320350" cy="369332"/>
-          </a:xfrm>
-          <a:prstGeom prst="rect">
-            <a:avLst/>
-          </a:prstGeom>
-          <a:noFill/>
-        </p:spPr>
-        <p:txBody>
-          <a:bodyPr wrap="none" rtlCol="0">
-            <a:spAutoFit/>
-          </a:bodyPr>
-          <a:lstStyle/>
-          <a:p>
-            <a:r>
-              <a:rPr lang="en-US" dirty="0">
-                <a:sym typeface="Wingdings" panose="05000000000000000000" pitchFamily="2" charset="2"/>
-              </a:rPr>
-              <a:t> </a:t>
-            </a:r>
-            <a:r>
-              <a:rPr lang="en-US" dirty="0"/>
-              <a:t>Doppler shift decreases </a:t>
-            </a:r>
-            <a:r>
-              <a:rPr lang="en-US" dirty="0">
-                <a:sym typeface="Wingdings" panose="05000000000000000000" pitchFamily="2" charset="2"/>
-              </a:rPr>
-              <a:t> pulse narrows</a:t>
-            </a:r>
-            <a:endParaRPr lang="en-US" dirty="0"/>
-          </a:p>
-        </p:txBody>
-      </p:sp>
-      <p:sp>
-        <p:nvSpPr>
-          <p:cNvPr id="27" name="TextBox 26">
-            <a:extLst>
-              <a:ext uri="{FF2B5EF4-FFF2-40B4-BE49-F238E27FC236}">
-                <a16:creationId xmlns:a16="http://schemas.microsoft.com/office/drawing/2014/main" id="{A2A2C66A-ACB2-3D10-8461-6D50DA97A945}"/>
-              </a:ext>
-            </a:extLst>
-          </p:cNvPr>
-          <p:cNvSpPr txBox="1"/>
-          <p:nvPr/>
-        </p:nvSpPr>
-        <p:spPr>
-          <a:xfrm>
-            <a:off x="1304789" y="2893476"/>
-            <a:ext cx="5640775" cy="646331"/>
-          </a:xfrm>
-          <a:prstGeom prst="rect">
-            <a:avLst/>
-          </a:prstGeom>
-          <a:noFill/>
-        </p:spPr>
-        <p:txBody>
-          <a:bodyPr wrap="none" rtlCol="0">
-            <a:spAutoFit/>
-          </a:bodyPr>
-          <a:lstStyle/>
-          <a:p>
-            <a:r>
-              <a:rPr lang="en-US" dirty="0"/>
-              <a:t>Effective force drives particle to zero velocity</a:t>
-            </a:r>
-          </a:p>
-          <a:p>
-            <a:r>
-              <a:rPr lang="en-US" dirty="0">
-                <a:sym typeface="Wingdings" panose="05000000000000000000" pitchFamily="2" charset="2"/>
-              </a:rPr>
-              <a:t>   unlike “slowing force” in e.g. chirped-frequency light</a:t>
-            </a:r>
-            <a:endParaRPr lang="en-US" dirty="0"/>
-          </a:p>
-        </p:txBody>
-      </p:sp>
-      <p:pic>
-        <p:nvPicPr>
-          <p:cNvPr id="29" name="Picture 28" descr="\documentclass{article}&#10;\usepackage{amsmath}&#10;\pagestyle{empty}&#10;\begin{document}&#10;&#10;$p_\text{rms, final} = \hbar k /\sqrt{2}$&#10;&#10;&#10;\end{document}" title="IguanaTex Bitmap Display">
-            <a:extLst>
-              <a:ext uri="{FF2B5EF4-FFF2-40B4-BE49-F238E27FC236}">
-                <a16:creationId xmlns:a16="http://schemas.microsoft.com/office/drawing/2014/main" id="{B13FBD5E-E50E-55D0-C2FD-8E2AB39C57EA}"/>
-              </a:ext>
-            </a:extLst>
-          </p:cNvPr>
-          <p:cNvPicPr>
-            <a:picLocks noChangeAspect="1"/>
-          </p:cNvPicPr>
-          <p:nvPr>
-            <p:custDataLst>
-              <p:tags r:id="rId4"/>
-            </p:custDataLst>
-          </p:nvPr>
-        </p:nvPicPr>
-        <p:blipFill>
-          <a:blip r:embed="rId10" cstate="print">
-            <a:extLst>
-              <a:ext uri="{28A0092B-C50C-407E-A947-70E740481C1C}">
-                <a14:useLocalDpi xmlns:a14="http://schemas.microsoft.com/office/drawing/2010/main" val="0"/>
-              </a:ext>
-            </a:extLst>
-          </a:blip>
-          <a:stretch>
-            <a:fillRect/>
-          </a:stretch>
-        </p:blipFill>
-        <p:spPr>
-          <a:xfrm>
-            <a:off x="1304789" y="4120714"/>
-            <a:ext cx="2070857" cy="294095"/>
-          </a:xfrm>
-          <a:prstGeom prst="rect">
-            <a:avLst/>
-          </a:prstGeom>
-        </p:spPr>
-      </p:pic>
+              <a:t>Forces with dissipation:</a:t>
+            </a:r>
+          </a:p>
+        </p:txBody>
+      </p:sp>
     </p:spTree>
     <p:extLst>
       <p:ext uri="{BB962C8B-B14F-4D97-AF65-F5344CB8AC3E}">
-        <p14:creationId xmlns:p14="http://schemas.microsoft.com/office/powerpoint/2010/main" val="1933406857"/>
+        <p14:creationId xmlns:p14="http://schemas.microsoft.com/office/powerpoint/2010/main" val="889270693"/>
       </p:ext>
     </p:extLst>
   </p:cSld>
@@ -5981,7 +6451,7 @@
         <p:spPr>
           <a:xfrm>
             <a:off x="685558" y="623602"/>
-            <a:ext cx="3331489" cy="461665"/>
+            <a:ext cx="2824299" cy="461665"/>
           </a:xfrm>
           <a:prstGeom prst="rect">
             <a:avLst/>
@@ -5996,52 +6466,57 @@
           <a:p>
             <a:r>
               <a:rPr lang="en-US" sz="2400" dirty="0"/>
-              <a:t>Forces and capture range</a:t>
-            </a:r>
-          </a:p>
-        </p:txBody>
-      </p:sp>
-      <p:sp>
-        <p:nvSpPr>
-          <p:cNvPr id="2" name="TextBox 1">
-            <a:extLst>
-              <a:ext uri="{FF2B5EF4-FFF2-40B4-BE49-F238E27FC236}">
-                <a16:creationId xmlns:a16="http://schemas.microsoft.com/office/drawing/2014/main" id="{886B8B7B-B84B-BAFC-65DF-9EE12AE4C277}"/>
-              </a:ext>
-            </a:extLst>
-          </p:cNvPr>
-          <p:cNvSpPr txBox="1"/>
-          <p:nvPr/>
-        </p:nvSpPr>
-        <p:spPr>
-          <a:xfrm>
-            <a:off x="1243263" y="1339517"/>
-            <a:ext cx="2078326" cy="369332"/>
-          </a:xfrm>
-          <a:prstGeom prst="rect">
-            <a:avLst/>
-          </a:prstGeom>
-          <a:noFill/>
-        </p:spPr>
-        <p:txBody>
-          <a:bodyPr wrap="none" rtlCol="0">
-            <a:spAutoFit/>
-          </a:bodyPr>
-          <a:lstStyle/>
-          <a:p>
-            <a:r>
-              <a:rPr lang="en-US" dirty="0"/>
-              <a:t>Conservative forces:</a:t>
+              <a:t>Temperature limit as </a:t>
             </a:r>
           </a:p>
         </p:txBody>
       </p:sp>
       <p:pic>
         <p:nvPicPr>
-          <p:cNvPr id="5" name="Graphic 4">
-            <a:extLst>
-              <a:ext uri="{FF2B5EF4-FFF2-40B4-BE49-F238E27FC236}">
-                <a16:creationId xmlns:a16="http://schemas.microsoft.com/office/drawing/2014/main" id="{6544FF13-11A1-1A88-B532-BEB60DE576ED}"/>
+          <p:cNvPr id="4" name="Picture 3" descr="\documentclass{article}&#10;\usepackage{amsmath}&#10;\pagestyle{empty}&#10;\begin{document}&#10;&#10;$\gamma \to 0$&#10;&#10;&#10;\end{document}" title="IguanaTex Bitmap Display">
+            <a:extLst>
+              <a:ext uri="{FF2B5EF4-FFF2-40B4-BE49-F238E27FC236}">
+                <a16:creationId xmlns:a16="http://schemas.microsoft.com/office/drawing/2014/main" id="{8B67732A-0ABC-6807-A225-E0537FE8C8A3}"/>
+              </a:ext>
+            </a:extLst>
+          </p:cNvPr>
+          <p:cNvPicPr>
+            <a:picLocks noChangeAspect="1"/>
+          </p:cNvPicPr>
+          <p:nvPr>
+            <p:custDataLst>
+              <p:tags r:id="rId1"/>
+            </p:custDataLst>
+          </p:nvPr>
+        </p:nvPicPr>
+        <p:blipFill>
+          <a:blip r:embed="rId3" cstate="print">
+            <a:extLst>
+              <a:ext uri="{28A0092B-C50C-407E-A947-70E740481C1C}">
+                <a14:useLocalDpi xmlns:a14="http://schemas.microsoft.com/office/drawing/2010/main" val="0"/>
+              </a:ext>
+            </a:extLst>
+          </a:blip>
+          <a:stretch>
+            <a:fillRect/>
+          </a:stretch>
+        </p:blipFill>
+        <p:spPr>
+          <a:xfrm>
+            <a:off x="3414296" y="720948"/>
+            <a:ext cx="784457" cy="266971"/>
+          </a:xfrm>
+          <a:prstGeom prst="rect">
+            <a:avLst/>
+          </a:prstGeom>
+        </p:spPr>
+      </p:pic>
+      <p:pic>
+        <p:nvPicPr>
+          <p:cNvPr id="3" name="Picture 2" descr="Chart&#10;&#10;Description automatically generated">
+            <a:extLst>
+              <a:ext uri="{FF2B5EF4-FFF2-40B4-BE49-F238E27FC236}">
+                <a16:creationId xmlns:a16="http://schemas.microsoft.com/office/drawing/2014/main" id="{4B60FC13-57E6-93C1-2D87-44B6BC935E4E}"/>
               </a:ext>
             </a:extLst>
           </p:cNvPr>
@@ -6051,13 +6526,10 @@
           <p:nvPr/>
         </p:nvPicPr>
         <p:blipFill>
-          <a:blip r:embed="rId2">
+          <a:blip r:embed="rId4">
             <a:extLst>
               <a:ext uri="{28A0092B-C50C-407E-A947-70E740481C1C}">
                 <a14:useLocalDpi xmlns:a14="http://schemas.microsoft.com/office/drawing/2010/main" val="0"/>
-              </a:ext>
-              <a:ext uri="{96DAC541-7B7A-43D3-8B79-37D633B846F1}">
-                <asvg:svgBlip xmlns:asvg="http://schemas.microsoft.com/office/drawing/2016/SVG/main" r:embed="rId3"/>
               </a:ext>
             </a:extLst>
           </a:blip>
@@ -6067,92 +6539,20 @@
         </p:blipFill>
         <p:spPr>
           <a:xfrm>
-            <a:off x="3532020" y="1339517"/>
-            <a:ext cx="3220113" cy="369332"/>
+            <a:off x="5309937" y="1653561"/>
+            <a:ext cx="5545693" cy="3929092"/>
           </a:xfrm>
           <a:prstGeom prst="rect">
             <a:avLst/>
           </a:prstGeom>
         </p:spPr>
       </p:pic>
-      <p:pic>
-        <p:nvPicPr>
-          <p:cNvPr id="11" name="Picture 10" descr="Chart, diagram, histogram&#10;&#10;Description automatically generated">
-            <a:extLst>
-              <a:ext uri="{FF2B5EF4-FFF2-40B4-BE49-F238E27FC236}">
-                <a16:creationId xmlns:a16="http://schemas.microsoft.com/office/drawing/2014/main" id="{C83A3F41-EB86-A21D-234E-43356310D0D5}"/>
-              </a:ext>
-            </a:extLst>
-          </p:cNvPr>
-          <p:cNvPicPr>
-            <a:picLocks noChangeAspect="1"/>
-          </p:cNvPicPr>
-          <p:nvPr/>
-        </p:nvPicPr>
-        <p:blipFill>
-          <a:blip r:embed="rId4" cstate="print">
-            <a:extLst>
-              <a:ext uri="{28A0092B-C50C-407E-A947-70E740481C1C}">
-                <a14:useLocalDpi xmlns:a14="http://schemas.microsoft.com/office/drawing/2010/main" val="0"/>
-              </a:ext>
-            </a:extLst>
-          </a:blip>
-          <a:stretch>
-            <a:fillRect/>
-          </a:stretch>
-        </p:blipFill>
-        <p:spPr>
-          <a:xfrm>
-            <a:off x="1043940" y="3091093"/>
-            <a:ext cx="4542788" cy="2907053"/>
-          </a:xfrm>
-          <a:prstGeom prst="rect">
-            <a:avLst/>
-          </a:prstGeom>
-        </p:spPr>
-      </p:pic>
-      <p:pic>
-        <p:nvPicPr>
-          <p:cNvPr id="13" name="Picture 12" descr="Chart, histogram&#10;&#10;Description automatically generated">
-            <a:extLst>
-              <a:ext uri="{FF2B5EF4-FFF2-40B4-BE49-F238E27FC236}">
-                <a16:creationId xmlns:a16="http://schemas.microsoft.com/office/drawing/2014/main" id="{682B5EB2-E6D6-E72A-CCB8-E8C872B73156}"/>
-              </a:ext>
-            </a:extLst>
-          </p:cNvPr>
-          <p:cNvPicPr>
-            <a:picLocks noChangeAspect="1"/>
-          </p:cNvPicPr>
-          <p:nvPr/>
-        </p:nvPicPr>
-        <p:blipFill>
-          <a:blip r:embed="rId5">
-            <a:extLst>
-              <a:ext uri="{28A0092B-C50C-407E-A947-70E740481C1C}">
-                <a14:useLocalDpi xmlns:a14="http://schemas.microsoft.com/office/drawing/2010/main" val="0"/>
-              </a:ext>
-            </a:extLst>
-          </a:blip>
-          <a:stretch>
-            <a:fillRect/>
-          </a:stretch>
-        </p:blipFill>
-        <p:spPr>
-          <a:xfrm>
-            <a:off x="6016493" y="3114755"/>
-            <a:ext cx="4586308" cy="2907053"/>
-          </a:xfrm>
-          <a:prstGeom prst="rect">
-            <a:avLst/>
-          </a:prstGeom>
-        </p:spPr>
-      </p:pic>
-      <p:sp>
-        <p:nvSpPr>
-          <p:cNvPr id="14" name="TextBox 13">
-            <a:extLst>
-              <a:ext uri="{FF2B5EF4-FFF2-40B4-BE49-F238E27FC236}">
-                <a16:creationId xmlns:a16="http://schemas.microsoft.com/office/drawing/2014/main" id="{4E7C2EFF-6A20-C5CB-8E6D-2FA3DD2127CF}"/>
+      <p:sp>
+        <p:nvSpPr>
+          <p:cNvPr id="5" name="TextBox 4">
+            <a:extLst>
+              <a:ext uri="{FF2B5EF4-FFF2-40B4-BE49-F238E27FC236}">
+                <a16:creationId xmlns:a16="http://schemas.microsoft.com/office/drawing/2014/main" id="{223718AD-1688-5DD0-465B-CE1D366E5711}"/>
               </a:ext>
             </a:extLst>
           </p:cNvPr>
@@ -6161,8 +6561,8 @@
         </p:nvSpPr>
         <p:spPr>
           <a:xfrm>
-            <a:off x="1243263" y="1973643"/>
-            <a:ext cx="1937903" cy="369332"/>
+            <a:off x="3806524" y="5646820"/>
+            <a:ext cx="3744936" cy="400110"/>
           </a:xfrm>
           <a:prstGeom prst="rect">
             <a:avLst/>
@@ -6176,135 +6576,43 @@
           <a:lstStyle/>
           <a:p>
             <a:r>
-              <a:rPr lang="en-US" dirty="0"/>
-              <a:t>3 velocity regimes:</a:t>
-            </a:r>
-          </a:p>
-        </p:txBody>
-      </p:sp>
-      <p:pic>
-        <p:nvPicPr>
-          <p:cNvPr id="16" name="Graphic 15">
-            <a:extLst>
-              <a:ext uri="{FF2B5EF4-FFF2-40B4-BE49-F238E27FC236}">
-                <a16:creationId xmlns:a16="http://schemas.microsoft.com/office/drawing/2014/main" id="{89E5D29C-ACC9-009B-37BD-CC8585338DB1}"/>
-              </a:ext>
-            </a:extLst>
-          </p:cNvPr>
-          <p:cNvPicPr>
-            <a:picLocks noChangeAspect="1"/>
-          </p:cNvPicPr>
-          <p:nvPr/>
-        </p:nvPicPr>
-        <p:blipFill>
-          <a:blip r:embed="rId6">
-            <a:extLst>
-              <a:ext uri="{28A0092B-C50C-407E-A947-70E740481C1C}">
-                <a14:useLocalDpi xmlns:a14="http://schemas.microsoft.com/office/drawing/2010/main" val="0"/>
-              </a:ext>
-              <a:ext uri="{96DAC541-7B7A-43D3-8B79-37D633B846F1}">
-                <asvg:svgBlip xmlns:asvg="http://schemas.microsoft.com/office/drawing/2016/SVG/main" r:embed="rId7"/>
-              </a:ext>
-            </a:extLst>
-          </a:blip>
-          <a:stretch>
-            <a:fillRect/>
-          </a:stretch>
-        </p:blipFill>
-        <p:spPr>
-          <a:xfrm>
-            <a:off x="3982919" y="1987162"/>
-            <a:ext cx="923626" cy="427177"/>
-          </a:xfrm>
-          <a:prstGeom prst="rect">
-            <a:avLst/>
-          </a:prstGeom>
-        </p:spPr>
-      </p:pic>
-      <p:pic>
-        <p:nvPicPr>
-          <p:cNvPr id="18" name="Graphic 17">
-            <a:extLst>
-              <a:ext uri="{FF2B5EF4-FFF2-40B4-BE49-F238E27FC236}">
-                <a16:creationId xmlns:a16="http://schemas.microsoft.com/office/drawing/2014/main" id="{CA1D3582-F6B5-D88D-CA36-76BE7EAA751D}"/>
-              </a:ext>
-            </a:extLst>
-          </p:cNvPr>
-          <p:cNvPicPr>
-            <a:picLocks noChangeAspect="1"/>
-          </p:cNvPicPr>
-          <p:nvPr/>
-        </p:nvPicPr>
-        <p:blipFill>
-          <a:blip r:embed="rId8">
-            <a:extLst>
-              <a:ext uri="{28A0092B-C50C-407E-A947-70E740481C1C}">
-                <a14:useLocalDpi xmlns:a14="http://schemas.microsoft.com/office/drawing/2010/main" val="0"/>
-              </a:ext>
-              <a:ext uri="{96DAC541-7B7A-43D3-8B79-37D633B846F1}">
-                <asvg:svgBlip xmlns:asvg="http://schemas.microsoft.com/office/drawing/2016/SVG/main" r:embed="rId9"/>
-              </a:ext>
-            </a:extLst>
-          </a:blip>
-          <a:stretch>
-            <a:fillRect/>
-          </a:stretch>
-        </p:blipFill>
-        <p:spPr>
-          <a:xfrm>
-            <a:off x="5835807" y="1987162"/>
-            <a:ext cx="1547073" cy="427177"/>
-          </a:xfrm>
-          <a:prstGeom prst="rect">
-            <a:avLst/>
-          </a:prstGeom>
-        </p:spPr>
-      </p:pic>
-      <p:pic>
-        <p:nvPicPr>
-          <p:cNvPr id="21" name="Graphic 20">
-            <a:extLst>
-              <a:ext uri="{FF2B5EF4-FFF2-40B4-BE49-F238E27FC236}">
-                <a16:creationId xmlns:a16="http://schemas.microsoft.com/office/drawing/2014/main" id="{8387799A-33BE-D15A-45CF-1686276FD06B}"/>
-              </a:ext>
-            </a:extLst>
-          </p:cNvPr>
-          <p:cNvPicPr>
-            <a:picLocks noChangeAspect="1"/>
-          </p:cNvPicPr>
-          <p:nvPr/>
-        </p:nvPicPr>
-        <p:blipFill>
-          <a:blip r:embed="rId10">
-            <a:extLst>
-              <a:ext uri="{28A0092B-C50C-407E-A947-70E740481C1C}">
-                <a14:useLocalDpi xmlns:a14="http://schemas.microsoft.com/office/drawing/2010/main" val="0"/>
-              </a:ext>
-              <a:ext uri="{96DAC541-7B7A-43D3-8B79-37D633B846F1}">
-                <asvg:svgBlip xmlns:asvg="http://schemas.microsoft.com/office/drawing/2016/SVG/main" r:embed="rId11"/>
-              </a:ext>
-            </a:extLst>
-          </a:blip>
-          <a:stretch>
-            <a:fillRect/>
-          </a:stretch>
-        </p:blipFill>
-        <p:spPr>
-          <a:xfrm>
-            <a:off x="8309647" y="2112884"/>
-            <a:ext cx="981353" cy="207816"/>
-          </a:xfrm>
-          <a:prstGeom prst="rect">
-            <a:avLst/>
-          </a:prstGeom>
-        </p:spPr>
-      </p:pic>
-      <p:sp>
-        <p:nvSpPr>
-          <p:cNvPr id="22" name="TextBox 21">
-            <a:extLst>
-              <a:ext uri="{FF2B5EF4-FFF2-40B4-BE49-F238E27FC236}">
-                <a16:creationId xmlns:a16="http://schemas.microsoft.com/office/drawing/2014/main" id="{E12E585C-7D57-3693-4E9D-4B88417060EB}"/>
+              <a:rPr lang="en-US" sz="1000" dirty="0"/>
+              <a:t>Reduced conservative force </a:t>
+            </a:r>
+          </a:p>
+          <a:p>
+            <a:r>
+              <a:rPr lang="en-US" sz="1000" dirty="0"/>
+              <a:t>+ high excited state fraction </a:t>
+            </a:r>
+            <a:r>
+              <a:rPr lang="en-US" sz="1000" dirty="0">
+                <a:sym typeface="Wingdings" panose="05000000000000000000" pitchFamily="2" charset="2"/>
+              </a:rPr>
+              <a:t> more diffusion due to </a:t>
+            </a:r>
+            <a:r>
+              <a:rPr lang="en-US" sz="1000" dirty="0" err="1">
+                <a:sym typeface="Wingdings" panose="05000000000000000000" pitchFamily="2" charset="2"/>
+              </a:rPr>
+              <a:t>spon</a:t>
+            </a:r>
+            <a:r>
+              <a:rPr lang="en-US" sz="1000" dirty="0">
+                <a:sym typeface="Wingdings" panose="05000000000000000000" pitchFamily="2" charset="2"/>
+              </a:rPr>
+              <a:t>. emission</a:t>
+            </a:r>
+            <a:endParaRPr lang="en-US" sz="1000" dirty="0"/>
+          </a:p>
+        </p:txBody>
+      </p:sp>
+      <p:sp>
+        <p:nvSpPr>
+          <p:cNvPr id="6" name="TextBox 5">
+            <a:extLst>
+              <a:ext uri="{FF2B5EF4-FFF2-40B4-BE49-F238E27FC236}">
+                <a16:creationId xmlns:a16="http://schemas.microsoft.com/office/drawing/2014/main" id="{86CC8FB5-B19C-0A42-3102-71D698478AD9}"/>
               </a:ext>
             </a:extLst>
           </p:cNvPr>
@@ -6313,8 +6621,8 @@
         </p:nvSpPr>
         <p:spPr>
           <a:xfrm>
-            <a:off x="3494672" y="2016454"/>
-            <a:ext cx="442750" cy="369332"/>
+            <a:off x="8082783" y="5646820"/>
+            <a:ext cx="3733714" cy="400110"/>
           </a:xfrm>
           <a:prstGeom prst="rect">
             <a:avLst/>
@@ -6328,347 +6636,29 @@
           <a:lstStyle/>
           <a:p>
             <a:r>
-              <a:rPr lang="en-US" dirty="0"/>
-              <a:t>(0)</a:t>
-            </a:r>
-          </a:p>
-        </p:txBody>
-      </p:sp>
-      <p:sp>
-        <p:nvSpPr>
-          <p:cNvPr id="23" name="TextBox 22">
-            <a:extLst>
-              <a:ext uri="{FF2B5EF4-FFF2-40B4-BE49-F238E27FC236}">
-                <a16:creationId xmlns:a16="http://schemas.microsoft.com/office/drawing/2014/main" id="{DF6C95E4-20BE-2896-AA07-71DD1B460A23}"/>
-              </a:ext>
-            </a:extLst>
-          </p:cNvPr>
-          <p:cNvSpPr txBox="1"/>
-          <p:nvPr/>
-        </p:nvSpPr>
-        <p:spPr>
-          <a:xfrm>
-            <a:off x="5352952" y="2016454"/>
-            <a:ext cx="442750" cy="369332"/>
-          </a:xfrm>
-          <a:prstGeom prst="rect">
-            <a:avLst/>
-          </a:prstGeom>
-          <a:noFill/>
-        </p:spPr>
-        <p:txBody>
-          <a:bodyPr wrap="none" rtlCol="0">
-            <a:spAutoFit/>
-          </a:bodyPr>
-          <a:lstStyle/>
-          <a:p>
-            <a:r>
-              <a:rPr lang="en-US" dirty="0"/>
-              <a:t>(1)</a:t>
-            </a:r>
-          </a:p>
-        </p:txBody>
-      </p:sp>
-      <p:sp>
-        <p:nvSpPr>
-          <p:cNvPr id="24" name="TextBox 23">
-            <a:extLst>
-              <a:ext uri="{FF2B5EF4-FFF2-40B4-BE49-F238E27FC236}">
-                <a16:creationId xmlns:a16="http://schemas.microsoft.com/office/drawing/2014/main" id="{3E857F6F-C013-4886-0F5A-27FE77A896B4}"/>
-              </a:ext>
-            </a:extLst>
-          </p:cNvPr>
-          <p:cNvSpPr txBox="1"/>
-          <p:nvPr/>
-        </p:nvSpPr>
-        <p:spPr>
-          <a:xfrm>
-            <a:off x="7866897" y="2016084"/>
-            <a:ext cx="442750" cy="369332"/>
-          </a:xfrm>
-          <a:prstGeom prst="rect">
-            <a:avLst/>
-          </a:prstGeom>
-          <a:noFill/>
-        </p:spPr>
-        <p:txBody>
-          <a:bodyPr wrap="none" rtlCol="0">
-            <a:spAutoFit/>
-          </a:bodyPr>
-          <a:lstStyle/>
-          <a:p>
-            <a:r>
-              <a:rPr lang="en-US" dirty="0"/>
-              <a:t>(2)</a:t>
-            </a:r>
-          </a:p>
-        </p:txBody>
-      </p:sp>
-      <p:sp>
-        <p:nvSpPr>
-          <p:cNvPr id="25" name="TextBox 24">
-            <a:extLst>
-              <a:ext uri="{FF2B5EF4-FFF2-40B4-BE49-F238E27FC236}">
-                <a16:creationId xmlns:a16="http://schemas.microsoft.com/office/drawing/2014/main" id="{911F9684-67F1-DF08-98E5-5731392D3758}"/>
-              </a:ext>
-            </a:extLst>
-          </p:cNvPr>
-          <p:cNvSpPr txBox="1"/>
-          <p:nvPr/>
-        </p:nvSpPr>
-        <p:spPr>
-          <a:xfrm>
-            <a:off x="3451933" y="2497072"/>
-            <a:ext cx="1690143" cy="369332"/>
-          </a:xfrm>
-          <a:prstGeom prst="rect">
-            <a:avLst/>
-          </a:prstGeom>
-          <a:noFill/>
-        </p:spPr>
-        <p:txBody>
-          <a:bodyPr wrap="none" rtlCol="0">
-            <a:spAutoFit/>
-          </a:bodyPr>
-          <a:lstStyle/>
-          <a:p>
-            <a:r>
-              <a:rPr lang="en-US" dirty="0"/>
-              <a:t>“no interaction”</a:t>
-            </a:r>
-          </a:p>
-        </p:txBody>
-      </p:sp>
-      <p:sp>
-        <p:nvSpPr>
-          <p:cNvPr id="27" name="TextBox 26">
-            <a:extLst>
-              <a:ext uri="{FF2B5EF4-FFF2-40B4-BE49-F238E27FC236}">
-                <a16:creationId xmlns:a16="http://schemas.microsoft.com/office/drawing/2014/main" id="{10AEE126-2077-15B4-3C2A-9C5BC34BC314}"/>
-              </a:ext>
-            </a:extLst>
-          </p:cNvPr>
-          <p:cNvSpPr txBox="1"/>
-          <p:nvPr/>
-        </p:nvSpPr>
-        <p:spPr>
-          <a:xfrm>
-            <a:off x="5673568" y="2497072"/>
-            <a:ext cx="1717330" cy="369332"/>
-          </a:xfrm>
-          <a:prstGeom prst="rect">
-            <a:avLst/>
-          </a:prstGeom>
-          <a:noFill/>
-        </p:spPr>
-        <p:txBody>
-          <a:bodyPr wrap="none" rtlCol="0">
-            <a:spAutoFit/>
-          </a:bodyPr>
-          <a:lstStyle/>
-          <a:p>
-            <a:r>
-              <a:rPr lang="en-US" dirty="0"/>
-              <a:t>“high-v regime”</a:t>
-            </a:r>
-          </a:p>
-        </p:txBody>
-      </p:sp>
-      <p:sp>
-        <p:nvSpPr>
-          <p:cNvPr id="28" name="TextBox 27">
-            <a:extLst>
-              <a:ext uri="{FF2B5EF4-FFF2-40B4-BE49-F238E27FC236}">
-                <a16:creationId xmlns:a16="http://schemas.microsoft.com/office/drawing/2014/main" id="{B93D402E-8F08-DCC6-0D8A-41B54DC074C7}"/>
-              </a:ext>
-            </a:extLst>
-          </p:cNvPr>
-          <p:cNvSpPr txBox="1"/>
-          <p:nvPr/>
-        </p:nvSpPr>
-        <p:spPr>
-          <a:xfrm>
-            <a:off x="7773042" y="2492729"/>
-            <a:ext cx="2055114" cy="369332"/>
-          </a:xfrm>
-          <a:prstGeom prst="rect">
-            <a:avLst/>
-          </a:prstGeom>
-          <a:noFill/>
-        </p:spPr>
-        <p:txBody>
-          <a:bodyPr wrap="none" rtlCol="0">
-            <a:spAutoFit/>
-          </a:bodyPr>
-          <a:lstStyle/>
-          <a:p>
-            <a:r>
-              <a:rPr lang="en-US" dirty="0"/>
-              <a:t>more complicated…</a:t>
-            </a:r>
-          </a:p>
-        </p:txBody>
-      </p:sp>
-      <p:sp>
-        <p:nvSpPr>
-          <p:cNvPr id="29" name="TextBox 28">
-            <a:extLst>
-              <a:ext uri="{FF2B5EF4-FFF2-40B4-BE49-F238E27FC236}">
-                <a16:creationId xmlns:a16="http://schemas.microsoft.com/office/drawing/2014/main" id="{F8E1E796-490C-D7CA-6B5E-910B11563478}"/>
-              </a:ext>
-            </a:extLst>
-          </p:cNvPr>
-          <p:cNvSpPr txBox="1"/>
-          <p:nvPr/>
-        </p:nvSpPr>
-        <p:spPr>
-          <a:xfrm>
-            <a:off x="2058219" y="6033690"/>
-            <a:ext cx="927946" cy="369332"/>
-          </a:xfrm>
-          <a:prstGeom prst="rect">
-            <a:avLst/>
-          </a:prstGeom>
-          <a:noFill/>
-        </p:spPr>
-        <p:txBody>
-          <a:bodyPr wrap="none" rtlCol="0">
-            <a:spAutoFit/>
-          </a:bodyPr>
-          <a:lstStyle/>
-          <a:p>
-            <a:r>
-              <a:rPr lang="en-US" dirty="0">
-                <a:solidFill>
-                  <a:srgbClr val="CC66FF"/>
-                </a:solidFill>
+              <a:rPr lang="en-US" sz="1000" dirty="0"/>
+              <a:t>Decreased time ordering between</a:t>
+            </a:r>
+          </a:p>
+          <a:p>
+            <a:r>
+              <a:rPr lang="en-US" sz="1000" dirty="0"/>
+              <a:t>Adiabatic transfers </a:t>
+            </a:r>
+            <a:r>
+              <a:rPr lang="en-US" sz="1000" dirty="0">
+                <a:sym typeface="Wingdings" panose="05000000000000000000" pitchFamily="2" charset="2"/>
               </a:rPr>
-              <a:t>diabatic</a:t>
-            </a:r>
-          </a:p>
-        </p:txBody>
-      </p:sp>
-      <p:sp>
-        <p:nvSpPr>
-          <p:cNvPr id="30" name="TextBox 29">
-            <a:extLst>
-              <a:ext uri="{FF2B5EF4-FFF2-40B4-BE49-F238E27FC236}">
-                <a16:creationId xmlns:a16="http://schemas.microsoft.com/office/drawing/2014/main" id="{35C87D7E-78BB-852C-D5AB-3806B4D6EB2B}"/>
-              </a:ext>
-            </a:extLst>
-          </p:cNvPr>
-          <p:cNvSpPr txBox="1"/>
-          <p:nvPr/>
-        </p:nvSpPr>
-        <p:spPr>
-          <a:xfrm>
-            <a:off x="4085200" y="6033690"/>
-            <a:ext cx="1038554" cy="369332"/>
-          </a:xfrm>
-          <a:prstGeom prst="rect">
-            <a:avLst/>
-          </a:prstGeom>
-          <a:noFill/>
-        </p:spPr>
-        <p:txBody>
-          <a:bodyPr wrap="none" rtlCol="0">
-            <a:spAutoFit/>
-          </a:bodyPr>
-          <a:lstStyle/>
-          <a:p>
-            <a:r>
-              <a:rPr lang="en-US" dirty="0">
-                <a:solidFill>
-                  <a:srgbClr val="00CC99"/>
-                </a:solidFill>
-              </a:rPr>
-              <a:t>adiabatic</a:t>
-            </a:r>
-          </a:p>
-        </p:txBody>
-      </p:sp>
-      <p:sp>
-        <p:nvSpPr>
-          <p:cNvPr id="31" name="TextBox 30">
-            <a:extLst>
-              <a:ext uri="{FF2B5EF4-FFF2-40B4-BE49-F238E27FC236}">
-                <a16:creationId xmlns:a16="http://schemas.microsoft.com/office/drawing/2014/main" id="{F9FF63F4-D508-CBA0-2E69-8681EAD038D3}"/>
-              </a:ext>
-            </a:extLst>
-          </p:cNvPr>
-          <p:cNvSpPr txBox="1"/>
-          <p:nvPr/>
-        </p:nvSpPr>
-        <p:spPr>
-          <a:xfrm>
-            <a:off x="7068248" y="6033690"/>
-            <a:ext cx="927946" cy="369332"/>
-          </a:xfrm>
-          <a:prstGeom prst="rect">
-            <a:avLst/>
-          </a:prstGeom>
-          <a:noFill/>
-        </p:spPr>
-        <p:txBody>
-          <a:bodyPr wrap="none" rtlCol="0">
-            <a:spAutoFit/>
-          </a:bodyPr>
-          <a:lstStyle/>
-          <a:p>
-            <a:r>
-              <a:rPr lang="en-US" dirty="0">
-                <a:solidFill>
-                  <a:srgbClr val="CC66FF"/>
-                </a:solidFill>
-              </a:rPr>
-              <a:t>diabatic</a:t>
-            </a:r>
-          </a:p>
-        </p:txBody>
-      </p:sp>
-      <p:sp>
-        <p:nvSpPr>
-          <p:cNvPr id="32" name="TextBox 31">
-            <a:extLst>
-              <a:ext uri="{FF2B5EF4-FFF2-40B4-BE49-F238E27FC236}">
-                <a16:creationId xmlns:a16="http://schemas.microsoft.com/office/drawing/2014/main" id="{1B0D96B5-39E0-6EC6-4706-0CAEC821DC10}"/>
-              </a:ext>
-            </a:extLst>
-          </p:cNvPr>
-          <p:cNvSpPr txBox="1"/>
-          <p:nvPr/>
-        </p:nvSpPr>
-        <p:spPr>
-          <a:xfrm>
-            <a:off x="9095229" y="6033690"/>
-            <a:ext cx="1038554" cy="369332"/>
-          </a:xfrm>
-          <a:prstGeom prst="rect">
-            <a:avLst/>
-          </a:prstGeom>
-          <a:noFill/>
-        </p:spPr>
-        <p:txBody>
-          <a:bodyPr wrap="none" rtlCol="0">
-            <a:spAutoFit/>
-          </a:bodyPr>
-          <a:lstStyle/>
-          <a:p>
-            <a:r>
-              <a:rPr lang="en-US" dirty="0">
-                <a:solidFill>
-                  <a:srgbClr val="00CC99"/>
-                </a:solidFill>
-              </a:rPr>
-              <a:t>adiabatic</a:t>
-            </a:r>
+              <a:t> particles spend more time in the excited state</a:t>
+            </a:r>
+            <a:endParaRPr lang="en-US" sz="1000" dirty="0"/>
           </a:p>
         </p:txBody>
       </p:sp>
     </p:spTree>
     <p:extLst>
       <p:ext uri="{BB962C8B-B14F-4D97-AF65-F5344CB8AC3E}">
-        <p14:creationId xmlns:p14="http://schemas.microsoft.com/office/powerpoint/2010/main" val="290914872"/>
+        <p14:creationId xmlns:p14="http://schemas.microsoft.com/office/powerpoint/2010/main" val="235539993"/>
       </p:ext>
     </p:extLst>
   </p:cSld>
@@ -6710,7 +6700,7 @@
         <p:spPr>
           <a:xfrm>
             <a:off x="685558" y="623602"/>
-            <a:ext cx="3331489" cy="461665"/>
+            <a:ext cx="2381486" cy="461665"/>
           </a:xfrm>
           <a:prstGeom prst="rect">
             <a:avLst/>
@@ -6725,17 +6715,53 @@
           <a:p>
             <a:r>
               <a:rPr lang="en-US" sz="2400" dirty="0"/>
-              <a:t>Forces and capture range</a:t>
-            </a:r>
-          </a:p>
-        </p:txBody>
-      </p:sp>
-      <p:sp>
-        <p:nvSpPr>
-          <p:cNvPr id="2" name="TextBox 1">
-            <a:extLst>
-              <a:ext uri="{FF2B5EF4-FFF2-40B4-BE49-F238E27FC236}">
-                <a16:creationId xmlns:a16="http://schemas.microsoft.com/office/drawing/2014/main" id="{886B8B7B-B84B-BAFC-65DF-9EE12AE4C277}"/>
+              <a:t>Cooling efficiency</a:t>
+            </a:r>
+          </a:p>
+        </p:txBody>
+      </p:sp>
+      <p:pic>
+        <p:nvPicPr>
+          <p:cNvPr id="5" name="Picture 4" descr="Chart, line chart&#10;&#10;Description automatically generated">
+            <a:extLst>
+              <a:ext uri="{FF2B5EF4-FFF2-40B4-BE49-F238E27FC236}">
+                <a16:creationId xmlns:a16="http://schemas.microsoft.com/office/drawing/2014/main" id="{CBFC484D-CFC2-FCFB-7117-7B84254C33C6}"/>
+              </a:ext>
+            </a:extLst>
+          </p:cNvPr>
+          <p:cNvPicPr>
+            <a:picLocks noChangeAspect="1"/>
+          </p:cNvPicPr>
+          <p:nvPr/>
+        </p:nvPicPr>
+        <p:blipFill>
+          <a:blip r:embed="rId2">
+            <a:extLst>
+              <a:ext uri="{28A0092B-C50C-407E-A947-70E740481C1C}">
+                <a14:useLocalDpi xmlns:a14="http://schemas.microsoft.com/office/drawing/2010/main" val="0"/>
+              </a:ext>
+            </a:extLst>
+          </a:blip>
+          <a:stretch>
+            <a:fillRect/>
+          </a:stretch>
+        </p:blipFill>
+        <p:spPr>
+          <a:xfrm>
+            <a:off x="6613648" y="1153847"/>
+            <a:ext cx="4816353" cy="3450237"/>
+          </a:xfrm>
+          <a:prstGeom prst="rect">
+            <a:avLst/>
+          </a:prstGeom>
+        </p:spPr>
+      </p:pic>
+      <p:sp>
+        <p:nvSpPr>
+          <p:cNvPr id="6" name="TextBox 5">
+            <a:extLst>
+              <a:ext uri="{FF2B5EF4-FFF2-40B4-BE49-F238E27FC236}">
+                <a16:creationId xmlns:a16="http://schemas.microsoft.com/office/drawing/2014/main" id="{E0AB2A8E-1856-A04F-CDAE-FD122D7A0D24}"/>
               </a:ext>
             </a:extLst>
           </p:cNvPr>
@@ -6744,8 +6770,8 @@
         </p:nvSpPr>
         <p:spPr>
           <a:xfrm>
-            <a:off x="1243263" y="1483895"/>
-            <a:ext cx="2384948" cy="369332"/>
+            <a:off x="952500" y="1524000"/>
+            <a:ext cx="4934877" cy="369332"/>
           </a:xfrm>
           <a:prstGeom prst="rect">
             <a:avLst/>
@@ -6760,7 +6786,69 @@
           <a:p>
             <a:r>
               <a:rPr lang="en-US" dirty="0"/>
-              <a:t>Forces with dissipation:</a:t>
+              <a:t>Cooling efficiency ≡ energy removed per scattering</a:t>
+            </a:r>
+          </a:p>
+        </p:txBody>
+      </p:sp>
+      <p:sp>
+        <p:nvSpPr>
+          <p:cNvPr id="7" name="TextBox 6">
+            <a:extLst>
+              <a:ext uri="{FF2B5EF4-FFF2-40B4-BE49-F238E27FC236}">
+                <a16:creationId xmlns:a16="http://schemas.microsoft.com/office/drawing/2014/main" id="{1171B047-1ACD-625C-41AC-A03BF7A4893B}"/>
+              </a:ext>
+            </a:extLst>
+          </p:cNvPr>
+          <p:cNvSpPr txBox="1"/>
+          <p:nvPr/>
+        </p:nvSpPr>
+        <p:spPr>
+          <a:xfrm>
+            <a:off x="952500" y="2782669"/>
+            <a:ext cx="5018105" cy="1200329"/>
+          </a:xfrm>
+          <a:prstGeom prst="rect">
+            <a:avLst/>
+          </a:prstGeom>
+          <a:noFill/>
+        </p:spPr>
+        <p:txBody>
+          <a:bodyPr wrap="none" rtlCol="0">
+            <a:spAutoFit/>
+          </a:bodyPr>
+          <a:lstStyle/>
+          <a:p>
+            <a:r>
+              <a:rPr lang="en-US" dirty="0">
+                <a:sym typeface="Wingdings" panose="05000000000000000000" pitchFamily="2" charset="2"/>
+              </a:rPr>
+              <a:t>Many fewer scatterings required than Doppler</a:t>
+            </a:r>
+          </a:p>
+          <a:p>
+            <a:endParaRPr lang="en-US" dirty="0">
+              <a:sym typeface="Wingdings" panose="05000000000000000000" pitchFamily="2" charset="2"/>
+            </a:endParaRPr>
+          </a:p>
+          <a:p>
+            <a:pPr marL="285750" indent="-285750">
+              <a:buFont typeface="Wingdings" panose="05000000000000000000" pitchFamily="2" charset="2"/>
+              <a:buChar char="à"/>
+            </a:pPr>
+            <a:r>
+              <a:rPr lang="en-US" dirty="0">
+                <a:sym typeface="Wingdings" panose="05000000000000000000" pitchFamily="2" charset="2"/>
+              </a:rPr>
+              <a:t>SWAP is well-suited to cooling e.g. particles that </a:t>
+            </a:r>
+          </a:p>
+          <a:p>
+            <a:r>
+              <a:rPr lang="en-US" dirty="0">
+                <a:sym typeface="Wingdings" panose="05000000000000000000" pitchFamily="2" charset="2"/>
+              </a:rPr>
+              <a:t>     lack closed cycling transitions</a:t>
             </a:r>
           </a:p>
         </p:txBody>
@@ -6768,7 +6856,7 @@
     </p:spTree>
     <p:extLst>
       <p:ext uri="{BB962C8B-B14F-4D97-AF65-F5344CB8AC3E}">
-        <p14:creationId xmlns:p14="http://schemas.microsoft.com/office/powerpoint/2010/main" val="889270693"/>
+        <p14:creationId xmlns:p14="http://schemas.microsoft.com/office/powerpoint/2010/main" val="1184355976"/>
       </p:ext>
     </p:extLst>
   </p:cSld>
@@ -7021,6 +7109,26 @@
 <file path=ppt/tags/tag20.xml><?xml version="1.0" encoding="utf-8"?>
 <p:tagLst xmlns:a="http://schemas.openxmlformats.org/drawingml/2006/main" xmlns:r="http://schemas.openxmlformats.org/officeDocument/2006/relationships" xmlns:p="http://schemas.openxmlformats.org/presentationml/2006/main">
   <p:tag name="OUTPUTDPI" val="1200"/>
+  <p:tag name="ORIGINALHEIGHT" val="109.4863"/>
+  <p:tag name="ORIGINALWIDTH" val="321.7098"/>
+  <p:tag name="OUTPUTTYPE" val="PNG"/>
+  <p:tag name="IGUANATEXVERSION" val="160"/>
+  <p:tag name="LATEXADDIN" val="\documentclass{article}&#10;\usepackage{amsmath}&#10;\pagestyle{empty}&#10;\begin{document}&#10;&#10;$\gamma \to 0$&#10;&#10;&#10;\end{document}"/>
+  <p:tag name="IGUANATEXSIZE" val="24"/>
+  <p:tag name="IGUANATEXCURSOR" val="94"/>
+  <p:tag name="TRANSPARENCY" val="True"/>
+  <p:tag name="LATEXENGINEID" val="0"/>
+  <p:tag name="TEMPFOLDER" val="c:\temp\"/>
+  <p:tag name="LATEXFORMHEIGHT" val="320"/>
+  <p:tag name="LATEXFORMWIDTH" val="385"/>
+  <p:tag name="LATEXFORMWRAP" val="True"/>
+  <p:tag name="BITMAPVECTOR" val="0"/>
+</p:tagLst>
+</file>
+
+<file path=ppt/tags/tag21.xml><?xml version="1.0" encoding="utf-8"?>
+<p:tagLst xmlns:a="http://schemas.openxmlformats.org/drawingml/2006/main" xmlns:r="http://schemas.openxmlformats.org/officeDocument/2006/relationships" xmlns:p="http://schemas.openxmlformats.org/presentationml/2006/main">
+  <p:tag name="OUTPUTDPI" val="1200"/>
   <p:tag name="ORIGINALHEIGHT" val="274.4657"/>
   <p:tag name="ORIGINALWIDTH" val="2146.232"/>
   <p:tag name="OUTPUTTYPE" val="PNG"/>
@@ -7038,7 +7146,7 @@
 </p:tagLst>
 </file>
 
-<file path=ppt/tags/tag21.xml><?xml version="1.0" encoding="utf-8"?>
+<file path=ppt/tags/tag22.xml><?xml version="1.0" encoding="utf-8"?>
 <p:tagLst xmlns:a="http://schemas.openxmlformats.org/drawingml/2006/main" xmlns:r="http://schemas.openxmlformats.org/officeDocument/2006/relationships" xmlns:p="http://schemas.openxmlformats.org/presentationml/2006/main">
   <p:tag name="OUTPUTDPI" val="1200"/>
   <p:tag name="ORIGINALHEIGHT" val="125.2343"/>
@@ -7058,7 +7166,7 @@
 </p:tagLst>
 </file>
 
-<file path=ppt/tags/tag22.xml><?xml version="1.0" encoding="utf-8"?>
+<file path=ppt/tags/tag23.xml><?xml version="1.0" encoding="utf-8"?>
 <p:tagLst xmlns:a="http://schemas.openxmlformats.org/drawingml/2006/main" xmlns:r="http://schemas.openxmlformats.org/officeDocument/2006/relationships" xmlns:p="http://schemas.openxmlformats.org/presentationml/2006/main">
   <p:tag name="OUTPUTDPI" val="1200"/>
   <p:tag name="ORIGINALHEIGHT" val="125.2343"/>
@@ -7078,7 +7186,7 @@
 </p:tagLst>
 </file>
 
-<file path=ppt/tags/tag23.xml><?xml version="1.0" encoding="utf-8"?>
+<file path=ppt/tags/tag24.xml><?xml version="1.0" encoding="utf-8"?>
 <p:tagLst xmlns:a="http://schemas.openxmlformats.org/drawingml/2006/main" xmlns:r="http://schemas.openxmlformats.org/officeDocument/2006/relationships" xmlns:p="http://schemas.openxmlformats.org/presentationml/2006/main">
   <p:tag name="OUTPUTDPI" val="1200"/>
   <p:tag name="ORIGINALHEIGHT" val="271.4661"/>
@@ -7098,7 +7206,7 @@
 </p:tagLst>
 </file>
 
-<file path=ppt/tags/tag24.xml><?xml version="1.0" encoding="utf-8"?>
+<file path=ppt/tags/tag25.xml><?xml version="1.0" encoding="utf-8"?>
 <p:tagLst xmlns:a="http://schemas.openxmlformats.org/drawingml/2006/main" xmlns:r="http://schemas.openxmlformats.org/officeDocument/2006/relationships" xmlns:p="http://schemas.openxmlformats.org/presentationml/2006/main">
   <p:tag name="OUTPUTDPI" val="1200"/>
   <p:tag name="ORIGINALHEIGHT" val="149.2313"/>
@@ -7118,7 +7226,7 @@
 </p:tagLst>
 </file>
 
-<file path=ppt/tags/tag25.xml><?xml version="1.0" encoding="utf-8"?>
+<file path=ppt/tags/tag26.xml><?xml version="1.0" encoding="utf-8"?>
 <p:tagLst xmlns:a="http://schemas.openxmlformats.org/drawingml/2006/main" xmlns:r="http://schemas.openxmlformats.org/officeDocument/2006/relationships" xmlns:p="http://schemas.openxmlformats.org/presentationml/2006/main">
   <p:tag name="OUTPUTDPI" val="1200"/>
   <p:tag name="ORIGINALHEIGHT" val="110.2362"/>
@@ -7138,7 +7246,7 @@
 </p:tagLst>
 </file>
 
-<file path=ppt/tags/tag26.xml><?xml version="1.0" encoding="utf-8"?>
+<file path=ppt/tags/tag27.xml><?xml version="1.0" encoding="utf-8"?>
 <p:tagLst xmlns:a="http://schemas.openxmlformats.org/drawingml/2006/main" xmlns:r="http://schemas.openxmlformats.org/officeDocument/2006/relationships" xmlns:p="http://schemas.openxmlformats.org/presentationml/2006/main">
   <p:tag name="OUTPUTDPI" val="1200"/>
   <p:tag name="ORIGINALHEIGHT" val="144.7319"/>
@@ -7148,26 +7256,6 @@
   <p:tag name="LATEXADDIN" val="\documentclass{article}&#10;\usepackage{amsmath}&#10;\pagestyle{empty}&#10;\begin{document}&#10;&#10;$p_\text{rms, final} = \hbar k /\sqrt{2}$&#10;&#10;&#10;\end{document}"/>
   <p:tag name="IGUANATEXSIZE" val="20"/>
   <p:tag name="IGUANATEXCURSOR" val="120"/>
-  <p:tag name="TRANSPARENCY" val="True"/>
-  <p:tag name="LATEXENGINEID" val="0"/>
-  <p:tag name="TEMPFOLDER" val="c:\temp\"/>
-  <p:tag name="LATEXFORMHEIGHT" val="320"/>
-  <p:tag name="LATEXFORMWIDTH" val="385"/>
-  <p:tag name="LATEXFORMWRAP" val="True"/>
-  <p:tag name="BITMAPVECTOR" val="0"/>
-</p:tagLst>
-</file>
-
-<file path=ppt/tags/tag27.xml><?xml version="1.0" encoding="utf-8"?>
-<p:tagLst xmlns:a="http://schemas.openxmlformats.org/drawingml/2006/main" xmlns:r="http://schemas.openxmlformats.org/officeDocument/2006/relationships" xmlns:p="http://schemas.openxmlformats.org/presentationml/2006/main">
-  <p:tag name="OUTPUTDPI" val="1200"/>
-  <p:tag name="ORIGINALHEIGHT" val="109.4863"/>
-  <p:tag name="ORIGINALWIDTH" val="321.7098"/>
-  <p:tag name="OUTPUTTYPE" val="PNG"/>
-  <p:tag name="IGUANATEXVERSION" val="160"/>
-  <p:tag name="LATEXADDIN" val="\documentclass{article}&#10;\usepackage{amsmath}&#10;\pagestyle{empty}&#10;\begin{document}&#10;&#10;$\gamma \to 0$&#10;&#10;&#10;\end{document}"/>
-  <p:tag name="IGUANATEXSIZE" val="24"/>
-  <p:tag name="IGUANATEXCURSOR" val="94"/>
   <p:tag name="TRANSPARENCY" val="True"/>
   <p:tag name="LATEXENGINEID" val="0"/>
   <p:tag name="TEMPFOLDER" val="c:\temp\"/>

--- a/MIT PhD/ZGS/ZGS -Aug-26-2022/BUI-ZGS-Aug-26-2022.pptx
+++ b/MIT PhD/ZGS/ZGS -Aug-26-2022/BUI-ZGS-Aug-26-2022.pptx
@@ -12,12 +12,16 @@
     <p:sldId id="263" r:id="rId6"/>
     <p:sldId id="268" r:id="rId7"/>
     <p:sldId id="269" r:id="rId8"/>
-    <p:sldId id="260" r:id="rId9"/>
-    <p:sldId id="261" r:id="rId10"/>
-    <p:sldId id="270" r:id="rId11"/>
-    <p:sldId id="271" r:id="rId12"/>
-    <p:sldId id="265" r:id="rId13"/>
-    <p:sldId id="266" r:id="rId14"/>
+    <p:sldId id="272" r:id="rId9"/>
+    <p:sldId id="273" r:id="rId10"/>
+    <p:sldId id="274" r:id="rId11"/>
+    <p:sldId id="260" r:id="rId12"/>
+    <p:sldId id="275" r:id="rId13"/>
+    <p:sldId id="261" r:id="rId14"/>
+    <p:sldId id="270" r:id="rId15"/>
+    <p:sldId id="271" r:id="rId16"/>
+    <p:sldId id="265" r:id="rId17"/>
+    <p:sldId id="266" r:id="rId18"/>
   </p:sldIdLst>
   <p:sldSz cx="12192000" cy="6858000"/>
   <p:notesSz cx="6858000" cy="9144000"/>
@@ -263,7 +267,7 @@
           <a:p>
             <a:fld id="{846CE7D5-CF57-46EF-B807-FDD0502418D4}" type="datetimeFigureOut">
               <a:rPr lang="en-US" smtClean="0"/>
-              <a:t>8/21/22</a:t>
+              <a:t>8/23/22</a:t>
             </a:fld>
             <a:endParaRPr lang="en-US"/>
           </a:p>
@@ -433,7 +437,7 @@
           <a:p>
             <a:fld id="{846CE7D5-CF57-46EF-B807-FDD0502418D4}" type="datetimeFigureOut">
               <a:rPr lang="en-US" smtClean="0"/>
-              <a:t>8/21/22</a:t>
+              <a:t>8/23/22</a:t>
             </a:fld>
             <a:endParaRPr lang="en-US"/>
           </a:p>
@@ -613,7 +617,7 @@
           <a:p>
             <a:fld id="{846CE7D5-CF57-46EF-B807-FDD0502418D4}" type="datetimeFigureOut">
               <a:rPr lang="en-US" smtClean="0"/>
-              <a:t>8/21/22</a:t>
+              <a:t>8/23/22</a:t>
             </a:fld>
             <a:endParaRPr lang="en-US"/>
           </a:p>
@@ -783,7 +787,7 @@
           <a:p>
             <a:fld id="{846CE7D5-CF57-46EF-B807-FDD0502418D4}" type="datetimeFigureOut">
               <a:rPr lang="en-US" smtClean="0"/>
-              <a:t>8/21/22</a:t>
+              <a:t>8/23/22</a:t>
             </a:fld>
             <a:endParaRPr lang="en-US"/>
           </a:p>
@@ -1029,7 +1033,7 @@
           <a:p>
             <a:fld id="{846CE7D5-CF57-46EF-B807-FDD0502418D4}" type="datetimeFigureOut">
               <a:rPr lang="en-US" smtClean="0"/>
-              <a:t>8/21/22</a:t>
+              <a:t>8/23/22</a:t>
             </a:fld>
             <a:endParaRPr lang="en-US"/>
           </a:p>
@@ -1261,7 +1265,7 @@
           <a:p>
             <a:fld id="{846CE7D5-CF57-46EF-B807-FDD0502418D4}" type="datetimeFigureOut">
               <a:rPr lang="en-US" smtClean="0"/>
-              <a:t>8/21/22</a:t>
+              <a:t>8/23/22</a:t>
             </a:fld>
             <a:endParaRPr lang="en-US"/>
           </a:p>
@@ -1628,7 +1632,7 @@
           <a:p>
             <a:fld id="{846CE7D5-CF57-46EF-B807-FDD0502418D4}" type="datetimeFigureOut">
               <a:rPr lang="en-US" smtClean="0"/>
-              <a:t>8/21/22</a:t>
+              <a:t>8/23/22</a:t>
             </a:fld>
             <a:endParaRPr lang="en-US"/>
           </a:p>
@@ -1746,7 +1750,7 @@
           <a:p>
             <a:fld id="{846CE7D5-CF57-46EF-B807-FDD0502418D4}" type="datetimeFigureOut">
               <a:rPr lang="en-US" smtClean="0"/>
-              <a:t>8/21/22</a:t>
+              <a:t>8/23/22</a:t>
             </a:fld>
             <a:endParaRPr lang="en-US"/>
           </a:p>
@@ -1841,7 +1845,7 @@
           <a:p>
             <a:fld id="{846CE7D5-CF57-46EF-B807-FDD0502418D4}" type="datetimeFigureOut">
               <a:rPr lang="en-US" smtClean="0"/>
-              <a:t>8/21/22</a:t>
+              <a:t>8/23/22</a:t>
             </a:fld>
             <a:endParaRPr lang="en-US"/>
           </a:p>
@@ -2118,7 +2122,7 @@
           <a:p>
             <a:fld id="{846CE7D5-CF57-46EF-B807-FDD0502418D4}" type="datetimeFigureOut">
               <a:rPr lang="en-US" smtClean="0"/>
-              <a:t>8/21/22</a:t>
+              <a:t>8/23/22</a:t>
             </a:fld>
             <a:endParaRPr lang="en-US"/>
           </a:p>
@@ -2375,7 +2379,7 @@
           <a:p>
             <a:fld id="{846CE7D5-CF57-46EF-B807-FDD0502418D4}" type="datetimeFigureOut">
               <a:rPr lang="en-US" smtClean="0"/>
-              <a:t>8/21/22</a:t>
+              <a:t>8/23/22</a:t>
             </a:fld>
             <a:endParaRPr lang="en-US"/>
           </a:p>
@@ -2588,7 +2592,7 @@
           <a:p>
             <a:fld id="{846CE7D5-CF57-46EF-B807-FDD0502418D4}" type="datetimeFigureOut">
               <a:rPr lang="en-US" smtClean="0"/>
-              <a:t>8/21/22</a:t>
+              <a:t>8/23/22</a:t>
             </a:fld>
             <a:endParaRPr lang="en-US"/>
           </a:p>
@@ -3134,7 +3138,7 @@
         <p:spPr>
           <a:xfrm>
             <a:off x="685558" y="623602"/>
-            <a:ext cx="1716496" cy="461665"/>
+            <a:ext cx="3331489" cy="461665"/>
           </a:xfrm>
           <a:prstGeom prst="rect">
             <a:avLst/>
@@ -3149,15 +3153,396 @@
           <a:p>
             <a:r>
               <a:rPr lang="en-US" sz="2400" dirty="0"/>
-              <a:t>Applications</a:t>
-            </a:r>
-          </a:p>
-        </p:txBody>
-      </p:sp>
+              <a:t>Forces and capture range</a:t>
+            </a:r>
+          </a:p>
+        </p:txBody>
+      </p:sp>
+      <p:sp>
+        <p:nvSpPr>
+          <p:cNvPr id="2" name="TextBox 1">
+            <a:extLst>
+              <a:ext uri="{FF2B5EF4-FFF2-40B4-BE49-F238E27FC236}">
+                <a16:creationId xmlns:a16="http://schemas.microsoft.com/office/drawing/2014/main" id="{886B8B7B-B84B-BAFC-65DF-9EE12AE4C277}"/>
+              </a:ext>
+            </a:extLst>
+          </p:cNvPr>
+          <p:cNvSpPr txBox="1"/>
+          <p:nvPr/>
+        </p:nvSpPr>
+        <p:spPr>
+          <a:xfrm>
+            <a:off x="1243263" y="1291391"/>
+            <a:ext cx="3077446" cy="369332"/>
+          </a:xfrm>
+          <a:prstGeom prst="rect">
+            <a:avLst/>
+          </a:prstGeom>
+          <a:noFill/>
+        </p:spPr>
+        <p:txBody>
+          <a:bodyPr wrap="none" rtlCol="0">
+            <a:spAutoFit/>
+          </a:bodyPr>
+          <a:lstStyle/>
+          <a:p>
+            <a:r>
+              <a:rPr lang="en-US" dirty="0"/>
+              <a:t>Forces with dissipation,           ::</a:t>
+            </a:r>
+          </a:p>
+        </p:txBody>
+      </p:sp>
+      <p:pic>
+        <p:nvPicPr>
+          <p:cNvPr id="4" name="Picture 3" descr="A picture containing text, clock, gauge&#10;&#10;Description automatically generated">
+            <a:extLst>
+              <a:ext uri="{FF2B5EF4-FFF2-40B4-BE49-F238E27FC236}">
+                <a16:creationId xmlns:a16="http://schemas.microsoft.com/office/drawing/2014/main" id="{372DC030-F126-2997-44BB-53E88E0DA250}"/>
+              </a:ext>
+            </a:extLst>
+          </p:cNvPr>
+          <p:cNvPicPr>
+            <a:picLocks noChangeAspect="1"/>
+          </p:cNvPicPr>
+          <p:nvPr/>
+        </p:nvPicPr>
+        <p:blipFill>
+          <a:blip r:embed="rId2" cstate="print">
+            <a:extLst>
+              <a:ext uri="{28A0092B-C50C-407E-A947-70E740481C1C}">
+                <a14:useLocalDpi xmlns:a14="http://schemas.microsoft.com/office/drawing/2010/main" val="0"/>
+              </a:ext>
+            </a:extLst>
+          </a:blip>
+          <a:stretch>
+            <a:fillRect/>
+          </a:stretch>
+        </p:blipFill>
+        <p:spPr>
+          <a:xfrm>
+            <a:off x="4419148" y="1253165"/>
+            <a:ext cx="3242851" cy="461024"/>
+          </a:xfrm>
+          <a:prstGeom prst="rect">
+            <a:avLst/>
+          </a:prstGeom>
+        </p:spPr>
+      </p:pic>
+      <p:pic>
+        <p:nvPicPr>
+          <p:cNvPr id="6" name="Picture 5">
+            <a:extLst>
+              <a:ext uri="{FF2B5EF4-FFF2-40B4-BE49-F238E27FC236}">
+                <a16:creationId xmlns:a16="http://schemas.microsoft.com/office/drawing/2014/main" id="{A16113B6-1355-673A-C0DA-C962E1C5B8FF}"/>
+              </a:ext>
+            </a:extLst>
+          </p:cNvPr>
+          <p:cNvPicPr>
+            <a:picLocks noChangeAspect="1"/>
+          </p:cNvPicPr>
+          <p:nvPr/>
+        </p:nvPicPr>
+        <p:blipFill>
+          <a:blip r:embed="rId3"/>
+          <a:stretch>
+            <a:fillRect/>
+          </a:stretch>
+        </p:blipFill>
+        <p:spPr>
+          <a:xfrm>
+            <a:off x="3527335" y="1329370"/>
+            <a:ext cx="615307" cy="293374"/>
+          </a:xfrm>
+          <a:prstGeom prst="rect">
+            <a:avLst/>
+          </a:prstGeom>
+        </p:spPr>
+      </p:pic>
+      <p:sp>
+        <p:nvSpPr>
+          <p:cNvPr id="44" name="TextBox 43">
+            <a:extLst>
+              <a:ext uri="{FF2B5EF4-FFF2-40B4-BE49-F238E27FC236}">
+                <a16:creationId xmlns:a16="http://schemas.microsoft.com/office/drawing/2014/main" id="{8F282917-611B-102A-DE0E-9840FB92AA91}"/>
+              </a:ext>
+            </a:extLst>
+          </p:cNvPr>
+          <p:cNvSpPr txBox="1"/>
+          <p:nvPr/>
+        </p:nvSpPr>
+        <p:spPr>
+          <a:xfrm>
+            <a:off x="1245563" y="1820241"/>
+            <a:ext cx="2230098" cy="369332"/>
+          </a:xfrm>
+          <a:prstGeom prst="rect">
+            <a:avLst/>
+          </a:prstGeom>
+          <a:noFill/>
+        </p:spPr>
+        <p:txBody>
+          <a:bodyPr wrap="none" rtlCol="0">
+            <a:spAutoFit/>
+          </a:bodyPr>
+          <a:lstStyle/>
+          <a:p>
+            <a:r>
+              <a:rPr lang="en-US" dirty="0"/>
+              <a:t>One sweep dynamics:</a:t>
+            </a:r>
+          </a:p>
+        </p:txBody>
+      </p:sp>
+      <p:sp>
+        <p:nvSpPr>
+          <p:cNvPr id="16" name="TextBox 15">
+            <a:extLst>
+              <a:ext uri="{FF2B5EF4-FFF2-40B4-BE49-F238E27FC236}">
+                <a16:creationId xmlns:a16="http://schemas.microsoft.com/office/drawing/2014/main" id="{3729FA27-5FB1-47DD-D32D-921E5EE9A8E9}"/>
+              </a:ext>
+            </a:extLst>
+          </p:cNvPr>
+          <p:cNvSpPr txBox="1"/>
+          <p:nvPr/>
+        </p:nvSpPr>
+        <p:spPr>
+          <a:xfrm>
+            <a:off x="6866755" y="2734184"/>
+            <a:ext cx="3674852" cy="369332"/>
+          </a:xfrm>
+          <a:prstGeom prst="rect">
+            <a:avLst/>
+          </a:prstGeom>
+          <a:noFill/>
+        </p:spPr>
+        <p:txBody>
+          <a:bodyPr wrap="none" rtlCol="0">
+            <a:spAutoFit/>
+          </a:bodyPr>
+          <a:lstStyle/>
+          <a:p>
+            <a:r>
+              <a:rPr lang="en-US" dirty="0"/>
+              <a:t>Bragg oscillations mix atom between </a:t>
+            </a:r>
+          </a:p>
+        </p:txBody>
+      </p:sp>
+      <p:pic>
+        <p:nvPicPr>
+          <p:cNvPr id="19" name="Graphic 18">
+            <a:extLst>
+              <a:ext uri="{FF2B5EF4-FFF2-40B4-BE49-F238E27FC236}">
+                <a16:creationId xmlns:a16="http://schemas.microsoft.com/office/drawing/2014/main" id="{BE9B24FA-839B-F71B-3A7A-66BFE9872120}"/>
+              </a:ext>
+            </a:extLst>
+          </p:cNvPr>
+          <p:cNvPicPr>
+            <a:picLocks noChangeAspect="1"/>
+          </p:cNvPicPr>
+          <p:nvPr/>
+        </p:nvPicPr>
+        <p:blipFill>
+          <a:blip r:embed="rId4">
+            <a:extLst>
+              <a:ext uri="{28A0092B-C50C-407E-A947-70E740481C1C}">
+                <a14:useLocalDpi xmlns:a14="http://schemas.microsoft.com/office/drawing/2010/main" val="0"/>
+              </a:ext>
+              <a:ext uri="{96DAC541-7B7A-43D3-8B79-37D633B846F1}">
+                <asvg:svgBlip xmlns:asvg="http://schemas.microsoft.com/office/drawing/2016/SVG/main" r:embed="rId5"/>
+              </a:ext>
+            </a:extLst>
+          </a:blip>
+          <a:stretch>
+            <a:fillRect/>
+          </a:stretch>
+        </p:blipFill>
+        <p:spPr>
+          <a:xfrm>
+            <a:off x="10412621" y="2792167"/>
+            <a:ext cx="534882" cy="253365"/>
+          </a:xfrm>
+          <a:prstGeom prst="rect">
+            <a:avLst/>
+          </a:prstGeom>
+        </p:spPr>
+      </p:pic>
+      <p:sp>
+        <p:nvSpPr>
+          <p:cNvPr id="21" name="TextBox 20">
+            <a:extLst>
+              <a:ext uri="{FF2B5EF4-FFF2-40B4-BE49-F238E27FC236}">
+                <a16:creationId xmlns:a16="http://schemas.microsoft.com/office/drawing/2014/main" id="{7C99A902-CA2F-35BD-5318-E323B475A91C}"/>
+              </a:ext>
+            </a:extLst>
+          </p:cNvPr>
+          <p:cNvSpPr txBox="1"/>
+          <p:nvPr/>
+        </p:nvSpPr>
+        <p:spPr>
+          <a:xfrm>
+            <a:off x="7168751" y="3097098"/>
+            <a:ext cx="4507068" cy="369332"/>
+          </a:xfrm>
+          <a:prstGeom prst="rect">
+            <a:avLst/>
+          </a:prstGeom>
+          <a:noFill/>
+        </p:spPr>
+        <p:txBody>
+          <a:bodyPr wrap="none" rtlCol="0">
+            <a:spAutoFit/>
+          </a:bodyPr>
+          <a:lstStyle/>
+          <a:p>
+            <a:r>
+              <a:rPr lang="en-US" dirty="0"/>
+              <a:t>independent of sweep direction, by symmetry</a:t>
+            </a:r>
+          </a:p>
+        </p:txBody>
+      </p:sp>
+      <p:sp>
+        <p:nvSpPr>
+          <p:cNvPr id="22" name="TextBox 21">
+            <a:extLst>
+              <a:ext uri="{FF2B5EF4-FFF2-40B4-BE49-F238E27FC236}">
+                <a16:creationId xmlns:a16="http://schemas.microsoft.com/office/drawing/2014/main" id="{67E06881-5B3F-C6F5-7142-07F4B4A95A94}"/>
+              </a:ext>
+            </a:extLst>
+          </p:cNvPr>
+          <p:cNvSpPr txBox="1"/>
+          <p:nvPr/>
+        </p:nvSpPr>
+        <p:spPr>
+          <a:xfrm>
+            <a:off x="6887658" y="3730482"/>
+            <a:ext cx="931152" cy="369332"/>
+          </a:xfrm>
+          <a:prstGeom prst="rect">
+            <a:avLst/>
+          </a:prstGeom>
+          <a:noFill/>
+        </p:spPr>
+        <p:txBody>
+          <a:bodyPr wrap="none" rtlCol="0">
+            <a:spAutoFit/>
+          </a:bodyPr>
+          <a:lstStyle/>
+          <a:p>
+            <a:r>
+              <a:rPr lang="en-US" dirty="0"/>
+              <a:t>Look at:</a:t>
+            </a:r>
+          </a:p>
+        </p:txBody>
+      </p:sp>
+      <p:pic>
+        <p:nvPicPr>
+          <p:cNvPr id="30" name="Picture 29">
+            <a:extLst>
+              <a:ext uri="{FF2B5EF4-FFF2-40B4-BE49-F238E27FC236}">
+                <a16:creationId xmlns:a16="http://schemas.microsoft.com/office/drawing/2014/main" id="{64626F1A-E446-9605-1847-66EBD7B849BC}"/>
+              </a:ext>
+            </a:extLst>
+          </p:cNvPr>
+          <p:cNvPicPr>
+            <a:picLocks noChangeAspect="1"/>
+          </p:cNvPicPr>
+          <p:nvPr/>
+        </p:nvPicPr>
+        <p:blipFill>
+          <a:blip r:embed="rId6"/>
+          <a:stretch>
+            <a:fillRect/>
+          </a:stretch>
+        </p:blipFill>
+        <p:spPr>
+          <a:xfrm>
+            <a:off x="7388969" y="4017763"/>
+            <a:ext cx="3116901" cy="726412"/>
+          </a:xfrm>
+          <a:prstGeom prst="rect">
+            <a:avLst/>
+          </a:prstGeom>
+        </p:spPr>
+      </p:pic>
+      <p:sp>
+        <p:nvSpPr>
+          <p:cNvPr id="31" name="TextBox 30">
+            <a:extLst>
+              <a:ext uri="{FF2B5EF4-FFF2-40B4-BE49-F238E27FC236}">
+                <a16:creationId xmlns:a16="http://schemas.microsoft.com/office/drawing/2014/main" id="{A3F86CC1-590B-0ACA-302A-84C4AA40D1D3}"/>
+              </a:ext>
+            </a:extLst>
+          </p:cNvPr>
+          <p:cNvSpPr txBox="1"/>
+          <p:nvPr/>
+        </p:nvSpPr>
+        <p:spPr>
+          <a:xfrm>
+            <a:off x="6887658" y="4943042"/>
+            <a:ext cx="3584764" cy="369332"/>
+          </a:xfrm>
+          <a:prstGeom prst="rect">
+            <a:avLst/>
+          </a:prstGeom>
+          <a:noFill/>
+        </p:spPr>
+        <p:txBody>
+          <a:bodyPr wrap="none" rtlCol="0">
+            <a:spAutoFit/>
+          </a:bodyPr>
+          <a:lstStyle/>
+          <a:p>
+            <a:r>
+              <a:rPr lang="en-US" dirty="0">
+                <a:sym typeface="Wingdings" panose="05000000000000000000" pitchFamily="2" charset="2"/>
+              </a:rPr>
+              <a:t> Effect p</a:t>
+            </a:r>
+            <a:r>
+              <a:rPr lang="en-US" dirty="0"/>
+              <a:t>resent in (+), cancels in (-)</a:t>
+            </a:r>
+          </a:p>
+        </p:txBody>
+      </p:sp>
+      <p:pic>
+        <p:nvPicPr>
+          <p:cNvPr id="5" name="Picture 4">
+            <a:extLst>
+              <a:ext uri="{FF2B5EF4-FFF2-40B4-BE49-F238E27FC236}">
+                <a16:creationId xmlns:a16="http://schemas.microsoft.com/office/drawing/2014/main" id="{9F185A58-DD65-9598-45BD-4271E84FE6EB}"/>
+              </a:ext>
+            </a:extLst>
+          </p:cNvPr>
+          <p:cNvPicPr>
+            <a:picLocks noChangeAspect="1"/>
+          </p:cNvPicPr>
+          <p:nvPr/>
+        </p:nvPicPr>
+        <p:blipFill>
+          <a:blip r:embed="rId7"/>
+          <a:stretch>
+            <a:fillRect/>
+          </a:stretch>
+        </p:blipFill>
+        <p:spPr>
+          <a:xfrm>
+            <a:off x="1303826" y="2278823"/>
+            <a:ext cx="5062324" cy="3676681"/>
+          </a:xfrm>
+          <a:prstGeom prst="rect">
+            <a:avLst/>
+          </a:prstGeom>
+        </p:spPr>
+      </p:pic>
     </p:spTree>
     <p:extLst>
       <p:ext uri="{BB962C8B-B14F-4D97-AF65-F5344CB8AC3E}">
-        <p14:creationId xmlns:p14="http://schemas.microsoft.com/office/powerpoint/2010/main" val="3013588437"/>
+        <p14:creationId xmlns:p14="http://schemas.microsoft.com/office/powerpoint/2010/main" val="1657018600"/>
       </p:ext>
     </p:extLst>
   </p:cSld>
@@ -3199,7 +3584,7 @@
         <p:spPr>
           <a:xfrm>
             <a:off x="685558" y="623602"/>
-            <a:ext cx="1928348" cy="461665"/>
+            <a:ext cx="2824299" cy="461665"/>
           </a:xfrm>
           <a:prstGeom prst="rect">
             <a:avLst/>
@@ -3214,15 +3599,448 @@
           <a:p>
             <a:r>
               <a:rPr lang="en-US" sz="2400" dirty="0"/>
-              <a:t>Extra material</a:t>
-            </a:r>
+              <a:t>Temperature limit as </a:t>
+            </a:r>
+          </a:p>
+        </p:txBody>
+      </p:sp>
+      <p:pic>
+        <p:nvPicPr>
+          <p:cNvPr id="4" name="Picture 3" descr="\documentclass{article}&#10;\usepackage{amsmath}&#10;\pagestyle{empty}&#10;\begin{document}&#10;&#10;$\gamma \to 0$&#10;&#10;&#10;\end{document}" title="IguanaTex Bitmap Display">
+            <a:extLst>
+              <a:ext uri="{FF2B5EF4-FFF2-40B4-BE49-F238E27FC236}">
+                <a16:creationId xmlns:a16="http://schemas.microsoft.com/office/drawing/2014/main" id="{8B67732A-0ABC-6807-A225-E0537FE8C8A3}"/>
+              </a:ext>
+            </a:extLst>
+          </p:cNvPr>
+          <p:cNvPicPr>
+            <a:picLocks noChangeAspect="1"/>
+          </p:cNvPicPr>
+          <p:nvPr>
+            <p:custDataLst>
+              <p:tags r:id="rId1"/>
+            </p:custDataLst>
+          </p:nvPr>
+        </p:nvPicPr>
+        <p:blipFill>
+          <a:blip r:embed="rId3" cstate="print">
+            <a:extLst>
+              <a:ext uri="{28A0092B-C50C-407E-A947-70E740481C1C}">
+                <a14:useLocalDpi xmlns:a14="http://schemas.microsoft.com/office/drawing/2010/main" val="0"/>
+              </a:ext>
+            </a:extLst>
+          </a:blip>
+          <a:stretch>
+            <a:fillRect/>
+          </a:stretch>
+        </p:blipFill>
+        <p:spPr>
+          <a:xfrm>
+            <a:off x="3414296" y="720948"/>
+            <a:ext cx="784457" cy="266971"/>
+          </a:xfrm>
+          <a:prstGeom prst="rect">
+            <a:avLst/>
+          </a:prstGeom>
+        </p:spPr>
+      </p:pic>
+      <p:sp>
+        <p:nvSpPr>
+          <p:cNvPr id="2" name="TextBox 1">
+            <a:extLst>
+              <a:ext uri="{FF2B5EF4-FFF2-40B4-BE49-F238E27FC236}">
+                <a16:creationId xmlns:a16="http://schemas.microsoft.com/office/drawing/2014/main" id="{998FECB5-570A-A7EE-ACB3-CA1E0805245D}"/>
+              </a:ext>
+            </a:extLst>
+          </p:cNvPr>
+          <p:cNvSpPr txBox="1"/>
+          <p:nvPr/>
+        </p:nvSpPr>
+        <p:spPr>
+          <a:xfrm>
+            <a:off x="1216327" y="1297622"/>
+            <a:ext cx="8197757" cy="369332"/>
+          </a:xfrm>
+          <a:prstGeom prst="rect">
+            <a:avLst/>
+          </a:prstGeom>
+          <a:noFill/>
+        </p:spPr>
+        <p:txBody>
+          <a:bodyPr wrap="none" rtlCol="0">
+            <a:spAutoFit/>
+          </a:bodyPr>
+          <a:lstStyle/>
+          <a:p>
+            <a:r>
+              <a:rPr lang="en-US" dirty="0"/>
+              <a:t>Sweep-wait scheme:</a:t>
+            </a:r>
+            <a:r>
+              <a:rPr lang="en-US" dirty="0">
+                <a:sym typeface="Wingdings" panose="05000000000000000000" pitchFamily="2" charset="2"/>
+              </a:rPr>
+              <a:t> mimics cooling process for particle with ultranarrow linewidth</a:t>
+            </a:r>
+            <a:endParaRPr lang="en-US" dirty="0"/>
+          </a:p>
+        </p:txBody>
+      </p:sp>
+      <p:pic>
+        <p:nvPicPr>
+          <p:cNvPr id="8" name="Picture 7">
+            <a:extLst>
+              <a:ext uri="{FF2B5EF4-FFF2-40B4-BE49-F238E27FC236}">
+                <a16:creationId xmlns:a16="http://schemas.microsoft.com/office/drawing/2014/main" id="{7FF0A286-FBF0-7F67-186A-918857155331}"/>
+              </a:ext>
+            </a:extLst>
+          </p:cNvPr>
+          <p:cNvPicPr>
+            <a:picLocks noChangeAspect="1"/>
+          </p:cNvPicPr>
+          <p:nvPr/>
+        </p:nvPicPr>
+        <p:blipFill>
+          <a:blip r:embed="rId4"/>
+          <a:stretch>
+            <a:fillRect/>
+          </a:stretch>
+        </p:blipFill>
+        <p:spPr>
+          <a:xfrm>
+            <a:off x="881511" y="1846074"/>
+            <a:ext cx="4692013" cy="3140180"/>
+          </a:xfrm>
+          <a:prstGeom prst="rect">
+            <a:avLst/>
+          </a:prstGeom>
+        </p:spPr>
+      </p:pic>
+      <p:cxnSp>
+        <p:nvCxnSpPr>
+          <p:cNvPr id="10" name="Straight Arrow Connector 9">
+            <a:extLst>
+              <a:ext uri="{FF2B5EF4-FFF2-40B4-BE49-F238E27FC236}">
+                <a16:creationId xmlns:a16="http://schemas.microsoft.com/office/drawing/2014/main" id="{BE416214-177C-CB52-FDBA-5C670EB1509D}"/>
+              </a:ext>
+            </a:extLst>
+          </p:cNvPr>
+          <p:cNvCxnSpPr>
+            <a:cxnSpLocks/>
+          </p:cNvCxnSpPr>
+          <p:nvPr/>
+        </p:nvCxnSpPr>
+        <p:spPr>
+          <a:xfrm flipV="1">
+            <a:off x="2163011" y="4646863"/>
+            <a:ext cx="0" cy="471571"/>
+          </a:xfrm>
+          <a:prstGeom prst="straightConnector1">
+            <a:avLst/>
+          </a:prstGeom>
+          <a:ln w="6350">
+            <a:solidFill>
+              <a:schemeClr val="tx1"/>
+            </a:solidFill>
+            <a:tailEnd type="triangle"/>
+          </a:ln>
+        </p:spPr>
+        <p:style>
+          <a:lnRef idx="1">
+            <a:schemeClr val="accent1"/>
+          </a:lnRef>
+          <a:fillRef idx="0">
+            <a:schemeClr val="accent1"/>
+          </a:fillRef>
+          <a:effectRef idx="0">
+            <a:schemeClr val="accent1"/>
+          </a:effectRef>
+          <a:fontRef idx="minor">
+            <a:schemeClr val="tx1"/>
+          </a:fontRef>
+        </p:style>
+      </p:cxnSp>
+      <p:pic>
+        <p:nvPicPr>
+          <p:cNvPr id="14" name="Graphic 13">
+            <a:extLst>
+              <a:ext uri="{FF2B5EF4-FFF2-40B4-BE49-F238E27FC236}">
+                <a16:creationId xmlns:a16="http://schemas.microsoft.com/office/drawing/2014/main" id="{B90DD5CA-BFE4-51C1-97B7-B302BDB3B4AB}"/>
+              </a:ext>
+            </a:extLst>
+          </p:cNvPr>
+          <p:cNvPicPr>
+            <a:picLocks noChangeAspect="1"/>
+          </p:cNvPicPr>
+          <p:nvPr/>
+        </p:nvPicPr>
+        <p:blipFill>
+          <a:blip r:embed="rId5">
+            <a:extLst>
+              <a:ext uri="{28A0092B-C50C-407E-A947-70E740481C1C}">
+                <a14:useLocalDpi xmlns:a14="http://schemas.microsoft.com/office/drawing/2010/main" val="0"/>
+              </a:ext>
+              <a:ext uri="{96DAC541-7B7A-43D3-8B79-37D633B846F1}">
+                <asvg:svgBlip xmlns:asvg="http://schemas.microsoft.com/office/drawing/2016/SVG/main" r:embed="rId6"/>
+              </a:ext>
+            </a:extLst>
+          </a:blip>
+          <a:stretch>
+            <a:fillRect/>
+          </a:stretch>
+        </p:blipFill>
+        <p:spPr>
+          <a:xfrm>
+            <a:off x="2811357" y="5165374"/>
+            <a:ext cx="476250" cy="171450"/>
+          </a:xfrm>
+          <a:prstGeom prst="rect">
+            <a:avLst/>
+          </a:prstGeom>
+        </p:spPr>
+      </p:pic>
+      <p:pic>
+        <p:nvPicPr>
+          <p:cNvPr id="17" name="Graphic 16">
+            <a:extLst>
+              <a:ext uri="{FF2B5EF4-FFF2-40B4-BE49-F238E27FC236}">
+                <a16:creationId xmlns:a16="http://schemas.microsoft.com/office/drawing/2014/main" id="{BD23B284-7C2B-C8B2-7AE1-52A11AD36F40}"/>
+              </a:ext>
+            </a:extLst>
+          </p:cNvPr>
+          <p:cNvPicPr>
+            <a:picLocks noChangeAspect="1"/>
+          </p:cNvPicPr>
+          <p:nvPr/>
+        </p:nvPicPr>
+        <p:blipFill>
+          <a:blip r:embed="rId7">
+            <a:extLst>
+              <a:ext uri="{28A0092B-C50C-407E-A947-70E740481C1C}">
+                <a14:useLocalDpi xmlns:a14="http://schemas.microsoft.com/office/drawing/2010/main" val="0"/>
+              </a:ext>
+              <a:ext uri="{96DAC541-7B7A-43D3-8B79-37D633B846F1}">
+                <asvg:svgBlip xmlns:asvg="http://schemas.microsoft.com/office/drawing/2016/SVG/main" r:embed="rId8"/>
+              </a:ext>
+            </a:extLst>
+          </a:blip>
+          <a:stretch>
+            <a:fillRect/>
+          </a:stretch>
+        </p:blipFill>
+        <p:spPr>
+          <a:xfrm>
+            <a:off x="1932306" y="5165374"/>
+            <a:ext cx="476250" cy="171450"/>
+          </a:xfrm>
+          <a:prstGeom prst="rect">
+            <a:avLst/>
+          </a:prstGeom>
+        </p:spPr>
+      </p:pic>
+      <p:cxnSp>
+        <p:nvCxnSpPr>
+          <p:cNvPr id="24" name="Straight Arrow Connector 23">
+            <a:extLst>
+              <a:ext uri="{FF2B5EF4-FFF2-40B4-BE49-F238E27FC236}">
+                <a16:creationId xmlns:a16="http://schemas.microsoft.com/office/drawing/2014/main" id="{FBE2F3AD-5E1C-D9C4-B9E1-36C99C33A16C}"/>
+              </a:ext>
+            </a:extLst>
+          </p:cNvPr>
+          <p:cNvCxnSpPr>
+            <a:cxnSpLocks/>
+          </p:cNvCxnSpPr>
+          <p:nvPr/>
+        </p:nvCxnSpPr>
+        <p:spPr>
+          <a:xfrm flipV="1">
+            <a:off x="2998036" y="4640513"/>
+            <a:ext cx="0" cy="471571"/>
+          </a:xfrm>
+          <a:prstGeom prst="straightConnector1">
+            <a:avLst/>
+          </a:prstGeom>
+          <a:ln w="6350">
+            <a:solidFill>
+              <a:schemeClr val="tx1"/>
+            </a:solidFill>
+            <a:tailEnd type="triangle"/>
+          </a:ln>
+        </p:spPr>
+        <p:style>
+          <a:lnRef idx="1">
+            <a:schemeClr val="accent1"/>
+          </a:lnRef>
+          <a:fillRef idx="0">
+            <a:schemeClr val="accent1"/>
+          </a:fillRef>
+          <a:effectRef idx="0">
+            <a:schemeClr val="accent1"/>
+          </a:effectRef>
+          <a:fontRef idx="minor">
+            <a:schemeClr val="tx1"/>
+          </a:fontRef>
+        </p:style>
+      </p:cxnSp>
+      <p:pic>
+        <p:nvPicPr>
+          <p:cNvPr id="26" name="Picture 25">
+            <a:extLst>
+              <a:ext uri="{FF2B5EF4-FFF2-40B4-BE49-F238E27FC236}">
+                <a16:creationId xmlns:a16="http://schemas.microsoft.com/office/drawing/2014/main" id="{3ED0F746-2F6B-4D8B-0FE3-AC730ABE750E}"/>
+              </a:ext>
+            </a:extLst>
+          </p:cNvPr>
+          <p:cNvPicPr>
+            <a:picLocks noChangeAspect="1"/>
+          </p:cNvPicPr>
+          <p:nvPr/>
+        </p:nvPicPr>
+        <p:blipFill>
+          <a:blip r:embed="rId9"/>
+          <a:stretch>
+            <a:fillRect/>
+          </a:stretch>
+        </p:blipFill>
+        <p:spPr>
+          <a:xfrm>
+            <a:off x="6347340" y="1852424"/>
+            <a:ext cx="4075780" cy="2891026"/>
+          </a:xfrm>
+          <a:prstGeom prst="rect">
+            <a:avLst/>
+          </a:prstGeom>
+        </p:spPr>
+      </p:pic>
+      <p:pic>
+        <p:nvPicPr>
+          <p:cNvPr id="28" name="Graphic 27">
+            <a:extLst>
+              <a:ext uri="{FF2B5EF4-FFF2-40B4-BE49-F238E27FC236}">
+                <a16:creationId xmlns:a16="http://schemas.microsoft.com/office/drawing/2014/main" id="{55188FB3-0281-C724-F07B-C0B13A7D4B12}"/>
+              </a:ext>
+            </a:extLst>
+          </p:cNvPr>
+          <p:cNvPicPr>
+            <a:picLocks noChangeAspect="1"/>
+          </p:cNvPicPr>
+          <p:nvPr/>
+        </p:nvPicPr>
+        <p:blipFill>
+          <a:blip r:embed="rId10">
+            <a:extLst>
+              <a:ext uri="{28A0092B-C50C-407E-A947-70E740481C1C}">
+                <a14:useLocalDpi xmlns:a14="http://schemas.microsoft.com/office/drawing/2010/main" val="0"/>
+              </a:ext>
+              <a:ext uri="{96DAC541-7B7A-43D3-8B79-37D633B846F1}">
+                <asvg:svgBlip xmlns:asvg="http://schemas.microsoft.com/office/drawing/2016/SVG/main" r:embed="rId11"/>
+              </a:ext>
+            </a:extLst>
+          </a:blip>
+          <a:stretch>
+            <a:fillRect/>
+          </a:stretch>
+        </p:blipFill>
+        <p:spPr>
+          <a:xfrm>
+            <a:off x="6264470" y="5620887"/>
+            <a:ext cx="2376578" cy="282926"/>
+          </a:xfrm>
+          <a:prstGeom prst="rect">
+            <a:avLst/>
+          </a:prstGeom>
+        </p:spPr>
+      </p:pic>
+      <p:pic>
+        <p:nvPicPr>
+          <p:cNvPr id="36" name="Graphic 35">
+            <a:extLst>
+              <a:ext uri="{FF2B5EF4-FFF2-40B4-BE49-F238E27FC236}">
+                <a16:creationId xmlns:a16="http://schemas.microsoft.com/office/drawing/2014/main" id="{161D0867-1876-2002-42BD-5524A0834C5D}"/>
+              </a:ext>
+            </a:extLst>
+          </p:cNvPr>
+          <p:cNvPicPr>
+            <a:picLocks noChangeAspect="1"/>
+          </p:cNvPicPr>
+          <p:nvPr/>
+        </p:nvPicPr>
+        <p:blipFill>
+          <a:blip r:embed="rId12">
+            <a:extLst>
+              <a:ext uri="{28A0092B-C50C-407E-A947-70E740481C1C}">
+                <a14:useLocalDpi xmlns:a14="http://schemas.microsoft.com/office/drawing/2010/main" val="0"/>
+              </a:ext>
+              <a:ext uri="{96DAC541-7B7A-43D3-8B79-37D633B846F1}">
+                <asvg:svgBlip xmlns:asvg="http://schemas.microsoft.com/office/drawing/2016/SVG/main" r:embed="rId13"/>
+              </a:ext>
+            </a:extLst>
+          </a:blip>
+          <a:stretch>
+            <a:fillRect/>
+          </a:stretch>
+        </p:blipFill>
+        <p:spPr>
+          <a:xfrm>
+            <a:off x="6096000" y="5106795"/>
+            <a:ext cx="2713518" cy="282926"/>
+          </a:xfrm>
+          <a:prstGeom prst="rect">
+            <a:avLst/>
+          </a:prstGeom>
+        </p:spPr>
+      </p:pic>
+      <p:sp>
+        <p:nvSpPr>
+          <p:cNvPr id="37" name="Rectangle 36">
+            <a:extLst>
+              <a:ext uri="{FF2B5EF4-FFF2-40B4-BE49-F238E27FC236}">
+                <a16:creationId xmlns:a16="http://schemas.microsoft.com/office/drawing/2014/main" id="{7458DBA0-9220-EA7D-D559-7CBF111DE005}"/>
+              </a:ext>
+            </a:extLst>
+          </p:cNvPr>
+          <p:cNvSpPr/>
+          <p:nvPr/>
+        </p:nvSpPr>
+        <p:spPr>
+          <a:xfrm>
+            <a:off x="5859785" y="4986254"/>
+            <a:ext cx="3223255" cy="1033546"/>
+          </a:xfrm>
+          <a:prstGeom prst="rect">
+            <a:avLst/>
+          </a:prstGeom>
+          <a:noFill/>
+        </p:spPr>
+        <p:style>
+          <a:lnRef idx="2">
+            <a:schemeClr val="dk1">
+              <a:shade val="50000"/>
+            </a:schemeClr>
+          </a:lnRef>
+          <a:fillRef idx="1">
+            <a:schemeClr val="dk1"/>
+          </a:fillRef>
+          <a:effectRef idx="0">
+            <a:schemeClr val="dk1"/>
+          </a:effectRef>
+          <a:fontRef idx="minor">
+            <a:schemeClr val="lt1"/>
+          </a:fontRef>
+        </p:style>
+        <p:txBody>
+          <a:bodyPr rtlCol="0" anchor="ctr"/>
+          <a:lstStyle/>
+          <a:p>
+            <a:pPr algn="ctr"/>
+            <a:endParaRPr lang="en-US"/>
           </a:p>
         </p:txBody>
       </p:sp>
     </p:spTree>
     <p:extLst>
       <p:ext uri="{BB962C8B-B14F-4D97-AF65-F5344CB8AC3E}">
-        <p14:creationId xmlns:p14="http://schemas.microsoft.com/office/powerpoint/2010/main" val="3297757872"/>
+        <p14:creationId xmlns:p14="http://schemas.microsoft.com/office/powerpoint/2010/main" val="235539993"/>
       </p:ext>
     </p:extLst>
   </p:cSld>
@@ -3264,6 +4082,657 @@
         <p:spPr>
           <a:xfrm>
             <a:off x="685558" y="623602"/>
+            <a:ext cx="3883884" cy="461665"/>
+          </a:xfrm>
+          <a:prstGeom prst="rect">
+            <a:avLst/>
+          </a:prstGeom>
+          <a:noFill/>
+        </p:spPr>
+        <p:txBody>
+          <a:bodyPr wrap="none" rtlCol="0">
+            <a:spAutoFit/>
+          </a:bodyPr>
+          <a:lstStyle/>
+          <a:p>
+            <a:r>
+              <a:rPr lang="en-US" sz="2400" dirty="0"/>
+              <a:t>Temperature limit as               </a:t>
+            </a:r>
+          </a:p>
+        </p:txBody>
+      </p:sp>
+      <p:pic>
+        <p:nvPicPr>
+          <p:cNvPr id="4" name="Picture 3" descr="\documentclass{article}&#10;\usepackage{amsmath}&#10;\pagestyle{empty}&#10;\begin{document}&#10;&#10;$\gamma \to 0$&#10;&#10;&#10;\end{document}" title="IguanaTex Bitmap Display">
+            <a:extLst>
+              <a:ext uri="{FF2B5EF4-FFF2-40B4-BE49-F238E27FC236}">
+                <a16:creationId xmlns:a16="http://schemas.microsoft.com/office/drawing/2014/main" id="{8B67732A-0ABC-6807-A225-E0537FE8C8A3}"/>
+              </a:ext>
+            </a:extLst>
+          </p:cNvPr>
+          <p:cNvPicPr>
+            <a:picLocks noChangeAspect="1"/>
+          </p:cNvPicPr>
+          <p:nvPr>
+            <p:custDataLst>
+              <p:tags r:id="rId1"/>
+            </p:custDataLst>
+          </p:nvPr>
+        </p:nvPicPr>
+        <p:blipFill>
+          <a:blip r:embed="rId3" cstate="print">
+            <a:extLst>
+              <a:ext uri="{28A0092B-C50C-407E-A947-70E740481C1C}">
+                <a14:useLocalDpi xmlns:a14="http://schemas.microsoft.com/office/drawing/2010/main" val="0"/>
+              </a:ext>
+            </a:extLst>
+          </a:blip>
+          <a:stretch>
+            <a:fillRect/>
+          </a:stretch>
+        </p:blipFill>
+        <p:spPr>
+          <a:xfrm>
+            <a:off x="3414296" y="720948"/>
+            <a:ext cx="784457" cy="266971"/>
+          </a:xfrm>
+          <a:prstGeom prst="rect">
+            <a:avLst/>
+          </a:prstGeom>
+        </p:spPr>
+      </p:pic>
+      <p:pic>
+        <p:nvPicPr>
+          <p:cNvPr id="3" name="Picture 2" descr="Chart&#10;&#10;Description automatically generated">
+            <a:extLst>
+              <a:ext uri="{FF2B5EF4-FFF2-40B4-BE49-F238E27FC236}">
+                <a16:creationId xmlns:a16="http://schemas.microsoft.com/office/drawing/2014/main" id="{4B60FC13-57E6-93C1-2D87-44B6BC935E4E}"/>
+              </a:ext>
+            </a:extLst>
+          </p:cNvPr>
+          <p:cNvPicPr>
+            <a:picLocks noChangeAspect="1"/>
+          </p:cNvPicPr>
+          <p:nvPr/>
+        </p:nvPicPr>
+        <p:blipFill>
+          <a:blip r:embed="rId4">
+            <a:extLst>
+              <a:ext uri="{28A0092B-C50C-407E-A947-70E740481C1C}">
+                <a14:useLocalDpi xmlns:a14="http://schemas.microsoft.com/office/drawing/2010/main" val="0"/>
+              </a:ext>
+            </a:extLst>
+          </a:blip>
+          <a:stretch>
+            <a:fillRect/>
+          </a:stretch>
+        </p:blipFill>
+        <p:spPr>
+          <a:xfrm>
+            <a:off x="3098204" y="1626977"/>
+            <a:ext cx="5329121" cy="3775652"/>
+          </a:xfrm>
+          <a:prstGeom prst="rect">
+            <a:avLst/>
+          </a:prstGeom>
+        </p:spPr>
+      </p:pic>
+      <p:sp>
+        <p:nvSpPr>
+          <p:cNvPr id="5" name="TextBox 4">
+            <a:extLst>
+              <a:ext uri="{FF2B5EF4-FFF2-40B4-BE49-F238E27FC236}">
+                <a16:creationId xmlns:a16="http://schemas.microsoft.com/office/drawing/2014/main" id="{223718AD-1688-5DD0-465B-CE1D366E5711}"/>
+              </a:ext>
+            </a:extLst>
+          </p:cNvPr>
+          <p:cNvSpPr txBox="1"/>
+          <p:nvPr/>
+        </p:nvSpPr>
+        <p:spPr>
+          <a:xfrm>
+            <a:off x="1857408" y="5499977"/>
+            <a:ext cx="3744936" cy="400110"/>
+          </a:xfrm>
+          <a:prstGeom prst="rect">
+            <a:avLst/>
+          </a:prstGeom>
+          <a:noFill/>
+        </p:spPr>
+        <p:txBody>
+          <a:bodyPr wrap="none" rtlCol="0">
+            <a:spAutoFit/>
+          </a:bodyPr>
+          <a:lstStyle/>
+          <a:p>
+            <a:r>
+              <a:rPr lang="en-US" sz="1000" dirty="0"/>
+              <a:t>Reduced conservative force </a:t>
+            </a:r>
+          </a:p>
+          <a:p>
+            <a:r>
+              <a:rPr lang="en-US" sz="1000" dirty="0"/>
+              <a:t>+ high excited state fraction </a:t>
+            </a:r>
+            <a:r>
+              <a:rPr lang="en-US" sz="1000" dirty="0">
+                <a:sym typeface="Wingdings" panose="05000000000000000000" pitchFamily="2" charset="2"/>
+              </a:rPr>
+              <a:t> more diffusion due to </a:t>
+            </a:r>
+            <a:r>
+              <a:rPr lang="en-US" sz="1000" dirty="0" err="1">
+                <a:sym typeface="Wingdings" panose="05000000000000000000" pitchFamily="2" charset="2"/>
+              </a:rPr>
+              <a:t>spon</a:t>
+            </a:r>
+            <a:r>
+              <a:rPr lang="en-US" sz="1000" dirty="0">
+                <a:sym typeface="Wingdings" panose="05000000000000000000" pitchFamily="2" charset="2"/>
+              </a:rPr>
+              <a:t>. emission</a:t>
+            </a:r>
+            <a:endParaRPr lang="en-US" sz="1000" dirty="0"/>
+          </a:p>
+        </p:txBody>
+      </p:sp>
+      <p:sp>
+        <p:nvSpPr>
+          <p:cNvPr id="6" name="TextBox 5">
+            <a:extLst>
+              <a:ext uri="{FF2B5EF4-FFF2-40B4-BE49-F238E27FC236}">
+                <a16:creationId xmlns:a16="http://schemas.microsoft.com/office/drawing/2014/main" id="{86CC8FB5-B19C-0A42-3102-71D698478AD9}"/>
+              </a:ext>
+            </a:extLst>
+          </p:cNvPr>
+          <p:cNvSpPr txBox="1"/>
+          <p:nvPr/>
+        </p:nvSpPr>
+        <p:spPr>
+          <a:xfrm>
+            <a:off x="7553394" y="5499977"/>
+            <a:ext cx="3733714" cy="400110"/>
+          </a:xfrm>
+          <a:prstGeom prst="rect">
+            <a:avLst/>
+          </a:prstGeom>
+          <a:noFill/>
+        </p:spPr>
+        <p:txBody>
+          <a:bodyPr wrap="none" rtlCol="0">
+            <a:spAutoFit/>
+          </a:bodyPr>
+          <a:lstStyle/>
+          <a:p>
+            <a:r>
+              <a:rPr lang="en-US" sz="1000" dirty="0"/>
+              <a:t>Decreased time ordering between</a:t>
+            </a:r>
+          </a:p>
+          <a:p>
+            <a:r>
+              <a:rPr lang="en-US" sz="1000" dirty="0"/>
+              <a:t>Adiabatic transfers </a:t>
+            </a:r>
+            <a:r>
+              <a:rPr lang="en-US" sz="1000" dirty="0">
+                <a:sym typeface="Wingdings" panose="05000000000000000000" pitchFamily="2" charset="2"/>
+              </a:rPr>
+              <a:t> particles spend more time in the excited state</a:t>
+            </a:r>
+            <a:endParaRPr lang="en-US" sz="1000" dirty="0"/>
+          </a:p>
+        </p:txBody>
+      </p:sp>
+      <p:sp>
+        <p:nvSpPr>
+          <p:cNvPr id="2" name="TextBox 1">
+            <a:extLst>
+              <a:ext uri="{FF2B5EF4-FFF2-40B4-BE49-F238E27FC236}">
+                <a16:creationId xmlns:a16="http://schemas.microsoft.com/office/drawing/2014/main" id="{988BC175-435B-7264-BCEF-BD8C22EBCB62}"/>
+              </a:ext>
+            </a:extLst>
+          </p:cNvPr>
+          <p:cNvSpPr txBox="1"/>
+          <p:nvPr/>
+        </p:nvSpPr>
+        <p:spPr>
+          <a:xfrm>
+            <a:off x="1269834" y="1300051"/>
+            <a:ext cx="1683153" cy="369332"/>
+          </a:xfrm>
+          <a:prstGeom prst="rect">
+            <a:avLst/>
+          </a:prstGeom>
+          <a:noFill/>
+        </p:spPr>
+        <p:txBody>
+          <a:bodyPr wrap="none" rtlCol="0">
+            <a:spAutoFit/>
+          </a:bodyPr>
+          <a:lstStyle/>
+          <a:p>
+            <a:r>
+              <a:rPr lang="en-US" dirty="0"/>
+              <a:t>Scaling with      :</a:t>
+            </a:r>
+          </a:p>
+        </p:txBody>
+      </p:sp>
+      <p:pic>
+        <p:nvPicPr>
+          <p:cNvPr id="8" name="Graphic 7">
+            <a:extLst>
+              <a:ext uri="{FF2B5EF4-FFF2-40B4-BE49-F238E27FC236}">
+                <a16:creationId xmlns:a16="http://schemas.microsoft.com/office/drawing/2014/main" id="{F2F61E98-CC65-1BFA-4B08-0C058691295B}"/>
+              </a:ext>
+            </a:extLst>
+          </p:cNvPr>
+          <p:cNvPicPr>
+            <a:picLocks noChangeAspect="1"/>
+          </p:cNvPicPr>
+          <p:nvPr/>
+        </p:nvPicPr>
+        <p:blipFill>
+          <a:blip r:embed="rId5">
+            <a:extLst>
+              <a:ext uri="{28A0092B-C50C-407E-A947-70E740481C1C}">
+                <a14:useLocalDpi xmlns:a14="http://schemas.microsoft.com/office/drawing/2010/main" val="0"/>
+              </a:ext>
+              <a:ext uri="{96DAC541-7B7A-43D3-8B79-37D633B846F1}">
+                <asvg:svgBlip xmlns:asvg="http://schemas.microsoft.com/office/drawing/2016/SVG/main" r:embed="rId6"/>
+              </a:ext>
+            </a:extLst>
+          </a:blip>
+          <a:stretch>
+            <a:fillRect/>
+          </a:stretch>
+        </p:blipFill>
+        <p:spPr>
+          <a:xfrm>
+            <a:off x="2527549" y="1408517"/>
+            <a:ext cx="233147" cy="196334"/>
+          </a:xfrm>
+          <a:prstGeom prst="rect">
+            <a:avLst/>
+          </a:prstGeom>
+        </p:spPr>
+      </p:pic>
+    </p:spTree>
+    <p:extLst>
+      <p:ext uri="{BB962C8B-B14F-4D97-AF65-F5344CB8AC3E}">
+        <p14:creationId xmlns:p14="http://schemas.microsoft.com/office/powerpoint/2010/main" val="3571906972"/>
+      </p:ext>
+    </p:extLst>
+  </p:cSld>
+  <p:clrMapOvr>
+    <a:masterClrMapping/>
+  </p:clrMapOvr>
+</p:sld>
+</file>
+
+<file path=ppt/slides/slide13.xml><?xml version="1.0" encoding="utf-8"?>
+<p:sld xmlns:a="http://schemas.openxmlformats.org/drawingml/2006/main" xmlns:r="http://schemas.openxmlformats.org/officeDocument/2006/relationships" xmlns:p="http://schemas.openxmlformats.org/presentationml/2006/main">
+  <p:cSld>
+    <p:spTree>
+      <p:nvGrpSpPr>
+        <p:cNvPr id="1" name=""/>
+        <p:cNvGrpSpPr/>
+        <p:nvPr/>
+      </p:nvGrpSpPr>
+      <p:grpSpPr>
+        <a:xfrm>
+          <a:off x="0" y="0"/>
+          <a:ext cx="0" cy="0"/>
+          <a:chOff x="0" y="0"/>
+          <a:chExt cx="0" cy="0"/>
+        </a:xfrm>
+      </p:grpSpPr>
+      <p:sp>
+        <p:nvSpPr>
+          <p:cNvPr id="20" name="TextBox 19">
+            <a:extLst>
+              <a:ext uri="{FF2B5EF4-FFF2-40B4-BE49-F238E27FC236}">
+                <a16:creationId xmlns:a16="http://schemas.microsoft.com/office/drawing/2014/main" id="{86F6163E-3579-7211-59A6-656D4BBC4241}"/>
+              </a:ext>
+            </a:extLst>
+          </p:cNvPr>
+          <p:cNvSpPr txBox="1"/>
+          <p:nvPr/>
+        </p:nvSpPr>
+        <p:spPr>
+          <a:xfrm>
+            <a:off x="685558" y="623602"/>
+            <a:ext cx="2381486" cy="461665"/>
+          </a:xfrm>
+          <a:prstGeom prst="rect">
+            <a:avLst/>
+          </a:prstGeom>
+          <a:noFill/>
+        </p:spPr>
+        <p:txBody>
+          <a:bodyPr wrap="none" rtlCol="0">
+            <a:spAutoFit/>
+          </a:bodyPr>
+          <a:lstStyle/>
+          <a:p>
+            <a:r>
+              <a:rPr lang="en-US" sz="2400" dirty="0"/>
+              <a:t>Cooling efficiency</a:t>
+            </a:r>
+          </a:p>
+        </p:txBody>
+      </p:sp>
+      <p:pic>
+        <p:nvPicPr>
+          <p:cNvPr id="5" name="Picture 4" descr="Chart, line chart&#10;&#10;Description automatically generated">
+            <a:extLst>
+              <a:ext uri="{FF2B5EF4-FFF2-40B4-BE49-F238E27FC236}">
+                <a16:creationId xmlns:a16="http://schemas.microsoft.com/office/drawing/2014/main" id="{CBFC484D-CFC2-FCFB-7117-7B84254C33C6}"/>
+              </a:ext>
+            </a:extLst>
+          </p:cNvPr>
+          <p:cNvPicPr>
+            <a:picLocks noChangeAspect="1"/>
+          </p:cNvPicPr>
+          <p:nvPr/>
+        </p:nvPicPr>
+        <p:blipFill>
+          <a:blip r:embed="rId2">
+            <a:extLst>
+              <a:ext uri="{28A0092B-C50C-407E-A947-70E740481C1C}">
+                <a14:useLocalDpi xmlns:a14="http://schemas.microsoft.com/office/drawing/2010/main" val="0"/>
+              </a:ext>
+            </a:extLst>
+          </a:blip>
+          <a:stretch>
+            <a:fillRect/>
+          </a:stretch>
+        </p:blipFill>
+        <p:spPr>
+          <a:xfrm>
+            <a:off x="6613648" y="1153847"/>
+            <a:ext cx="4816353" cy="3450237"/>
+          </a:xfrm>
+          <a:prstGeom prst="rect">
+            <a:avLst/>
+          </a:prstGeom>
+        </p:spPr>
+      </p:pic>
+      <p:sp>
+        <p:nvSpPr>
+          <p:cNvPr id="6" name="TextBox 5">
+            <a:extLst>
+              <a:ext uri="{FF2B5EF4-FFF2-40B4-BE49-F238E27FC236}">
+                <a16:creationId xmlns:a16="http://schemas.microsoft.com/office/drawing/2014/main" id="{E0AB2A8E-1856-A04F-CDAE-FD122D7A0D24}"/>
+              </a:ext>
+            </a:extLst>
+          </p:cNvPr>
+          <p:cNvSpPr txBox="1"/>
+          <p:nvPr/>
+        </p:nvSpPr>
+        <p:spPr>
+          <a:xfrm>
+            <a:off x="952500" y="1524000"/>
+            <a:ext cx="4934877" cy="369332"/>
+          </a:xfrm>
+          <a:prstGeom prst="rect">
+            <a:avLst/>
+          </a:prstGeom>
+          <a:noFill/>
+        </p:spPr>
+        <p:txBody>
+          <a:bodyPr wrap="none" rtlCol="0">
+            <a:spAutoFit/>
+          </a:bodyPr>
+          <a:lstStyle/>
+          <a:p>
+            <a:r>
+              <a:rPr lang="en-US" dirty="0"/>
+              <a:t>Cooling efficiency ≡ energy removed per scattering</a:t>
+            </a:r>
+          </a:p>
+        </p:txBody>
+      </p:sp>
+      <p:sp>
+        <p:nvSpPr>
+          <p:cNvPr id="7" name="TextBox 6">
+            <a:extLst>
+              <a:ext uri="{FF2B5EF4-FFF2-40B4-BE49-F238E27FC236}">
+                <a16:creationId xmlns:a16="http://schemas.microsoft.com/office/drawing/2014/main" id="{1171B047-1ACD-625C-41AC-A03BF7A4893B}"/>
+              </a:ext>
+            </a:extLst>
+          </p:cNvPr>
+          <p:cNvSpPr txBox="1"/>
+          <p:nvPr/>
+        </p:nvSpPr>
+        <p:spPr>
+          <a:xfrm>
+            <a:off x="952500" y="2782669"/>
+            <a:ext cx="5018105" cy="1200329"/>
+          </a:xfrm>
+          <a:prstGeom prst="rect">
+            <a:avLst/>
+          </a:prstGeom>
+          <a:noFill/>
+        </p:spPr>
+        <p:txBody>
+          <a:bodyPr wrap="none" rtlCol="0">
+            <a:spAutoFit/>
+          </a:bodyPr>
+          <a:lstStyle/>
+          <a:p>
+            <a:r>
+              <a:rPr lang="en-US" dirty="0">
+                <a:sym typeface="Wingdings" panose="05000000000000000000" pitchFamily="2" charset="2"/>
+              </a:rPr>
+              <a:t>Many fewer scatterings required than Doppler</a:t>
+            </a:r>
+          </a:p>
+          <a:p>
+            <a:endParaRPr lang="en-US" dirty="0">
+              <a:sym typeface="Wingdings" panose="05000000000000000000" pitchFamily="2" charset="2"/>
+            </a:endParaRPr>
+          </a:p>
+          <a:p>
+            <a:pPr marL="285750" indent="-285750">
+              <a:buFont typeface="Wingdings" panose="05000000000000000000" pitchFamily="2" charset="2"/>
+              <a:buChar char="à"/>
+            </a:pPr>
+            <a:r>
+              <a:rPr lang="en-US" dirty="0">
+                <a:sym typeface="Wingdings" panose="05000000000000000000" pitchFamily="2" charset="2"/>
+              </a:rPr>
+              <a:t>SWAP is well-suited to cooling e.g. particles that </a:t>
+            </a:r>
+          </a:p>
+          <a:p>
+            <a:r>
+              <a:rPr lang="en-US" dirty="0">
+                <a:sym typeface="Wingdings" panose="05000000000000000000" pitchFamily="2" charset="2"/>
+              </a:rPr>
+              <a:t>     lack closed cycling transitions</a:t>
+            </a:r>
+          </a:p>
+        </p:txBody>
+      </p:sp>
+    </p:spTree>
+    <p:extLst>
+      <p:ext uri="{BB962C8B-B14F-4D97-AF65-F5344CB8AC3E}">
+        <p14:creationId xmlns:p14="http://schemas.microsoft.com/office/powerpoint/2010/main" val="1184355976"/>
+      </p:ext>
+    </p:extLst>
+  </p:cSld>
+  <p:clrMapOvr>
+    <a:masterClrMapping/>
+  </p:clrMapOvr>
+</p:sld>
+</file>
+
+<file path=ppt/slides/slide14.xml><?xml version="1.0" encoding="utf-8"?>
+<p:sld xmlns:a="http://schemas.openxmlformats.org/drawingml/2006/main" xmlns:r="http://schemas.openxmlformats.org/officeDocument/2006/relationships" xmlns:p="http://schemas.openxmlformats.org/presentationml/2006/main">
+  <p:cSld>
+    <p:spTree>
+      <p:nvGrpSpPr>
+        <p:cNvPr id="1" name=""/>
+        <p:cNvGrpSpPr/>
+        <p:nvPr/>
+      </p:nvGrpSpPr>
+      <p:grpSpPr>
+        <a:xfrm>
+          <a:off x="0" y="0"/>
+          <a:ext cx="0" cy="0"/>
+          <a:chOff x="0" y="0"/>
+          <a:chExt cx="0" cy="0"/>
+        </a:xfrm>
+      </p:grpSpPr>
+      <p:sp>
+        <p:nvSpPr>
+          <p:cNvPr id="20" name="TextBox 19">
+            <a:extLst>
+              <a:ext uri="{FF2B5EF4-FFF2-40B4-BE49-F238E27FC236}">
+                <a16:creationId xmlns:a16="http://schemas.microsoft.com/office/drawing/2014/main" id="{86F6163E-3579-7211-59A6-656D4BBC4241}"/>
+              </a:ext>
+            </a:extLst>
+          </p:cNvPr>
+          <p:cNvSpPr txBox="1"/>
+          <p:nvPr/>
+        </p:nvSpPr>
+        <p:spPr>
+          <a:xfrm>
+            <a:off x="685558" y="623602"/>
+            <a:ext cx="1716496" cy="461665"/>
+          </a:xfrm>
+          <a:prstGeom prst="rect">
+            <a:avLst/>
+          </a:prstGeom>
+          <a:noFill/>
+        </p:spPr>
+        <p:txBody>
+          <a:bodyPr wrap="none" rtlCol="0">
+            <a:spAutoFit/>
+          </a:bodyPr>
+          <a:lstStyle/>
+          <a:p>
+            <a:r>
+              <a:rPr lang="en-US" sz="2400" dirty="0"/>
+              <a:t>Applications</a:t>
+            </a:r>
+          </a:p>
+        </p:txBody>
+      </p:sp>
+    </p:spTree>
+    <p:extLst>
+      <p:ext uri="{BB962C8B-B14F-4D97-AF65-F5344CB8AC3E}">
+        <p14:creationId xmlns:p14="http://schemas.microsoft.com/office/powerpoint/2010/main" val="3013588437"/>
+      </p:ext>
+    </p:extLst>
+  </p:cSld>
+  <p:clrMapOvr>
+    <a:masterClrMapping/>
+  </p:clrMapOvr>
+</p:sld>
+</file>
+
+<file path=ppt/slides/slide15.xml><?xml version="1.0" encoding="utf-8"?>
+<p:sld xmlns:a="http://schemas.openxmlformats.org/drawingml/2006/main" xmlns:r="http://schemas.openxmlformats.org/officeDocument/2006/relationships" xmlns:p="http://schemas.openxmlformats.org/presentationml/2006/main">
+  <p:cSld>
+    <p:spTree>
+      <p:nvGrpSpPr>
+        <p:cNvPr id="1" name=""/>
+        <p:cNvGrpSpPr/>
+        <p:nvPr/>
+      </p:nvGrpSpPr>
+      <p:grpSpPr>
+        <a:xfrm>
+          <a:off x="0" y="0"/>
+          <a:ext cx="0" cy="0"/>
+          <a:chOff x="0" y="0"/>
+          <a:chExt cx="0" cy="0"/>
+        </a:xfrm>
+      </p:grpSpPr>
+      <p:sp>
+        <p:nvSpPr>
+          <p:cNvPr id="20" name="TextBox 19">
+            <a:extLst>
+              <a:ext uri="{FF2B5EF4-FFF2-40B4-BE49-F238E27FC236}">
+                <a16:creationId xmlns:a16="http://schemas.microsoft.com/office/drawing/2014/main" id="{86F6163E-3579-7211-59A6-656D4BBC4241}"/>
+              </a:ext>
+            </a:extLst>
+          </p:cNvPr>
+          <p:cNvSpPr txBox="1"/>
+          <p:nvPr/>
+        </p:nvSpPr>
+        <p:spPr>
+          <a:xfrm>
+            <a:off x="685558" y="623602"/>
+            <a:ext cx="1928348" cy="461665"/>
+          </a:xfrm>
+          <a:prstGeom prst="rect">
+            <a:avLst/>
+          </a:prstGeom>
+          <a:noFill/>
+        </p:spPr>
+        <p:txBody>
+          <a:bodyPr wrap="none" rtlCol="0">
+            <a:spAutoFit/>
+          </a:bodyPr>
+          <a:lstStyle/>
+          <a:p>
+            <a:r>
+              <a:rPr lang="en-US" sz="2400" dirty="0"/>
+              <a:t>Extra material</a:t>
+            </a:r>
+          </a:p>
+        </p:txBody>
+      </p:sp>
+    </p:spTree>
+    <p:extLst>
+      <p:ext uri="{BB962C8B-B14F-4D97-AF65-F5344CB8AC3E}">
+        <p14:creationId xmlns:p14="http://schemas.microsoft.com/office/powerpoint/2010/main" val="3297757872"/>
+      </p:ext>
+    </p:extLst>
+  </p:cSld>
+  <p:clrMapOvr>
+    <a:masterClrMapping/>
+  </p:clrMapOvr>
+</p:sld>
+</file>
+
+<file path=ppt/slides/slide16.xml><?xml version="1.0" encoding="utf-8"?>
+<p:sld xmlns:a="http://schemas.openxmlformats.org/drawingml/2006/main" xmlns:r="http://schemas.openxmlformats.org/officeDocument/2006/relationships" xmlns:p="http://schemas.openxmlformats.org/presentationml/2006/main">
+  <p:cSld>
+    <p:spTree>
+      <p:nvGrpSpPr>
+        <p:cNvPr id="1" name=""/>
+        <p:cNvGrpSpPr/>
+        <p:nvPr/>
+      </p:nvGrpSpPr>
+      <p:grpSpPr>
+        <a:xfrm>
+          <a:off x="0" y="0"/>
+          <a:ext cx="0" cy="0"/>
+          <a:chOff x="0" y="0"/>
+          <a:chExt cx="0" cy="0"/>
+        </a:xfrm>
+      </p:grpSpPr>
+      <p:sp>
+        <p:nvSpPr>
+          <p:cNvPr id="20" name="TextBox 19">
+            <a:extLst>
+              <a:ext uri="{FF2B5EF4-FFF2-40B4-BE49-F238E27FC236}">
+                <a16:creationId xmlns:a16="http://schemas.microsoft.com/office/drawing/2014/main" id="{86F6163E-3579-7211-59A6-656D4BBC4241}"/>
+              </a:ext>
+            </a:extLst>
+          </p:cNvPr>
+          <p:cNvSpPr txBox="1"/>
+          <p:nvPr/>
+        </p:nvSpPr>
+        <p:spPr>
+          <a:xfrm>
+            <a:off x="685558" y="623602"/>
             <a:ext cx="1388522" cy="461665"/>
           </a:xfrm>
           <a:prstGeom prst="rect">
@@ -3488,7 +4957,7 @@
 </p:sld>
 </file>
 
-<file path=ppt/slides/slide13.xml><?xml version="1.0" encoding="utf-8"?>
+<file path=ppt/slides/slide17.xml><?xml version="1.0" encoding="utf-8"?>
 <p:sld xmlns:a="http://schemas.openxmlformats.org/drawingml/2006/main" xmlns:r="http://schemas.openxmlformats.org/officeDocument/2006/relationships" xmlns:p="http://schemas.openxmlformats.org/presentationml/2006/main">
   <p:cSld>
     <p:spTree>
@@ -6336,6 +7805,36 @@
           <a:chExt cx="0" cy="0"/>
         </a:xfrm>
       </p:grpSpPr>
+      <p:pic>
+        <p:nvPicPr>
+          <p:cNvPr id="46" name="Picture 45">
+            <a:extLst>
+              <a:ext uri="{FF2B5EF4-FFF2-40B4-BE49-F238E27FC236}">
+                <a16:creationId xmlns:a16="http://schemas.microsoft.com/office/drawing/2014/main" id="{0F9DBE52-5F7C-3543-8502-50E3EB7CABC3}"/>
+              </a:ext>
+            </a:extLst>
+          </p:cNvPr>
+          <p:cNvPicPr>
+            <a:picLocks noChangeAspect="1"/>
+          </p:cNvPicPr>
+          <p:nvPr/>
+        </p:nvPicPr>
+        <p:blipFill>
+          <a:blip r:embed="rId2"/>
+          <a:stretch>
+            <a:fillRect/>
+          </a:stretch>
+        </p:blipFill>
+        <p:spPr>
+          <a:xfrm>
+            <a:off x="1483334" y="2220840"/>
+            <a:ext cx="4975860" cy="3738115"/>
+          </a:xfrm>
+          <a:prstGeom prst="rect">
+            <a:avLst/>
+          </a:prstGeom>
+        </p:spPr>
+      </p:pic>
       <p:sp>
         <p:nvSpPr>
           <p:cNvPr id="20" name="TextBox 19">
@@ -6385,8 +7884,8 @@
         </p:nvSpPr>
         <p:spPr>
           <a:xfrm>
-            <a:off x="1243263" y="1483895"/>
-            <a:ext cx="2384948" cy="369332"/>
+            <a:off x="1243263" y="1291391"/>
+            <a:ext cx="3077446" cy="369332"/>
           </a:xfrm>
           <a:prstGeom prst="rect">
             <a:avLst/>
@@ -6401,8 +7900,658 @@
           <a:p>
             <a:r>
               <a:rPr lang="en-US" dirty="0"/>
-              <a:t>Forces with dissipation:</a:t>
-            </a:r>
+              <a:t>Forces with dissipation,           ::</a:t>
+            </a:r>
+          </a:p>
+        </p:txBody>
+      </p:sp>
+      <p:pic>
+        <p:nvPicPr>
+          <p:cNvPr id="4" name="Picture 3" descr="A picture containing text, clock, gauge&#10;&#10;Description automatically generated">
+            <a:extLst>
+              <a:ext uri="{FF2B5EF4-FFF2-40B4-BE49-F238E27FC236}">
+                <a16:creationId xmlns:a16="http://schemas.microsoft.com/office/drawing/2014/main" id="{372DC030-F126-2997-44BB-53E88E0DA250}"/>
+              </a:ext>
+            </a:extLst>
+          </p:cNvPr>
+          <p:cNvPicPr>
+            <a:picLocks noChangeAspect="1"/>
+          </p:cNvPicPr>
+          <p:nvPr/>
+        </p:nvPicPr>
+        <p:blipFill>
+          <a:blip r:embed="rId3" cstate="print">
+            <a:extLst>
+              <a:ext uri="{28A0092B-C50C-407E-A947-70E740481C1C}">
+                <a14:useLocalDpi xmlns:a14="http://schemas.microsoft.com/office/drawing/2010/main" val="0"/>
+              </a:ext>
+            </a:extLst>
+          </a:blip>
+          <a:stretch>
+            <a:fillRect/>
+          </a:stretch>
+        </p:blipFill>
+        <p:spPr>
+          <a:xfrm>
+            <a:off x="4419148" y="1253165"/>
+            <a:ext cx="3242851" cy="461024"/>
+          </a:xfrm>
+          <a:prstGeom prst="rect">
+            <a:avLst/>
+          </a:prstGeom>
+        </p:spPr>
+      </p:pic>
+      <p:pic>
+        <p:nvPicPr>
+          <p:cNvPr id="6" name="Picture 5">
+            <a:extLst>
+              <a:ext uri="{FF2B5EF4-FFF2-40B4-BE49-F238E27FC236}">
+                <a16:creationId xmlns:a16="http://schemas.microsoft.com/office/drawing/2014/main" id="{A16113B6-1355-673A-C0DA-C962E1C5B8FF}"/>
+              </a:ext>
+            </a:extLst>
+          </p:cNvPr>
+          <p:cNvPicPr>
+            <a:picLocks noChangeAspect="1"/>
+          </p:cNvPicPr>
+          <p:nvPr/>
+        </p:nvPicPr>
+        <p:blipFill>
+          <a:blip r:embed="rId4"/>
+          <a:stretch>
+            <a:fillRect/>
+          </a:stretch>
+        </p:blipFill>
+        <p:spPr>
+          <a:xfrm>
+            <a:off x="3527335" y="1329370"/>
+            <a:ext cx="615307" cy="293374"/>
+          </a:xfrm>
+          <a:prstGeom prst="rect">
+            <a:avLst/>
+          </a:prstGeom>
+        </p:spPr>
+      </p:pic>
+      <p:pic>
+        <p:nvPicPr>
+          <p:cNvPr id="12" name="Picture 11">
+            <a:extLst>
+              <a:ext uri="{FF2B5EF4-FFF2-40B4-BE49-F238E27FC236}">
+                <a16:creationId xmlns:a16="http://schemas.microsoft.com/office/drawing/2014/main" id="{6B237506-1CBD-C34E-AB1D-BE8BA94BB85E}"/>
+              </a:ext>
+            </a:extLst>
+          </p:cNvPr>
+          <p:cNvPicPr>
+            <a:picLocks noChangeAspect="1"/>
+          </p:cNvPicPr>
+          <p:nvPr/>
+        </p:nvPicPr>
+        <p:blipFill>
+          <a:blip r:embed="rId5"/>
+          <a:stretch>
+            <a:fillRect/>
+          </a:stretch>
+        </p:blipFill>
+        <p:spPr>
+          <a:xfrm>
+            <a:off x="6866755" y="1744676"/>
+            <a:ext cx="439069" cy="337223"/>
+          </a:xfrm>
+          <a:prstGeom prst="rect">
+            <a:avLst/>
+          </a:prstGeom>
+        </p:spPr>
+      </p:pic>
+      <p:sp>
+        <p:nvSpPr>
+          <p:cNvPr id="13" name="TextBox 12">
+            <a:extLst>
+              <a:ext uri="{FF2B5EF4-FFF2-40B4-BE49-F238E27FC236}">
+                <a16:creationId xmlns:a16="http://schemas.microsoft.com/office/drawing/2014/main" id="{E28F8A19-AAD1-A109-AFB7-EDFAE01D7E25}"/>
+              </a:ext>
+            </a:extLst>
+          </p:cNvPr>
+          <p:cNvSpPr txBox="1"/>
+          <p:nvPr/>
+        </p:nvSpPr>
+        <p:spPr>
+          <a:xfrm>
+            <a:off x="7204311" y="1728621"/>
+            <a:ext cx="3443956" cy="369332"/>
+          </a:xfrm>
+          <a:prstGeom prst="rect">
+            <a:avLst/>
+          </a:prstGeom>
+          <a:noFill/>
+        </p:spPr>
+        <p:txBody>
+          <a:bodyPr wrap="none" rtlCol="0">
+            <a:spAutoFit/>
+          </a:bodyPr>
+          <a:lstStyle/>
+          <a:p>
+            <a:r>
+              <a:rPr lang="en-US" dirty="0"/>
+              <a:t> : steady-state population for each </a:t>
+            </a:r>
+          </a:p>
+        </p:txBody>
+      </p:sp>
+      <p:pic>
+        <p:nvPicPr>
+          <p:cNvPr id="15" name="Picture 14">
+            <a:extLst>
+              <a:ext uri="{FF2B5EF4-FFF2-40B4-BE49-F238E27FC236}">
+                <a16:creationId xmlns:a16="http://schemas.microsoft.com/office/drawing/2014/main" id="{40C5027A-0A1A-F422-BE26-D30B5AF042AB}"/>
+              </a:ext>
+            </a:extLst>
+          </p:cNvPr>
+          <p:cNvPicPr>
+            <a:picLocks noChangeAspect="1"/>
+          </p:cNvPicPr>
+          <p:nvPr/>
+        </p:nvPicPr>
+        <p:blipFill>
+          <a:blip r:embed="rId6"/>
+          <a:stretch>
+            <a:fillRect/>
+          </a:stretch>
+        </p:blipFill>
+        <p:spPr>
+          <a:xfrm>
+            <a:off x="10445655" y="1851579"/>
+            <a:ext cx="233787" cy="208190"/>
+          </a:xfrm>
+          <a:prstGeom prst="rect">
+            <a:avLst/>
+          </a:prstGeom>
+        </p:spPr>
+      </p:pic>
+      <p:sp>
+        <p:nvSpPr>
+          <p:cNvPr id="16" name="TextBox 15">
+            <a:extLst>
+              <a:ext uri="{FF2B5EF4-FFF2-40B4-BE49-F238E27FC236}">
+                <a16:creationId xmlns:a16="http://schemas.microsoft.com/office/drawing/2014/main" id="{61E2E076-8CB2-41BD-2373-9B807744E9BB}"/>
+              </a:ext>
+            </a:extLst>
+          </p:cNvPr>
+          <p:cNvSpPr txBox="1"/>
+          <p:nvPr/>
+        </p:nvSpPr>
+        <p:spPr>
+          <a:xfrm>
+            <a:off x="6933379" y="3168936"/>
+            <a:ext cx="2564933" cy="369332"/>
+          </a:xfrm>
+          <a:prstGeom prst="rect">
+            <a:avLst/>
+          </a:prstGeom>
+          <a:noFill/>
+        </p:spPr>
+        <p:txBody>
+          <a:bodyPr wrap="none" rtlCol="0">
+            <a:spAutoFit/>
+          </a:bodyPr>
+          <a:lstStyle/>
+          <a:p>
+            <a:r>
+              <a:rPr lang="en-US" dirty="0"/>
+              <a:t>Impulse towards zero for </a:t>
+            </a:r>
+          </a:p>
+        </p:txBody>
+      </p:sp>
+      <p:pic>
+        <p:nvPicPr>
+          <p:cNvPr id="18" name="Picture 17">
+            <a:extLst>
+              <a:ext uri="{FF2B5EF4-FFF2-40B4-BE49-F238E27FC236}">
+                <a16:creationId xmlns:a16="http://schemas.microsoft.com/office/drawing/2014/main" id="{6750902C-2AFC-65AC-A117-45FDA5298A98}"/>
+              </a:ext>
+            </a:extLst>
+          </p:cNvPr>
+          <p:cNvPicPr>
+            <a:picLocks noChangeAspect="1"/>
+          </p:cNvPicPr>
+          <p:nvPr/>
+        </p:nvPicPr>
+        <p:blipFill>
+          <a:blip r:embed="rId7"/>
+          <a:stretch>
+            <a:fillRect/>
+          </a:stretch>
+        </p:blipFill>
+        <p:spPr>
+          <a:xfrm>
+            <a:off x="7860661" y="3563398"/>
+            <a:ext cx="1353001" cy="281317"/>
+          </a:xfrm>
+          <a:prstGeom prst="rect">
+            <a:avLst/>
+          </a:prstGeom>
+        </p:spPr>
+      </p:pic>
+      <p:sp>
+        <p:nvSpPr>
+          <p:cNvPr id="19" name="TextBox 18">
+            <a:extLst>
+              <a:ext uri="{FF2B5EF4-FFF2-40B4-BE49-F238E27FC236}">
+                <a16:creationId xmlns:a16="http://schemas.microsoft.com/office/drawing/2014/main" id="{7D68ABDC-EC03-CBBD-B0F9-C257928A343E}"/>
+              </a:ext>
+            </a:extLst>
+          </p:cNvPr>
+          <p:cNvSpPr txBox="1"/>
+          <p:nvPr/>
+        </p:nvSpPr>
+        <p:spPr>
+          <a:xfrm>
+            <a:off x="6933379" y="4104105"/>
+            <a:ext cx="2742739" cy="369332"/>
+          </a:xfrm>
+          <a:prstGeom prst="rect">
+            <a:avLst/>
+          </a:prstGeom>
+          <a:noFill/>
+        </p:spPr>
+        <p:txBody>
+          <a:bodyPr wrap="none" rtlCol="0">
+            <a:spAutoFit/>
+          </a:bodyPr>
+          <a:lstStyle/>
+          <a:p>
+            <a:r>
+              <a:rPr lang="en-US" dirty="0"/>
+              <a:t>Impulse away from zero for</a:t>
+            </a:r>
+          </a:p>
+        </p:txBody>
+      </p:sp>
+      <p:pic>
+        <p:nvPicPr>
+          <p:cNvPr id="22" name="Picture 21">
+            <a:extLst>
+              <a:ext uri="{FF2B5EF4-FFF2-40B4-BE49-F238E27FC236}">
+                <a16:creationId xmlns:a16="http://schemas.microsoft.com/office/drawing/2014/main" id="{C9D8EB64-CD4D-69CF-B574-532BC0315EAC}"/>
+              </a:ext>
+            </a:extLst>
+          </p:cNvPr>
+          <p:cNvPicPr>
+            <a:picLocks noChangeAspect="1"/>
+          </p:cNvPicPr>
+          <p:nvPr/>
+        </p:nvPicPr>
+        <p:blipFill>
+          <a:blip r:embed="rId8"/>
+          <a:stretch>
+            <a:fillRect/>
+          </a:stretch>
+        </p:blipFill>
+        <p:spPr>
+          <a:xfrm>
+            <a:off x="8018702" y="4473437"/>
+            <a:ext cx="2281238" cy="281220"/>
+          </a:xfrm>
+          <a:prstGeom prst="rect">
+            <a:avLst/>
+          </a:prstGeom>
+        </p:spPr>
+      </p:pic>
+      <p:cxnSp>
+        <p:nvCxnSpPr>
+          <p:cNvPr id="29" name="Straight Arrow Connector 28">
+            <a:extLst>
+              <a:ext uri="{FF2B5EF4-FFF2-40B4-BE49-F238E27FC236}">
+                <a16:creationId xmlns:a16="http://schemas.microsoft.com/office/drawing/2014/main" id="{E5E1E374-FA6A-B416-25E7-D6DDCC0E113C}"/>
+              </a:ext>
+            </a:extLst>
+          </p:cNvPr>
+          <p:cNvCxnSpPr>
+            <a:cxnSpLocks/>
+          </p:cNvCxnSpPr>
+          <p:nvPr/>
+        </p:nvCxnSpPr>
+        <p:spPr>
+          <a:xfrm flipH="1">
+            <a:off x="5134311" y="2042884"/>
+            <a:ext cx="73794" cy="281319"/>
+          </a:xfrm>
+          <a:prstGeom prst="straightConnector1">
+            <a:avLst/>
+          </a:prstGeom>
+          <a:ln>
+            <a:tailEnd type="triangle"/>
+          </a:ln>
+        </p:spPr>
+        <p:style>
+          <a:lnRef idx="1">
+            <a:schemeClr val="accent1"/>
+          </a:lnRef>
+          <a:fillRef idx="0">
+            <a:schemeClr val="accent1"/>
+          </a:fillRef>
+          <a:effectRef idx="0">
+            <a:schemeClr val="accent1"/>
+          </a:effectRef>
+          <a:fontRef idx="minor">
+            <a:schemeClr val="tx1"/>
+          </a:fontRef>
+        </p:style>
+      </p:cxnSp>
+      <p:cxnSp>
+        <p:nvCxnSpPr>
+          <p:cNvPr id="33" name="Straight Arrow Connector 32">
+            <a:extLst>
+              <a:ext uri="{FF2B5EF4-FFF2-40B4-BE49-F238E27FC236}">
+                <a16:creationId xmlns:a16="http://schemas.microsoft.com/office/drawing/2014/main" id="{E2DF774B-0A1A-9002-CF20-F417A3AE647A}"/>
+              </a:ext>
+            </a:extLst>
+          </p:cNvPr>
+          <p:cNvCxnSpPr>
+            <a:cxnSpLocks/>
+          </p:cNvCxnSpPr>
+          <p:nvPr/>
+        </p:nvCxnSpPr>
+        <p:spPr>
+          <a:xfrm flipH="1">
+            <a:off x="6043255" y="2042884"/>
+            <a:ext cx="42861" cy="278432"/>
+          </a:xfrm>
+          <a:prstGeom prst="straightConnector1">
+            <a:avLst/>
+          </a:prstGeom>
+          <a:ln>
+            <a:tailEnd type="triangle"/>
+          </a:ln>
+        </p:spPr>
+        <p:style>
+          <a:lnRef idx="1">
+            <a:schemeClr val="accent1"/>
+          </a:lnRef>
+          <a:fillRef idx="0">
+            <a:schemeClr val="accent1"/>
+          </a:fillRef>
+          <a:effectRef idx="0">
+            <a:schemeClr val="accent1"/>
+          </a:effectRef>
+          <a:fontRef idx="minor">
+            <a:schemeClr val="tx1"/>
+          </a:fontRef>
+        </p:style>
+      </p:cxnSp>
+      <p:pic>
+        <p:nvPicPr>
+          <p:cNvPr id="37" name="Graphic 36">
+            <a:extLst>
+              <a:ext uri="{FF2B5EF4-FFF2-40B4-BE49-F238E27FC236}">
+                <a16:creationId xmlns:a16="http://schemas.microsoft.com/office/drawing/2014/main" id="{821CA60D-E902-FCF5-9F83-88F4935D7028}"/>
+              </a:ext>
+            </a:extLst>
+          </p:cNvPr>
+          <p:cNvPicPr>
+            <a:picLocks noChangeAspect="1"/>
+          </p:cNvPicPr>
+          <p:nvPr/>
+        </p:nvPicPr>
+        <p:blipFill>
+          <a:blip r:embed="rId9">
+            <a:extLst>
+              <a:ext uri="{28A0092B-C50C-407E-A947-70E740481C1C}">
+                <a14:useLocalDpi xmlns:a14="http://schemas.microsoft.com/office/drawing/2010/main" val="0"/>
+              </a:ext>
+              <a:ext uri="{96DAC541-7B7A-43D3-8B79-37D633B846F1}">
+                <asvg:svgBlip xmlns:asvg="http://schemas.microsoft.com/office/drawing/2016/SVG/main" r:embed="rId10"/>
+              </a:ext>
+            </a:extLst>
+          </a:blip>
+          <a:stretch>
+            <a:fillRect/>
+          </a:stretch>
+        </p:blipFill>
+        <p:spPr>
+          <a:xfrm>
+            <a:off x="5856210" y="1829642"/>
+            <a:ext cx="374090" cy="177201"/>
+          </a:xfrm>
+          <a:prstGeom prst="rect">
+            <a:avLst/>
+          </a:prstGeom>
+        </p:spPr>
+      </p:pic>
+      <p:pic>
+        <p:nvPicPr>
+          <p:cNvPr id="41" name="Graphic 40">
+            <a:extLst>
+              <a:ext uri="{FF2B5EF4-FFF2-40B4-BE49-F238E27FC236}">
+                <a16:creationId xmlns:a16="http://schemas.microsoft.com/office/drawing/2014/main" id="{2C07D99B-6876-4C18-97CB-445D1CF083B9}"/>
+              </a:ext>
+            </a:extLst>
+          </p:cNvPr>
+          <p:cNvPicPr>
+            <a:picLocks noChangeAspect="1"/>
+          </p:cNvPicPr>
+          <p:nvPr/>
+        </p:nvPicPr>
+        <p:blipFill>
+          <a:blip r:embed="rId11">
+            <a:extLst>
+              <a:ext uri="{28A0092B-C50C-407E-A947-70E740481C1C}">
+                <a14:useLocalDpi xmlns:a14="http://schemas.microsoft.com/office/drawing/2010/main" val="0"/>
+              </a:ext>
+              <a:ext uri="{96DAC541-7B7A-43D3-8B79-37D633B846F1}">
+                <asvg:svgBlip xmlns:asvg="http://schemas.microsoft.com/office/drawing/2016/SVG/main" r:embed="rId12"/>
+              </a:ext>
+            </a:extLst>
+          </a:blip>
+          <a:stretch>
+            <a:fillRect/>
+          </a:stretch>
+        </p:blipFill>
+        <p:spPr>
+          <a:xfrm>
+            <a:off x="5013917" y="1826523"/>
+            <a:ext cx="361950" cy="171450"/>
+          </a:xfrm>
+          <a:prstGeom prst="rect">
+            <a:avLst/>
+          </a:prstGeom>
+        </p:spPr>
+      </p:pic>
+      <p:sp>
+        <p:nvSpPr>
+          <p:cNvPr id="42" name="TextBox 41">
+            <a:extLst>
+              <a:ext uri="{FF2B5EF4-FFF2-40B4-BE49-F238E27FC236}">
+                <a16:creationId xmlns:a16="http://schemas.microsoft.com/office/drawing/2014/main" id="{64A2DBF3-6A6E-2615-94D7-8196B15B75B8}"/>
+              </a:ext>
+            </a:extLst>
+          </p:cNvPr>
+          <p:cNvSpPr txBox="1"/>
+          <p:nvPr/>
+        </p:nvSpPr>
+        <p:spPr>
+          <a:xfrm>
+            <a:off x="9183182" y="3520170"/>
+            <a:ext cx="1792991" cy="369332"/>
+          </a:xfrm>
+          <a:prstGeom prst="rect">
+            <a:avLst/>
+          </a:prstGeom>
+          <a:noFill/>
+        </p:spPr>
+        <p:txBody>
+          <a:bodyPr wrap="none" rtlCol="0">
+            <a:spAutoFit/>
+          </a:bodyPr>
+          <a:lstStyle/>
+          <a:p>
+            <a:r>
+              <a:rPr lang="en-US" dirty="0">
+                <a:sym typeface="Wingdings" panose="05000000000000000000" pitchFamily="2" charset="2"/>
+              </a:rPr>
+              <a:t> Capture range</a:t>
+            </a:r>
+            <a:endParaRPr lang="en-US" dirty="0"/>
+          </a:p>
+        </p:txBody>
+      </p:sp>
+      <p:sp>
+        <p:nvSpPr>
+          <p:cNvPr id="44" name="TextBox 43">
+            <a:extLst>
+              <a:ext uri="{FF2B5EF4-FFF2-40B4-BE49-F238E27FC236}">
+                <a16:creationId xmlns:a16="http://schemas.microsoft.com/office/drawing/2014/main" id="{8F282917-611B-102A-DE0E-9840FB92AA91}"/>
+              </a:ext>
+            </a:extLst>
+          </p:cNvPr>
+          <p:cNvSpPr txBox="1"/>
+          <p:nvPr/>
+        </p:nvSpPr>
+        <p:spPr>
+          <a:xfrm>
+            <a:off x="1245563" y="1820241"/>
+            <a:ext cx="2230098" cy="369332"/>
+          </a:xfrm>
+          <a:prstGeom prst="rect">
+            <a:avLst/>
+          </a:prstGeom>
+          <a:noFill/>
+        </p:spPr>
+        <p:txBody>
+          <a:bodyPr wrap="none" rtlCol="0">
+            <a:spAutoFit/>
+          </a:bodyPr>
+          <a:lstStyle/>
+          <a:p>
+            <a:r>
+              <a:rPr lang="en-US" dirty="0"/>
+              <a:t>One sweep dynamics:</a:t>
+            </a:r>
+          </a:p>
+        </p:txBody>
+      </p:sp>
+      <p:pic>
+        <p:nvPicPr>
+          <p:cNvPr id="61" name="Graphic 60">
+            <a:extLst>
+              <a:ext uri="{FF2B5EF4-FFF2-40B4-BE49-F238E27FC236}">
+                <a16:creationId xmlns:a16="http://schemas.microsoft.com/office/drawing/2014/main" id="{DF1248E4-A1F0-A4BA-94BD-5ECE137A3442}"/>
+              </a:ext>
+            </a:extLst>
+          </p:cNvPr>
+          <p:cNvPicPr>
+            <a:picLocks noChangeAspect="1"/>
+          </p:cNvPicPr>
+          <p:nvPr/>
+        </p:nvPicPr>
+        <p:blipFill>
+          <a:blip r:embed="rId13">
+            <a:extLst>
+              <a:ext uri="{28A0092B-C50C-407E-A947-70E740481C1C}">
+                <a14:useLocalDpi xmlns:a14="http://schemas.microsoft.com/office/drawing/2010/main" val="0"/>
+              </a:ext>
+              <a:ext uri="{96DAC541-7B7A-43D3-8B79-37D633B846F1}">
+                <asvg:svgBlip xmlns:asvg="http://schemas.microsoft.com/office/drawing/2016/SVG/main" r:embed="rId14"/>
+              </a:ext>
+            </a:extLst>
+          </a:blip>
+          <a:stretch>
+            <a:fillRect/>
+          </a:stretch>
+        </p:blipFill>
+        <p:spPr>
+          <a:xfrm>
+            <a:off x="7031714" y="2203461"/>
+            <a:ext cx="147249" cy="294498"/>
+          </a:xfrm>
+          <a:prstGeom prst="rect">
+            <a:avLst/>
+          </a:prstGeom>
+        </p:spPr>
+      </p:pic>
+      <p:sp>
+        <p:nvSpPr>
+          <p:cNvPr id="62" name="TextBox 61">
+            <a:extLst>
+              <a:ext uri="{FF2B5EF4-FFF2-40B4-BE49-F238E27FC236}">
+                <a16:creationId xmlns:a16="http://schemas.microsoft.com/office/drawing/2014/main" id="{4EE0B382-161B-8B53-D5D5-3EBA9C905126}"/>
+              </a:ext>
+            </a:extLst>
+          </p:cNvPr>
+          <p:cNvSpPr txBox="1"/>
+          <p:nvPr/>
+        </p:nvSpPr>
+        <p:spPr>
+          <a:xfrm>
+            <a:off x="7256936" y="2180151"/>
+            <a:ext cx="4377609" cy="369332"/>
+          </a:xfrm>
+          <a:prstGeom prst="rect">
+            <a:avLst/>
+          </a:prstGeom>
+          <a:noFill/>
+        </p:spPr>
+        <p:txBody>
+          <a:bodyPr wrap="none" rtlCol="0">
+            <a:spAutoFit/>
+          </a:bodyPr>
+          <a:lstStyle/>
+          <a:p>
+            <a:r>
+              <a:rPr lang="en-US" dirty="0"/>
+              <a:t>: avg number of incoherent scattering events</a:t>
+            </a:r>
+          </a:p>
+        </p:txBody>
+      </p:sp>
+      <p:sp>
+        <p:nvSpPr>
+          <p:cNvPr id="63" name="Rectangle 62">
+            <a:extLst>
+              <a:ext uri="{FF2B5EF4-FFF2-40B4-BE49-F238E27FC236}">
+                <a16:creationId xmlns:a16="http://schemas.microsoft.com/office/drawing/2014/main" id="{77214AB6-2D7E-5741-35FB-AD9EA4DFB2F4}"/>
+              </a:ext>
+            </a:extLst>
+          </p:cNvPr>
+          <p:cNvSpPr/>
+          <p:nvPr/>
+        </p:nvSpPr>
+        <p:spPr>
+          <a:xfrm>
+            <a:off x="6729889" y="2979824"/>
+            <a:ext cx="4700111" cy="1993232"/>
+          </a:xfrm>
+          <a:prstGeom prst="rect">
+            <a:avLst/>
+          </a:prstGeom>
+          <a:noFill/>
+          <a:ln>
+            <a:solidFill>
+              <a:schemeClr val="tx1"/>
+            </a:solidFill>
+          </a:ln>
+        </p:spPr>
+        <p:style>
+          <a:lnRef idx="2">
+            <a:schemeClr val="accent1">
+              <a:shade val="50000"/>
+            </a:schemeClr>
+          </a:lnRef>
+          <a:fillRef idx="1">
+            <a:schemeClr val="accent1"/>
+          </a:fillRef>
+          <a:effectRef idx="0">
+            <a:schemeClr val="accent1"/>
+          </a:effectRef>
+          <a:fontRef idx="minor">
+            <a:schemeClr val="lt1"/>
+          </a:fontRef>
+        </p:style>
+        <p:txBody>
+          <a:bodyPr rtlCol="0" anchor="ctr"/>
+          <a:lstStyle/>
+          <a:p>
+            <a:pPr algn="ctr"/>
+            <a:endParaRPr lang="en-US"/>
           </a:p>
         </p:txBody>
       </p:sp>
@@ -6436,6 +8585,36 @@
           <a:chExt cx="0" cy="0"/>
         </a:xfrm>
       </p:grpSpPr>
+      <p:pic>
+        <p:nvPicPr>
+          <p:cNvPr id="46" name="Picture 45">
+            <a:extLst>
+              <a:ext uri="{FF2B5EF4-FFF2-40B4-BE49-F238E27FC236}">
+                <a16:creationId xmlns:a16="http://schemas.microsoft.com/office/drawing/2014/main" id="{0F9DBE52-5F7C-3543-8502-50E3EB7CABC3}"/>
+              </a:ext>
+            </a:extLst>
+          </p:cNvPr>
+          <p:cNvPicPr>
+            <a:picLocks noChangeAspect="1"/>
+          </p:cNvPicPr>
+          <p:nvPr/>
+        </p:nvPicPr>
+        <p:blipFill>
+          <a:blip r:embed="rId2"/>
+          <a:stretch>
+            <a:fillRect/>
+          </a:stretch>
+        </p:blipFill>
+        <p:spPr>
+          <a:xfrm>
+            <a:off x="1483334" y="2220840"/>
+            <a:ext cx="4975860" cy="3738115"/>
+          </a:xfrm>
+          <a:prstGeom prst="rect">
+            <a:avLst/>
+          </a:prstGeom>
+        </p:spPr>
+      </p:pic>
       <p:sp>
         <p:nvSpPr>
           <p:cNvPr id="20" name="TextBox 19">
@@ -6451,7 +8630,7 @@
         <p:spPr>
           <a:xfrm>
             <a:off x="685558" y="623602"/>
-            <a:ext cx="2824299" cy="461665"/>
+            <a:ext cx="3331489" cy="461665"/>
           </a:xfrm>
           <a:prstGeom prst="rect">
             <a:avLst/>
@@ -6466,28 +8645,59 @@
           <a:p>
             <a:r>
               <a:rPr lang="en-US" sz="2400" dirty="0"/>
-              <a:t>Temperature limit as </a:t>
+              <a:t>Forces and capture range</a:t>
+            </a:r>
+          </a:p>
+        </p:txBody>
+      </p:sp>
+      <p:sp>
+        <p:nvSpPr>
+          <p:cNvPr id="2" name="TextBox 1">
+            <a:extLst>
+              <a:ext uri="{FF2B5EF4-FFF2-40B4-BE49-F238E27FC236}">
+                <a16:creationId xmlns:a16="http://schemas.microsoft.com/office/drawing/2014/main" id="{886B8B7B-B84B-BAFC-65DF-9EE12AE4C277}"/>
+              </a:ext>
+            </a:extLst>
+          </p:cNvPr>
+          <p:cNvSpPr txBox="1"/>
+          <p:nvPr/>
+        </p:nvSpPr>
+        <p:spPr>
+          <a:xfrm>
+            <a:off x="1243263" y="1291391"/>
+            <a:ext cx="3077446" cy="369332"/>
+          </a:xfrm>
+          <a:prstGeom prst="rect">
+            <a:avLst/>
+          </a:prstGeom>
+          <a:noFill/>
+        </p:spPr>
+        <p:txBody>
+          <a:bodyPr wrap="none" rtlCol="0">
+            <a:spAutoFit/>
+          </a:bodyPr>
+          <a:lstStyle/>
+          <a:p>
+            <a:r>
+              <a:rPr lang="en-US" dirty="0"/>
+              <a:t>Forces with dissipation,           ::</a:t>
             </a:r>
           </a:p>
         </p:txBody>
       </p:sp>
       <p:pic>
         <p:nvPicPr>
-          <p:cNvPr id="4" name="Picture 3" descr="\documentclass{article}&#10;\usepackage{amsmath}&#10;\pagestyle{empty}&#10;\begin{document}&#10;&#10;$\gamma \to 0$&#10;&#10;&#10;\end{document}" title="IguanaTex Bitmap Display">
-            <a:extLst>
-              <a:ext uri="{FF2B5EF4-FFF2-40B4-BE49-F238E27FC236}">
-                <a16:creationId xmlns:a16="http://schemas.microsoft.com/office/drawing/2014/main" id="{8B67732A-0ABC-6807-A225-E0537FE8C8A3}"/>
+          <p:cNvPr id="4" name="Picture 3" descr="A picture containing text, clock, gauge&#10;&#10;Description automatically generated">
+            <a:extLst>
+              <a:ext uri="{FF2B5EF4-FFF2-40B4-BE49-F238E27FC236}">
+                <a16:creationId xmlns:a16="http://schemas.microsoft.com/office/drawing/2014/main" id="{372DC030-F126-2997-44BB-53E88E0DA250}"/>
               </a:ext>
             </a:extLst>
           </p:cNvPr>
           <p:cNvPicPr>
             <a:picLocks noChangeAspect="1"/>
           </p:cNvPicPr>
-          <p:nvPr>
-            <p:custDataLst>
-              <p:tags r:id="rId1"/>
-            </p:custDataLst>
-          </p:nvPr>
+          <p:nvPr/>
         </p:nvPicPr>
         <p:blipFill>
           <a:blip r:embed="rId3" cstate="print">
@@ -6503,8 +8713,8 @@
         </p:blipFill>
         <p:spPr>
           <a:xfrm>
-            <a:off x="3414296" y="720948"/>
-            <a:ext cx="784457" cy="266971"/>
+            <a:off x="4419148" y="1253165"/>
+            <a:ext cx="3242851" cy="461024"/>
           </a:xfrm>
           <a:prstGeom prst="rect">
             <a:avLst/>
@@ -6513,10 +8723,10 @@
       </p:pic>
       <p:pic>
         <p:nvPicPr>
-          <p:cNvPr id="3" name="Picture 2" descr="Chart&#10;&#10;Description automatically generated">
-            <a:extLst>
-              <a:ext uri="{FF2B5EF4-FFF2-40B4-BE49-F238E27FC236}">
-                <a16:creationId xmlns:a16="http://schemas.microsoft.com/office/drawing/2014/main" id="{4B60FC13-57E6-93C1-2D87-44B6BC935E4E}"/>
+          <p:cNvPr id="6" name="Picture 5">
+            <a:extLst>
+              <a:ext uri="{FF2B5EF4-FFF2-40B4-BE49-F238E27FC236}">
+                <a16:creationId xmlns:a16="http://schemas.microsoft.com/office/drawing/2014/main" id="{A16113B6-1355-673A-C0DA-C962E1C5B8FF}"/>
               </a:ext>
             </a:extLst>
           </p:cNvPr>
@@ -6526,10 +8736,357 @@
           <p:nvPr/>
         </p:nvPicPr>
         <p:blipFill>
-          <a:blip r:embed="rId4">
+          <a:blip r:embed="rId4"/>
+          <a:stretch>
+            <a:fillRect/>
+          </a:stretch>
+        </p:blipFill>
+        <p:spPr>
+          <a:xfrm>
+            <a:off x="3527335" y="1329370"/>
+            <a:ext cx="615307" cy="293374"/>
+          </a:xfrm>
+          <a:prstGeom prst="rect">
+            <a:avLst/>
+          </a:prstGeom>
+        </p:spPr>
+      </p:pic>
+      <p:pic>
+        <p:nvPicPr>
+          <p:cNvPr id="12" name="Picture 11">
+            <a:extLst>
+              <a:ext uri="{FF2B5EF4-FFF2-40B4-BE49-F238E27FC236}">
+                <a16:creationId xmlns:a16="http://schemas.microsoft.com/office/drawing/2014/main" id="{6B237506-1CBD-C34E-AB1D-BE8BA94BB85E}"/>
+              </a:ext>
+            </a:extLst>
+          </p:cNvPr>
+          <p:cNvPicPr>
+            <a:picLocks noChangeAspect="1"/>
+          </p:cNvPicPr>
+          <p:nvPr/>
+        </p:nvPicPr>
+        <p:blipFill>
+          <a:blip r:embed="rId5"/>
+          <a:stretch>
+            <a:fillRect/>
+          </a:stretch>
+        </p:blipFill>
+        <p:spPr>
+          <a:xfrm>
+            <a:off x="6866755" y="1744676"/>
+            <a:ext cx="439069" cy="337223"/>
+          </a:xfrm>
+          <a:prstGeom prst="rect">
+            <a:avLst/>
+          </a:prstGeom>
+        </p:spPr>
+      </p:pic>
+      <p:sp>
+        <p:nvSpPr>
+          <p:cNvPr id="13" name="TextBox 12">
+            <a:extLst>
+              <a:ext uri="{FF2B5EF4-FFF2-40B4-BE49-F238E27FC236}">
+                <a16:creationId xmlns:a16="http://schemas.microsoft.com/office/drawing/2014/main" id="{E28F8A19-AAD1-A109-AFB7-EDFAE01D7E25}"/>
+              </a:ext>
+            </a:extLst>
+          </p:cNvPr>
+          <p:cNvSpPr txBox="1"/>
+          <p:nvPr/>
+        </p:nvSpPr>
+        <p:spPr>
+          <a:xfrm>
+            <a:off x="7204311" y="1728621"/>
+            <a:ext cx="3443956" cy="369332"/>
+          </a:xfrm>
+          <a:prstGeom prst="rect">
+            <a:avLst/>
+          </a:prstGeom>
+          <a:noFill/>
+        </p:spPr>
+        <p:txBody>
+          <a:bodyPr wrap="none" rtlCol="0">
+            <a:spAutoFit/>
+          </a:bodyPr>
+          <a:lstStyle/>
+          <a:p>
+            <a:r>
+              <a:rPr lang="en-US" dirty="0"/>
+              <a:t> : steady-state population for each </a:t>
+            </a:r>
+          </a:p>
+        </p:txBody>
+      </p:sp>
+      <p:pic>
+        <p:nvPicPr>
+          <p:cNvPr id="15" name="Picture 14">
+            <a:extLst>
+              <a:ext uri="{FF2B5EF4-FFF2-40B4-BE49-F238E27FC236}">
+                <a16:creationId xmlns:a16="http://schemas.microsoft.com/office/drawing/2014/main" id="{40C5027A-0A1A-F422-BE26-D30B5AF042AB}"/>
+              </a:ext>
+            </a:extLst>
+          </p:cNvPr>
+          <p:cNvPicPr>
+            <a:picLocks noChangeAspect="1"/>
+          </p:cNvPicPr>
+          <p:nvPr/>
+        </p:nvPicPr>
+        <p:blipFill>
+          <a:blip r:embed="rId6"/>
+          <a:stretch>
+            <a:fillRect/>
+          </a:stretch>
+        </p:blipFill>
+        <p:spPr>
+          <a:xfrm>
+            <a:off x="10445655" y="1851579"/>
+            <a:ext cx="233787" cy="208190"/>
+          </a:xfrm>
+          <a:prstGeom prst="rect">
+            <a:avLst/>
+          </a:prstGeom>
+        </p:spPr>
+      </p:pic>
+      <p:cxnSp>
+        <p:nvCxnSpPr>
+          <p:cNvPr id="24" name="Straight Arrow Connector 23">
+            <a:extLst>
+              <a:ext uri="{FF2B5EF4-FFF2-40B4-BE49-F238E27FC236}">
+                <a16:creationId xmlns:a16="http://schemas.microsoft.com/office/drawing/2014/main" id="{8598A282-504B-C15D-D2ED-682957FFC7EF}"/>
+              </a:ext>
+            </a:extLst>
+          </p:cNvPr>
+          <p:cNvCxnSpPr>
+            <a:cxnSpLocks/>
+          </p:cNvCxnSpPr>
+          <p:nvPr/>
+        </p:nvCxnSpPr>
+        <p:spPr>
+          <a:xfrm flipH="1" flipV="1">
+            <a:off x="4255294" y="4421164"/>
+            <a:ext cx="2457926" cy="1400920"/>
+          </a:xfrm>
+          <a:prstGeom prst="straightConnector1">
+            <a:avLst/>
+          </a:prstGeom>
+          <a:ln w="6350">
+            <a:solidFill>
+              <a:schemeClr val="tx1"/>
+            </a:solidFill>
+            <a:tailEnd type="triangle"/>
+          </a:ln>
+        </p:spPr>
+        <p:style>
+          <a:lnRef idx="1">
+            <a:schemeClr val="accent1"/>
+          </a:lnRef>
+          <a:fillRef idx="0">
+            <a:schemeClr val="accent1"/>
+          </a:fillRef>
+          <a:effectRef idx="0">
+            <a:schemeClr val="accent1"/>
+          </a:effectRef>
+          <a:fontRef idx="minor">
+            <a:schemeClr val="tx1"/>
+          </a:fontRef>
+        </p:style>
+      </p:cxnSp>
+      <p:cxnSp>
+        <p:nvCxnSpPr>
+          <p:cNvPr id="26" name="Straight Arrow Connector 25">
+            <a:extLst>
+              <a:ext uri="{FF2B5EF4-FFF2-40B4-BE49-F238E27FC236}">
+                <a16:creationId xmlns:a16="http://schemas.microsoft.com/office/drawing/2014/main" id="{6A243EF9-CCA9-F506-470A-AF958460B378}"/>
+              </a:ext>
+            </a:extLst>
+          </p:cNvPr>
+          <p:cNvCxnSpPr>
+            <a:cxnSpLocks/>
+          </p:cNvCxnSpPr>
+          <p:nvPr/>
+        </p:nvCxnSpPr>
+        <p:spPr>
+          <a:xfrm flipH="1" flipV="1">
+            <a:off x="4271963" y="3420355"/>
+            <a:ext cx="2441257" cy="2401729"/>
+          </a:xfrm>
+          <a:prstGeom prst="straightConnector1">
+            <a:avLst/>
+          </a:prstGeom>
+          <a:ln w="6350">
+            <a:solidFill>
+              <a:schemeClr val="tx1"/>
+            </a:solidFill>
+            <a:tailEnd type="triangle"/>
+          </a:ln>
+        </p:spPr>
+        <p:style>
+          <a:lnRef idx="1">
+            <a:schemeClr val="accent1"/>
+          </a:lnRef>
+          <a:fillRef idx="0">
+            <a:schemeClr val="accent1"/>
+          </a:fillRef>
+          <a:effectRef idx="0">
+            <a:schemeClr val="accent1"/>
+          </a:effectRef>
+          <a:fontRef idx="minor">
+            <a:schemeClr val="tx1"/>
+          </a:fontRef>
+        </p:style>
+      </p:cxnSp>
+      <p:sp>
+        <p:nvSpPr>
+          <p:cNvPr id="27" name="TextBox 26">
+            <a:extLst>
+              <a:ext uri="{FF2B5EF4-FFF2-40B4-BE49-F238E27FC236}">
+                <a16:creationId xmlns:a16="http://schemas.microsoft.com/office/drawing/2014/main" id="{A5BF2C07-7A8C-793A-0E6F-5E61E4C0D9CD}"/>
+              </a:ext>
+            </a:extLst>
+          </p:cNvPr>
+          <p:cNvSpPr txBox="1"/>
+          <p:nvPr/>
+        </p:nvSpPr>
+        <p:spPr>
+          <a:xfrm>
+            <a:off x="6767168" y="5560474"/>
+            <a:ext cx="4324261" cy="523220"/>
+          </a:xfrm>
+          <a:prstGeom prst="rect">
+            <a:avLst/>
+          </a:prstGeom>
+          <a:noFill/>
+        </p:spPr>
+        <p:txBody>
+          <a:bodyPr wrap="none" rtlCol="0">
+            <a:spAutoFit/>
+          </a:bodyPr>
+          <a:lstStyle/>
+          <a:p>
+            <a:r>
+              <a:rPr lang="en-US" sz="1400" dirty="0"/>
+              <a:t>complicated dynamics at low momentum:</a:t>
+            </a:r>
+          </a:p>
+          <a:p>
+            <a:r>
+              <a:rPr lang="en-US" sz="1400" dirty="0"/>
+              <a:t>Bragg oscillations, </a:t>
+            </a:r>
+            <a:r>
+              <a:rPr lang="en-US" sz="1400" dirty="0" err="1"/>
+              <a:t>Dopplerons</a:t>
+            </a:r>
+            <a:r>
+              <a:rPr lang="en-US" sz="1400" dirty="0"/>
+              <a:t>, ambiguous time-ordering</a:t>
+            </a:r>
+          </a:p>
+        </p:txBody>
+      </p:sp>
+      <p:cxnSp>
+        <p:nvCxnSpPr>
+          <p:cNvPr id="29" name="Straight Arrow Connector 28">
+            <a:extLst>
+              <a:ext uri="{FF2B5EF4-FFF2-40B4-BE49-F238E27FC236}">
+                <a16:creationId xmlns:a16="http://schemas.microsoft.com/office/drawing/2014/main" id="{E5E1E374-FA6A-B416-25E7-D6DDCC0E113C}"/>
+              </a:ext>
+            </a:extLst>
+          </p:cNvPr>
+          <p:cNvCxnSpPr>
+            <a:cxnSpLocks/>
+          </p:cNvCxnSpPr>
+          <p:nvPr/>
+        </p:nvCxnSpPr>
+        <p:spPr>
+          <a:xfrm flipH="1">
+            <a:off x="5134311" y="2042884"/>
+            <a:ext cx="73794" cy="281319"/>
+          </a:xfrm>
+          <a:prstGeom prst="straightConnector1">
+            <a:avLst/>
+          </a:prstGeom>
+          <a:ln>
+            <a:tailEnd type="triangle"/>
+          </a:ln>
+        </p:spPr>
+        <p:style>
+          <a:lnRef idx="1">
+            <a:schemeClr val="accent1"/>
+          </a:lnRef>
+          <a:fillRef idx="0">
+            <a:schemeClr val="accent1"/>
+          </a:fillRef>
+          <a:effectRef idx="0">
+            <a:schemeClr val="accent1"/>
+          </a:effectRef>
+          <a:fontRef idx="minor">
+            <a:schemeClr val="tx1"/>
+          </a:fontRef>
+        </p:style>
+      </p:cxnSp>
+      <p:cxnSp>
+        <p:nvCxnSpPr>
+          <p:cNvPr id="33" name="Straight Arrow Connector 32">
+            <a:extLst>
+              <a:ext uri="{FF2B5EF4-FFF2-40B4-BE49-F238E27FC236}">
+                <a16:creationId xmlns:a16="http://schemas.microsoft.com/office/drawing/2014/main" id="{E2DF774B-0A1A-9002-CF20-F417A3AE647A}"/>
+              </a:ext>
+            </a:extLst>
+          </p:cNvPr>
+          <p:cNvCxnSpPr>
+            <a:cxnSpLocks/>
+          </p:cNvCxnSpPr>
+          <p:nvPr/>
+        </p:nvCxnSpPr>
+        <p:spPr>
+          <a:xfrm flipH="1">
+            <a:off x="6043255" y="2042884"/>
+            <a:ext cx="42861" cy="278432"/>
+          </a:xfrm>
+          <a:prstGeom prst="straightConnector1">
+            <a:avLst/>
+          </a:prstGeom>
+          <a:ln>
+            <a:tailEnd type="triangle"/>
+          </a:ln>
+        </p:spPr>
+        <p:style>
+          <a:lnRef idx="1">
+            <a:schemeClr val="accent1"/>
+          </a:lnRef>
+          <a:fillRef idx="0">
+            <a:schemeClr val="accent1"/>
+          </a:fillRef>
+          <a:effectRef idx="0">
+            <a:schemeClr val="accent1"/>
+          </a:effectRef>
+          <a:fontRef idx="minor">
+            <a:schemeClr val="tx1"/>
+          </a:fontRef>
+        </p:style>
+      </p:cxnSp>
+      <p:pic>
+        <p:nvPicPr>
+          <p:cNvPr id="37" name="Graphic 36">
+            <a:extLst>
+              <a:ext uri="{FF2B5EF4-FFF2-40B4-BE49-F238E27FC236}">
+                <a16:creationId xmlns:a16="http://schemas.microsoft.com/office/drawing/2014/main" id="{821CA60D-E902-FCF5-9F83-88F4935D7028}"/>
+              </a:ext>
+            </a:extLst>
+          </p:cNvPr>
+          <p:cNvPicPr>
+            <a:picLocks noChangeAspect="1"/>
+          </p:cNvPicPr>
+          <p:nvPr/>
+        </p:nvPicPr>
+        <p:blipFill>
+          <a:blip r:embed="rId7">
             <a:extLst>
               <a:ext uri="{28A0092B-C50C-407E-A947-70E740481C1C}">
                 <a14:useLocalDpi xmlns:a14="http://schemas.microsoft.com/office/drawing/2010/main" val="0"/>
+              </a:ext>
+              <a:ext uri="{96DAC541-7B7A-43D3-8B79-37D633B846F1}">
+                <asvg:svgBlip xmlns:asvg="http://schemas.microsoft.com/office/drawing/2016/SVG/main" r:embed="rId8"/>
               </a:ext>
             </a:extLst>
           </a:blip>
@@ -6539,20 +9096,59 @@
         </p:blipFill>
         <p:spPr>
           <a:xfrm>
-            <a:off x="5309937" y="1653561"/>
-            <a:ext cx="5545693" cy="3929092"/>
+            <a:off x="5856210" y="1829642"/>
+            <a:ext cx="374090" cy="177201"/>
           </a:xfrm>
           <a:prstGeom prst="rect">
             <a:avLst/>
           </a:prstGeom>
         </p:spPr>
       </p:pic>
-      <p:sp>
-        <p:nvSpPr>
-          <p:cNvPr id="5" name="TextBox 4">
-            <a:extLst>
-              <a:ext uri="{FF2B5EF4-FFF2-40B4-BE49-F238E27FC236}">
-                <a16:creationId xmlns:a16="http://schemas.microsoft.com/office/drawing/2014/main" id="{223718AD-1688-5DD0-465B-CE1D366E5711}"/>
+      <p:pic>
+        <p:nvPicPr>
+          <p:cNvPr id="41" name="Graphic 40">
+            <a:extLst>
+              <a:ext uri="{FF2B5EF4-FFF2-40B4-BE49-F238E27FC236}">
+                <a16:creationId xmlns:a16="http://schemas.microsoft.com/office/drawing/2014/main" id="{2C07D99B-6876-4C18-97CB-445D1CF083B9}"/>
+              </a:ext>
+            </a:extLst>
+          </p:cNvPr>
+          <p:cNvPicPr>
+            <a:picLocks noChangeAspect="1"/>
+          </p:cNvPicPr>
+          <p:nvPr/>
+        </p:nvPicPr>
+        <p:blipFill>
+          <a:blip r:embed="rId9">
+            <a:extLst>
+              <a:ext uri="{28A0092B-C50C-407E-A947-70E740481C1C}">
+                <a14:useLocalDpi xmlns:a14="http://schemas.microsoft.com/office/drawing/2010/main" val="0"/>
+              </a:ext>
+              <a:ext uri="{96DAC541-7B7A-43D3-8B79-37D633B846F1}">
+                <asvg:svgBlip xmlns:asvg="http://schemas.microsoft.com/office/drawing/2016/SVG/main" r:embed="rId10"/>
+              </a:ext>
+            </a:extLst>
+          </a:blip>
+          <a:stretch>
+            <a:fillRect/>
+          </a:stretch>
+        </p:blipFill>
+        <p:spPr>
+          <a:xfrm>
+            <a:off x="5013917" y="1826523"/>
+            <a:ext cx="361950" cy="171450"/>
+          </a:xfrm>
+          <a:prstGeom prst="rect">
+            <a:avLst/>
+          </a:prstGeom>
+        </p:spPr>
+      </p:pic>
+      <p:sp>
+        <p:nvSpPr>
+          <p:cNvPr id="44" name="TextBox 43">
+            <a:extLst>
+              <a:ext uri="{FF2B5EF4-FFF2-40B4-BE49-F238E27FC236}">
+                <a16:creationId xmlns:a16="http://schemas.microsoft.com/office/drawing/2014/main" id="{8F282917-611B-102A-DE0E-9840FB92AA91}"/>
               </a:ext>
             </a:extLst>
           </p:cNvPr>
@@ -6561,8 +9157,8 @@
         </p:nvSpPr>
         <p:spPr>
           <a:xfrm>
-            <a:off x="3806524" y="5646820"/>
-            <a:ext cx="3744936" cy="400110"/>
+            <a:off x="1245563" y="1820241"/>
+            <a:ext cx="2230098" cy="369332"/>
           </a:xfrm>
           <a:prstGeom prst="rect">
             <a:avLst/>
@@ -6576,43 +9172,101 @@
           <a:lstStyle/>
           <a:p>
             <a:r>
-              <a:rPr lang="en-US" sz="1000" dirty="0"/>
-              <a:t>Reduced conservative force </a:t>
-            </a:r>
-          </a:p>
-          <a:p>
-            <a:r>
-              <a:rPr lang="en-US" sz="1000" dirty="0"/>
-              <a:t>+ high excited state fraction </a:t>
-            </a:r>
-            <a:r>
-              <a:rPr lang="en-US" sz="1000" dirty="0">
-                <a:sym typeface="Wingdings" panose="05000000000000000000" pitchFamily="2" charset="2"/>
-              </a:rPr>
-              <a:t> more diffusion due to </a:t>
-            </a:r>
-            <a:r>
-              <a:rPr lang="en-US" sz="1000" dirty="0" err="1">
-                <a:sym typeface="Wingdings" panose="05000000000000000000" pitchFamily="2" charset="2"/>
-              </a:rPr>
-              <a:t>spon</a:t>
-            </a:r>
-            <a:r>
-              <a:rPr lang="en-US" sz="1000" dirty="0">
-                <a:sym typeface="Wingdings" panose="05000000000000000000" pitchFamily="2" charset="2"/>
-              </a:rPr>
-              <a:t>. emission</a:t>
-            </a:r>
-            <a:endParaRPr lang="en-US" sz="1000" dirty="0"/>
-          </a:p>
-        </p:txBody>
-      </p:sp>
-      <p:sp>
-        <p:nvSpPr>
-          <p:cNvPr id="6" name="TextBox 5">
-            <a:extLst>
-              <a:ext uri="{FF2B5EF4-FFF2-40B4-BE49-F238E27FC236}">
-                <a16:creationId xmlns:a16="http://schemas.microsoft.com/office/drawing/2014/main" id="{86CC8FB5-B19C-0A42-3102-71D698478AD9}"/>
+              <a:rPr lang="en-US" dirty="0"/>
+              <a:t>One sweep dynamics:</a:t>
+            </a:r>
+          </a:p>
+        </p:txBody>
+      </p:sp>
+      <p:cxnSp>
+        <p:nvCxnSpPr>
+          <p:cNvPr id="54" name="Straight Arrow Connector 53">
+            <a:extLst>
+              <a:ext uri="{FF2B5EF4-FFF2-40B4-BE49-F238E27FC236}">
+                <a16:creationId xmlns:a16="http://schemas.microsoft.com/office/drawing/2014/main" id="{305EED8C-A3FC-C4A9-F0EC-279ECEC10C04}"/>
+              </a:ext>
+            </a:extLst>
+          </p:cNvPr>
+          <p:cNvCxnSpPr>
+            <a:cxnSpLocks/>
+          </p:cNvCxnSpPr>
+          <p:nvPr/>
+        </p:nvCxnSpPr>
+        <p:spPr>
+          <a:xfrm flipH="1" flipV="1">
+            <a:off x="4249695" y="5281064"/>
+            <a:ext cx="2463525" cy="541020"/>
+          </a:xfrm>
+          <a:prstGeom prst="straightConnector1">
+            <a:avLst/>
+          </a:prstGeom>
+          <a:ln w="6350">
+            <a:solidFill>
+              <a:schemeClr val="tx1"/>
+            </a:solidFill>
+            <a:tailEnd type="triangle"/>
+          </a:ln>
+        </p:spPr>
+        <p:style>
+          <a:lnRef idx="1">
+            <a:schemeClr val="accent1"/>
+          </a:lnRef>
+          <a:fillRef idx="0">
+            <a:schemeClr val="accent1"/>
+          </a:fillRef>
+          <a:effectRef idx="0">
+            <a:schemeClr val="accent1"/>
+          </a:effectRef>
+          <a:fontRef idx="minor">
+            <a:schemeClr val="tx1"/>
+          </a:fontRef>
+        </p:style>
+      </p:cxnSp>
+      <p:pic>
+        <p:nvPicPr>
+          <p:cNvPr id="61" name="Graphic 60">
+            <a:extLst>
+              <a:ext uri="{FF2B5EF4-FFF2-40B4-BE49-F238E27FC236}">
+                <a16:creationId xmlns:a16="http://schemas.microsoft.com/office/drawing/2014/main" id="{DF1248E4-A1F0-A4BA-94BD-5ECE137A3442}"/>
+              </a:ext>
+            </a:extLst>
+          </p:cNvPr>
+          <p:cNvPicPr>
+            <a:picLocks noChangeAspect="1"/>
+          </p:cNvPicPr>
+          <p:nvPr/>
+        </p:nvPicPr>
+        <p:blipFill>
+          <a:blip r:embed="rId11">
+            <a:extLst>
+              <a:ext uri="{28A0092B-C50C-407E-A947-70E740481C1C}">
+                <a14:useLocalDpi xmlns:a14="http://schemas.microsoft.com/office/drawing/2010/main" val="0"/>
+              </a:ext>
+              <a:ext uri="{96DAC541-7B7A-43D3-8B79-37D633B846F1}">
+                <asvg:svgBlip xmlns:asvg="http://schemas.microsoft.com/office/drawing/2016/SVG/main" r:embed="rId12"/>
+              </a:ext>
+            </a:extLst>
+          </a:blip>
+          <a:stretch>
+            <a:fillRect/>
+          </a:stretch>
+        </p:blipFill>
+        <p:spPr>
+          <a:xfrm>
+            <a:off x="7031714" y="2203461"/>
+            <a:ext cx="147249" cy="294498"/>
+          </a:xfrm>
+          <a:prstGeom prst="rect">
+            <a:avLst/>
+          </a:prstGeom>
+        </p:spPr>
+      </p:pic>
+      <p:sp>
+        <p:nvSpPr>
+          <p:cNvPr id="62" name="TextBox 61">
+            <a:extLst>
+              <a:ext uri="{FF2B5EF4-FFF2-40B4-BE49-F238E27FC236}">
+                <a16:creationId xmlns:a16="http://schemas.microsoft.com/office/drawing/2014/main" id="{4EE0B382-161B-8B53-D5D5-3EBA9C905126}"/>
               </a:ext>
             </a:extLst>
           </p:cNvPr>
@@ -6621,8 +9275,8 @@
         </p:nvSpPr>
         <p:spPr>
           <a:xfrm>
-            <a:off x="8082783" y="5646820"/>
-            <a:ext cx="3733714" cy="400110"/>
+            <a:off x="7256936" y="2180151"/>
+            <a:ext cx="4377609" cy="369332"/>
           </a:xfrm>
           <a:prstGeom prst="rect">
             <a:avLst/>
@@ -6636,29 +9290,383 @@
           <a:lstStyle/>
           <a:p>
             <a:r>
-              <a:rPr lang="en-US" sz="1000" dirty="0"/>
-              <a:t>Decreased time ordering between</a:t>
-            </a:r>
-          </a:p>
-          <a:p>
-            <a:r>
-              <a:rPr lang="en-US" sz="1000" dirty="0"/>
-              <a:t>Adiabatic transfers </a:t>
-            </a:r>
-            <a:r>
-              <a:rPr lang="en-US" sz="1000" dirty="0">
+              <a:rPr lang="en-US" dirty="0"/>
+              <a:t>: avg number of incoherent scattering events</a:t>
+            </a:r>
+          </a:p>
+        </p:txBody>
+      </p:sp>
+      <p:sp>
+        <p:nvSpPr>
+          <p:cNvPr id="63" name="Rectangle 62">
+            <a:extLst>
+              <a:ext uri="{FF2B5EF4-FFF2-40B4-BE49-F238E27FC236}">
+                <a16:creationId xmlns:a16="http://schemas.microsoft.com/office/drawing/2014/main" id="{77214AB6-2D7E-5741-35FB-AD9EA4DFB2F4}"/>
+              </a:ext>
+            </a:extLst>
+          </p:cNvPr>
+          <p:cNvSpPr/>
+          <p:nvPr/>
+        </p:nvSpPr>
+        <p:spPr>
+          <a:xfrm>
+            <a:off x="6729889" y="2903624"/>
+            <a:ext cx="4700111" cy="2138276"/>
+          </a:xfrm>
+          <a:prstGeom prst="rect">
+            <a:avLst/>
+          </a:prstGeom>
+          <a:noFill/>
+          <a:ln>
+            <a:solidFill>
+              <a:schemeClr val="tx1"/>
+            </a:solidFill>
+          </a:ln>
+        </p:spPr>
+        <p:style>
+          <a:lnRef idx="2">
+            <a:schemeClr val="accent1">
+              <a:shade val="50000"/>
+            </a:schemeClr>
+          </a:lnRef>
+          <a:fillRef idx="1">
+            <a:schemeClr val="accent1"/>
+          </a:fillRef>
+          <a:effectRef idx="0">
+            <a:schemeClr val="accent1"/>
+          </a:effectRef>
+          <a:fontRef idx="minor">
+            <a:schemeClr val="lt1"/>
+          </a:fontRef>
+        </p:style>
+        <p:txBody>
+          <a:bodyPr rtlCol="0" anchor="ctr"/>
+          <a:lstStyle/>
+          <a:p>
+            <a:pPr algn="ctr"/>
+            <a:endParaRPr lang="en-US"/>
+          </a:p>
+        </p:txBody>
+      </p:sp>
+      <p:pic>
+        <p:nvPicPr>
+          <p:cNvPr id="10" name="Graphic 9">
+            <a:extLst>
+              <a:ext uri="{FF2B5EF4-FFF2-40B4-BE49-F238E27FC236}">
+                <a16:creationId xmlns:a16="http://schemas.microsoft.com/office/drawing/2014/main" id="{90EA87AA-C47D-CCEA-A974-6B05584E2C63}"/>
+              </a:ext>
+            </a:extLst>
+          </p:cNvPr>
+          <p:cNvPicPr>
+            <a:picLocks noChangeAspect="1"/>
+          </p:cNvPicPr>
+          <p:nvPr/>
+        </p:nvPicPr>
+        <p:blipFill>
+          <a:blip r:embed="rId13">
+            <a:extLst>
+              <a:ext uri="{28A0092B-C50C-407E-A947-70E740481C1C}">
+                <a14:useLocalDpi xmlns:a14="http://schemas.microsoft.com/office/drawing/2010/main" val="0"/>
+              </a:ext>
+              <a:ext uri="{96DAC541-7B7A-43D3-8B79-37D633B846F1}">
+                <asvg:svgBlip xmlns:asvg="http://schemas.microsoft.com/office/drawing/2016/SVG/main" r:embed="rId14"/>
+              </a:ext>
+            </a:extLst>
+          </a:blip>
+          <a:stretch>
+            <a:fillRect/>
+          </a:stretch>
+        </p:blipFill>
+        <p:spPr>
+          <a:xfrm>
+            <a:off x="10062680" y="3105594"/>
+            <a:ext cx="999736" cy="214229"/>
+          </a:xfrm>
+          <a:prstGeom prst="rect">
+            <a:avLst/>
+          </a:prstGeom>
+        </p:spPr>
+      </p:pic>
+      <p:pic>
+        <p:nvPicPr>
+          <p:cNvPr id="14" name="Graphic 13">
+            <a:extLst>
+              <a:ext uri="{FF2B5EF4-FFF2-40B4-BE49-F238E27FC236}">
+                <a16:creationId xmlns:a16="http://schemas.microsoft.com/office/drawing/2014/main" id="{36D730F3-E9A2-8084-601E-A5590B0FC4C5}"/>
+              </a:ext>
+            </a:extLst>
+          </p:cNvPr>
+          <p:cNvPicPr>
+            <a:picLocks noChangeAspect="1"/>
+          </p:cNvPicPr>
+          <p:nvPr/>
+        </p:nvPicPr>
+        <p:blipFill>
+          <a:blip r:embed="rId15">
+            <a:extLst>
+              <a:ext uri="{28A0092B-C50C-407E-A947-70E740481C1C}">
+                <a14:useLocalDpi xmlns:a14="http://schemas.microsoft.com/office/drawing/2010/main" val="0"/>
+              </a:ext>
+              <a:ext uri="{96DAC541-7B7A-43D3-8B79-37D633B846F1}">
+                <asvg:svgBlip xmlns:asvg="http://schemas.microsoft.com/office/drawing/2016/SVG/main" r:embed="rId16"/>
+              </a:ext>
+            </a:extLst>
+          </a:blip>
+          <a:stretch>
+            <a:fillRect/>
+          </a:stretch>
+        </p:blipFill>
+        <p:spPr>
+          <a:xfrm>
+            <a:off x="7768162" y="3115514"/>
+            <a:ext cx="1129075" cy="204309"/>
+          </a:xfrm>
+          <a:prstGeom prst="rect">
+            <a:avLst/>
+          </a:prstGeom>
+        </p:spPr>
+      </p:pic>
+      <p:sp>
+        <p:nvSpPr>
+          <p:cNvPr id="17" name="TextBox 16">
+            <a:extLst>
+              <a:ext uri="{FF2B5EF4-FFF2-40B4-BE49-F238E27FC236}">
+                <a16:creationId xmlns:a16="http://schemas.microsoft.com/office/drawing/2014/main" id="{A7EC70EB-0F0B-F9D7-6E23-AD3DC2405802}"/>
+              </a:ext>
+            </a:extLst>
+          </p:cNvPr>
+          <p:cNvSpPr txBox="1"/>
+          <p:nvPr/>
+        </p:nvSpPr>
+        <p:spPr>
+          <a:xfrm>
+            <a:off x="6767168" y="3025034"/>
+            <a:ext cx="3459537" cy="338554"/>
+          </a:xfrm>
+          <a:prstGeom prst="rect">
+            <a:avLst/>
+          </a:prstGeom>
+          <a:noFill/>
+        </p:spPr>
+        <p:txBody>
+          <a:bodyPr wrap="none" rtlCol="0">
+            <a:spAutoFit/>
+          </a:bodyPr>
+          <a:lstStyle/>
+          <a:p>
+            <a:r>
+              <a:rPr lang="en-US" sz="1600" dirty="0">
                 <a:sym typeface="Wingdings" panose="05000000000000000000" pitchFamily="2" charset="2"/>
               </a:rPr>
-              <a:t> particles spend more time in the excited state</a:t>
-            </a:r>
-            <a:endParaRPr lang="en-US" sz="1000" dirty="0"/>
+              <a:t>Impulse of                           imparted for  </a:t>
+            </a:r>
+          </a:p>
+        </p:txBody>
+      </p:sp>
+      <p:sp>
+        <p:nvSpPr>
+          <p:cNvPr id="23" name="TextBox 22">
+            <a:extLst>
+              <a:ext uri="{FF2B5EF4-FFF2-40B4-BE49-F238E27FC236}">
+                <a16:creationId xmlns:a16="http://schemas.microsoft.com/office/drawing/2014/main" id="{F403D8D8-FBE3-4ACA-B094-D023461C2443}"/>
+              </a:ext>
+            </a:extLst>
+          </p:cNvPr>
+          <p:cNvSpPr txBox="1"/>
+          <p:nvPr/>
+        </p:nvSpPr>
+        <p:spPr>
+          <a:xfrm>
+            <a:off x="7144753" y="3482641"/>
+            <a:ext cx="2059923" cy="584775"/>
+          </a:xfrm>
+          <a:prstGeom prst="rect">
+            <a:avLst/>
+          </a:prstGeom>
+          <a:noFill/>
+        </p:spPr>
+        <p:txBody>
+          <a:bodyPr wrap="none" rtlCol="0">
+            <a:spAutoFit/>
+          </a:bodyPr>
+          <a:lstStyle/>
+          <a:p>
+            <a:pPr marL="285750" indent="-285750">
+              <a:buFontTx/>
+              <a:buChar char="-"/>
+            </a:pPr>
+            <a:r>
+              <a:rPr lang="en-US" sz="1600" dirty="0"/>
+              <a:t>Low scattering rate</a:t>
+            </a:r>
+          </a:p>
+          <a:p>
+            <a:pPr marL="285750" indent="-285750">
+              <a:buFontTx/>
+              <a:buChar char="-"/>
+            </a:pPr>
+            <a:r>
+              <a:rPr lang="en-US" sz="1600" dirty="0"/>
+              <a:t>Average force: </a:t>
+            </a:r>
+          </a:p>
+        </p:txBody>
+      </p:sp>
+      <p:pic>
+        <p:nvPicPr>
+          <p:cNvPr id="28" name="Graphic 27">
+            <a:extLst>
+              <a:ext uri="{FF2B5EF4-FFF2-40B4-BE49-F238E27FC236}">
+                <a16:creationId xmlns:a16="http://schemas.microsoft.com/office/drawing/2014/main" id="{37103BF7-9D55-A823-5CDC-B4D7A6CD10A9}"/>
+              </a:ext>
+            </a:extLst>
+          </p:cNvPr>
+          <p:cNvPicPr>
+            <a:picLocks noChangeAspect="1"/>
+          </p:cNvPicPr>
+          <p:nvPr/>
+        </p:nvPicPr>
+        <p:blipFill>
+          <a:blip r:embed="rId17">
+            <a:extLst>
+              <a:ext uri="{28A0092B-C50C-407E-A947-70E740481C1C}">
+                <a14:useLocalDpi xmlns:a14="http://schemas.microsoft.com/office/drawing/2010/main" val="0"/>
+              </a:ext>
+              <a:ext uri="{96DAC541-7B7A-43D3-8B79-37D633B846F1}">
+                <asvg:svgBlip xmlns:asvg="http://schemas.microsoft.com/office/drawing/2016/SVG/main" r:embed="rId18"/>
+              </a:ext>
+            </a:extLst>
+          </a:blip>
+          <a:stretch>
+            <a:fillRect/>
+          </a:stretch>
+        </p:blipFill>
+        <p:spPr>
+          <a:xfrm>
+            <a:off x="8782979" y="3817910"/>
+            <a:ext cx="1589805" cy="214229"/>
+          </a:xfrm>
+          <a:prstGeom prst="rect">
+            <a:avLst/>
+          </a:prstGeom>
+        </p:spPr>
+      </p:pic>
+      <p:cxnSp>
+        <p:nvCxnSpPr>
+          <p:cNvPr id="34" name="Straight Arrow Connector 33">
+            <a:extLst>
+              <a:ext uri="{FF2B5EF4-FFF2-40B4-BE49-F238E27FC236}">
+                <a16:creationId xmlns:a16="http://schemas.microsoft.com/office/drawing/2014/main" id="{EB85FA42-92CB-0CF8-4DF5-90813890051E}"/>
+              </a:ext>
+            </a:extLst>
+          </p:cNvPr>
+          <p:cNvCxnSpPr/>
+          <p:nvPr/>
+        </p:nvCxnSpPr>
+        <p:spPr>
+          <a:xfrm flipV="1">
+            <a:off x="9766300" y="4032139"/>
+            <a:ext cx="209550" cy="292211"/>
+          </a:xfrm>
+          <a:prstGeom prst="straightConnector1">
+            <a:avLst/>
+          </a:prstGeom>
+          <a:ln>
+            <a:tailEnd type="triangle"/>
+          </a:ln>
+        </p:spPr>
+        <p:style>
+          <a:lnRef idx="1">
+            <a:schemeClr val="dk1"/>
+          </a:lnRef>
+          <a:fillRef idx="0">
+            <a:schemeClr val="dk1"/>
+          </a:fillRef>
+          <a:effectRef idx="0">
+            <a:schemeClr val="dk1"/>
+          </a:effectRef>
+          <a:fontRef idx="minor">
+            <a:schemeClr val="tx1"/>
+          </a:fontRef>
+        </p:style>
+      </p:cxnSp>
+      <p:sp>
+        <p:nvSpPr>
+          <p:cNvPr id="35" name="TextBox 34">
+            <a:extLst>
+              <a:ext uri="{FF2B5EF4-FFF2-40B4-BE49-F238E27FC236}">
+                <a16:creationId xmlns:a16="http://schemas.microsoft.com/office/drawing/2014/main" id="{CB0106C7-1EEA-94C4-258E-808E95EFEFC2}"/>
+              </a:ext>
+            </a:extLst>
+          </p:cNvPr>
+          <p:cNvSpPr txBox="1"/>
+          <p:nvPr/>
+        </p:nvSpPr>
+        <p:spPr>
+          <a:xfrm>
+            <a:off x="8486500" y="4267752"/>
+            <a:ext cx="2716769" cy="276999"/>
+          </a:xfrm>
+          <a:prstGeom prst="rect">
+            <a:avLst/>
+          </a:prstGeom>
+          <a:noFill/>
+        </p:spPr>
+        <p:txBody>
+          <a:bodyPr wrap="none" rtlCol="0">
+            <a:spAutoFit/>
+          </a:bodyPr>
+          <a:lstStyle/>
+          <a:p>
+            <a:r>
+              <a:rPr lang="en-US" sz="1200" dirty="0"/>
+              <a:t>4 x radiation pressure force at saturation</a:t>
+            </a:r>
+          </a:p>
+        </p:txBody>
+      </p:sp>
+      <p:sp>
+        <p:nvSpPr>
+          <p:cNvPr id="36" name="TextBox 35">
+            <a:extLst>
+              <a:ext uri="{FF2B5EF4-FFF2-40B4-BE49-F238E27FC236}">
+                <a16:creationId xmlns:a16="http://schemas.microsoft.com/office/drawing/2014/main" id="{22C2566F-A1CB-A4B9-AF1F-F946EB87A88E}"/>
+              </a:ext>
+            </a:extLst>
+          </p:cNvPr>
+          <p:cNvSpPr txBox="1"/>
+          <p:nvPr/>
+        </p:nvSpPr>
+        <p:spPr>
+          <a:xfrm>
+            <a:off x="6828655" y="4661353"/>
+            <a:ext cx="4217693" cy="338554"/>
+          </a:xfrm>
+          <a:prstGeom prst="rect">
+            <a:avLst/>
+          </a:prstGeom>
+          <a:noFill/>
+        </p:spPr>
+        <p:txBody>
+          <a:bodyPr wrap="none" rtlCol="0">
+            <a:spAutoFit/>
+          </a:bodyPr>
+          <a:lstStyle/>
+          <a:p>
+            <a:r>
+              <a:rPr lang="en-US" sz="1600" dirty="0">
+                <a:sym typeface="Wingdings" panose="05000000000000000000" pitchFamily="2" charset="2"/>
+              </a:rPr>
+              <a:t> SWAP cools with relatively low scattering rate</a:t>
+            </a:r>
+            <a:endParaRPr lang="en-US" sz="1600" dirty="0"/>
           </a:p>
         </p:txBody>
       </p:sp>
     </p:spTree>
     <p:extLst>
       <p:ext uri="{BB962C8B-B14F-4D97-AF65-F5344CB8AC3E}">
-        <p14:creationId xmlns:p14="http://schemas.microsoft.com/office/powerpoint/2010/main" val="235539993"/>
+        <p14:creationId xmlns:p14="http://schemas.microsoft.com/office/powerpoint/2010/main" val="942932636"/>
       </p:ext>
     </p:extLst>
   </p:cSld>
@@ -6685,6 +9693,36 @@
           <a:chExt cx="0" cy="0"/>
         </a:xfrm>
       </p:grpSpPr>
+      <p:pic>
+        <p:nvPicPr>
+          <p:cNvPr id="46" name="Picture 45">
+            <a:extLst>
+              <a:ext uri="{FF2B5EF4-FFF2-40B4-BE49-F238E27FC236}">
+                <a16:creationId xmlns:a16="http://schemas.microsoft.com/office/drawing/2014/main" id="{0F9DBE52-5F7C-3543-8502-50E3EB7CABC3}"/>
+              </a:ext>
+            </a:extLst>
+          </p:cNvPr>
+          <p:cNvPicPr>
+            <a:picLocks noChangeAspect="1"/>
+          </p:cNvPicPr>
+          <p:nvPr/>
+        </p:nvPicPr>
+        <p:blipFill>
+          <a:blip r:embed="rId2"/>
+          <a:stretch>
+            <a:fillRect/>
+          </a:stretch>
+        </p:blipFill>
+        <p:spPr>
+          <a:xfrm>
+            <a:off x="1483334" y="2220840"/>
+            <a:ext cx="4975860" cy="3738115"/>
+          </a:xfrm>
+          <a:prstGeom prst="rect">
+            <a:avLst/>
+          </a:prstGeom>
+        </p:spPr>
+      </p:pic>
       <p:sp>
         <p:nvSpPr>
           <p:cNvPr id="20" name="TextBox 19">
@@ -6700,7 +9738,7 @@
         <p:spPr>
           <a:xfrm>
             <a:off x="685558" y="623602"/>
-            <a:ext cx="2381486" cy="461665"/>
+            <a:ext cx="3331489" cy="461665"/>
           </a:xfrm>
           <a:prstGeom prst="rect">
             <a:avLst/>
@@ -6715,17 +9753,52 @@
           <a:p>
             <a:r>
               <a:rPr lang="en-US" sz="2400" dirty="0"/>
-              <a:t>Cooling efficiency</a:t>
+              <a:t>Forces and capture range</a:t>
+            </a:r>
+          </a:p>
+        </p:txBody>
+      </p:sp>
+      <p:sp>
+        <p:nvSpPr>
+          <p:cNvPr id="2" name="TextBox 1">
+            <a:extLst>
+              <a:ext uri="{FF2B5EF4-FFF2-40B4-BE49-F238E27FC236}">
+                <a16:creationId xmlns:a16="http://schemas.microsoft.com/office/drawing/2014/main" id="{886B8B7B-B84B-BAFC-65DF-9EE12AE4C277}"/>
+              </a:ext>
+            </a:extLst>
+          </p:cNvPr>
+          <p:cNvSpPr txBox="1"/>
+          <p:nvPr/>
+        </p:nvSpPr>
+        <p:spPr>
+          <a:xfrm>
+            <a:off x="1243263" y="1291391"/>
+            <a:ext cx="3077446" cy="369332"/>
+          </a:xfrm>
+          <a:prstGeom prst="rect">
+            <a:avLst/>
+          </a:prstGeom>
+          <a:noFill/>
+        </p:spPr>
+        <p:txBody>
+          <a:bodyPr wrap="none" rtlCol="0">
+            <a:spAutoFit/>
+          </a:bodyPr>
+          <a:lstStyle/>
+          <a:p>
+            <a:r>
+              <a:rPr lang="en-US" dirty="0"/>
+              <a:t>Forces with dissipation,           ::</a:t>
             </a:r>
           </a:p>
         </p:txBody>
       </p:sp>
       <p:pic>
         <p:nvPicPr>
-          <p:cNvPr id="5" name="Picture 4" descr="Chart, line chart&#10;&#10;Description automatically generated">
-            <a:extLst>
-              <a:ext uri="{FF2B5EF4-FFF2-40B4-BE49-F238E27FC236}">
-                <a16:creationId xmlns:a16="http://schemas.microsoft.com/office/drawing/2014/main" id="{CBFC484D-CFC2-FCFB-7117-7B84254C33C6}"/>
+          <p:cNvPr id="4" name="Picture 3" descr="A picture containing text, clock, gauge&#10;&#10;Description automatically generated">
+            <a:extLst>
+              <a:ext uri="{FF2B5EF4-FFF2-40B4-BE49-F238E27FC236}">
+                <a16:creationId xmlns:a16="http://schemas.microsoft.com/office/drawing/2014/main" id="{372DC030-F126-2997-44BB-53E88E0DA250}"/>
               </a:ext>
             </a:extLst>
           </p:cNvPr>
@@ -6735,7 +9808,7 @@
           <p:nvPr/>
         </p:nvPicPr>
         <p:blipFill>
-          <a:blip r:embed="rId2">
+          <a:blip r:embed="rId3" cstate="print">
             <a:extLst>
               <a:ext uri="{28A0092B-C50C-407E-A947-70E740481C1C}">
                 <a14:useLocalDpi xmlns:a14="http://schemas.microsoft.com/office/drawing/2010/main" val="0"/>
@@ -6748,20 +9821,138 @@
         </p:blipFill>
         <p:spPr>
           <a:xfrm>
-            <a:off x="6613648" y="1153847"/>
-            <a:ext cx="4816353" cy="3450237"/>
+            <a:off x="4419148" y="1253165"/>
+            <a:ext cx="3242851" cy="461024"/>
           </a:xfrm>
           <a:prstGeom prst="rect">
             <a:avLst/>
           </a:prstGeom>
         </p:spPr>
       </p:pic>
-      <p:sp>
-        <p:nvSpPr>
-          <p:cNvPr id="6" name="TextBox 5">
-            <a:extLst>
-              <a:ext uri="{FF2B5EF4-FFF2-40B4-BE49-F238E27FC236}">
-                <a16:creationId xmlns:a16="http://schemas.microsoft.com/office/drawing/2014/main" id="{E0AB2A8E-1856-A04F-CDAE-FD122D7A0D24}"/>
+      <p:pic>
+        <p:nvPicPr>
+          <p:cNvPr id="6" name="Picture 5">
+            <a:extLst>
+              <a:ext uri="{FF2B5EF4-FFF2-40B4-BE49-F238E27FC236}">
+                <a16:creationId xmlns:a16="http://schemas.microsoft.com/office/drawing/2014/main" id="{A16113B6-1355-673A-C0DA-C962E1C5B8FF}"/>
+              </a:ext>
+            </a:extLst>
+          </p:cNvPr>
+          <p:cNvPicPr>
+            <a:picLocks noChangeAspect="1"/>
+          </p:cNvPicPr>
+          <p:nvPr/>
+        </p:nvPicPr>
+        <p:blipFill>
+          <a:blip r:embed="rId4"/>
+          <a:stretch>
+            <a:fillRect/>
+          </a:stretch>
+        </p:blipFill>
+        <p:spPr>
+          <a:xfrm>
+            <a:off x="3527335" y="1329370"/>
+            <a:ext cx="615307" cy="293374"/>
+          </a:xfrm>
+          <a:prstGeom prst="rect">
+            <a:avLst/>
+          </a:prstGeom>
+        </p:spPr>
+      </p:pic>
+      <p:cxnSp>
+        <p:nvCxnSpPr>
+          <p:cNvPr id="24" name="Straight Arrow Connector 23">
+            <a:extLst>
+              <a:ext uri="{FF2B5EF4-FFF2-40B4-BE49-F238E27FC236}">
+                <a16:creationId xmlns:a16="http://schemas.microsoft.com/office/drawing/2014/main" id="{8598A282-504B-C15D-D2ED-682957FFC7EF}"/>
+              </a:ext>
+            </a:extLst>
+          </p:cNvPr>
+          <p:cNvCxnSpPr>
+            <a:cxnSpLocks/>
+          </p:cNvCxnSpPr>
+          <p:nvPr/>
+        </p:nvCxnSpPr>
+        <p:spPr>
+          <a:xfrm flipH="1" flipV="1">
+            <a:off x="4249695" y="4086225"/>
+            <a:ext cx="2463525" cy="1735859"/>
+          </a:xfrm>
+          <a:prstGeom prst="straightConnector1">
+            <a:avLst/>
+          </a:prstGeom>
+          <a:ln w="6350">
+            <a:solidFill>
+              <a:schemeClr val="tx1"/>
+            </a:solidFill>
+            <a:tailEnd type="triangle"/>
+          </a:ln>
+        </p:spPr>
+        <p:style>
+          <a:lnRef idx="1">
+            <a:schemeClr val="accent1"/>
+          </a:lnRef>
+          <a:fillRef idx="0">
+            <a:schemeClr val="accent1"/>
+          </a:fillRef>
+          <a:effectRef idx="0">
+            <a:schemeClr val="accent1"/>
+          </a:effectRef>
+          <a:fontRef idx="minor">
+            <a:schemeClr val="tx1"/>
+          </a:fontRef>
+        </p:style>
+      </p:cxnSp>
+      <p:cxnSp>
+        <p:nvCxnSpPr>
+          <p:cNvPr id="26" name="Straight Arrow Connector 25">
+            <a:extLst>
+              <a:ext uri="{FF2B5EF4-FFF2-40B4-BE49-F238E27FC236}">
+                <a16:creationId xmlns:a16="http://schemas.microsoft.com/office/drawing/2014/main" id="{6A243EF9-CCA9-F506-470A-AF958460B378}"/>
+              </a:ext>
+            </a:extLst>
+          </p:cNvPr>
+          <p:cNvCxnSpPr>
+            <a:cxnSpLocks/>
+          </p:cNvCxnSpPr>
+          <p:nvPr/>
+        </p:nvCxnSpPr>
+        <p:spPr>
+          <a:xfrm flipH="1" flipV="1">
+            <a:off x="4249695" y="2876550"/>
+            <a:ext cx="2463525" cy="2945534"/>
+          </a:xfrm>
+          <a:prstGeom prst="straightConnector1">
+            <a:avLst/>
+          </a:prstGeom>
+          <a:ln w="6350">
+            <a:solidFill>
+              <a:schemeClr val="tx1"/>
+            </a:solidFill>
+            <a:tailEnd type="triangle"/>
+          </a:ln>
+        </p:spPr>
+        <p:style>
+          <a:lnRef idx="1">
+            <a:schemeClr val="accent1"/>
+          </a:lnRef>
+          <a:fillRef idx="0">
+            <a:schemeClr val="accent1"/>
+          </a:fillRef>
+          <a:effectRef idx="0">
+            <a:schemeClr val="accent1"/>
+          </a:effectRef>
+          <a:fontRef idx="minor">
+            <a:schemeClr val="tx1"/>
+          </a:fontRef>
+        </p:style>
+      </p:cxnSp>
+      <p:sp>
+        <p:nvSpPr>
+          <p:cNvPr id="27" name="TextBox 26">
+            <a:extLst>
+              <a:ext uri="{FF2B5EF4-FFF2-40B4-BE49-F238E27FC236}">
+                <a16:creationId xmlns:a16="http://schemas.microsoft.com/office/drawing/2014/main" id="{A5BF2C07-7A8C-793A-0E6F-5E61E4C0D9CD}"/>
               </a:ext>
             </a:extLst>
           </p:cNvPr>
@@ -6770,8 +9961,8 @@
         </p:nvSpPr>
         <p:spPr>
           <a:xfrm>
-            <a:off x="952500" y="1524000"/>
-            <a:ext cx="4934877" cy="369332"/>
+            <a:off x="6767168" y="5560474"/>
+            <a:ext cx="3570914" cy="523220"/>
           </a:xfrm>
           <a:prstGeom prst="rect">
             <a:avLst/>
@@ -6785,18 +9976,24 @@
           <a:lstStyle/>
           <a:p>
             <a:r>
-              <a:rPr lang="en-US" dirty="0"/>
-              <a:t>Cooling efficiency ≡ energy removed per scattering</a:t>
-            </a:r>
-          </a:p>
-        </p:txBody>
-      </p:sp>
-      <p:sp>
-        <p:nvSpPr>
-          <p:cNvPr id="7" name="TextBox 6">
-            <a:extLst>
-              <a:ext uri="{FF2B5EF4-FFF2-40B4-BE49-F238E27FC236}">
-                <a16:creationId xmlns:a16="http://schemas.microsoft.com/office/drawing/2014/main" id="{1171B047-1ACD-625C-41AC-A03BF7A4893B}"/>
+              <a:rPr lang="en-US" sz="1400" dirty="0"/>
+              <a:t>complicated dynamics at low momentum:</a:t>
+            </a:r>
+          </a:p>
+          <a:p>
+            <a:r>
+              <a:rPr lang="en-US" sz="1400" dirty="0"/>
+              <a:t>Bragg oscillations, ambiguous time-ordering,…</a:t>
+            </a:r>
+          </a:p>
+        </p:txBody>
+      </p:sp>
+      <p:sp>
+        <p:nvSpPr>
+          <p:cNvPr id="44" name="TextBox 43">
+            <a:extLst>
+              <a:ext uri="{FF2B5EF4-FFF2-40B4-BE49-F238E27FC236}">
+                <a16:creationId xmlns:a16="http://schemas.microsoft.com/office/drawing/2014/main" id="{8F282917-611B-102A-DE0E-9840FB92AA91}"/>
               </a:ext>
             </a:extLst>
           </p:cNvPr>
@@ -6805,8 +10002,8 @@
         </p:nvSpPr>
         <p:spPr>
           <a:xfrm>
-            <a:off x="952500" y="2782669"/>
-            <a:ext cx="5018105" cy="1200329"/>
+            <a:off x="1245563" y="1820241"/>
+            <a:ext cx="2230098" cy="369332"/>
           </a:xfrm>
           <a:prstGeom prst="rect">
             <a:avLst/>
@@ -6820,35 +10017,267 @@
           <a:lstStyle/>
           <a:p>
             <a:r>
+              <a:rPr lang="en-US" dirty="0"/>
+              <a:t>One sweep dynamics:</a:t>
+            </a:r>
+          </a:p>
+        </p:txBody>
+      </p:sp>
+      <p:cxnSp>
+        <p:nvCxnSpPr>
+          <p:cNvPr id="54" name="Straight Arrow Connector 53">
+            <a:extLst>
+              <a:ext uri="{FF2B5EF4-FFF2-40B4-BE49-F238E27FC236}">
+                <a16:creationId xmlns:a16="http://schemas.microsoft.com/office/drawing/2014/main" id="{305EED8C-A3FC-C4A9-F0EC-279ECEC10C04}"/>
+              </a:ext>
+            </a:extLst>
+          </p:cNvPr>
+          <p:cNvCxnSpPr>
+            <a:cxnSpLocks/>
+          </p:cNvCxnSpPr>
+          <p:nvPr/>
+        </p:nvCxnSpPr>
+        <p:spPr>
+          <a:xfrm flipH="1" flipV="1">
+            <a:off x="4249695" y="4810125"/>
+            <a:ext cx="2463525" cy="1011959"/>
+          </a:xfrm>
+          <a:prstGeom prst="straightConnector1">
+            <a:avLst/>
+          </a:prstGeom>
+          <a:ln w="6350">
+            <a:solidFill>
+              <a:schemeClr val="tx1"/>
+            </a:solidFill>
+            <a:tailEnd type="triangle"/>
+          </a:ln>
+        </p:spPr>
+        <p:style>
+          <a:lnRef idx="1">
+            <a:schemeClr val="accent1"/>
+          </a:lnRef>
+          <a:fillRef idx="0">
+            <a:schemeClr val="accent1"/>
+          </a:fillRef>
+          <a:effectRef idx="0">
+            <a:schemeClr val="accent1"/>
+          </a:effectRef>
+          <a:fontRef idx="minor">
+            <a:schemeClr val="tx1"/>
+          </a:fontRef>
+        </p:style>
+      </p:cxnSp>
+      <p:sp>
+        <p:nvSpPr>
+          <p:cNvPr id="16" name="TextBox 15">
+            <a:extLst>
+              <a:ext uri="{FF2B5EF4-FFF2-40B4-BE49-F238E27FC236}">
+                <a16:creationId xmlns:a16="http://schemas.microsoft.com/office/drawing/2014/main" id="{3729FA27-5FB1-47DD-D32D-921E5EE9A8E9}"/>
+              </a:ext>
+            </a:extLst>
+          </p:cNvPr>
+          <p:cNvSpPr txBox="1"/>
+          <p:nvPr/>
+        </p:nvSpPr>
+        <p:spPr>
+          <a:xfrm>
+            <a:off x="6866755" y="2220840"/>
+            <a:ext cx="3674852" cy="369332"/>
+          </a:xfrm>
+          <a:prstGeom prst="rect">
+            <a:avLst/>
+          </a:prstGeom>
+          <a:noFill/>
+        </p:spPr>
+        <p:txBody>
+          <a:bodyPr wrap="none" rtlCol="0">
+            <a:spAutoFit/>
+          </a:bodyPr>
+          <a:lstStyle/>
+          <a:p>
+            <a:r>
+              <a:rPr lang="en-US" dirty="0"/>
+              <a:t>Bragg oscillations mix atom between </a:t>
+            </a:r>
+          </a:p>
+        </p:txBody>
+      </p:sp>
+      <p:pic>
+        <p:nvPicPr>
+          <p:cNvPr id="19" name="Graphic 18">
+            <a:extLst>
+              <a:ext uri="{FF2B5EF4-FFF2-40B4-BE49-F238E27FC236}">
+                <a16:creationId xmlns:a16="http://schemas.microsoft.com/office/drawing/2014/main" id="{BE9B24FA-839B-F71B-3A7A-66BFE9872120}"/>
+              </a:ext>
+            </a:extLst>
+          </p:cNvPr>
+          <p:cNvPicPr>
+            <a:picLocks noChangeAspect="1"/>
+          </p:cNvPicPr>
+          <p:nvPr/>
+        </p:nvPicPr>
+        <p:blipFill>
+          <a:blip r:embed="rId5">
+            <a:extLst>
+              <a:ext uri="{28A0092B-C50C-407E-A947-70E740481C1C}">
+                <a14:useLocalDpi xmlns:a14="http://schemas.microsoft.com/office/drawing/2010/main" val="0"/>
+              </a:ext>
+              <a:ext uri="{96DAC541-7B7A-43D3-8B79-37D633B846F1}">
+                <asvg:svgBlip xmlns:asvg="http://schemas.microsoft.com/office/drawing/2016/SVG/main" r:embed="rId6"/>
+              </a:ext>
+            </a:extLst>
+          </a:blip>
+          <a:stretch>
+            <a:fillRect/>
+          </a:stretch>
+        </p:blipFill>
+        <p:spPr>
+          <a:xfrm>
+            <a:off x="10412621" y="2278823"/>
+            <a:ext cx="534882" cy="253365"/>
+          </a:xfrm>
+          <a:prstGeom prst="rect">
+            <a:avLst/>
+          </a:prstGeom>
+        </p:spPr>
+      </p:pic>
+      <p:sp>
+        <p:nvSpPr>
+          <p:cNvPr id="21" name="TextBox 20">
+            <a:extLst>
+              <a:ext uri="{FF2B5EF4-FFF2-40B4-BE49-F238E27FC236}">
+                <a16:creationId xmlns:a16="http://schemas.microsoft.com/office/drawing/2014/main" id="{7C99A902-CA2F-35BD-5318-E323B475A91C}"/>
+              </a:ext>
+            </a:extLst>
+          </p:cNvPr>
+          <p:cNvSpPr txBox="1"/>
+          <p:nvPr/>
+        </p:nvSpPr>
+        <p:spPr>
+          <a:xfrm>
+            <a:off x="7353234" y="2559691"/>
+            <a:ext cx="3188373" cy="369332"/>
+          </a:xfrm>
+          <a:prstGeom prst="rect">
+            <a:avLst/>
+          </a:prstGeom>
+          <a:noFill/>
+        </p:spPr>
+        <p:txBody>
+          <a:bodyPr wrap="none" rtlCol="0">
+            <a:spAutoFit/>
+          </a:bodyPr>
+          <a:lstStyle/>
+          <a:p>
+            <a:r>
+              <a:rPr lang="en-US" dirty="0"/>
+              <a:t>independent of sweep direction</a:t>
+            </a:r>
+          </a:p>
+        </p:txBody>
+      </p:sp>
+      <p:sp>
+        <p:nvSpPr>
+          <p:cNvPr id="22" name="TextBox 21">
+            <a:extLst>
+              <a:ext uri="{FF2B5EF4-FFF2-40B4-BE49-F238E27FC236}">
+                <a16:creationId xmlns:a16="http://schemas.microsoft.com/office/drawing/2014/main" id="{67E06881-5B3F-C6F5-7142-07F4B4A95A94}"/>
+              </a:ext>
+            </a:extLst>
+          </p:cNvPr>
+          <p:cNvSpPr txBox="1"/>
+          <p:nvPr/>
+        </p:nvSpPr>
+        <p:spPr>
+          <a:xfrm>
+            <a:off x="6887658" y="3096823"/>
+            <a:ext cx="931152" cy="369332"/>
+          </a:xfrm>
+          <a:prstGeom prst="rect">
+            <a:avLst/>
+          </a:prstGeom>
+          <a:noFill/>
+        </p:spPr>
+        <p:txBody>
+          <a:bodyPr wrap="none" rtlCol="0">
+            <a:spAutoFit/>
+          </a:bodyPr>
+          <a:lstStyle/>
+          <a:p>
+            <a:r>
+              <a:rPr lang="en-US" dirty="0"/>
+              <a:t>Look at:</a:t>
+            </a:r>
+          </a:p>
+        </p:txBody>
+      </p:sp>
+      <p:pic>
+        <p:nvPicPr>
+          <p:cNvPr id="30" name="Picture 29">
+            <a:extLst>
+              <a:ext uri="{FF2B5EF4-FFF2-40B4-BE49-F238E27FC236}">
+                <a16:creationId xmlns:a16="http://schemas.microsoft.com/office/drawing/2014/main" id="{64626F1A-E446-9605-1847-66EBD7B849BC}"/>
+              </a:ext>
+            </a:extLst>
+          </p:cNvPr>
+          <p:cNvPicPr>
+            <a:picLocks noChangeAspect="1"/>
+          </p:cNvPicPr>
+          <p:nvPr/>
+        </p:nvPicPr>
+        <p:blipFill>
+          <a:blip r:embed="rId7"/>
+          <a:stretch>
+            <a:fillRect/>
+          </a:stretch>
+        </p:blipFill>
+        <p:spPr>
+          <a:xfrm>
+            <a:off x="7388969" y="3384104"/>
+            <a:ext cx="3116901" cy="726412"/>
+          </a:xfrm>
+          <a:prstGeom prst="rect">
+            <a:avLst/>
+          </a:prstGeom>
+        </p:spPr>
+      </p:pic>
+      <p:sp>
+        <p:nvSpPr>
+          <p:cNvPr id="31" name="TextBox 30">
+            <a:extLst>
+              <a:ext uri="{FF2B5EF4-FFF2-40B4-BE49-F238E27FC236}">
+                <a16:creationId xmlns:a16="http://schemas.microsoft.com/office/drawing/2014/main" id="{A3F86CC1-590B-0ACA-302A-84C4AA40D1D3}"/>
+              </a:ext>
+            </a:extLst>
+          </p:cNvPr>
+          <p:cNvSpPr txBox="1"/>
+          <p:nvPr/>
+        </p:nvSpPr>
+        <p:spPr>
+          <a:xfrm>
+            <a:off x="6887658" y="4213131"/>
+            <a:ext cx="3671326" cy="369332"/>
+          </a:xfrm>
+          <a:prstGeom prst="rect">
+            <a:avLst/>
+          </a:prstGeom>
+          <a:noFill/>
+        </p:spPr>
+        <p:txBody>
+          <a:bodyPr wrap="none" rtlCol="0">
+            <a:spAutoFit/>
+          </a:bodyPr>
+          <a:lstStyle/>
+          <a:p>
+            <a:r>
               <a:rPr lang="en-US" dirty="0">
                 <a:sym typeface="Wingdings" panose="05000000000000000000" pitchFamily="2" charset="2"/>
               </a:rPr>
-              <a:t>Many fewer scatterings required than Doppler</a:t>
-            </a:r>
-          </a:p>
-          <a:p>
-            <a:endParaRPr lang="en-US" dirty="0">
-              <a:sym typeface="Wingdings" panose="05000000000000000000" pitchFamily="2" charset="2"/>
-            </a:endParaRPr>
-          </a:p>
-          <a:p>
-            <a:pPr marL="285750" indent="-285750">
-              <a:buFont typeface="Wingdings" panose="05000000000000000000" pitchFamily="2" charset="2"/>
-              <a:buChar char="à"/>
-            </a:pPr>
-            <a:r>
-              <a:rPr lang="en-US" dirty="0">
-                <a:sym typeface="Wingdings" panose="05000000000000000000" pitchFamily="2" charset="2"/>
-              </a:rPr>
-              <a:t>SWAP is well-suited to cooling e.g. particles that </a:t>
-            </a:r>
-          </a:p>
-          <a:p>
-            <a:r>
-              <a:rPr lang="en-US" dirty="0">
-                <a:sym typeface="Wingdings" panose="05000000000000000000" pitchFamily="2" charset="2"/>
-              </a:rPr>
-              <a:t>     lack closed cycling transitions</a:t>
+              <a:t> Effects p</a:t>
+            </a:r>
+            <a:r>
+              <a:rPr lang="en-US" dirty="0"/>
+              <a:t>resent in (+), cancel in (-)</a:t>
             </a:r>
           </a:p>
         </p:txBody>
@@ -6856,7 +10285,7 @@
     </p:spTree>
     <p:extLst>
       <p:ext uri="{BB962C8B-B14F-4D97-AF65-F5344CB8AC3E}">
-        <p14:creationId xmlns:p14="http://schemas.microsoft.com/office/powerpoint/2010/main" val="1184355976"/>
+        <p14:creationId xmlns:p14="http://schemas.microsoft.com/office/powerpoint/2010/main" val="2746508888"/>
       </p:ext>
     </p:extLst>
   </p:cSld>
@@ -7129,6 +10558,26 @@
 <file path=ppt/tags/tag21.xml><?xml version="1.0" encoding="utf-8"?>
 <p:tagLst xmlns:a="http://schemas.openxmlformats.org/drawingml/2006/main" xmlns:r="http://schemas.openxmlformats.org/officeDocument/2006/relationships" xmlns:p="http://schemas.openxmlformats.org/presentationml/2006/main">
   <p:tag name="OUTPUTDPI" val="1200"/>
+  <p:tag name="ORIGINALHEIGHT" val="109.4863"/>
+  <p:tag name="ORIGINALWIDTH" val="321.7098"/>
+  <p:tag name="OUTPUTTYPE" val="PNG"/>
+  <p:tag name="IGUANATEXVERSION" val="160"/>
+  <p:tag name="LATEXADDIN" val="\documentclass{article}&#10;\usepackage{amsmath}&#10;\pagestyle{empty}&#10;\begin{document}&#10;&#10;$\gamma \to 0$&#10;&#10;&#10;\end{document}"/>
+  <p:tag name="IGUANATEXSIZE" val="24"/>
+  <p:tag name="IGUANATEXCURSOR" val="94"/>
+  <p:tag name="TRANSPARENCY" val="True"/>
+  <p:tag name="LATEXENGINEID" val="0"/>
+  <p:tag name="TEMPFOLDER" val="c:\temp\"/>
+  <p:tag name="LATEXFORMHEIGHT" val="320"/>
+  <p:tag name="LATEXFORMWIDTH" val="385"/>
+  <p:tag name="LATEXFORMWRAP" val="True"/>
+  <p:tag name="BITMAPVECTOR" val="0"/>
+</p:tagLst>
+</file>
+
+<file path=ppt/tags/tag22.xml><?xml version="1.0" encoding="utf-8"?>
+<p:tagLst xmlns:a="http://schemas.openxmlformats.org/drawingml/2006/main" xmlns:r="http://schemas.openxmlformats.org/officeDocument/2006/relationships" xmlns:p="http://schemas.openxmlformats.org/presentationml/2006/main">
+  <p:tag name="OUTPUTDPI" val="1200"/>
   <p:tag name="ORIGINALHEIGHT" val="274.4657"/>
   <p:tag name="ORIGINALWIDTH" val="2146.232"/>
   <p:tag name="OUTPUTTYPE" val="PNG"/>
@@ -7146,7 +10595,7 @@
 </p:tagLst>
 </file>
 
-<file path=ppt/tags/tag22.xml><?xml version="1.0" encoding="utf-8"?>
+<file path=ppt/tags/tag23.xml><?xml version="1.0" encoding="utf-8"?>
 <p:tagLst xmlns:a="http://schemas.openxmlformats.org/drawingml/2006/main" xmlns:r="http://schemas.openxmlformats.org/officeDocument/2006/relationships" xmlns:p="http://schemas.openxmlformats.org/presentationml/2006/main">
   <p:tag name="OUTPUTDPI" val="1200"/>
   <p:tag name="ORIGINALHEIGHT" val="125.2343"/>
@@ -7166,7 +10615,7 @@
 </p:tagLst>
 </file>
 
-<file path=ppt/tags/tag23.xml><?xml version="1.0" encoding="utf-8"?>
+<file path=ppt/tags/tag24.xml><?xml version="1.0" encoding="utf-8"?>
 <p:tagLst xmlns:a="http://schemas.openxmlformats.org/drawingml/2006/main" xmlns:r="http://schemas.openxmlformats.org/officeDocument/2006/relationships" xmlns:p="http://schemas.openxmlformats.org/presentationml/2006/main">
   <p:tag name="OUTPUTDPI" val="1200"/>
   <p:tag name="ORIGINALHEIGHT" val="125.2343"/>
@@ -7186,7 +10635,7 @@
 </p:tagLst>
 </file>
 
-<file path=ppt/tags/tag24.xml><?xml version="1.0" encoding="utf-8"?>
+<file path=ppt/tags/tag25.xml><?xml version="1.0" encoding="utf-8"?>
 <p:tagLst xmlns:a="http://schemas.openxmlformats.org/drawingml/2006/main" xmlns:r="http://schemas.openxmlformats.org/officeDocument/2006/relationships" xmlns:p="http://schemas.openxmlformats.org/presentationml/2006/main">
   <p:tag name="OUTPUTDPI" val="1200"/>
   <p:tag name="ORIGINALHEIGHT" val="271.4661"/>
@@ -7206,7 +10655,7 @@
 </p:tagLst>
 </file>
 
-<file path=ppt/tags/tag25.xml><?xml version="1.0" encoding="utf-8"?>
+<file path=ppt/tags/tag26.xml><?xml version="1.0" encoding="utf-8"?>
 <p:tagLst xmlns:a="http://schemas.openxmlformats.org/drawingml/2006/main" xmlns:r="http://schemas.openxmlformats.org/officeDocument/2006/relationships" xmlns:p="http://schemas.openxmlformats.org/presentationml/2006/main">
   <p:tag name="OUTPUTDPI" val="1200"/>
   <p:tag name="ORIGINALHEIGHT" val="149.2313"/>
@@ -7226,7 +10675,7 @@
 </p:tagLst>
 </file>
 
-<file path=ppt/tags/tag26.xml><?xml version="1.0" encoding="utf-8"?>
+<file path=ppt/tags/tag27.xml><?xml version="1.0" encoding="utf-8"?>
 <p:tagLst xmlns:a="http://schemas.openxmlformats.org/drawingml/2006/main" xmlns:r="http://schemas.openxmlformats.org/officeDocument/2006/relationships" xmlns:p="http://schemas.openxmlformats.org/presentationml/2006/main">
   <p:tag name="OUTPUTDPI" val="1200"/>
   <p:tag name="ORIGINALHEIGHT" val="110.2362"/>
@@ -7246,7 +10695,7 @@
 </p:tagLst>
 </file>
 
-<file path=ppt/tags/tag27.xml><?xml version="1.0" encoding="utf-8"?>
+<file path=ppt/tags/tag28.xml><?xml version="1.0" encoding="utf-8"?>
 <p:tagLst xmlns:a="http://schemas.openxmlformats.org/drawingml/2006/main" xmlns:r="http://schemas.openxmlformats.org/officeDocument/2006/relationships" xmlns:p="http://schemas.openxmlformats.org/presentationml/2006/main">
   <p:tag name="OUTPUTDPI" val="1200"/>
   <p:tag name="ORIGINALHEIGHT" val="144.7319"/>

--- a/MIT PhD/ZGS/ZGS -Aug-26-2022/BUI-ZGS-Aug-26-2022.pptx
+++ b/MIT PhD/ZGS/ZGS -Aug-26-2022/BUI-ZGS-Aug-26-2022.pptx
@@ -17,11 +17,7 @@
     <p:sldId id="274" r:id="rId11"/>
     <p:sldId id="260" r:id="rId12"/>
     <p:sldId id="275" r:id="rId13"/>
-    <p:sldId id="261" r:id="rId14"/>
-    <p:sldId id="270" r:id="rId15"/>
-    <p:sldId id="271" r:id="rId16"/>
-    <p:sldId id="265" r:id="rId17"/>
-    <p:sldId id="266" r:id="rId18"/>
+    <p:sldId id="270" r:id="rId14"/>
   </p:sldIdLst>
   <p:sldSz cx="12192000" cy="6858000"/>
   <p:notesSz cx="6858000" cy="9144000"/>
@@ -267,7 +263,7 @@
           <a:p>
             <a:fld id="{846CE7D5-CF57-46EF-B807-FDD0502418D4}" type="datetimeFigureOut">
               <a:rPr lang="en-US" smtClean="0"/>
-              <a:t>8/23/22</a:t>
+              <a:t>8/24/22</a:t>
             </a:fld>
             <a:endParaRPr lang="en-US"/>
           </a:p>
@@ -437,7 +433,7 @@
           <a:p>
             <a:fld id="{846CE7D5-CF57-46EF-B807-FDD0502418D4}" type="datetimeFigureOut">
               <a:rPr lang="en-US" smtClean="0"/>
-              <a:t>8/23/22</a:t>
+              <a:t>8/24/22</a:t>
             </a:fld>
             <a:endParaRPr lang="en-US"/>
           </a:p>
@@ -617,7 +613,7 @@
           <a:p>
             <a:fld id="{846CE7D5-CF57-46EF-B807-FDD0502418D4}" type="datetimeFigureOut">
               <a:rPr lang="en-US" smtClean="0"/>
-              <a:t>8/23/22</a:t>
+              <a:t>8/24/22</a:t>
             </a:fld>
             <a:endParaRPr lang="en-US"/>
           </a:p>
@@ -787,7 +783,7 @@
           <a:p>
             <a:fld id="{846CE7D5-CF57-46EF-B807-FDD0502418D4}" type="datetimeFigureOut">
               <a:rPr lang="en-US" smtClean="0"/>
-              <a:t>8/23/22</a:t>
+              <a:t>8/24/22</a:t>
             </a:fld>
             <a:endParaRPr lang="en-US"/>
           </a:p>
@@ -1033,7 +1029,7 @@
           <a:p>
             <a:fld id="{846CE7D5-CF57-46EF-B807-FDD0502418D4}" type="datetimeFigureOut">
               <a:rPr lang="en-US" smtClean="0"/>
-              <a:t>8/23/22</a:t>
+              <a:t>8/24/22</a:t>
             </a:fld>
             <a:endParaRPr lang="en-US"/>
           </a:p>
@@ -1265,7 +1261,7 @@
           <a:p>
             <a:fld id="{846CE7D5-CF57-46EF-B807-FDD0502418D4}" type="datetimeFigureOut">
               <a:rPr lang="en-US" smtClean="0"/>
-              <a:t>8/23/22</a:t>
+              <a:t>8/24/22</a:t>
             </a:fld>
             <a:endParaRPr lang="en-US"/>
           </a:p>
@@ -1632,7 +1628,7 @@
           <a:p>
             <a:fld id="{846CE7D5-CF57-46EF-B807-FDD0502418D4}" type="datetimeFigureOut">
               <a:rPr lang="en-US" smtClean="0"/>
-              <a:t>8/23/22</a:t>
+              <a:t>8/24/22</a:t>
             </a:fld>
             <a:endParaRPr lang="en-US"/>
           </a:p>
@@ -1750,7 +1746,7 @@
           <a:p>
             <a:fld id="{846CE7D5-CF57-46EF-B807-FDD0502418D4}" type="datetimeFigureOut">
               <a:rPr lang="en-US" smtClean="0"/>
-              <a:t>8/23/22</a:t>
+              <a:t>8/24/22</a:t>
             </a:fld>
             <a:endParaRPr lang="en-US"/>
           </a:p>
@@ -1845,7 +1841,7 @@
           <a:p>
             <a:fld id="{846CE7D5-CF57-46EF-B807-FDD0502418D4}" type="datetimeFigureOut">
               <a:rPr lang="en-US" smtClean="0"/>
-              <a:t>8/23/22</a:t>
+              <a:t>8/24/22</a:t>
             </a:fld>
             <a:endParaRPr lang="en-US"/>
           </a:p>
@@ -2122,7 +2118,7 @@
           <a:p>
             <a:fld id="{846CE7D5-CF57-46EF-B807-FDD0502418D4}" type="datetimeFigureOut">
               <a:rPr lang="en-US" smtClean="0"/>
-              <a:t>8/23/22</a:t>
+              <a:t>8/24/22</a:t>
             </a:fld>
             <a:endParaRPr lang="en-US"/>
           </a:p>
@@ -2379,7 +2375,7 @@
           <a:p>
             <a:fld id="{846CE7D5-CF57-46EF-B807-FDD0502418D4}" type="datetimeFigureOut">
               <a:rPr lang="en-US" smtClean="0"/>
-              <a:t>8/23/22</a:t>
+              <a:t>8/24/22</a:t>
             </a:fld>
             <a:endParaRPr lang="en-US"/>
           </a:p>
@@ -2592,7 +2588,7 @@
           <a:p>
             <a:fld id="{846CE7D5-CF57-46EF-B807-FDD0502418D4}" type="datetimeFigureOut">
               <a:rPr lang="en-US" smtClean="0"/>
-              <a:t>8/23/22</a:t>
+              <a:t>8/24/22</a:t>
             </a:fld>
             <a:endParaRPr lang="en-US"/>
           </a:p>
@@ -3708,8 +3704,8 @@
         </p:blipFill>
         <p:spPr>
           <a:xfrm>
-            <a:off x="881511" y="1846074"/>
-            <a:ext cx="4692013" cy="3140180"/>
+            <a:off x="947564" y="2172792"/>
+            <a:ext cx="4203836" cy="2813462"/>
           </a:xfrm>
           <a:prstGeom prst="rect">
             <a:avLst/>
@@ -3791,7 +3787,7 @@
         </p:blipFill>
         <p:spPr>
           <a:xfrm>
-            <a:off x="2811357" y="5165374"/>
+            <a:off x="2675000" y="5165374"/>
             <a:ext cx="476250" cy="171450"/>
           </a:xfrm>
           <a:prstGeom prst="rect">
@@ -3854,7 +3850,7 @@
         </p:nvCxnSpPr>
         <p:spPr>
           <a:xfrm flipV="1">
-            <a:off x="2998036" y="4640513"/>
+            <a:off x="2861679" y="4640513"/>
             <a:ext cx="0" cy="471571"/>
           </a:xfrm>
           <a:prstGeom prst="straightConnector1">
@@ -4170,8 +4166,8 @@
         </p:blipFill>
         <p:spPr>
           <a:xfrm>
-            <a:off x="3098204" y="1626977"/>
-            <a:ext cx="5329121" cy="3775652"/>
+            <a:off x="3098204" y="1545432"/>
+            <a:ext cx="5444217" cy="3857197"/>
           </a:xfrm>
           <a:prstGeom prst="rect">
             <a:avLst/>
@@ -4252,7 +4248,7 @@
         </p:nvSpPr>
         <p:spPr>
           <a:xfrm>
-            <a:off x="7553394" y="5499977"/>
+            <a:off x="7553394" y="5556124"/>
             <a:ext cx="3733714" cy="400110"/>
           </a:xfrm>
           <a:prstGeom prst="rect">
@@ -4405,7 +4401,7 @@
         <p:spPr>
           <a:xfrm>
             <a:off x="685558" y="623602"/>
-            <a:ext cx="2381486" cy="461665"/>
+            <a:ext cx="1716496" cy="461665"/>
           </a:xfrm>
           <a:prstGeom prst="rect">
             <a:avLst/>
@@ -4420,17 +4416,92 @@
           <a:p>
             <a:r>
               <a:rPr lang="en-US" sz="2400" dirty="0"/>
-              <a:t>Cooling efficiency</a:t>
+              <a:t>Applications</a:t>
+            </a:r>
+          </a:p>
+        </p:txBody>
+      </p:sp>
+      <p:sp>
+        <p:nvSpPr>
+          <p:cNvPr id="2" name="TextBox 1">
+            <a:extLst>
+              <a:ext uri="{FF2B5EF4-FFF2-40B4-BE49-F238E27FC236}">
+                <a16:creationId xmlns:a16="http://schemas.microsoft.com/office/drawing/2014/main" id="{F5808274-D1EB-F28A-3809-8BDB3A5D2916}"/>
+              </a:ext>
+            </a:extLst>
+          </p:cNvPr>
+          <p:cNvSpPr txBox="1"/>
+          <p:nvPr/>
+        </p:nvSpPr>
+        <p:spPr>
+          <a:xfrm>
+            <a:off x="1227221" y="1315453"/>
+            <a:ext cx="4273799" cy="369332"/>
+          </a:xfrm>
+          <a:prstGeom prst="rect">
+            <a:avLst/>
+          </a:prstGeom>
+          <a:noFill/>
+        </p:spPr>
+        <p:txBody>
+          <a:bodyPr wrap="none" rtlCol="0">
+            <a:spAutoFit/>
+          </a:bodyPr>
+          <a:lstStyle/>
+          <a:p>
+            <a:r>
+              <a:rPr lang="en-US" dirty="0"/>
+              <a:t>7.5 kHz linewidth </a:t>
+            </a:r>
+            <a:r>
+              <a:rPr lang="en-US" baseline="30000" dirty="0"/>
+              <a:t>1</a:t>
+            </a:r>
+            <a:r>
+              <a:rPr lang="en-US" dirty="0"/>
+              <a:t>S</a:t>
+            </a:r>
+            <a:r>
+              <a:rPr lang="en-US" baseline="-25000" dirty="0"/>
+              <a:t>0</a:t>
+            </a:r>
+            <a:r>
+              <a:rPr lang="en-US" dirty="0"/>
+              <a:t> to </a:t>
+            </a:r>
+            <a:r>
+              <a:rPr lang="en-US" baseline="30000" dirty="0"/>
+              <a:t>3</a:t>
+            </a:r>
+            <a:r>
+              <a:rPr lang="en-US" dirty="0"/>
+              <a:t>P</a:t>
+            </a:r>
+            <a:r>
+              <a:rPr lang="en-US" baseline="-25000" dirty="0"/>
+              <a:t>1</a:t>
+            </a:r>
+            <a:r>
+              <a:rPr lang="en-US" dirty="0"/>
+              <a:t> transition in </a:t>
+            </a:r>
+            <a:r>
+              <a:rPr lang="en-US" baseline="30000" dirty="0"/>
+              <a:t>88</a:t>
+            </a:r>
+            <a:r>
+              <a:rPr lang="en-US" dirty="0"/>
+              <a:t>Sr</a:t>
             </a:r>
           </a:p>
         </p:txBody>
       </p:sp>
       <p:pic>
         <p:nvPicPr>
-          <p:cNvPr id="5" name="Picture 4" descr="Chart, line chart&#10;&#10;Description automatically generated">
-            <a:extLst>
-              <a:ext uri="{FF2B5EF4-FFF2-40B4-BE49-F238E27FC236}">
-                <a16:creationId xmlns:a16="http://schemas.microsoft.com/office/drawing/2014/main" id="{CBFC484D-CFC2-FCFB-7117-7B84254C33C6}"/>
+          <p:cNvPr id="4" name="Picture 3">
+            <a:extLst>
+              <a:ext uri="{FF2B5EF4-FFF2-40B4-BE49-F238E27FC236}">
+                <a16:creationId xmlns:a16="http://schemas.microsoft.com/office/drawing/2014/main" id="{42278AB0-64AA-A0FA-5786-5C4EDDD38DAC}"/>
               </a:ext>
             </a:extLst>
           </p:cNvPr>
@@ -4440,33 +4511,57 @@
           <p:nvPr/>
         </p:nvPicPr>
         <p:blipFill>
-          <a:blip r:embed="rId2">
-            <a:extLst>
-              <a:ext uri="{28A0092B-C50C-407E-A947-70E740481C1C}">
-                <a14:useLocalDpi xmlns:a14="http://schemas.microsoft.com/office/drawing/2010/main" val="0"/>
-              </a:ext>
-            </a:extLst>
-          </a:blip>
+          <a:blip r:embed="rId2"/>
           <a:stretch>
             <a:fillRect/>
           </a:stretch>
         </p:blipFill>
         <p:spPr>
           <a:xfrm>
-            <a:off x="6613648" y="1153847"/>
-            <a:ext cx="4816353" cy="3450237"/>
+            <a:off x="1229550" y="1808239"/>
+            <a:ext cx="4433426" cy="3137666"/>
           </a:xfrm>
           <a:prstGeom prst="rect">
             <a:avLst/>
           </a:prstGeom>
         </p:spPr>
       </p:pic>
-      <p:sp>
-        <p:nvSpPr>
-          <p:cNvPr id="6" name="TextBox 5">
-            <a:extLst>
-              <a:ext uri="{FF2B5EF4-FFF2-40B4-BE49-F238E27FC236}">
-                <a16:creationId xmlns:a16="http://schemas.microsoft.com/office/drawing/2014/main" id="{E0AB2A8E-1856-A04F-CDAE-FD122D7A0D24}"/>
+      <p:pic>
+        <p:nvPicPr>
+          <p:cNvPr id="6" name="Picture 5">
+            <a:extLst>
+              <a:ext uri="{FF2B5EF4-FFF2-40B4-BE49-F238E27FC236}">
+                <a16:creationId xmlns:a16="http://schemas.microsoft.com/office/drawing/2014/main" id="{7E451C88-FA51-1DCD-DEEC-EA4D0EE2AA95}"/>
+              </a:ext>
+            </a:extLst>
+          </p:cNvPr>
+          <p:cNvPicPr>
+            <a:picLocks noChangeAspect="1"/>
+          </p:cNvPicPr>
+          <p:nvPr/>
+        </p:nvPicPr>
+        <p:blipFill>
+          <a:blip r:embed="rId3"/>
+          <a:stretch>
+            <a:fillRect/>
+          </a:stretch>
+        </p:blipFill>
+        <p:spPr>
+          <a:xfrm>
+            <a:off x="5824262" y="2089296"/>
+            <a:ext cx="4249920" cy="2679407"/>
+          </a:xfrm>
+          <a:prstGeom prst="rect">
+            <a:avLst/>
+          </a:prstGeom>
+        </p:spPr>
+      </p:pic>
+      <p:sp>
+        <p:nvSpPr>
+          <p:cNvPr id="7" name="TextBox 6">
+            <a:extLst>
+              <a:ext uri="{FF2B5EF4-FFF2-40B4-BE49-F238E27FC236}">
+                <a16:creationId xmlns:a16="http://schemas.microsoft.com/office/drawing/2014/main" id="{C7ECE115-7634-0E08-43A5-756EF1F01540}"/>
               </a:ext>
             </a:extLst>
           </p:cNvPr>
@@ -4475,8 +4570,8 @@
         </p:nvSpPr>
         <p:spPr>
           <a:xfrm>
-            <a:off x="952500" y="1524000"/>
-            <a:ext cx="4934877" cy="369332"/>
+            <a:off x="1801293" y="5277018"/>
+            <a:ext cx="3289940" cy="338554"/>
           </a:xfrm>
           <a:prstGeom prst="rect">
             <a:avLst/>
@@ -4490,18 +4585,18 @@
           <a:lstStyle/>
           <a:p>
             <a:r>
-              <a:rPr lang="en-US" dirty="0"/>
-              <a:t>Cooling efficiency ≡ energy removed per scattering</a:t>
-            </a:r>
-          </a:p>
-        </p:txBody>
-      </p:sp>
-      <p:sp>
-        <p:nvSpPr>
-          <p:cNvPr id="7" name="TextBox 6">
-            <a:extLst>
-              <a:ext uri="{FF2B5EF4-FFF2-40B4-BE49-F238E27FC236}">
-                <a16:creationId xmlns:a16="http://schemas.microsoft.com/office/drawing/2014/main" id="{1171B047-1ACD-625C-41AC-A03BF7A4893B}"/>
+              <a:rPr lang="en-US" sz="1600" dirty="0"/>
+              <a:t>Lowest temperature achieved: 2.3 µK</a:t>
+            </a:r>
+          </a:p>
+        </p:txBody>
+      </p:sp>
+      <p:sp>
+        <p:nvSpPr>
+          <p:cNvPr id="8" name="TextBox 7">
+            <a:extLst>
+              <a:ext uri="{FF2B5EF4-FFF2-40B4-BE49-F238E27FC236}">
+                <a16:creationId xmlns:a16="http://schemas.microsoft.com/office/drawing/2014/main" id="{2E7FF02E-3AD1-D002-95D5-73950BC413DF}"/>
               </a:ext>
             </a:extLst>
           </p:cNvPr>
@@ -4510,8 +4605,8 @@
         </p:nvSpPr>
         <p:spPr>
           <a:xfrm>
-            <a:off x="952500" y="2782669"/>
-            <a:ext cx="5018105" cy="1200329"/>
+            <a:off x="1801293" y="5660546"/>
+            <a:ext cx="1901483" cy="338554"/>
           </a:xfrm>
           <a:prstGeom prst="rect">
             <a:avLst/>
@@ -4525,75 +4620,64 @@
           <a:lstStyle/>
           <a:p>
             <a:r>
-              <a:rPr lang="en-US" dirty="0">
-                <a:sym typeface="Wingdings" panose="05000000000000000000" pitchFamily="2" charset="2"/>
-              </a:rPr>
-              <a:t>Many fewer scatterings required than Doppler</a:t>
-            </a:r>
-          </a:p>
-          <a:p>
-            <a:endParaRPr lang="en-US" dirty="0">
-              <a:sym typeface="Wingdings" panose="05000000000000000000" pitchFamily="2" charset="2"/>
-            </a:endParaRPr>
-          </a:p>
-          <a:p>
-            <a:pPr marL="285750" indent="-285750">
-              <a:buFont typeface="Wingdings" panose="05000000000000000000" pitchFamily="2" charset="2"/>
-              <a:buChar char="à"/>
-            </a:pPr>
-            <a:r>
-              <a:rPr lang="en-US" dirty="0">
-                <a:sym typeface="Wingdings" panose="05000000000000000000" pitchFamily="2" charset="2"/>
-              </a:rPr>
-              <a:t>SWAP is well-suited to cooling e.g. particles that </a:t>
-            </a:r>
-          </a:p>
-          <a:p>
-            <a:r>
-              <a:rPr lang="en-US" dirty="0">
-                <a:sym typeface="Wingdings" panose="05000000000000000000" pitchFamily="2" charset="2"/>
-              </a:rPr>
-              <a:t>     lack closed cycling transitions</a:t>
-            </a:r>
-          </a:p>
-        </p:txBody>
-      </p:sp>
-    </p:spTree>
-    <p:extLst>
-      <p:ext uri="{BB962C8B-B14F-4D97-AF65-F5344CB8AC3E}">
-        <p14:creationId xmlns:p14="http://schemas.microsoft.com/office/powerpoint/2010/main" val="1184355976"/>
-      </p:ext>
-    </p:extLst>
-  </p:cSld>
-  <p:clrMapOvr>
-    <a:masterClrMapping/>
-  </p:clrMapOvr>
-</p:sld>
-</file>
-
-<file path=ppt/slides/slide14.xml><?xml version="1.0" encoding="utf-8"?>
-<p:sld xmlns:a="http://schemas.openxmlformats.org/drawingml/2006/main" xmlns:r="http://schemas.openxmlformats.org/officeDocument/2006/relationships" xmlns:p="http://schemas.openxmlformats.org/presentationml/2006/main">
-  <p:cSld>
-    <p:spTree>
-      <p:nvGrpSpPr>
-        <p:cNvPr id="1" name=""/>
-        <p:cNvGrpSpPr/>
-        <p:nvPr/>
-      </p:nvGrpSpPr>
-      <p:grpSpPr>
-        <a:xfrm>
-          <a:off x="0" y="0"/>
-          <a:ext cx="0" cy="0"/>
-          <a:chOff x="0" y="0"/>
-          <a:chExt cx="0" cy="0"/>
-        </a:xfrm>
-      </p:grpSpPr>
-      <p:sp>
-        <p:nvSpPr>
-          <p:cNvPr id="20" name="TextBox 19">
-            <a:extLst>
-              <a:ext uri="{FF2B5EF4-FFF2-40B4-BE49-F238E27FC236}">
-                <a16:creationId xmlns:a16="http://schemas.microsoft.com/office/drawing/2014/main" id="{86F6163E-3579-7211-59A6-656D4BBC4241}"/>
+              <a:rPr lang="en-US" sz="1600" dirty="0"/>
+              <a:t>Doppler limit: 0.4 µK</a:t>
+            </a:r>
+          </a:p>
+        </p:txBody>
+      </p:sp>
+      <p:sp>
+        <p:nvSpPr>
+          <p:cNvPr id="9" name="Arrow: Right 8">
+            <a:extLst>
+              <a:ext uri="{FF2B5EF4-FFF2-40B4-BE49-F238E27FC236}">
+                <a16:creationId xmlns:a16="http://schemas.microsoft.com/office/drawing/2014/main" id="{1BFFEB0B-9CB5-A9F5-0B3F-EE3B4344FEEA}"/>
+              </a:ext>
+            </a:extLst>
+          </p:cNvPr>
+          <p:cNvSpPr/>
+          <p:nvPr/>
+        </p:nvSpPr>
+        <p:spPr>
+          <a:xfrm>
+            <a:off x="5212261" y="5624633"/>
+            <a:ext cx="385011" cy="71826"/>
+          </a:xfrm>
+          <a:prstGeom prst="rightArrow">
+            <a:avLst/>
+          </a:prstGeom>
+        </p:spPr>
+        <p:style>
+          <a:lnRef idx="2">
+            <a:schemeClr val="dk1">
+              <a:shade val="50000"/>
+            </a:schemeClr>
+          </a:lnRef>
+          <a:fillRef idx="1">
+            <a:schemeClr val="dk1"/>
+          </a:fillRef>
+          <a:effectRef idx="0">
+            <a:schemeClr val="dk1"/>
+          </a:effectRef>
+          <a:fontRef idx="minor">
+            <a:schemeClr val="lt1"/>
+          </a:fontRef>
+        </p:style>
+        <p:txBody>
+          <a:bodyPr rtlCol="0" anchor="ctr"/>
+          <a:lstStyle/>
+          <a:p>
+            <a:pPr algn="ctr"/>
+            <a:endParaRPr lang="en-US" sz="1600"/>
+          </a:p>
+        </p:txBody>
+      </p:sp>
+      <p:sp>
+        <p:nvSpPr>
+          <p:cNvPr id="10" name="TextBox 9">
+            <a:extLst>
+              <a:ext uri="{FF2B5EF4-FFF2-40B4-BE49-F238E27FC236}">
+                <a16:creationId xmlns:a16="http://schemas.microsoft.com/office/drawing/2014/main" id="{23ACC79E-078A-0F66-27CA-24B1BEED565C}"/>
               </a:ext>
             </a:extLst>
           </p:cNvPr>
@@ -4602,8 +4686,8 @@
         </p:nvSpPr>
         <p:spPr>
           <a:xfrm>
-            <a:off x="685558" y="623602"/>
-            <a:ext cx="1716496" cy="461665"/>
+            <a:off x="5887454" y="5126305"/>
+            <a:ext cx="4370235" cy="1323439"/>
           </a:xfrm>
           <a:prstGeom prst="rect">
             <a:avLst/>
@@ -4617,9 +4701,96 @@
           <a:lstStyle/>
           <a:p>
             <a:r>
-              <a:rPr lang="en-US" sz="2400" dirty="0"/>
-              <a:t>Applications</a:t>
-            </a:r>
+              <a:rPr lang="en-US" sz="1600" b="1" dirty="0"/>
+              <a:t>Cons: </a:t>
+            </a:r>
+            <a:r>
+              <a:rPr lang="en-US" sz="1600" dirty="0"/>
+              <a:t>cannot achieve lowest possible temperature</a:t>
+            </a:r>
+          </a:p>
+          <a:p>
+            <a:r>
+              <a:rPr lang="en-US" sz="1600" b="1" dirty="0"/>
+              <a:t>Pros: </a:t>
+            </a:r>
+          </a:p>
+          <a:p>
+            <a:pPr marL="285750" indent="-285750">
+              <a:buFontTx/>
+              <a:buChar char="-"/>
+            </a:pPr>
+            <a:r>
+              <a:rPr lang="en-US" sz="1600" dirty="0"/>
+              <a:t>Strong forces on weak transitions</a:t>
+            </a:r>
+          </a:p>
+          <a:p>
+            <a:pPr marL="285750" indent="-285750">
+              <a:buFontTx/>
+              <a:buChar char="-"/>
+            </a:pPr>
+            <a:r>
+              <a:rPr lang="en-US" sz="1600" dirty="0"/>
+              <a:t>Large capture range</a:t>
+            </a:r>
+          </a:p>
+          <a:p>
+            <a:pPr marL="285750" indent="-285750">
+              <a:buFontTx/>
+              <a:buChar char="-"/>
+            </a:pPr>
+            <a:r>
+              <a:rPr lang="en-US" sz="1600" dirty="0"/>
+              <a:t>Reduced reliance on spontaneous emission</a:t>
+            </a:r>
+          </a:p>
+        </p:txBody>
+      </p:sp>
+      <p:sp>
+        <p:nvSpPr>
+          <p:cNvPr id="11" name="Rectangle 10">
+            <a:extLst>
+              <a:ext uri="{FF2B5EF4-FFF2-40B4-BE49-F238E27FC236}">
+                <a16:creationId xmlns:a16="http://schemas.microsoft.com/office/drawing/2014/main" id="{50485BC8-4D52-A323-CD75-0D0732D25BCD}"/>
+              </a:ext>
+            </a:extLst>
+          </p:cNvPr>
+          <p:cNvSpPr/>
+          <p:nvPr/>
+        </p:nvSpPr>
+        <p:spPr>
+          <a:xfrm>
+            <a:off x="1732547" y="5069360"/>
+            <a:ext cx="8525142" cy="1443736"/>
+          </a:xfrm>
+          <a:prstGeom prst="rect">
+            <a:avLst/>
+          </a:prstGeom>
+          <a:noFill/>
+        </p:spPr>
+        <p:style>
+          <a:lnRef idx="2">
+            <a:schemeClr val="dk1">
+              <a:shade val="50000"/>
+            </a:schemeClr>
+          </a:lnRef>
+          <a:fillRef idx="1">
+            <a:schemeClr val="dk1"/>
+          </a:fillRef>
+          <a:effectRef idx="0">
+            <a:schemeClr val="dk1"/>
+          </a:effectRef>
+          <a:fontRef idx="minor">
+            <a:schemeClr val="lt1"/>
+          </a:fontRef>
+        </p:style>
+        <p:txBody>
+          <a:bodyPr rtlCol="0" anchor="ctr"/>
+          <a:lstStyle/>
+          <a:p>
+            <a:pPr algn="ctr"/>
+            <a:endParaRPr lang="en-US"/>
           </a:p>
         </p:txBody>
       </p:sp>
@@ -4627,750 +4798,6 @@
     <p:extLst>
       <p:ext uri="{BB962C8B-B14F-4D97-AF65-F5344CB8AC3E}">
         <p14:creationId xmlns:p14="http://schemas.microsoft.com/office/powerpoint/2010/main" val="3013588437"/>
-      </p:ext>
-    </p:extLst>
-  </p:cSld>
-  <p:clrMapOvr>
-    <a:masterClrMapping/>
-  </p:clrMapOvr>
-</p:sld>
-</file>
-
-<file path=ppt/slides/slide15.xml><?xml version="1.0" encoding="utf-8"?>
-<p:sld xmlns:a="http://schemas.openxmlformats.org/drawingml/2006/main" xmlns:r="http://schemas.openxmlformats.org/officeDocument/2006/relationships" xmlns:p="http://schemas.openxmlformats.org/presentationml/2006/main">
-  <p:cSld>
-    <p:spTree>
-      <p:nvGrpSpPr>
-        <p:cNvPr id="1" name=""/>
-        <p:cNvGrpSpPr/>
-        <p:nvPr/>
-      </p:nvGrpSpPr>
-      <p:grpSpPr>
-        <a:xfrm>
-          <a:off x="0" y="0"/>
-          <a:ext cx="0" cy="0"/>
-          <a:chOff x="0" y="0"/>
-          <a:chExt cx="0" cy="0"/>
-        </a:xfrm>
-      </p:grpSpPr>
-      <p:sp>
-        <p:nvSpPr>
-          <p:cNvPr id="20" name="TextBox 19">
-            <a:extLst>
-              <a:ext uri="{FF2B5EF4-FFF2-40B4-BE49-F238E27FC236}">
-                <a16:creationId xmlns:a16="http://schemas.microsoft.com/office/drawing/2014/main" id="{86F6163E-3579-7211-59A6-656D4BBC4241}"/>
-              </a:ext>
-            </a:extLst>
-          </p:cNvPr>
-          <p:cNvSpPr txBox="1"/>
-          <p:nvPr/>
-        </p:nvSpPr>
-        <p:spPr>
-          <a:xfrm>
-            <a:off x="685558" y="623602"/>
-            <a:ext cx="1928348" cy="461665"/>
-          </a:xfrm>
-          <a:prstGeom prst="rect">
-            <a:avLst/>
-          </a:prstGeom>
-          <a:noFill/>
-        </p:spPr>
-        <p:txBody>
-          <a:bodyPr wrap="none" rtlCol="0">
-            <a:spAutoFit/>
-          </a:bodyPr>
-          <a:lstStyle/>
-          <a:p>
-            <a:r>
-              <a:rPr lang="en-US" sz="2400" dirty="0"/>
-              <a:t>Extra material</a:t>
-            </a:r>
-          </a:p>
-        </p:txBody>
-      </p:sp>
-    </p:spTree>
-    <p:extLst>
-      <p:ext uri="{BB962C8B-B14F-4D97-AF65-F5344CB8AC3E}">
-        <p14:creationId xmlns:p14="http://schemas.microsoft.com/office/powerpoint/2010/main" val="3297757872"/>
-      </p:ext>
-    </p:extLst>
-  </p:cSld>
-  <p:clrMapOvr>
-    <a:masterClrMapping/>
-  </p:clrMapOvr>
-</p:sld>
-</file>
-
-<file path=ppt/slides/slide16.xml><?xml version="1.0" encoding="utf-8"?>
-<p:sld xmlns:a="http://schemas.openxmlformats.org/drawingml/2006/main" xmlns:r="http://schemas.openxmlformats.org/officeDocument/2006/relationships" xmlns:p="http://schemas.openxmlformats.org/presentationml/2006/main">
-  <p:cSld>
-    <p:spTree>
-      <p:nvGrpSpPr>
-        <p:cNvPr id="1" name=""/>
-        <p:cNvGrpSpPr/>
-        <p:nvPr/>
-      </p:nvGrpSpPr>
-      <p:grpSpPr>
-        <a:xfrm>
-          <a:off x="0" y="0"/>
-          <a:ext cx="0" cy="0"/>
-          <a:chOff x="0" y="0"/>
-          <a:chExt cx="0" cy="0"/>
-        </a:xfrm>
-      </p:grpSpPr>
-      <p:sp>
-        <p:nvSpPr>
-          <p:cNvPr id="20" name="TextBox 19">
-            <a:extLst>
-              <a:ext uri="{FF2B5EF4-FFF2-40B4-BE49-F238E27FC236}">
-                <a16:creationId xmlns:a16="http://schemas.microsoft.com/office/drawing/2014/main" id="{86F6163E-3579-7211-59A6-656D4BBC4241}"/>
-              </a:ext>
-            </a:extLst>
-          </p:cNvPr>
-          <p:cNvSpPr txBox="1"/>
-          <p:nvPr/>
-        </p:nvSpPr>
-        <p:spPr>
-          <a:xfrm>
-            <a:off x="685558" y="623602"/>
-            <a:ext cx="1388522" cy="461665"/>
-          </a:xfrm>
-          <a:prstGeom prst="rect">
-            <a:avLst/>
-          </a:prstGeom>
-          <a:noFill/>
-        </p:spPr>
-        <p:txBody>
-          <a:bodyPr wrap="none" rtlCol="0">
-            <a:spAutoFit/>
-          </a:bodyPr>
-          <a:lstStyle/>
-          <a:p>
-            <a:r>
-              <a:rPr lang="en-US" sz="2400" dirty="0"/>
-              <a:t>Dynamics</a:t>
-            </a:r>
-          </a:p>
-        </p:txBody>
-      </p:sp>
-      <p:pic>
-        <p:nvPicPr>
-          <p:cNvPr id="3" name="Picture 2" descr="Chart&#10;&#10;Description automatically generated">
-            <a:extLst>
-              <a:ext uri="{FF2B5EF4-FFF2-40B4-BE49-F238E27FC236}">
-                <a16:creationId xmlns:a16="http://schemas.microsoft.com/office/drawing/2014/main" id="{55FB6B9F-1993-544F-1B2E-E65718DA28F1}"/>
-              </a:ext>
-            </a:extLst>
-          </p:cNvPr>
-          <p:cNvPicPr>
-            <a:picLocks noChangeAspect="1"/>
-          </p:cNvPicPr>
-          <p:nvPr/>
-        </p:nvPicPr>
-        <p:blipFill>
-          <a:blip r:embed="rId5">
-            <a:extLst>
-              <a:ext uri="{28A0092B-C50C-407E-A947-70E740481C1C}">
-                <a14:useLocalDpi xmlns:a14="http://schemas.microsoft.com/office/drawing/2010/main" val="0"/>
-              </a:ext>
-            </a:extLst>
-          </a:blip>
-          <a:stretch>
-            <a:fillRect/>
-          </a:stretch>
-        </p:blipFill>
-        <p:spPr>
-          <a:xfrm>
-            <a:off x="5983704" y="1251481"/>
-            <a:ext cx="5478380" cy="4002523"/>
-          </a:xfrm>
-          <a:prstGeom prst="rect">
-            <a:avLst/>
-          </a:prstGeom>
-        </p:spPr>
-      </p:pic>
-      <p:pic>
-        <p:nvPicPr>
-          <p:cNvPr id="6" name="Picture 5" descr="\documentclass{article}&#10;\usepackage{amsmath}&#10;\pagestyle{empty}&#10;\begin{document}&#10;&#10;\begin{equation*}&#10;\hat{H}(t) = \frac{\hat{p}^2}{2m} - \frac{\hbar}{2}\delta(t) \hat{\sigma}^z + \frac{\hbar}{2}\Omega_s \cos(k\hat{z}) \hat{\sigma}^x&#10;\end{equation*}&#10;&#10;\end{document}" title="IguanaTex Bitmap Display">
-            <a:extLst>
-              <a:ext uri="{FF2B5EF4-FFF2-40B4-BE49-F238E27FC236}">
-                <a16:creationId xmlns:a16="http://schemas.microsoft.com/office/drawing/2014/main" id="{65468DC4-2004-4910-0B83-7AA2143789E2}"/>
-              </a:ext>
-            </a:extLst>
-          </p:cNvPr>
-          <p:cNvPicPr>
-            <a:picLocks noChangeAspect="1"/>
-          </p:cNvPicPr>
-          <p:nvPr>
-            <p:custDataLst>
-              <p:tags r:id="rId1"/>
-            </p:custDataLst>
-          </p:nvPr>
-        </p:nvPicPr>
-        <p:blipFill>
-          <a:blip r:embed="rId6" cstate="print">
-            <a:extLst>
-              <a:ext uri="{28A0092B-C50C-407E-A947-70E740481C1C}">
-                <a14:useLocalDpi xmlns:a14="http://schemas.microsoft.com/office/drawing/2010/main" val="0"/>
-              </a:ext>
-            </a:extLst>
-          </a:blip>
-          <a:stretch>
-            <a:fillRect/>
-          </a:stretch>
-        </p:blipFill>
-        <p:spPr>
-          <a:xfrm>
-            <a:off x="1090729" y="2394438"/>
-            <a:ext cx="4361143" cy="557714"/>
-          </a:xfrm>
-          <a:prstGeom prst="rect">
-            <a:avLst/>
-          </a:prstGeom>
-        </p:spPr>
-      </p:pic>
-      <p:pic>
-        <p:nvPicPr>
-          <p:cNvPr id="8" name="Picture 7" descr="\documentclass{article}&#10;\usepackage{amsmath}&#10;\usepackage{physics}&#10;\pagestyle{empty}&#10;\begin{document}&#10;&#10;$\{ \ket{g,p}, \ket{e,p-\hbar k}, \ket{g,p-2\hbar k}, \ket{e,p-3\hbar k} \}$&#10;&#10;&#10;\end{document}" title="IguanaTex Bitmap Display">
-            <a:extLst>
-              <a:ext uri="{FF2B5EF4-FFF2-40B4-BE49-F238E27FC236}">
-                <a16:creationId xmlns:a16="http://schemas.microsoft.com/office/drawing/2014/main" id="{68C1C349-00D2-4B2F-A454-505E9D58D5FD}"/>
-              </a:ext>
-            </a:extLst>
-          </p:cNvPr>
-          <p:cNvPicPr>
-            <a:picLocks noChangeAspect="1"/>
-          </p:cNvPicPr>
-          <p:nvPr>
-            <p:custDataLst>
-              <p:tags r:id="rId2"/>
-            </p:custDataLst>
-          </p:nvPr>
-        </p:nvPicPr>
-        <p:blipFill>
-          <a:blip r:embed="rId7" cstate="print">
-            <a:extLst>
-              <a:ext uri="{28A0092B-C50C-407E-A947-70E740481C1C}">
-                <a14:useLocalDpi xmlns:a14="http://schemas.microsoft.com/office/drawing/2010/main" val="0"/>
-              </a:ext>
-            </a:extLst>
-          </a:blip>
-          <a:stretch>
-            <a:fillRect/>
-          </a:stretch>
-        </p:blipFill>
-        <p:spPr>
-          <a:xfrm>
-            <a:off x="1588788" y="4508029"/>
-            <a:ext cx="3663065" cy="192308"/>
-          </a:xfrm>
-          <a:prstGeom prst="rect">
-            <a:avLst/>
-          </a:prstGeom>
-        </p:spPr>
-      </p:pic>
-      <p:pic>
-        <p:nvPicPr>
-          <p:cNvPr id="12" name="Picture 11" descr="\documentclass{article}&#10;\usepackage{amsmath}&#10;\usepackage{physics}&#10;&#10;\pagestyle{empty}&#10;\begin{document}&#10;&#10;$\abs{\delta(t)} \gg \abs{kv}$&#10;&#10;&#10;\end{document}" title="IguanaTex Bitmap Display">
-            <a:extLst>
-              <a:ext uri="{FF2B5EF4-FFF2-40B4-BE49-F238E27FC236}">
-                <a16:creationId xmlns:a16="http://schemas.microsoft.com/office/drawing/2014/main" id="{78E898EA-D8D2-5069-4BBF-34D81788494C}"/>
-              </a:ext>
-            </a:extLst>
-          </p:cNvPr>
-          <p:cNvPicPr>
-            <a:picLocks noChangeAspect="1"/>
-          </p:cNvPicPr>
-          <p:nvPr>
-            <p:custDataLst>
-              <p:tags r:id="rId3"/>
-            </p:custDataLst>
-          </p:nvPr>
-        </p:nvPicPr>
-        <p:blipFill>
-          <a:blip r:embed="rId8" cstate="print">
-            <a:extLst>
-              <a:ext uri="{28A0092B-C50C-407E-A947-70E740481C1C}">
-                <a14:useLocalDpi xmlns:a14="http://schemas.microsoft.com/office/drawing/2010/main" val="0"/>
-              </a:ext>
-            </a:extLst>
-          </a:blip>
-          <a:stretch>
-            <a:fillRect/>
-          </a:stretch>
-        </p:blipFill>
-        <p:spPr>
-          <a:xfrm>
-            <a:off x="3282944" y="3981638"/>
-            <a:ext cx="1298286" cy="254476"/>
-          </a:xfrm>
-          <a:prstGeom prst="rect">
-            <a:avLst/>
-          </a:prstGeom>
-        </p:spPr>
-      </p:pic>
-      <p:sp>
-        <p:nvSpPr>
-          <p:cNvPr id="13" name="TextBox 12">
-            <a:extLst>
-              <a:ext uri="{FF2B5EF4-FFF2-40B4-BE49-F238E27FC236}">
-                <a16:creationId xmlns:a16="http://schemas.microsoft.com/office/drawing/2014/main" id="{FB4322B8-A921-7A6F-37BD-7E0A9083F16E}"/>
-              </a:ext>
-            </a:extLst>
-          </p:cNvPr>
-          <p:cNvSpPr txBox="1"/>
-          <p:nvPr/>
-        </p:nvSpPr>
-        <p:spPr>
-          <a:xfrm>
-            <a:off x="1013469" y="3905849"/>
-            <a:ext cx="2121222" cy="369332"/>
-          </a:xfrm>
-          <a:prstGeom prst="rect">
-            <a:avLst/>
-          </a:prstGeom>
-          <a:noFill/>
-        </p:spPr>
-        <p:txBody>
-          <a:bodyPr wrap="none" rtlCol="0">
-            <a:spAutoFit/>
-          </a:bodyPr>
-          <a:lstStyle/>
-          <a:p>
-            <a:r>
-              <a:rPr lang="en-US" dirty="0"/>
-              <a:t>Large detuning limit:</a:t>
-            </a:r>
-          </a:p>
-        </p:txBody>
-      </p:sp>
-    </p:spTree>
-    <p:extLst>
-      <p:ext uri="{BB962C8B-B14F-4D97-AF65-F5344CB8AC3E}">
-        <p14:creationId xmlns:p14="http://schemas.microsoft.com/office/powerpoint/2010/main" val="1389257612"/>
-      </p:ext>
-    </p:extLst>
-  </p:cSld>
-  <p:clrMapOvr>
-    <a:masterClrMapping/>
-  </p:clrMapOvr>
-</p:sld>
-</file>
-
-<file path=ppt/slides/slide17.xml><?xml version="1.0" encoding="utf-8"?>
-<p:sld xmlns:a="http://schemas.openxmlformats.org/drawingml/2006/main" xmlns:r="http://schemas.openxmlformats.org/officeDocument/2006/relationships" xmlns:p="http://schemas.openxmlformats.org/presentationml/2006/main">
-  <p:cSld>
-    <p:spTree>
-      <p:nvGrpSpPr>
-        <p:cNvPr id="1" name=""/>
-        <p:cNvGrpSpPr/>
-        <p:nvPr/>
-      </p:nvGrpSpPr>
-      <p:grpSpPr>
-        <a:xfrm>
-          <a:off x="0" y="0"/>
-          <a:ext cx="0" cy="0"/>
-          <a:chOff x="0" y="0"/>
-          <a:chExt cx="0" cy="0"/>
-        </a:xfrm>
-      </p:grpSpPr>
-      <p:sp>
-        <p:nvSpPr>
-          <p:cNvPr id="20" name="TextBox 19">
-            <a:extLst>
-              <a:ext uri="{FF2B5EF4-FFF2-40B4-BE49-F238E27FC236}">
-                <a16:creationId xmlns:a16="http://schemas.microsoft.com/office/drawing/2014/main" id="{86F6163E-3579-7211-59A6-656D4BBC4241}"/>
-              </a:ext>
-            </a:extLst>
-          </p:cNvPr>
-          <p:cNvSpPr txBox="1"/>
-          <p:nvPr/>
-        </p:nvSpPr>
-        <p:spPr>
-          <a:xfrm>
-            <a:off x="677537" y="615581"/>
-            <a:ext cx="1388522" cy="461665"/>
-          </a:xfrm>
-          <a:prstGeom prst="rect">
-            <a:avLst/>
-          </a:prstGeom>
-          <a:noFill/>
-        </p:spPr>
-        <p:txBody>
-          <a:bodyPr wrap="none" rtlCol="0">
-            <a:spAutoFit/>
-          </a:bodyPr>
-          <a:lstStyle/>
-          <a:p>
-            <a:r>
-              <a:rPr lang="en-US" sz="2400" dirty="0"/>
-              <a:t>Dynamics</a:t>
-            </a:r>
-          </a:p>
-        </p:txBody>
-      </p:sp>
-      <p:pic>
-        <p:nvPicPr>
-          <p:cNvPr id="4" name="Picture 3" descr="Chart&#10;&#10;Description automatically generated">
-            <a:extLst>
-              <a:ext uri="{FF2B5EF4-FFF2-40B4-BE49-F238E27FC236}">
-                <a16:creationId xmlns:a16="http://schemas.microsoft.com/office/drawing/2014/main" id="{06A9EEF4-813A-E070-A68E-27DCAB11CDB2}"/>
-              </a:ext>
-            </a:extLst>
-          </p:cNvPr>
-          <p:cNvPicPr>
-            <a:picLocks noChangeAspect="1"/>
-          </p:cNvPicPr>
-          <p:nvPr/>
-        </p:nvPicPr>
-        <p:blipFill>
-          <a:blip r:embed="rId6">
-            <a:extLst>
-              <a:ext uri="{28A0092B-C50C-407E-A947-70E740481C1C}">
-                <a14:useLocalDpi xmlns:a14="http://schemas.microsoft.com/office/drawing/2010/main" val="0"/>
-              </a:ext>
-            </a:extLst>
-          </a:blip>
-          <a:stretch>
-            <a:fillRect/>
-          </a:stretch>
-        </p:blipFill>
-        <p:spPr>
-          <a:xfrm>
-            <a:off x="6609348" y="1726415"/>
-            <a:ext cx="5080307" cy="3717462"/>
-          </a:xfrm>
-          <a:prstGeom prst="rect">
-            <a:avLst/>
-          </a:prstGeom>
-        </p:spPr>
-      </p:pic>
-      <p:sp>
-        <p:nvSpPr>
-          <p:cNvPr id="5" name="TextBox 4">
-            <a:extLst>
-              <a:ext uri="{FF2B5EF4-FFF2-40B4-BE49-F238E27FC236}">
-                <a16:creationId xmlns:a16="http://schemas.microsoft.com/office/drawing/2014/main" id="{0353B0D4-3375-FE1F-3C6C-2F4E0F92FC5C}"/>
-              </a:ext>
-            </a:extLst>
-          </p:cNvPr>
-          <p:cNvSpPr txBox="1"/>
-          <p:nvPr/>
-        </p:nvSpPr>
-        <p:spPr>
-          <a:xfrm>
-            <a:off x="850232" y="1541749"/>
-            <a:ext cx="2058192" cy="369332"/>
-          </a:xfrm>
-          <a:prstGeom prst="rect">
-            <a:avLst/>
-          </a:prstGeom>
-          <a:noFill/>
-        </p:spPr>
-        <p:txBody>
-          <a:bodyPr wrap="none" rtlCol="0">
-            <a:spAutoFit/>
-          </a:bodyPr>
-          <a:lstStyle/>
-          <a:p>
-            <a:r>
-              <a:rPr lang="en-US" dirty="0"/>
-              <a:t>Coherent evolution:</a:t>
-            </a:r>
-          </a:p>
-        </p:txBody>
-      </p:sp>
-      <p:sp>
-        <p:nvSpPr>
-          <p:cNvPr id="6" name="TextBox 5">
-            <a:extLst>
-              <a:ext uri="{FF2B5EF4-FFF2-40B4-BE49-F238E27FC236}">
-                <a16:creationId xmlns:a16="http://schemas.microsoft.com/office/drawing/2014/main" id="{A4B5BD1E-8E70-8531-F721-8BEF62CD35BC}"/>
-              </a:ext>
-            </a:extLst>
-          </p:cNvPr>
-          <p:cNvSpPr txBox="1"/>
-          <p:nvPr/>
-        </p:nvSpPr>
-        <p:spPr>
-          <a:xfrm>
-            <a:off x="850232" y="5246807"/>
-            <a:ext cx="3005823" cy="369332"/>
-          </a:xfrm>
-          <a:prstGeom prst="rect">
-            <a:avLst/>
-          </a:prstGeom>
-          <a:noFill/>
-        </p:spPr>
-        <p:txBody>
-          <a:bodyPr wrap="none" rtlCol="0">
-            <a:spAutoFit/>
-          </a:bodyPr>
-          <a:lstStyle/>
-          <a:p>
-            <a:r>
-              <a:rPr lang="en-US" dirty="0"/>
-              <a:t>With spontaneous emission:   </a:t>
-            </a:r>
-          </a:p>
-        </p:txBody>
-      </p:sp>
-      <p:pic>
-        <p:nvPicPr>
-          <p:cNvPr id="12" name="Picture 11" descr="\documentclass{article}&#10;\usepackage{amsmath, amssymb}&#10;\usepackage{physics}&#10;\usepackage{mathtools}&#10;\pagestyle{empty}&#10;\begin{document}&#10;&#10;\begin{equation*}&#10;\abs{\frac{p}{\hbar k}} \gtrapprox 1 + \frac{2\kappa \gamma}{\omega_r}&#10;\end{equation*}&#10;&#10;&#10;\end{document}" title="IguanaTex Bitmap Display">
-            <a:extLst>
-              <a:ext uri="{FF2B5EF4-FFF2-40B4-BE49-F238E27FC236}">
-                <a16:creationId xmlns:a16="http://schemas.microsoft.com/office/drawing/2014/main" id="{4744B2AC-9801-A001-B020-BDBCD4832694}"/>
-              </a:ext>
-            </a:extLst>
-          </p:cNvPr>
-          <p:cNvPicPr>
-            <a:picLocks noChangeAspect="1"/>
-          </p:cNvPicPr>
-          <p:nvPr>
-            <p:custDataLst>
-              <p:tags r:id="rId1"/>
-            </p:custDataLst>
-          </p:nvPr>
-        </p:nvPicPr>
-        <p:blipFill>
-          <a:blip r:embed="rId7" cstate="print">
-            <a:extLst>
-              <a:ext uri="{28A0092B-C50C-407E-A947-70E740481C1C}">
-                <a14:useLocalDpi xmlns:a14="http://schemas.microsoft.com/office/drawing/2010/main" val="0"/>
-              </a:ext>
-            </a:extLst>
-          </a:blip>
-          <a:stretch>
-            <a:fillRect/>
-          </a:stretch>
-        </p:blipFill>
-        <p:spPr>
-          <a:xfrm>
-            <a:off x="3719020" y="5218854"/>
-            <a:ext cx="1689905" cy="551619"/>
-          </a:xfrm>
-          <a:prstGeom prst="rect">
-            <a:avLst/>
-          </a:prstGeom>
-        </p:spPr>
-      </p:pic>
-      <p:pic>
-        <p:nvPicPr>
-          <p:cNvPr id="15" name="Picture 14" descr="\documentclass{article}&#10;\usepackage{amsmath}&#10;\pagestyle{empty}&#10;\begin{document}&#10;&#10;$p_\text{rms} = \sqrt{\langle \hat{p}^2 \rangle}$&#10;&#10;&#10;\end{document}" title="IguanaTex Bitmap Display">
-            <a:extLst>
-              <a:ext uri="{FF2B5EF4-FFF2-40B4-BE49-F238E27FC236}">
-                <a16:creationId xmlns:a16="http://schemas.microsoft.com/office/drawing/2014/main" id="{6A93F286-5134-B9AA-182E-46090797477A}"/>
-              </a:ext>
-            </a:extLst>
-          </p:cNvPr>
-          <p:cNvPicPr>
-            <a:picLocks noChangeAspect="1"/>
-          </p:cNvPicPr>
-          <p:nvPr>
-            <p:custDataLst>
-              <p:tags r:id="rId2"/>
-            </p:custDataLst>
-          </p:nvPr>
-        </p:nvPicPr>
-        <p:blipFill>
-          <a:blip r:embed="rId8" cstate="print">
-            <a:extLst>
-              <a:ext uri="{28A0092B-C50C-407E-A947-70E740481C1C}">
-                <a14:useLocalDpi xmlns:a14="http://schemas.microsoft.com/office/drawing/2010/main" val="0"/>
-              </a:ext>
-            </a:extLst>
-          </a:blip>
-          <a:stretch>
-            <a:fillRect/>
-          </a:stretch>
-        </p:blipFill>
-        <p:spPr>
-          <a:xfrm>
-            <a:off x="8521493" y="1607843"/>
-            <a:ext cx="1504000" cy="303238"/>
-          </a:xfrm>
-          <a:prstGeom prst="rect">
-            <a:avLst/>
-          </a:prstGeom>
-        </p:spPr>
-      </p:pic>
-      <p:pic>
-        <p:nvPicPr>
-          <p:cNvPr id="26" name="Picture 25" descr="\documentclass{article}&#10;\usepackage{amsmath}&#10;\pagestyle{empty}&#10;\begin{document}&#10;&#10;$p_i \downarrow$&#10;&#10;&#10;\end{document}" title="IguanaTex Bitmap Display">
-            <a:extLst>
-              <a:ext uri="{FF2B5EF4-FFF2-40B4-BE49-F238E27FC236}">
-                <a16:creationId xmlns:a16="http://schemas.microsoft.com/office/drawing/2014/main" id="{44D1E699-82C6-DC7C-0AFD-C83EE2141320}"/>
-              </a:ext>
-            </a:extLst>
-          </p:cNvPr>
-          <p:cNvPicPr>
-            <a:picLocks noChangeAspect="1"/>
-          </p:cNvPicPr>
-          <p:nvPr>
-            <p:custDataLst>
-              <p:tags r:id="rId3"/>
-            </p:custDataLst>
-          </p:nvPr>
-        </p:nvPicPr>
-        <p:blipFill>
-          <a:blip r:embed="rId9" cstate="print">
-            <a:extLst>
-              <a:ext uri="{28A0092B-C50C-407E-A947-70E740481C1C}">
-                <a14:useLocalDpi xmlns:a14="http://schemas.microsoft.com/office/drawing/2010/main" val="0"/>
-              </a:ext>
-            </a:extLst>
-          </a:blip>
-          <a:stretch>
-            <a:fillRect/>
-          </a:stretch>
-        </p:blipFill>
-        <p:spPr>
-          <a:xfrm>
-            <a:off x="1304789" y="2180683"/>
-            <a:ext cx="414476" cy="224000"/>
-          </a:xfrm>
-          <a:prstGeom prst="rect">
-            <a:avLst/>
-          </a:prstGeom>
-        </p:spPr>
-      </p:pic>
-      <p:sp>
-        <p:nvSpPr>
-          <p:cNvPr id="22" name="TextBox 21">
-            <a:extLst>
-              <a:ext uri="{FF2B5EF4-FFF2-40B4-BE49-F238E27FC236}">
-                <a16:creationId xmlns:a16="http://schemas.microsoft.com/office/drawing/2014/main" id="{4F252580-F8B6-1598-ED3D-FCAA502CFA6F}"/>
-              </a:ext>
-            </a:extLst>
-          </p:cNvPr>
-          <p:cNvSpPr txBox="1"/>
-          <p:nvPr/>
-        </p:nvSpPr>
-        <p:spPr>
-          <a:xfrm>
-            <a:off x="1719265" y="2124059"/>
-            <a:ext cx="4320350" cy="369332"/>
-          </a:xfrm>
-          <a:prstGeom prst="rect">
-            <a:avLst/>
-          </a:prstGeom>
-          <a:noFill/>
-        </p:spPr>
-        <p:txBody>
-          <a:bodyPr wrap="none" rtlCol="0">
-            <a:spAutoFit/>
-          </a:bodyPr>
-          <a:lstStyle/>
-          <a:p>
-            <a:r>
-              <a:rPr lang="en-US" dirty="0">
-                <a:sym typeface="Wingdings" panose="05000000000000000000" pitchFamily="2" charset="2"/>
-              </a:rPr>
-              <a:t> </a:t>
-            </a:r>
-            <a:r>
-              <a:rPr lang="en-US" dirty="0"/>
-              <a:t>Doppler shift decreases </a:t>
-            </a:r>
-            <a:r>
-              <a:rPr lang="en-US" dirty="0">
-                <a:sym typeface="Wingdings" panose="05000000000000000000" pitchFamily="2" charset="2"/>
-              </a:rPr>
-              <a:t> pulse narrows</a:t>
-            </a:r>
-            <a:endParaRPr lang="en-US" dirty="0"/>
-          </a:p>
-        </p:txBody>
-      </p:sp>
-      <p:sp>
-        <p:nvSpPr>
-          <p:cNvPr id="27" name="TextBox 26">
-            <a:extLst>
-              <a:ext uri="{FF2B5EF4-FFF2-40B4-BE49-F238E27FC236}">
-                <a16:creationId xmlns:a16="http://schemas.microsoft.com/office/drawing/2014/main" id="{A2A2C66A-ACB2-3D10-8461-6D50DA97A945}"/>
-              </a:ext>
-            </a:extLst>
-          </p:cNvPr>
-          <p:cNvSpPr txBox="1"/>
-          <p:nvPr/>
-        </p:nvSpPr>
-        <p:spPr>
-          <a:xfrm>
-            <a:off x="1304789" y="2893476"/>
-            <a:ext cx="5640775" cy="646331"/>
-          </a:xfrm>
-          <a:prstGeom prst="rect">
-            <a:avLst/>
-          </a:prstGeom>
-          <a:noFill/>
-        </p:spPr>
-        <p:txBody>
-          <a:bodyPr wrap="none" rtlCol="0">
-            <a:spAutoFit/>
-          </a:bodyPr>
-          <a:lstStyle/>
-          <a:p>
-            <a:r>
-              <a:rPr lang="en-US" dirty="0"/>
-              <a:t>Effective force drives particle to zero velocity</a:t>
-            </a:r>
-          </a:p>
-          <a:p>
-            <a:r>
-              <a:rPr lang="en-US" dirty="0">
-                <a:sym typeface="Wingdings" panose="05000000000000000000" pitchFamily="2" charset="2"/>
-              </a:rPr>
-              <a:t>   unlike “slowing force” in e.g. chirped-frequency light</a:t>
-            </a:r>
-            <a:endParaRPr lang="en-US" dirty="0"/>
-          </a:p>
-        </p:txBody>
-      </p:sp>
-      <p:pic>
-        <p:nvPicPr>
-          <p:cNvPr id="29" name="Picture 28" descr="\documentclass{article}&#10;\usepackage{amsmath}&#10;\pagestyle{empty}&#10;\begin{document}&#10;&#10;$p_\text{rms, final} = \hbar k /\sqrt{2}$&#10;&#10;&#10;\end{document}" title="IguanaTex Bitmap Display">
-            <a:extLst>
-              <a:ext uri="{FF2B5EF4-FFF2-40B4-BE49-F238E27FC236}">
-                <a16:creationId xmlns:a16="http://schemas.microsoft.com/office/drawing/2014/main" id="{B13FBD5E-E50E-55D0-C2FD-8E2AB39C57EA}"/>
-              </a:ext>
-            </a:extLst>
-          </p:cNvPr>
-          <p:cNvPicPr>
-            <a:picLocks noChangeAspect="1"/>
-          </p:cNvPicPr>
-          <p:nvPr>
-            <p:custDataLst>
-              <p:tags r:id="rId4"/>
-            </p:custDataLst>
-          </p:nvPr>
-        </p:nvPicPr>
-        <p:blipFill>
-          <a:blip r:embed="rId10" cstate="print">
-            <a:extLst>
-              <a:ext uri="{28A0092B-C50C-407E-A947-70E740481C1C}">
-                <a14:useLocalDpi xmlns:a14="http://schemas.microsoft.com/office/drawing/2010/main" val="0"/>
-              </a:ext>
-            </a:extLst>
-          </a:blip>
-          <a:stretch>
-            <a:fillRect/>
-          </a:stretch>
-        </p:blipFill>
-        <p:spPr>
-          <a:xfrm>
-            <a:off x="1304789" y="4120714"/>
-            <a:ext cx="2070857" cy="294095"/>
-          </a:xfrm>
-          <a:prstGeom prst="rect">
-            <a:avLst/>
-          </a:prstGeom>
-        </p:spPr>
-      </p:pic>
-    </p:spTree>
-    <p:extLst>
-      <p:ext uri="{BB962C8B-B14F-4D97-AF65-F5344CB8AC3E}">
-        <p14:creationId xmlns:p14="http://schemas.microsoft.com/office/powerpoint/2010/main" val="1933406857"/>
       </p:ext>
     </p:extLst>
   </p:cSld>
@@ -7299,7 +6726,7 @@
         </p:blipFill>
         <p:spPr>
           <a:xfrm>
-            <a:off x="1420927" y="3083072"/>
+            <a:off x="1549263" y="3355786"/>
             <a:ext cx="4542788" cy="2907053"/>
           </a:xfrm>
           <a:prstGeom prst="rect">
@@ -7335,7 +6762,7 @@
         </p:blipFill>
         <p:spPr>
           <a:xfrm>
-            <a:off x="6016493" y="3114755"/>
+            <a:off x="6144829" y="3387469"/>
             <a:ext cx="4586308" cy="2907053"/>
           </a:xfrm>
           <a:prstGeom prst="rect">
@@ -7719,7 +7146,7 @@
         </p:nvSpPr>
         <p:spPr>
           <a:xfrm>
-            <a:off x="379485" y="4830532"/>
+            <a:off x="507821" y="5103246"/>
             <a:ext cx="1038554" cy="369332"/>
           </a:xfrm>
           <a:prstGeom prst="rect">
@@ -7754,7 +7181,7 @@
         </p:nvSpPr>
         <p:spPr>
           <a:xfrm>
-            <a:off x="453360" y="3530009"/>
+            <a:off x="581696" y="3802723"/>
             <a:ext cx="927946" cy="369332"/>
           </a:xfrm>
           <a:prstGeom prst="rect">
@@ -7775,6 +7202,78 @@
           </a:p>
         </p:txBody>
       </p:sp>
+      <p:pic>
+        <p:nvPicPr>
+          <p:cNvPr id="4" name="Picture 3">
+            <a:extLst>
+              <a:ext uri="{FF2B5EF4-FFF2-40B4-BE49-F238E27FC236}">
+                <a16:creationId xmlns:a16="http://schemas.microsoft.com/office/drawing/2014/main" id="{52FDBFBA-CFBC-10B8-EECE-F032F3C16F3F}"/>
+              </a:ext>
+            </a:extLst>
+          </p:cNvPr>
+          <p:cNvPicPr>
+            <a:picLocks noChangeAspect="1"/>
+          </p:cNvPicPr>
+          <p:nvPr/>
+        </p:nvPicPr>
+        <p:blipFill>
+          <a:blip r:embed="rId12">
+            <a:extLst>
+              <a:ext uri="{28A0092B-C50C-407E-A947-70E740481C1C}">
+                <a14:useLocalDpi xmlns:a14="http://schemas.microsoft.com/office/drawing/2010/main" val="0"/>
+              </a:ext>
+            </a:extLst>
+          </a:blip>
+          <a:stretch>
+            <a:fillRect/>
+          </a:stretch>
+        </p:blipFill>
+        <p:spPr>
+          <a:xfrm>
+            <a:off x="3226176" y="3140991"/>
+            <a:ext cx="1200150" cy="209550"/>
+          </a:xfrm>
+          <a:prstGeom prst="rect">
+            <a:avLst/>
+          </a:prstGeom>
+        </p:spPr>
+      </p:pic>
+      <p:pic>
+        <p:nvPicPr>
+          <p:cNvPr id="7" name="Picture 6">
+            <a:extLst>
+              <a:ext uri="{FF2B5EF4-FFF2-40B4-BE49-F238E27FC236}">
+                <a16:creationId xmlns:a16="http://schemas.microsoft.com/office/drawing/2014/main" id="{5525BB82-B7D4-9D38-87CC-4ECF35A6ADB7}"/>
+              </a:ext>
+            </a:extLst>
+          </p:cNvPr>
+          <p:cNvPicPr>
+            <a:picLocks noChangeAspect="1"/>
+          </p:cNvPicPr>
+          <p:nvPr/>
+        </p:nvPicPr>
+        <p:blipFill>
+          <a:blip r:embed="rId13">
+            <a:extLst>
+              <a:ext uri="{28A0092B-C50C-407E-A947-70E740481C1C}">
+                <a14:useLocalDpi xmlns:a14="http://schemas.microsoft.com/office/drawing/2010/main" val="0"/>
+              </a:ext>
+            </a:extLst>
+          </a:blip>
+          <a:stretch>
+            <a:fillRect/>
+          </a:stretch>
+        </p:blipFill>
+        <p:spPr>
+          <a:xfrm>
+            <a:off x="7853252" y="3148996"/>
+            <a:ext cx="1200150" cy="209550"/>
+          </a:xfrm>
+          <a:prstGeom prst="rect">
+            <a:avLst/>
+          </a:prstGeom>
+        </p:spPr>
+      </p:pic>
     </p:spTree>
     <p:extLst>
       <p:ext uri="{BB962C8B-B14F-4D97-AF65-F5344CB8AC3E}">
@@ -10565,146 +10064,6 @@
   <p:tag name="LATEXADDIN" val="\documentclass{article}&#10;\usepackage{amsmath}&#10;\pagestyle{empty}&#10;\begin{document}&#10;&#10;$\gamma \to 0$&#10;&#10;&#10;\end{document}"/>
   <p:tag name="IGUANATEXSIZE" val="24"/>
   <p:tag name="IGUANATEXCURSOR" val="94"/>
-  <p:tag name="TRANSPARENCY" val="True"/>
-  <p:tag name="LATEXENGINEID" val="0"/>
-  <p:tag name="TEMPFOLDER" val="c:\temp\"/>
-  <p:tag name="LATEXFORMHEIGHT" val="320"/>
-  <p:tag name="LATEXFORMWIDTH" val="385"/>
-  <p:tag name="LATEXFORMWRAP" val="True"/>
-  <p:tag name="BITMAPVECTOR" val="0"/>
-</p:tagLst>
-</file>
-
-<file path=ppt/tags/tag22.xml><?xml version="1.0" encoding="utf-8"?>
-<p:tagLst xmlns:a="http://schemas.openxmlformats.org/drawingml/2006/main" xmlns:r="http://schemas.openxmlformats.org/officeDocument/2006/relationships" xmlns:p="http://schemas.openxmlformats.org/presentationml/2006/main">
-  <p:tag name="OUTPUTDPI" val="1200"/>
-  <p:tag name="ORIGINALHEIGHT" val="274.4657"/>
-  <p:tag name="ORIGINALWIDTH" val="2146.232"/>
-  <p:tag name="OUTPUTTYPE" val="PNG"/>
-  <p:tag name="IGUANATEXVERSION" val="160"/>
-  <p:tag name="LATEXADDIN" val="\documentclass{article}&#10;\usepackage{amsmath}&#10;\pagestyle{empty}&#10;\begin{document}&#10;&#10;\begin{equation*}&#10;\hat{H}(t) = \frac{\hat{p}^2}{2m} - \frac{\hbar}{2}\delta(t) \hat{\sigma}^z + \frac{\hbar}{2}\Omega_s \cos(k\hat{z}) \hat{\sigma}^x&#10;\end{equation*}&#10;&#10;\end{document}"/>
-  <p:tag name="IGUANATEXSIZE" val="20"/>
-  <p:tag name="IGUANATEXCURSOR" val="230"/>
-  <p:tag name="TRANSPARENCY" val="True"/>
-  <p:tag name="LATEXENGINEID" val="0"/>
-  <p:tag name="TEMPFOLDER" val="c:\temp\"/>
-  <p:tag name="LATEXFORMHEIGHT" val="320"/>
-  <p:tag name="LATEXFORMWIDTH" val="385"/>
-  <p:tag name="LATEXFORMWRAP" val="True"/>
-  <p:tag name="BITMAPVECTOR" val="0"/>
-</p:tagLst>
-</file>
-
-<file path=ppt/tags/tag23.xml><?xml version="1.0" encoding="utf-8"?>
-<p:tagLst xmlns:a="http://schemas.openxmlformats.org/drawingml/2006/main" xmlns:r="http://schemas.openxmlformats.org/officeDocument/2006/relationships" xmlns:p="http://schemas.openxmlformats.org/presentationml/2006/main">
-  <p:tag name="OUTPUTDPI" val="1200"/>
-  <p:tag name="ORIGINALHEIGHT" val="125.2343"/>
-  <p:tag name="ORIGINALWIDTH" val="2385.452"/>
-  <p:tag name="OUTPUTTYPE" val="PNG"/>
-  <p:tag name="IGUANATEXVERSION" val="160"/>
-  <p:tag name="LATEXADDIN" val="\documentclass{article}&#10;\usepackage{amsmath}&#10;\usepackage{physics}&#10;\pagestyle{empty}&#10;\begin{document}&#10;&#10;$\{ \ket{g,p}, \ket{e,p-\hbar k}, \ket{g,p-2\hbar k}, \ket{e,p-3\hbar k} \}$&#10;&#10;&#10;\end{document}"/>
-  <p:tag name="IGUANATEXSIZE" val="20"/>
-  <p:tag name="IGUANATEXCURSOR" val="173"/>
-  <p:tag name="TRANSPARENCY" val="True"/>
-  <p:tag name="LATEXENGINEID" val="0"/>
-  <p:tag name="TEMPFOLDER" val="c:\temp\"/>
-  <p:tag name="LATEXFORMHEIGHT" val="320"/>
-  <p:tag name="LATEXFORMWIDTH" val="385"/>
-  <p:tag name="LATEXFORMWRAP" val="True"/>
-  <p:tag name="BITMAPVECTOR" val="0"/>
-</p:tagLst>
-</file>
-
-<file path=ppt/tags/tag24.xml><?xml version="1.0" encoding="utf-8"?>
-<p:tagLst xmlns:a="http://schemas.openxmlformats.org/drawingml/2006/main" xmlns:r="http://schemas.openxmlformats.org/officeDocument/2006/relationships" xmlns:p="http://schemas.openxmlformats.org/presentationml/2006/main">
-  <p:tag name="OUTPUTDPI" val="1200"/>
-  <p:tag name="ORIGINALHEIGHT" val="125.2343"/>
-  <p:tag name="ORIGINALWIDTH" val="638.9202"/>
-  <p:tag name="OUTPUTTYPE" val="PNG"/>
-  <p:tag name="IGUANATEXVERSION" val="160"/>
-  <p:tag name="LATEXADDIN" val="\documentclass{article}&#10;\usepackage{amsmath}&#10;\usepackage{physics}&#10;&#10;\pagestyle{empty}&#10;\begin{document}&#10;&#10;$\abs{\delta(t)} \gg \abs{kv}$&#10;&#10;&#10;\end{document}"/>
-  <p:tag name="IGUANATEXSIZE" val="20"/>
-  <p:tag name="IGUANATEXCURSOR" val="119"/>
-  <p:tag name="TRANSPARENCY" val="True"/>
-  <p:tag name="LATEXENGINEID" val="0"/>
-  <p:tag name="TEMPFOLDER" val="c:\temp\"/>
-  <p:tag name="LATEXFORMHEIGHT" val="320"/>
-  <p:tag name="LATEXFORMWIDTH" val="385"/>
-  <p:tag name="LATEXFORMWRAP" val="True"/>
-  <p:tag name="BITMAPVECTOR" val="0"/>
-</p:tagLst>
-</file>
-
-<file path=ppt/tags/tag25.xml><?xml version="1.0" encoding="utf-8"?>
-<p:tagLst xmlns:a="http://schemas.openxmlformats.org/drawingml/2006/main" xmlns:r="http://schemas.openxmlformats.org/officeDocument/2006/relationships" xmlns:p="http://schemas.openxmlformats.org/presentationml/2006/main">
-  <p:tag name="OUTPUTDPI" val="1200"/>
-  <p:tag name="ORIGINALHEIGHT" val="271.4661"/>
-  <p:tag name="ORIGINALWIDTH" val="831.6461"/>
-  <p:tag name="OUTPUTTYPE" val="PNG"/>
-  <p:tag name="IGUANATEXVERSION" val="160"/>
-  <p:tag name="LATEXADDIN" val="\documentclass{article}&#10;\usepackage{amsmath, amssymb}&#10;\usepackage{physics}&#10;\usepackage{mathtools}&#10;\pagestyle{empty}&#10;\begin{document}&#10;&#10;\begin{equation*}&#10;\abs{\frac{p}{\hbar k}} \gtrapprox 1 + \frac{2\kappa \gamma}{\omega_r}&#10;\end{equation*}&#10;&#10;&#10;\end{document}"/>
-  <p:tag name="IGUANATEXSIZE" val="20"/>
-  <p:tag name="IGUANATEXCURSOR" val="222"/>
-  <p:tag name="TRANSPARENCY" val="True"/>
-  <p:tag name="LATEXENGINEID" val="0"/>
-  <p:tag name="TEMPFOLDER" val="c:\temp\"/>
-  <p:tag name="LATEXFORMHEIGHT" val="320"/>
-  <p:tag name="LATEXFORMWIDTH" val="385"/>
-  <p:tag name="LATEXFORMWRAP" val="True"/>
-  <p:tag name="BITMAPVECTOR" val="0"/>
-</p:tagLst>
-</file>
-
-<file path=ppt/tags/tag26.xml><?xml version="1.0" encoding="utf-8"?>
-<p:tagLst xmlns:a="http://schemas.openxmlformats.org/drawingml/2006/main" xmlns:r="http://schemas.openxmlformats.org/officeDocument/2006/relationships" xmlns:p="http://schemas.openxmlformats.org/presentationml/2006/main">
-  <p:tag name="OUTPUTDPI" val="1200"/>
-  <p:tag name="ORIGINALHEIGHT" val="149.2313"/>
-  <p:tag name="ORIGINALWIDTH" val="740.1575"/>
-  <p:tag name="OUTPUTTYPE" val="PNG"/>
-  <p:tag name="IGUANATEXVERSION" val="160"/>
-  <p:tag name="LATEXADDIN" val="\documentclass{article}&#10;\usepackage{amsmath}&#10;\pagestyle{empty}&#10;\begin{document}&#10;&#10;$p_\text{rms} = \sqrt{\langle \hat{p}^2 \rangle}$&#10;&#10;&#10;\end{document}"/>
-  <p:tag name="IGUANATEXSIZE" val="20"/>
-  <p:tag name="IGUANATEXCURSOR" val="120"/>
-  <p:tag name="TRANSPARENCY" val="True"/>
-  <p:tag name="LATEXENGINEID" val="0"/>
-  <p:tag name="TEMPFOLDER" val="c:\temp\"/>
-  <p:tag name="LATEXFORMHEIGHT" val="320"/>
-  <p:tag name="LATEXFORMWIDTH" val="385"/>
-  <p:tag name="LATEXFORMWRAP" val="True"/>
-  <p:tag name="BITMAPVECTOR" val="0"/>
-</p:tagLst>
-</file>
-
-<file path=ppt/tags/tag27.xml><?xml version="1.0" encoding="utf-8"?>
-<p:tagLst xmlns:a="http://schemas.openxmlformats.org/drawingml/2006/main" xmlns:r="http://schemas.openxmlformats.org/officeDocument/2006/relationships" xmlns:p="http://schemas.openxmlformats.org/presentationml/2006/main">
-  <p:tag name="OUTPUTDPI" val="1200"/>
-  <p:tag name="ORIGINALHEIGHT" val="110.2362"/>
-  <p:tag name="ORIGINALWIDTH" val="203.9745"/>
-  <p:tag name="OUTPUTTYPE" val="PNG"/>
-  <p:tag name="IGUANATEXVERSION" val="160"/>
-  <p:tag name="LATEXADDIN" val="\documentclass{article}&#10;\usepackage{amsmath}&#10;\pagestyle{empty}&#10;\begin{document}&#10;&#10;$p_i \downarrow$&#10;&#10;&#10;\end{document}"/>
-  <p:tag name="IGUANATEXSIZE" val="20"/>
-  <p:tag name="IGUANATEXCURSOR" val="96"/>
-  <p:tag name="TRANSPARENCY" val="True"/>
-  <p:tag name="LATEXENGINEID" val="0"/>
-  <p:tag name="TEMPFOLDER" val="c:\temp\"/>
-  <p:tag name="LATEXFORMHEIGHT" val="320"/>
-  <p:tag name="LATEXFORMWIDTH" val="385"/>
-  <p:tag name="LATEXFORMWRAP" val="True"/>
-  <p:tag name="BITMAPVECTOR" val="0"/>
-</p:tagLst>
-</file>
-
-<file path=ppt/tags/tag28.xml><?xml version="1.0" encoding="utf-8"?>
-<p:tagLst xmlns:a="http://schemas.openxmlformats.org/drawingml/2006/main" xmlns:r="http://schemas.openxmlformats.org/officeDocument/2006/relationships" xmlns:p="http://schemas.openxmlformats.org/presentationml/2006/main">
-  <p:tag name="OUTPUTDPI" val="1200"/>
-  <p:tag name="ORIGINALHEIGHT" val="144.7319"/>
-  <p:tag name="ORIGINALWIDTH" val="1019.123"/>
-  <p:tag name="OUTPUTTYPE" val="PNG"/>
-  <p:tag name="IGUANATEXVERSION" val="160"/>
-  <p:tag name="LATEXADDIN" val="\documentclass{article}&#10;\usepackage{amsmath}&#10;\pagestyle{empty}&#10;\begin{document}&#10;&#10;$p_\text{rms, final} = \hbar k /\sqrt{2}$&#10;&#10;&#10;\end{document}"/>
-  <p:tag name="IGUANATEXSIZE" val="20"/>
-  <p:tag name="IGUANATEXCURSOR" val="120"/>
   <p:tag name="TRANSPARENCY" val="True"/>
   <p:tag name="LATEXENGINEID" val="0"/>
   <p:tag name="TEMPFOLDER" val="c:\temp\"/>
